--- a/AI_Filnal_ppt.pptx
+++ b/AI_Filnal_ppt.pptx
@@ -5,7 +5,7 @@
     <p:sldMasterId id="2147483659" r:id="rId1"/>
   </p:sldMasterIdLst>
   <p:notesMasterIdLst>
-    <p:notesMasterId r:id="rId17"/>
+    <p:notesMasterId r:id="rId19"/>
   </p:notesMasterIdLst>
   <p:sldIdLst>
     <p:sldId id="256" r:id="rId2"/>
@@ -14,30 +14,27 @@
     <p:sldId id="274" r:id="rId5"/>
     <p:sldId id="258" r:id="rId6"/>
     <p:sldId id="259" r:id="rId7"/>
-    <p:sldId id="266" r:id="rId8"/>
-    <p:sldId id="267" r:id="rId9"/>
-    <p:sldId id="268" r:id="rId10"/>
-    <p:sldId id="271" r:id="rId11"/>
-    <p:sldId id="270" r:id="rId12"/>
-    <p:sldId id="272" r:id="rId13"/>
-    <p:sldId id="273" r:id="rId14"/>
-    <p:sldId id="264" r:id="rId15"/>
-    <p:sldId id="263" r:id="rId16"/>
+    <p:sldId id="275" r:id="rId8"/>
+    <p:sldId id="266" r:id="rId9"/>
+    <p:sldId id="267" r:id="rId10"/>
+    <p:sldId id="268" r:id="rId11"/>
+    <p:sldId id="271" r:id="rId12"/>
+    <p:sldId id="276" r:id="rId13"/>
+    <p:sldId id="270" r:id="rId14"/>
+    <p:sldId id="272" r:id="rId15"/>
+    <p:sldId id="273" r:id="rId16"/>
+    <p:sldId id="264" r:id="rId17"/>
+    <p:sldId id="263" r:id="rId18"/>
   </p:sldIdLst>
   <p:sldSz cx="9144000" cy="5143500" type="screen16x9"/>
   <p:notesSz cx="6858000" cy="9144000"/>
   <p:embeddedFontLst>
     <p:embeddedFont>
       <p:font typeface="Calibri" panose="020F0502020204030204" pitchFamily="34" charset="0"/>
-      <p:regular r:id="rId18"/>
-      <p:bold r:id="rId19"/>
-      <p:italic r:id="rId20"/>
-      <p:boldItalic r:id="rId21"/>
-    </p:embeddedFont>
-    <p:embeddedFont>
-      <p:font typeface="微軟正黑體" panose="020B0604030504040204" pitchFamily="34" charset="-120"/>
-      <p:regular r:id="rId22"/>
-      <p:bold r:id="rId23"/>
+      <p:regular r:id="rId20"/>
+      <p:bold r:id="rId21"/>
+      <p:italic r:id="rId22"/>
+      <p:boldItalic r:id="rId23"/>
     </p:embeddedFont>
     <p:embeddedFont>
       <p:font typeface="Nunito" panose="020B0604020202020204" charset="0"/>
@@ -45,6 +42,11 @@
       <p:bold r:id="rId25"/>
       <p:italic r:id="rId26"/>
       <p:boldItalic r:id="rId27"/>
+    </p:embeddedFont>
+    <p:embeddedFont>
+      <p:font typeface="微軟正黑體" panose="020B0604030504040204" pitchFamily="34" charset="-120"/>
+      <p:regular r:id="rId28"/>
+      <p:bold r:id="rId29"/>
     </p:embeddedFont>
   </p:embeddedFontLst>
   <p:defaultTextStyle>
@@ -276,6 +278,11 @@
       </a:defRPr>
     </a:lvl9pPr>
   </p:defaultTextStyle>
+  <p:extLst>
+    <p:ext uri="{EFAFB233-063F-42B5-8137-9DF3F51BA10A}">
+      <p15:sldGuideLst xmlns:p15="http://schemas.microsoft.com/office/powerpoint/2012/main"/>
+    </p:ext>
+  </p:extLst>
 </p:presentation>
 </file>
 
@@ -2254,6 +2261,13 @@
         </dgm:presLayoutVars>
       </dgm:prSet>
       <dgm:spPr/>
+      <dgm:t>
+        <a:bodyPr/>
+        <a:lstStyle/>
+        <a:p>
+          <a:endParaRPr lang="zh-TW" altLang="en-US"/>
+        </a:p>
+      </dgm:t>
     </dgm:pt>
     <dgm:pt modelId="{B0F0EC99-0577-4DD1-9311-093D6682D15B}" type="pres">
       <dgm:prSet presAssocID="{48192440-439A-4CED-AAD7-1AC36E9C2593}" presName="linNode" presStyleCnt="0"/>
@@ -2321,6 +2335,13 @@
         </dgm:presLayoutVars>
       </dgm:prSet>
       <dgm:spPr/>
+      <dgm:t>
+        <a:bodyPr/>
+        <a:lstStyle/>
+        <a:p>
+          <a:endParaRPr lang="zh-TW" altLang="en-US"/>
+        </a:p>
+      </dgm:t>
     </dgm:pt>
   </dgm:ptLst>
   <dgm:cxnLst>
@@ -2334,8 +2355,8 @@
     <dgm:cxn modelId="{5C3C62C2-0972-4808-B2F2-8EB1EB69A892}" srcId="{1832023B-864D-42DB-A891-5764199F6039}" destId="{ABFC61CF-699C-4DF8-8521-D77C2B8A9468}" srcOrd="1" destOrd="0" parTransId="{9C5D5770-A8D2-44EF-BC75-BD051E44650E}" sibTransId="{FF573854-229E-48DF-AFC0-0F2759A203DA}"/>
     <dgm:cxn modelId="{6D34C2D4-058B-48D7-89A4-31EA020CA9C4}" srcId="{1832023B-864D-42DB-A891-5764199F6039}" destId="{48192440-439A-4CED-AAD7-1AC36E9C2593}" srcOrd="0" destOrd="0" parTransId="{D2263550-D1DA-43CB-841F-1CF04BDB1409}" sibTransId="{32C258E9-5805-4714-8C7F-76CBD4CA16A6}"/>
     <dgm:cxn modelId="{A4F4CD7B-CAB7-4000-AE34-8F84F629311F}" srcId="{48192440-439A-4CED-AAD7-1AC36E9C2593}" destId="{D66993B1-659A-494A-AD43-43B9E7926B35}" srcOrd="2" destOrd="0" parTransId="{3789F2DF-D925-4294-899E-DB0F6E2955D2}" sibTransId="{E2C0633D-89D3-44A3-8BDC-0B19C51F0EF9}"/>
+    <dgm:cxn modelId="{13539210-CC80-4F76-AF79-494E8748E84A}" type="presOf" srcId="{1832023B-864D-42DB-A891-5764199F6039}" destId="{ABF9B5D1-C1F2-4F49-9958-1BE55563F147}" srcOrd="0" destOrd="0" presId="urn:microsoft.com/office/officeart/2005/8/layout/vList5"/>
     <dgm:cxn modelId="{1EE53495-5D56-4D44-BAD0-E62E7B0A9797}" srcId="{ABFC61CF-699C-4DF8-8521-D77C2B8A9468}" destId="{743DBD06-36B9-44F9-B8F2-743DF7E8419D}" srcOrd="0" destOrd="0" parTransId="{F60C5532-ADF0-4543-81B5-B8110C28B651}" sibTransId="{AB4736E4-7089-4EE6-BC0D-C9703BDA27D2}"/>
-    <dgm:cxn modelId="{13539210-CC80-4F76-AF79-494E8748E84A}" type="presOf" srcId="{1832023B-864D-42DB-A891-5764199F6039}" destId="{ABF9B5D1-C1F2-4F49-9958-1BE55563F147}" srcOrd="0" destOrd="0" presId="urn:microsoft.com/office/officeart/2005/8/layout/vList5"/>
     <dgm:cxn modelId="{B8D09FB4-C965-4F37-923C-35126ED1156C}" type="presOf" srcId="{5485F559-6F68-4914-A7ED-CA4BA86D387F}" destId="{20A44B92-E1CC-47C6-BBE2-4CEAA3C4084F}" srcOrd="0" destOrd="1" presId="urn:microsoft.com/office/officeart/2005/8/layout/vList5"/>
     <dgm:cxn modelId="{3EE964EB-4790-4CD0-834A-43C048186732}" type="presOf" srcId="{621DE14E-4F12-4308-A391-8B833F790F42}" destId="{20A44B92-E1CC-47C6-BBE2-4CEAA3C4084F}" srcOrd="0" destOrd="0" presId="urn:microsoft.com/office/officeart/2005/8/layout/vList5"/>
     <dgm:cxn modelId="{5B582A9E-1F8E-4743-991C-0276D41EE035}" srcId="{48192440-439A-4CED-AAD7-1AC36E9C2593}" destId="{5485F559-6F68-4914-A7ED-CA4BA86D387F}" srcOrd="1" destOrd="0" parTransId="{A220FB30-3C90-418B-BF82-12E40CE075AE}" sibTransId="{846C5918-56B1-4A48-BCCB-60B4B34BDE7F}"/>
@@ -2704,6 +2725,13 @@
         </dgm:presLayoutVars>
       </dgm:prSet>
       <dgm:spPr/>
+      <dgm:t>
+        <a:bodyPr/>
+        <a:lstStyle/>
+        <a:p>
+          <a:endParaRPr lang="zh-TW" altLang="en-US"/>
+        </a:p>
+      </dgm:t>
     </dgm:pt>
     <dgm:pt modelId="{B0F0EC99-0577-4DD1-9311-093D6682D15B}" type="pres">
       <dgm:prSet presAssocID="{48192440-439A-4CED-AAD7-1AC36E9C2593}" presName="linNode" presStyleCnt="0"/>
@@ -2771,6 +2799,13 @@
         </dgm:presLayoutVars>
       </dgm:prSet>
       <dgm:spPr/>
+      <dgm:t>
+        <a:bodyPr/>
+        <a:lstStyle/>
+        <a:p>
+          <a:endParaRPr lang="zh-TW" altLang="en-US"/>
+        </a:p>
+      </dgm:t>
     </dgm:pt>
   </dgm:ptLst>
   <dgm:cxnLst>
@@ -2813,355 +2848,6 @@
       <dsp:cNvGrpSpPr/>
     </dsp:nvGrpSpPr>
     <dsp:grpSpPr/>
-    <dsp:sp modelId="{20A44B92-E1CC-47C6-BBE2-4CEAA3C4084F}">
-      <dsp:nvSpPr>
-        <dsp:cNvPr id="0" name=""/>
-        <dsp:cNvSpPr/>
-      </dsp:nvSpPr>
-      <dsp:spPr>
-        <a:xfrm rot="5400000">
-          <a:off x="1737848" y="-682817"/>
-          <a:ext cx="1324694" cy="2838599"/>
-        </a:xfrm>
-        <a:prstGeom prst="round2SameRect">
-          <a:avLst/>
-        </a:prstGeom>
-        <a:solidFill>
-          <a:schemeClr val="accent3"/>
-        </a:solidFill>
-        <a:ln w="25400" cap="flat" cmpd="sng" algn="ctr">
-          <a:solidFill>
-            <a:schemeClr val="accent3">
-              <a:shade val="50000"/>
-            </a:schemeClr>
-          </a:solidFill>
-          <a:prstDash val="solid"/>
-        </a:ln>
-        <a:effectLst/>
-      </dsp:spPr>
-      <dsp:style>
-        <a:lnRef idx="2">
-          <a:schemeClr val="accent3">
-            <a:shade val="50000"/>
-          </a:schemeClr>
-        </a:lnRef>
-        <a:fillRef idx="1">
-          <a:schemeClr val="accent3"/>
-        </a:fillRef>
-        <a:effectRef idx="0">
-          <a:schemeClr val="accent3"/>
-        </a:effectRef>
-        <a:fontRef idx="minor">
-          <a:schemeClr val="lt1"/>
-        </a:fontRef>
-      </dsp:style>
-      <dsp:txBody>
-        <a:bodyPr spcFirstLastPara="0" vert="horz" wrap="square" lIns="247650" tIns="123825" rIns="247650" bIns="123825" numCol="1" spcCol="1270" anchor="ctr" anchorCtr="0">
-          <a:noAutofit/>
-        </a:bodyPr>
-        <a:lstStyle/>
-        <a:p>
-          <a:pPr marL="171450" lvl="1" indent="-171450" algn="l" defTabSz="800100">
-            <a:lnSpc>
-              <a:spcPct val="90000"/>
-            </a:lnSpc>
-            <a:spcBef>
-              <a:spcPct val="0"/>
-            </a:spcBef>
-            <a:spcAft>
-              <a:spcPct val="15000"/>
-            </a:spcAft>
-            <a:buChar char="••"/>
-          </a:pPr>
-          <a:r>
-            <a:rPr lang="en-US" sz="1800" b="0" i="0" kern="1200" dirty="0" smtClean="0"/>
-            <a:t>4th stage project review</a:t>
-          </a:r>
-          <a:endParaRPr lang="zh-TW" altLang="en-US" sz="1800" kern="1200" dirty="0"/>
-        </a:p>
-        <a:p>
-          <a:pPr marL="171450" lvl="1" indent="-171450" algn="l" defTabSz="800100">
-            <a:lnSpc>
-              <a:spcPct val="90000"/>
-            </a:lnSpc>
-            <a:spcBef>
-              <a:spcPct val="0"/>
-            </a:spcBef>
-            <a:spcAft>
-              <a:spcPct val="15000"/>
-            </a:spcAft>
-            <a:buChar char="••"/>
-          </a:pPr>
-          <a:endParaRPr lang="zh-TW" altLang="en-US" sz="1800" kern="1200" dirty="0"/>
-        </a:p>
-        <a:p>
-          <a:pPr marL="171450" lvl="1" indent="-171450" algn="l" defTabSz="800100">
-            <a:lnSpc>
-              <a:spcPct val="90000"/>
-            </a:lnSpc>
-            <a:spcBef>
-              <a:spcPct val="0"/>
-            </a:spcBef>
-            <a:spcAft>
-              <a:spcPct val="15000"/>
-            </a:spcAft>
-            <a:buChar char="••"/>
-          </a:pPr>
-          <a:endParaRPr lang="zh-TW" altLang="en-US" sz="1800" kern="1200" dirty="0"/>
-        </a:p>
-      </dsp:txBody>
-      <dsp:txXfrm rot="-5400000">
-        <a:off x="980896" y="138801"/>
-        <a:ext cx="2773933" cy="1195362"/>
-      </dsp:txXfrm>
-    </dsp:sp>
-    <dsp:sp modelId="{D7F0030F-9BC2-4264-9575-E79EFAB2A742}">
-      <dsp:nvSpPr>
-        <dsp:cNvPr id="0" name=""/>
-        <dsp:cNvSpPr/>
-      </dsp:nvSpPr>
-      <dsp:spPr>
-        <a:xfrm>
-          <a:off x="487" y="36"/>
-          <a:ext cx="980408" cy="1472890"/>
-        </a:xfrm>
-        <a:prstGeom prst="roundRect">
-          <a:avLst/>
-        </a:prstGeom>
-        <a:solidFill>
-          <a:schemeClr val="lt1">
-            <a:hueOff val="0"/>
-            <a:satOff val="0"/>
-            <a:lumOff val="0"/>
-            <a:alphaOff val="0"/>
-          </a:schemeClr>
-        </a:solidFill>
-        <a:ln w="25400" cap="flat" cmpd="sng" algn="ctr">
-          <a:solidFill>
-            <a:schemeClr val="dk1">
-              <a:shade val="80000"/>
-              <a:hueOff val="0"/>
-              <a:satOff val="0"/>
-              <a:lumOff val="0"/>
-              <a:alphaOff val="0"/>
-            </a:schemeClr>
-          </a:solidFill>
-          <a:prstDash val="solid"/>
-        </a:ln>
-        <a:effectLst/>
-      </dsp:spPr>
-      <dsp:style>
-        <a:lnRef idx="2">
-          <a:scrgbClr r="0" g="0" b="0"/>
-        </a:lnRef>
-        <a:fillRef idx="1">
-          <a:scrgbClr r="0" g="0" b="0"/>
-        </a:fillRef>
-        <a:effectRef idx="0">
-          <a:scrgbClr r="0" g="0" b="0"/>
-        </a:effectRef>
-        <a:fontRef idx="minor">
-          <a:schemeClr val="lt1"/>
-        </a:fontRef>
-      </dsp:style>
-      <dsp:txBody>
-        <a:bodyPr spcFirstLastPara="0" vert="horz" wrap="square" lIns="45720" tIns="22860" rIns="45720" bIns="22860" numCol="1" spcCol="1270" anchor="ctr" anchorCtr="0">
-          <a:noAutofit/>
-        </a:bodyPr>
-        <a:lstStyle/>
-        <a:p>
-          <a:pPr lvl="0" algn="ctr" defTabSz="533400" rtl="0">
-            <a:lnSpc>
-              <a:spcPct val="90000"/>
-            </a:lnSpc>
-            <a:spcBef>
-              <a:spcPct val="0"/>
-            </a:spcBef>
-            <a:spcAft>
-              <a:spcPct val="35000"/>
-            </a:spcAft>
-          </a:pPr>
-          <a:r>
-            <a:rPr lang="en-US" altLang="zh-TW" sz="1200" kern="1200" dirty="0" smtClean="0"/>
-            <a:t>106971001 </a:t>
-          </a:r>
-          <a:r>
-            <a:rPr lang="zh-TW" altLang="en-US" sz="1200" kern="1200" dirty="0" smtClean="0"/>
-            <a:t>林上人</a:t>
-          </a:r>
-          <a:endParaRPr lang="zh-TW" altLang="en-US" sz="1200" kern="1200" dirty="0"/>
-        </a:p>
-      </dsp:txBody>
-      <dsp:txXfrm>
-        <a:off x="48347" y="47896"/>
-        <a:ext cx="884688" cy="1377170"/>
-      </dsp:txXfrm>
-    </dsp:sp>
-    <dsp:sp modelId="{21BD9106-CE9F-42DB-A3D8-8988D5923435}">
-      <dsp:nvSpPr>
-        <dsp:cNvPr id="0" name=""/>
-        <dsp:cNvSpPr/>
-      </dsp:nvSpPr>
-      <dsp:spPr>
-        <a:xfrm rot="5400000">
-          <a:off x="1735661" y="870344"/>
-          <a:ext cx="1342675" cy="2825345"/>
-        </a:xfrm>
-        <a:prstGeom prst="round2SameRect">
-          <a:avLst/>
-        </a:prstGeom>
-        <a:solidFill>
-          <a:schemeClr val="accent3"/>
-        </a:solidFill>
-        <a:ln w="25400" cap="flat" cmpd="sng" algn="ctr">
-          <a:solidFill>
-            <a:schemeClr val="accent3">
-              <a:shade val="50000"/>
-            </a:schemeClr>
-          </a:solidFill>
-          <a:prstDash val="solid"/>
-        </a:ln>
-        <a:effectLst/>
-      </dsp:spPr>
-      <dsp:style>
-        <a:lnRef idx="2">
-          <a:schemeClr val="accent3">
-            <a:shade val="50000"/>
-          </a:schemeClr>
-        </a:lnRef>
-        <a:fillRef idx="1">
-          <a:schemeClr val="accent3"/>
-        </a:fillRef>
-        <a:effectRef idx="0">
-          <a:schemeClr val="accent3"/>
-        </a:effectRef>
-        <a:fontRef idx="minor">
-          <a:schemeClr val="lt1"/>
-        </a:fontRef>
-      </dsp:style>
-      <dsp:txBody>
-        <a:bodyPr spcFirstLastPara="0" vert="horz" wrap="square" lIns="247650" tIns="123825" rIns="247650" bIns="123825" numCol="1" spcCol="1270" anchor="ctr" anchorCtr="0">
-          <a:noAutofit/>
-        </a:bodyPr>
-        <a:lstStyle/>
-        <a:p>
-          <a:pPr marL="171450" lvl="1" indent="-171450" algn="l" defTabSz="800100">
-            <a:lnSpc>
-              <a:spcPct val="90000"/>
-            </a:lnSpc>
-            <a:spcBef>
-              <a:spcPct val="0"/>
-            </a:spcBef>
-            <a:spcAft>
-              <a:spcPct val="15000"/>
-            </a:spcAft>
-            <a:buChar char="••"/>
-          </a:pPr>
-          <a:endParaRPr lang="zh-TW" altLang="en-US" sz="1800" kern="1200" dirty="0"/>
-        </a:p>
-        <a:p>
-          <a:pPr marL="171450" lvl="1" indent="-171450" algn="l" defTabSz="800100">
-            <a:lnSpc>
-              <a:spcPct val="90000"/>
-            </a:lnSpc>
-            <a:spcBef>
-              <a:spcPct val="0"/>
-            </a:spcBef>
-            <a:spcAft>
-              <a:spcPct val="15000"/>
-            </a:spcAft>
-            <a:buChar char="••"/>
-          </a:pPr>
-          <a:endParaRPr lang="zh-TW" altLang="en-US" sz="1800" kern="1200" dirty="0"/>
-        </a:p>
-      </dsp:txBody>
-      <dsp:txXfrm rot="-5400000">
-        <a:off x="994326" y="1677223"/>
-        <a:ext cx="2759801" cy="1211587"/>
-      </dsp:txXfrm>
-    </dsp:sp>
-    <dsp:sp modelId="{B89FCE20-01AF-4CF0-9C9C-0844FDB89A7E}">
-      <dsp:nvSpPr>
-        <dsp:cNvPr id="0" name=""/>
-        <dsp:cNvSpPr/>
-      </dsp:nvSpPr>
-      <dsp:spPr>
-        <a:xfrm>
-          <a:off x="487" y="1546572"/>
-          <a:ext cx="993838" cy="1472890"/>
-        </a:xfrm>
-        <a:prstGeom prst="roundRect">
-          <a:avLst/>
-        </a:prstGeom>
-        <a:solidFill>
-          <a:schemeClr val="lt1">
-            <a:hueOff val="0"/>
-            <a:satOff val="0"/>
-            <a:lumOff val="0"/>
-            <a:alphaOff val="0"/>
-          </a:schemeClr>
-        </a:solidFill>
-        <a:ln w="25400" cap="flat" cmpd="sng" algn="ctr">
-          <a:solidFill>
-            <a:schemeClr val="dk1">
-              <a:shade val="80000"/>
-              <a:hueOff val="0"/>
-              <a:satOff val="0"/>
-              <a:lumOff val="0"/>
-              <a:alphaOff val="0"/>
-            </a:schemeClr>
-          </a:solidFill>
-          <a:prstDash val="solid"/>
-        </a:ln>
-        <a:effectLst/>
-      </dsp:spPr>
-      <dsp:style>
-        <a:lnRef idx="2">
-          <a:scrgbClr r="0" g="0" b="0"/>
-        </a:lnRef>
-        <a:fillRef idx="1">
-          <a:scrgbClr r="0" g="0" b="0"/>
-        </a:fillRef>
-        <a:effectRef idx="0">
-          <a:scrgbClr r="0" g="0" b="0"/>
-        </a:effectRef>
-        <a:fontRef idx="minor">
-          <a:schemeClr val="lt1"/>
-        </a:fontRef>
-      </dsp:style>
-      <dsp:txBody>
-        <a:bodyPr spcFirstLastPara="0" vert="horz" wrap="square" lIns="45720" tIns="22860" rIns="45720" bIns="22860" numCol="1" spcCol="1270" anchor="ctr" anchorCtr="0">
-          <a:noAutofit/>
-        </a:bodyPr>
-        <a:lstStyle/>
-        <a:p>
-          <a:pPr lvl="0" algn="ctr" defTabSz="533400" rtl="0">
-            <a:lnSpc>
-              <a:spcPct val="90000"/>
-            </a:lnSpc>
-            <a:spcBef>
-              <a:spcPct val="0"/>
-            </a:spcBef>
-            <a:spcAft>
-              <a:spcPct val="35000"/>
-            </a:spcAft>
-          </a:pPr>
-          <a:r>
-            <a:rPr lang="en-US" altLang="zh-TW" sz="1200" kern="1200" dirty="0" smtClean="0"/>
-            <a:t>106971004 </a:t>
-          </a:r>
-          <a:r>
-            <a:rPr lang="zh-TW" altLang="en-US" sz="1200" kern="1200" dirty="0" smtClean="0"/>
-            <a:t>林佑駿</a:t>
-          </a:r>
-          <a:endParaRPr lang="zh-TW" altLang="en-US" sz="1200" kern="1200" dirty="0"/>
-        </a:p>
-      </dsp:txBody>
-      <dsp:txXfrm>
-        <a:off x="49002" y="1595087"/>
-        <a:ext cx="896808" cy="1375860"/>
-      </dsp:txXfrm>
-    </dsp:sp>
   </dsp:spTree>
 </dsp:drawing>
 </file>
@@ -3174,376 +2860,6 @@
       <dsp:cNvGrpSpPr/>
     </dsp:nvGrpSpPr>
     <dsp:grpSpPr/>
-    <dsp:sp modelId="{20A44B92-E1CC-47C6-BBE2-4CEAA3C4084F}">
-      <dsp:nvSpPr>
-        <dsp:cNvPr id="0" name=""/>
-        <dsp:cNvSpPr/>
-      </dsp:nvSpPr>
-      <dsp:spPr>
-        <a:xfrm rot="5400000">
-          <a:off x="1766143" y="-668075"/>
-          <a:ext cx="1297605" cy="2809116"/>
-        </a:xfrm>
-        <a:prstGeom prst="round2SameRect">
-          <a:avLst/>
-        </a:prstGeom>
-        <a:solidFill>
-          <a:schemeClr val="accent3"/>
-        </a:solidFill>
-        <a:ln w="25400" cap="flat" cmpd="sng" algn="ctr">
-          <a:solidFill>
-            <a:schemeClr val="accent3">
-              <a:shade val="50000"/>
-            </a:schemeClr>
-          </a:solidFill>
-          <a:prstDash val="solid"/>
-        </a:ln>
-        <a:effectLst/>
-      </dsp:spPr>
-      <dsp:style>
-        <a:lnRef idx="2">
-          <a:schemeClr val="accent3">
-            <a:shade val="50000"/>
-          </a:schemeClr>
-        </a:lnRef>
-        <a:fillRef idx="1">
-          <a:schemeClr val="accent3"/>
-        </a:fillRef>
-        <a:effectRef idx="0">
-          <a:schemeClr val="accent3"/>
-        </a:effectRef>
-        <a:fontRef idx="minor">
-          <a:schemeClr val="lt1"/>
-        </a:fontRef>
-      </dsp:style>
-      <dsp:txBody>
-        <a:bodyPr spcFirstLastPara="0" vert="horz" wrap="square" lIns="247650" tIns="123825" rIns="247650" bIns="123825" numCol="1" spcCol="1270" anchor="ctr" anchorCtr="0">
-          <a:noAutofit/>
-        </a:bodyPr>
-        <a:lstStyle/>
-        <a:p>
-          <a:pPr marL="171450" lvl="1" indent="-171450" algn="l" defTabSz="800100">
-            <a:lnSpc>
-              <a:spcPct val="90000"/>
-            </a:lnSpc>
-            <a:spcBef>
-              <a:spcPct val="0"/>
-            </a:spcBef>
-            <a:spcAft>
-              <a:spcPct val="15000"/>
-            </a:spcAft>
-            <a:buChar char="••"/>
-          </a:pPr>
-          <a:endParaRPr lang="zh-TW" altLang="en-US" sz="1800" kern="1200" dirty="0">
-            <a:solidFill>
-              <a:schemeClr val="tx1"/>
-            </a:solidFill>
-          </a:endParaRPr>
-        </a:p>
-        <a:p>
-          <a:pPr marL="171450" lvl="1" indent="-171450" algn="l" defTabSz="800100">
-            <a:lnSpc>
-              <a:spcPct val="90000"/>
-            </a:lnSpc>
-            <a:spcBef>
-              <a:spcPct val="0"/>
-            </a:spcBef>
-            <a:spcAft>
-              <a:spcPct val="15000"/>
-            </a:spcAft>
-            <a:buChar char="••"/>
-          </a:pPr>
-          <a:endParaRPr lang="zh-TW" altLang="en-US" sz="1800" kern="1200" dirty="0">
-            <a:solidFill>
-              <a:schemeClr val="tx1"/>
-            </a:solidFill>
-          </a:endParaRPr>
-        </a:p>
-      </dsp:txBody>
-      <dsp:txXfrm rot="-5400000">
-        <a:off x="1010388" y="151024"/>
-        <a:ext cx="2745772" cy="1170917"/>
-      </dsp:txXfrm>
-    </dsp:sp>
-    <dsp:sp modelId="{D7F0030F-9BC2-4264-9575-E79EFAB2A742}">
-      <dsp:nvSpPr>
-        <dsp:cNvPr id="0" name=""/>
-        <dsp:cNvSpPr/>
-      </dsp:nvSpPr>
-      <dsp:spPr>
-        <a:xfrm>
-          <a:off x="656" y="36"/>
-          <a:ext cx="1009731" cy="1472890"/>
-        </a:xfrm>
-        <a:prstGeom prst="roundRect">
-          <a:avLst/>
-        </a:prstGeom>
-        <a:solidFill>
-          <a:schemeClr val="lt1">
-            <a:hueOff val="0"/>
-            <a:satOff val="0"/>
-            <a:lumOff val="0"/>
-            <a:alphaOff val="0"/>
-          </a:schemeClr>
-        </a:solidFill>
-        <a:ln w="25400" cap="flat" cmpd="sng" algn="ctr">
-          <a:solidFill>
-            <a:schemeClr val="dk1">
-              <a:shade val="80000"/>
-              <a:hueOff val="0"/>
-              <a:satOff val="0"/>
-              <a:lumOff val="0"/>
-              <a:alphaOff val="0"/>
-            </a:schemeClr>
-          </a:solidFill>
-          <a:prstDash val="solid"/>
-        </a:ln>
-        <a:effectLst/>
-      </dsp:spPr>
-      <dsp:style>
-        <a:lnRef idx="2">
-          <a:scrgbClr r="0" g="0" b="0"/>
-        </a:lnRef>
-        <a:fillRef idx="1">
-          <a:scrgbClr r="0" g="0" b="0"/>
-        </a:fillRef>
-        <a:effectRef idx="0">
-          <a:scrgbClr r="0" g="0" b="0"/>
-        </a:effectRef>
-        <a:fontRef idx="minor">
-          <a:schemeClr val="lt1"/>
-        </a:fontRef>
-      </dsp:style>
-      <dsp:txBody>
-        <a:bodyPr spcFirstLastPara="0" vert="horz" wrap="square" lIns="45720" tIns="22860" rIns="45720" bIns="22860" numCol="1" spcCol="1270" anchor="ctr" anchorCtr="0">
-          <a:noAutofit/>
-        </a:bodyPr>
-        <a:lstStyle/>
-        <a:p>
-          <a:pPr lvl="0" algn="ctr" defTabSz="533400" rtl="0">
-            <a:lnSpc>
-              <a:spcPct val="90000"/>
-            </a:lnSpc>
-            <a:spcBef>
-              <a:spcPct val="0"/>
-            </a:spcBef>
-            <a:spcAft>
-              <a:spcPct val="35000"/>
-            </a:spcAft>
-          </a:pPr>
-          <a:r>
-            <a:rPr lang="en-US" altLang="zh-TW" sz="1200" kern="1200" dirty="0" smtClean="0">
-              <a:solidFill>
-                <a:schemeClr val="tx1"/>
-              </a:solidFill>
-            </a:rPr>
-            <a:t>106971009 </a:t>
-          </a:r>
-          <a:r>
-            <a:rPr lang="zh-TW" altLang="en-US" sz="1200" kern="1200" dirty="0" smtClean="0">
-              <a:solidFill>
-                <a:schemeClr val="tx1"/>
-              </a:solidFill>
-            </a:rPr>
-            <a:t>吳宇翔</a:t>
-          </a:r>
-          <a:endParaRPr lang="zh-TW" altLang="en-US" sz="1200" kern="1200" dirty="0">
-            <a:solidFill>
-              <a:schemeClr val="tx1"/>
-            </a:solidFill>
-          </a:endParaRPr>
-        </a:p>
-      </dsp:txBody>
-      <dsp:txXfrm>
-        <a:off x="49947" y="49327"/>
-        <a:ext cx="911149" cy="1374308"/>
-      </dsp:txXfrm>
-    </dsp:sp>
-    <dsp:sp modelId="{21BD9106-CE9F-42DB-A3D8-8988D5923435}">
-      <dsp:nvSpPr>
-        <dsp:cNvPr id="0" name=""/>
-        <dsp:cNvSpPr/>
-      </dsp:nvSpPr>
-      <dsp:spPr>
-        <a:xfrm rot="5400000">
-          <a:off x="1740569" y="878140"/>
-          <a:ext cx="1342675" cy="2809754"/>
-        </a:xfrm>
-        <a:prstGeom prst="round2SameRect">
-          <a:avLst/>
-        </a:prstGeom>
-        <a:solidFill>
-          <a:schemeClr val="accent3"/>
-        </a:solidFill>
-        <a:ln w="25400" cap="flat" cmpd="sng" algn="ctr">
-          <a:solidFill>
-            <a:schemeClr val="accent3">
-              <a:shade val="50000"/>
-            </a:schemeClr>
-          </a:solidFill>
-          <a:prstDash val="solid"/>
-        </a:ln>
-        <a:effectLst/>
-      </dsp:spPr>
-      <dsp:style>
-        <a:lnRef idx="2">
-          <a:schemeClr val="accent3">
-            <a:shade val="50000"/>
-          </a:schemeClr>
-        </a:lnRef>
-        <a:fillRef idx="1">
-          <a:schemeClr val="accent3"/>
-        </a:fillRef>
-        <a:effectRef idx="0">
-          <a:schemeClr val="accent3"/>
-        </a:effectRef>
-        <a:fontRef idx="minor">
-          <a:schemeClr val="lt1"/>
-        </a:fontRef>
-      </dsp:style>
-      <dsp:txBody>
-        <a:bodyPr spcFirstLastPara="0" vert="horz" wrap="square" lIns="247650" tIns="123825" rIns="247650" bIns="123825" numCol="1" spcCol="1270" anchor="ctr" anchorCtr="0">
-          <a:noAutofit/>
-        </a:bodyPr>
-        <a:lstStyle/>
-        <a:p>
-          <a:pPr marL="171450" lvl="1" indent="-171450" algn="l" defTabSz="800100">
-            <a:lnSpc>
-              <a:spcPct val="90000"/>
-            </a:lnSpc>
-            <a:spcBef>
-              <a:spcPct val="0"/>
-            </a:spcBef>
-            <a:spcAft>
-              <a:spcPct val="15000"/>
-            </a:spcAft>
-            <a:buChar char="••"/>
-          </a:pPr>
-          <a:endParaRPr lang="zh-TW" altLang="en-US" sz="1800" kern="1200" dirty="0">
-            <a:solidFill>
-              <a:schemeClr val="tx1"/>
-            </a:solidFill>
-          </a:endParaRPr>
-        </a:p>
-        <a:p>
-          <a:pPr marL="171450" lvl="1" indent="-171450" algn="l" defTabSz="800100">
-            <a:lnSpc>
-              <a:spcPct val="90000"/>
-            </a:lnSpc>
-            <a:spcBef>
-              <a:spcPct val="0"/>
-            </a:spcBef>
-            <a:spcAft>
-              <a:spcPct val="15000"/>
-            </a:spcAft>
-            <a:buChar char="••"/>
-          </a:pPr>
-          <a:endParaRPr lang="zh-TW" altLang="en-US" sz="1800" kern="1200" dirty="0">
-            <a:solidFill>
-              <a:schemeClr val="tx1"/>
-            </a:solidFill>
-          </a:endParaRPr>
-        </a:p>
-      </dsp:txBody>
-      <dsp:txXfrm rot="-5400000">
-        <a:off x="1007030" y="1677223"/>
-        <a:ext cx="2744210" cy="1211587"/>
-      </dsp:txXfrm>
-    </dsp:sp>
-    <dsp:sp modelId="{B89FCE20-01AF-4CF0-9C9C-0844FDB89A7E}">
-      <dsp:nvSpPr>
-        <dsp:cNvPr id="0" name=""/>
-        <dsp:cNvSpPr/>
-      </dsp:nvSpPr>
-      <dsp:spPr>
-        <a:xfrm>
-          <a:off x="656" y="1546572"/>
-          <a:ext cx="1006373" cy="1472890"/>
-        </a:xfrm>
-        <a:prstGeom prst="roundRect">
-          <a:avLst/>
-        </a:prstGeom>
-        <a:solidFill>
-          <a:schemeClr val="lt1">
-            <a:hueOff val="0"/>
-            <a:satOff val="0"/>
-            <a:lumOff val="0"/>
-            <a:alphaOff val="0"/>
-          </a:schemeClr>
-        </a:solidFill>
-        <a:ln w="25400" cap="flat" cmpd="sng" algn="ctr">
-          <a:solidFill>
-            <a:schemeClr val="dk1">
-              <a:shade val="80000"/>
-              <a:hueOff val="0"/>
-              <a:satOff val="0"/>
-              <a:lumOff val="0"/>
-              <a:alphaOff val="0"/>
-            </a:schemeClr>
-          </a:solidFill>
-          <a:prstDash val="solid"/>
-        </a:ln>
-        <a:effectLst/>
-      </dsp:spPr>
-      <dsp:style>
-        <a:lnRef idx="2">
-          <a:scrgbClr r="0" g="0" b="0"/>
-        </a:lnRef>
-        <a:fillRef idx="1">
-          <a:scrgbClr r="0" g="0" b="0"/>
-        </a:fillRef>
-        <a:effectRef idx="0">
-          <a:scrgbClr r="0" g="0" b="0"/>
-        </a:effectRef>
-        <a:fontRef idx="minor">
-          <a:schemeClr val="lt1"/>
-        </a:fontRef>
-      </dsp:style>
-      <dsp:txBody>
-        <a:bodyPr spcFirstLastPara="0" vert="horz" wrap="square" lIns="45720" tIns="22860" rIns="45720" bIns="22860" numCol="1" spcCol="1270" anchor="ctr" anchorCtr="0">
-          <a:noAutofit/>
-        </a:bodyPr>
-        <a:lstStyle/>
-        <a:p>
-          <a:pPr lvl="0" algn="ctr" defTabSz="533400" rtl="0">
-            <a:lnSpc>
-              <a:spcPct val="90000"/>
-            </a:lnSpc>
-            <a:spcBef>
-              <a:spcPct val="0"/>
-            </a:spcBef>
-            <a:spcAft>
-              <a:spcPct val="35000"/>
-            </a:spcAft>
-          </a:pPr>
-          <a:r>
-            <a:rPr lang="en-US" altLang="zh-TW" sz="1200" kern="1200" dirty="0" smtClean="0">
-              <a:solidFill>
-                <a:schemeClr val="tx1"/>
-              </a:solidFill>
-            </a:rPr>
-            <a:t>107971023 </a:t>
-          </a:r>
-          <a:r>
-            <a:rPr lang="zh-TW" altLang="en-US" sz="1200" kern="1200" dirty="0" smtClean="0">
-              <a:solidFill>
-                <a:schemeClr val="tx1"/>
-              </a:solidFill>
-            </a:rPr>
-            <a:t>李沛潔</a:t>
-          </a:r>
-          <a:endParaRPr lang="zh-TW" altLang="en-US" sz="1200" kern="1200" dirty="0">
-            <a:solidFill>
-              <a:schemeClr val="tx1"/>
-            </a:solidFill>
-          </a:endParaRPr>
-        </a:p>
-      </dsp:txBody>
-      <dsp:txXfrm>
-        <a:off x="49783" y="1595699"/>
-        <a:ext cx="908119" cy="1374636"/>
-      </dsp:txXfrm>
-    </dsp:sp>
   </dsp:spTree>
 </dsp:drawing>
 </file>
@@ -6745,8 +6061,48 @@
             </a:r>
             <a:r>
               <a:rPr lang="zh-TW" altLang="en-US" dirty="0" smtClean="0"/>
-              <a:t> 清掃方式 環境未知</a:t>
-            </a:r>
+              <a:t> 功能 </a:t>
+            </a:r>
+            <a:r>
+              <a:rPr lang="en-US" altLang="zh-TW" dirty="0" smtClean="0"/>
+              <a:t>(</a:t>
+            </a:r>
+            <a:r>
+              <a:rPr lang="zh-TW" altLang="en-US" dirty="0" smtClean="0"/>
+              <a:t> </a:t>
+            </a:r>
+            <a:endParaRPr lang="en-US" altLang="zh-TW" dirty="0" smtClean="0"/>
+          </a:p>
+          <a:p>
+            <a:pPr marL="0" lvl="0" indent="0" algn="l" rtl="0">
+              <a:spcBef>
+                <a:spcPts val="0"/>
+              </a:spcBef>
+              <a:spcAft>
+                <a:spcPts val="0"/>
+              </a:spcAft>
+              <a:buNone/>
+            </a:pPr>
+            <a:r>
+              <a:rPr lang="en-US" altLang="zh-TW" dirty="0" smtClean="0"/>
+              <a:t>&amp;</a:t>
+            </a:r>
+            <a:r>
+              <a:rPr lang="zh-TW" altLang="en-US" dirty="0" smtClean="0"/>
+              <a:t> 截圖</a:t>
+            </a:r>
+            <a:endParaRPr lang="en-US" altLang="zh-TW" dirty="0" smtClean="0"/>
+          </a:p>
+          <a:p>
+            <a:pPr marL="0" lvl="0" indent="0" algn="l" rtl="0">
+              <a:spcBef>
+                <a:spcPts val="0"/>
+              </a:spcBef>
+              <a:spcAft>
+                <a:spcPts val="0"/>
+              </a:spcAft>
+              <a:buNone/>
+            </a:pPr>
             <a:endParaRPr lang="en-US" altLang="zh-TW" dirty="0" smtClean="0"/>
           </a:p>
           <a:p>
@@ -6766,7 +6122,7 @@
     </p:spTree>
     <p:extLst>
       <p:ext uri="{BB962C8B-B14F-4D97-AF65-F5344CB8AC3E}">
-        <p14:creationId xmlns:p14="http://schemas.microsoft.com/office/powerpoint/2010/main" val="1612180961"/>
+        <p14:creationId xmlns:p14="http://schemas.microsoft.com/office/powerpoint/2010/main" val="4133658008"/>
       </p:ext>
     </p:extLst>
   </p:cSld>
@@ -6870,8 +6226,36 @@
             </a:pPr>
             <a:r>
               <a:rPr lang="zh-TW" altLang="en-US" dirty="0" smtClean="0"/>
-              <a:t>清掃方式比較</a:t>
-            </a:r>
+              <a:t>地圖細部元件 </a:t>
+            </a:r>
+            <a:r>
+              <a:rPr lang="en-US" altLang="zh-TW" dirty="0" smtClean="0"/>
+              <a:t>(</a:t>
+            </a:r>
+            <a:r>
+              <a:rPr lang="zh-TW" altLang="en-US" dirty="0" smtClean="0"/>
+              <a:t> 掃地機器人</a:t>
+            </a:r>
+            <a:r>
+              <a:rPr lang="en-US" altLang="zh-TW" dirty="0" smtClean="0"/>
+              <a:t>)</a:t>
+            </a:r>
+            <a:r>
+              <a:rPr lang="zh-TW" altLang="en-US" dirty="0" smtClean="0"/>
+              <a:t> 清掃方式 環境未知</a:t>
+            </a:r>
+            <a:endParaRPr lang="en-US" altLang="zh-TW" dirty="0" smtClean="0"/>
+          </a:p>
+          <a:p>
+            <a:pPr marL="0" lvl="0" indent="0" algn="l" rtl="0">
+              <a:spcBef>
+                <a:spcPts val="0"/>
+              </a:spcBef>
+              <a:spcAft>
+                <a:spcPts val="0"/>
+              </a:spcAft>
+              <a:buNone/>
+            </a:pPr>
             <a:endParaRPr dirty="0"/>
           </a:p>
         </p:txBody>
@@ -6879,7 +6263,7 @@
     </p:spTree>
     <p:extLst>
       <p:ext uri="{BB962C8B-B14F-4D97-AF65-F5344CB8AC3E}">
-        <p14:creationId xmlns:p14="http://schemas.microsoft.com/office/powerpoint/2010/main" val="3614284347"/>
+        <p14:creationId xmlns:p14="http://schemas.microsoft.com/office/powerpoint/2010/main" val="1612180961"/>
       </p:ext>
     </p:extLst>
   </p:cSld>
@@ -6983,6 +6367,248 @@
             </a:pPr>
             <a:r>
               <a:rPr lang="zh-TW" altLang="en-US" dirty="0" smtClean="0"/>
+              <a:t>地圖細部元件 </a:t>
+            </a:r>
+            <a:r>
+              <a:rPr lang="en-US" altLang="zh-TW" dirty="0" smtClean="0"/>
+              <a:t>(</a:t>
+            </a:r>
+            <a:r>
+              <a:rPr lang="zh-TW" altLang="en-US" dirty="0" smtClean="0"/>
+              <a:t> 掃地機器人</a:t>
+            </a:r>
+            <a:r>
+              <a:rPr lang="en-US" altLang="zh-TW" dirty="0" smtClean="0"/>
+              <a:t>)</a:t>
+            </a:r>
+            <a:r>
+              <a:rPr lang="zh-TW" altLang="en-US" dirty="0" smtClean="0"/>
+              <a:t> 回家</a:t>
+            </a:r>
+            <a:endParaRPr dirty="0"/>
+          </a:p>
+        </p:txBody>
+      </p:sp>
+    </p:spTree>
+    <p:extLst>
+      <p:ext uri="{BB962C8B-B14F-4D97-AF65-F5344CB8AC3E}">
+        <p14:creationId xmlns:p14="http://schemas.microsoft.com/office/powerpoint/2010/main" val="3044671064"/>
+      </p:ext>
+    </p:extLst>
+  </p:cSld>
+  <p:clrMapOvr>
+    <a:masterClrMapping/>
+  </p:clrMapOvr>
+</p:notes>
+</file>
+
+<file path=ppt/notesSlides/notesSlide13.xml><?xml version="1.0" encoding="utf-8"?>
+<p:notes xmlns:a="http://schemas.openxmlformats.org/drawingml/2006/main" xmlns:r="http://schemas.openxmlformats.org/officeDocument/2006/relationships" xmlns:p="http://schemas.openxmlformats.org/presentationml/2006/main" showMasterSp="0" showMasterPhAnim="0">
+  <p:cSld>
+    <p:spTree>
+      <p:nvGrpSpPr>
+        <p:cNvPr id="1" name="Shape 145"/>
+        <p:cNvGrpSpPr/>
+        <p:nvPr/>
+      </p:nvGrpSpPr>
+      <p:grpSpPr>
+        <a:xfrm>
+          <a:off x="0" y="0"/>
+          <a:ext cx="0" cy="0"/>
+          <a:chOff x="0" y="0"/>
+          <a:chExt cx="0" cy="0"/>
+        </a:xfrm>
+      </p:grpSpPr>
+      <p:sp>
+        <p:nvSpPr>
+          <p:cNvPr id="146" name="Google Shape;146;g4d78c935f0_0_2:notes"/>
+          <p:cNvSpPr>
+            <a:spLocks noGrp="1" noRot="1" noChangeAspect="1"/>
+          </p:cNvSpPr>
+          <p:nvPr>
+            <p:ph type="sldImg" idx="2"/>
+          </p:nvPr>
+        </p:nvSpPr>
+        <p:spPr>
+          <a:xfrm>
+            <a:off x="381000" y="685800"/>
+            <a:ext cx="6096000" cy="3429000"/>
+          </a:xfrm>
+          <a:custGeom>
+            <a:avLst/>
+            <a:gdLst/>
+            <a:ahLst/>
+            <a:cxnLst/>
+            <a:rect l="l" t="t" r="r" b="b"/>
+            <a:pathLst>
+              <a:path w="120000" h="120000" extrusionOk="0">
+                <a:moveTo>
+                  <a:pt x="0" y="0"/>
+                </a:moveTo>
+                <a:lnTo>
+                  <a:pt x="120000" y="0"/>
+                </a:lnTo>
+                <a:lnTo>
+                  <a:pt x="120000" y="120000"/>
+                </a:lnTo>
+                <a:lnTo>
+                  <a:pt x="0" y="120000"/>
+                </a:lnTo>
+                <a:close/>
+              </a:path>
+            </a:pathLst>
+          </a:custGeom>
+        </p:spPr>
+      </p:sp>
+      <p:sp>
+        <p:nvSpPr>
+          <p:cNvPr id="147" name="Google Shape;147;g4d78c935f0_0_2:notes"/>
+          <p:cNvSpPr txBox="1">
+            <a:spLocks noGrp="1"/>
+          </p:cNvSpPr>
+          <p:nvPr>
+            <p:ph type="body" idx="1"/>
+          </p:nvPr>
+        </p:nvSpPr>
+        <p:spPr>
+          <a:xfrm>
+            <a:off x="685800" y="4343400"/>
+            <a:ext cx="5486400" cy="4114800"/>
+          </a:xfrm>
+          <a:prstGeom prst="rect">
+            <a:avLst/>
+          </a:prstGeom>
+        </p:spPr>
+        <p:txBody>
+          <a:bodyPr spcFirstLastPara="1" wrap="square" lIns="91425" tIns="91425" rIns="91425" bIns="91425" anchor="t" anchorCtr="0">
+            <a:noAutofit/>
+          </a:bodyPr>
+          <a:lstStyle/>
+          <a:p>
+            <a:pPr marL="0" lvl="0" indent="0" algn="l" rtl="0">
+              <a:spcBef>
+                <a:spcPts val="0"/>
+              </a:spcBef>
+              <a:spcAft>
+                <a:spcPts val="0"/>
+              </a:spcAft>
+              <a:buNone/>
+            </a:pPr>
+            <a:r>
+              <a:rPr lang="zh-TW" altLang="en-US" dirty="0" smtClean="0"/>
+              <a:t>清掃方式比較</a:t>
+            </a:r>
+            <a:endParaRPr dirty="0"/>
+          </a:p>
+        </p:txBody>
+      </p:sp>
+    </p:spTree>
+    <p:extLst>
+      <p:ext uri="{BB962C8B-B14F-4D97-AF65-F5344CB8AC3E}">
+        <p14:creationId xmlns:p14="http://schemas.microsoft.com/office/powerpoint/2010/main" val="3614284347"/>
+      </p:ext>
+    </p:extLst>
+  </p:cSld>
+  <p:clrMapOvr>
+    <a:masterClrMapping/>
+  </p:clrMapOvr>
+</p:notes>
+</file>
+
+<file path=ppt/notesSlides/notesSlide14.xml><?xml version="1.0" encoding="utf-8"?>
+<p:notes xmlns:a="http://schemas.openxmlformats.org/drawingml/2006/main" xmlns:r="http://schemas.openxmlformats.org/officeDocument/2006/relationships" xmlns:p="http://schemas.openxmlformats.org/presentationml/2006/main" showMasterSp="0" showMasterPhAnim="0">
+  <p:cSld>
+    <p:spTree>
+      <p:nvGrpSpPr>
+        <p:cNvPr id="1" name="Shape 145"/>
+        <p:cNvGrpSpPr/>
+        <p:nvPr/>
+      </p:nvGrpSpPr>
+      <p:grpSpPr>
+        <a:xfrm>
+          <a:off x="0" y="0"/>
+          <a:ext cx="0" cy="0"/>
+          <a:chOff x="0" y="0"/>
+          <a:chExt cx="0" cy="0"/>
+        </a:xfrm>
+      </p:grpSpPr>
+      <p:sp>
+        <p:nvSpPr>
+          <p:cNvPr id="146" name="Google Shape;146;g4d78c935f0_0_2:notes"/>
+          <p:cNvSpPr>
+            <a:spLocks noGrp="1" noRot="1" noChangeAspect="1"/>
+          </p:cNvSpPr>
+          <p:nvPr>
+            <p:ph type="sldImg" idx="2"/>
+          </p:nvPr>
+        </p:nvSpPr>
+        <p:spPr>
+          <a:xfrm>
+            <a:off x="381000" y="685800"/>
+            <a:ext cx="6096000" cy="3429000"/>
+          </a:xfrm>
+          <a:custGeom>
+            <a:avLst/>
+            <a:gdLst/>
+            <a:ahLst/>
+            <a:cxnLst/>
+            <a:rect l="l" t="t" r="r" b="b"/>
+            <a:pathLst>
+              <a:path w="120000" h="120000" extrusionOk="0">
+                <a:moveTo>
+                  <a:pt x="0" y="0"/>
+                </a:moveTo>
+                <a:lnTo>
+                  <a:pt x="120000" y="0"/>
+                </a:lnTo>
+                <a:lnTo>
+                  <a:pt x="120000" y="120000"/>
+                </a:lnTo>
+                <a:lnTo>
+                  <a:pt x="0" y="120000"/>
+                </a:lnTo>
+                <a:close/>
+              </a:path>
+            </a:pathLst>
+          </a:custGeom>
+        </p:spPr>
+      </p:sp>
+      <p:sp>
+        <p:nvSpPr>
+          <p:cNvPr id="147" name="Google Shape;147;g4d78c935f0_0_2:notes"/>
+          <p:cNvSpPr txBox="1">
+            <a:spLocks noGrp="1"/>
+          </p:cNvSpPr>
+          <p:nvPr>
+            <p:ph type="body" idx="1"/>
+          </p:nvPr>
+        </p:nvSpPr>
+        <p:spPr>
+          <a:xfrm>
+            <a:off x="685800" y="4343400"/>
+            <a:ext cx="5486400" cy="4114800"/>
+          </a:xfrm>
+          <a:prstGeom prst="rect">
+            <a:avLst/>
+          </a:prstGeom>
+        </p:spPr>
+        <p:txBody>
+          <a:bodyPr spcFirstLastPara="1" wrap="square" lIns="91425" tIns="91425" rIns="91425" bIns="91425" anchor="t" anchorCtr="0">
+            <a:noAutofit/>
+          </a:bodyPr>
+          <a:lstStyle/>
+          <a:p>
+            <a:pPr marL="0" lvl="0" indent="0" algn="l" rtl="0">
+              <a:spcBef>
+                <a:spcPts val="0"/>
+              </a:spcBef>
+              <a:spcAft>
+                <a:spcPts val="0"/>
+              </a:spcAft>
+              <a:buNone/>
+            </a:pPr>
+            <a:r>
+              <a:rPr lang="zh-TW" altLang="en-US" dirty="0" smtClean="0"/>
               <a:t>清掃方式比較</a:t>
             </a:r>
             <a:endParaRPr dirty="0"/>
@@ -7002,7 +6628,7 @@
 </p:notes>
 </file>
 
-<file path=ppt/notesSlides/notesSlide13.xml><?xml version="1.0" encoding="utf-8"?>
+<file path=ppt/notesSlides/notesSlide15.xml><?xml version="1.0" encoding="utf-8"?>
 <p:notes xmlns:a="http://schemas.openxmlformats.org/drawingml/2006/main" xmlns:r="http://schemas.openxmlformats.org/officeDocument/2006/relationships" xmlns:p="http://schemas.openxmlformats.org/presentationml/2006/main" showMasterSp="0" showMasterPhAnim="0">
   <p:cSld>
     <p:spTree>
@@ -7111,7 +6737,7 @@
 </p:notes>
 </file>
 
-<file path=ppt/notesSlides/notesSlide14.xml><?xml version="1.0" encoding="utf-8"?>
+<file path=ppt/notesSlides/notesSlide16.xml><?xml version="1.0" encoding="utf-8"?>
 <p:notes xmlns:a="http://schemas.openxmlformats.org/drawingml/2006/main" xmlns:r="http://schemas.openxmlformats.org/officeDocument/2006/relationships" xmlns:p="http://schemas.openxmlformats.org/presentationml/2006/main" showMasterSp="0" showMasterPhAnim="0">
   <p:cSld>
     <p:spTree>
@@ -7865,41 +7491,14 @@
               </a:spcAft>
               <a:buNone/>
             </a:pPr>
-            <a:r>
-              <a:rPr lang="zh-TW" altLang="en-US" dirty="0" smtClean="0"/>
-              <a:t>地圖細部元件 </a:t>
-            </a:r>
-            <a:r>
-              <a:rPr lang="en-US" altLang="zh-TW" dirty="0" smtClean="0"/>
-              <a:t>(</a:t>
-            </a:r>
-            <a:r>
-              <a:rPr lang="zh-TW" altLang="en-US" dirty="0" smtClean="0"/>
-              <a:t> 障礙物 髒汙圖示 </a:t>
-            </a:r>
-            <a:r>
-              <a:rPr lang="en-US" altLang="zh-TW" dirty="0" smtClean="0"/>
-              <a:t>)</a:t>
-            </a:r>
-          </a:p>
-          <a:p>
-            <a:pPr marL="0" lvl="0" indent="0" algn="l" rtl="0">
-              <a:spcBef>
-                <a:spcPts val="0"/>
-              </a:spcBef>
-              <a:spcAft>
-                <a:spcPts val="0"/>
-              </a:spcAft>
-              <a:buNone/>
-            </a:pPr>
-            <a:endParaRPr dirty="0"/>
+            <a:endParaRPr/>
           </a:p>
         </p:txBody>
       </p:sp>
     </p:spTree>
     <p:extLst>
       <p:ext uri="{BB962C8B-B14F-4D97-AF65-F5344CB8AC3E}">
-        <p14:creationId xmlns:p14="http://schemas.microsoft.com/office/powerpoint/2010/main" val="424448296"/>
+        <p14:creationId xmlns:p14="http://schemas.microsoft.com/office/powerpoint/2010/main" val="3501323396"/>
       </p:ext>
     </p:extLst>
   </p:cSld>
@@ -8011,40 +7610,12 @@
             </a:r>
             <a:r>
               <a:rPr lang="zh-TW" altLang="en-US" dirty="0" smtClean="0"/>
-              <a:t> 掃地機器人</a:t>
+              <a:t> 障礙物 髒汙圖示 </a:t>
             </a:r>
             <a:r>
               <a:rPr lang="en-US" altLang="zh-TW" dirty="0" smtClean="0"/>
               <a:t>)</a:t>
             </a:r>
-            <a:r>
-              <a:rPr lang="zh-TW" altLang="en-US" dirty="0" smtClean="0"/>
-              <a:t> 規格 </a:t>
-            </a:r>
-            <a:r>
-              <a:rPr lang="en-US" altLang="zh-TW" dirty="0" smtClean="0"/>
-              <a:t>(</a:t>
-            </a:r>
-            <a:r>
-              <a:rPr lang="zh-TW" altLang="en-US" dirty="0" smtClean="0"/>
-              <a:t>電池 集塵</a:t>
-            </a:r>
-            <a:r>
-              <a:rPr lang="en-US" altLang="zh-TW" dirty="0" smtClean="0"/>
-              <a:t>)</a:t>
-            </a:r>
-          </a:p>
-          <a:p>
-            <a:pPr marL="0" lvl="0" indent="0" algn="l" rtl="0">
-              <a:spcBef>
-                <a:spcPts val="0"/>
-              </a:spcBef>
-              <a:spcAft>
-                <a:spcPts val="0"/>
-              </a:spcAft>
-              <a:buNone/>
-            </a:pPr>
-            <a:endParaRPr lang="en-US" altLang="zh-TW" dirty="0" smtClean="0"/>
           </a:p>
           <a:p>
             <a:pPr marL="0" lvl="0" indent="0" algn="l" rtl="0">
@@ -8063,7 +7634,7 @@
     </p:spTree>
     <p:extLst>
       <p:ext uri="{BB962C8B-B14F-4D97-AF65-F5344CB8AC3E}">
-        <p14:creationId xmlns:p14="http://schemas.microsoft.com/office/powerpoint/2010/main" val="3069225651"/>
+        <p14:creationId xmlns:p14="http://schemas.microsoft.com/office/powerpoint/2010/main" val="424448296"/>
       </p:ext>
     </p:extLst>
   </p:cSld>
@@ -8183,7 +7754,7 @@
             </a:r>
             <a:r>
               <a:rPr lang="zh-TW" altLang="en-US" dirty="0" smtClean="0"/>
-              <a:t> 功能 </a:t>
+              <a:t> 規格 </a:t>
             </a:r>
             <a:r>
               <a:rPr lang="en-US" altLang="zh-TW" dirty="0" smtClean="0"/>
@@ -8191,29 +7762,12 @@
             </a:r>
             <a:r>
               <a:rPr lang="zh-TW" altLang="en-US" dirty="0" smtClean="0"/>
-              <a:t> </a:t>
-            </a:r>
-            <a:endParaRPr lang="en-US" altLang="zh-TW" dirty="0" smtClean="0"/>
-          </a:p>
-          <a:p>
-            <a:pPr marL="0" lvl="0" indent="0" algn="l" rtl="0">
-              <a:spcBef>
-                <a:spcPts val="0"/>
-              </a:spcBef>
-              <a:spcAft>
-                <a:spcPts val="0"/>
-              </a:spcAft>
-              <a:buNone/>
-            </a:pPr>
+              <a:t>電池 集塵</a:t>
+            </a:r>
             <a:r>
               <a:rPr lang="en-US" altLang="zh-TW" dirty="0" smtClean="0"/>
-              <a:t>&amp;</a:t>
-            </a:r>
-            <a:r>
-              <a:rPr lang="zh-TW" altLang="en-US" dirty="0" smtClean="0"/>
-              <a:t> 截圖</a:t>
-            </a:r>
-            <a:endParaRPr lang="en-US" altLang="zh-TW" dirty="0" smtClean="0"/>
+              <a:t>)</a:t>
+            </a:r>
           </a:p>
           <a:p>
             <a:pPr marL="0" lvl="0" indent="0" algn="l" rtl="0">
@@ -8244,7 +7798,7 @@
     </p:spTree>
     <p:extLst>
       <p:ext uri="{BB962C8B-B14F-4D97-AF65-F5344CB8AC3E}">
-        <p14:creationId xmlns:p14="http://schemas.microsoft.com/office/powerpoint/2010/main" val="4133658008"/>
+        <p14:creationId xmlns:p14="http://schemas.microsoft.com/office/powerpoint/2010/main" val="3069225651"/>
       </p:ext>
     </p:extLst>
   </p:cSld>
@@ -16873,7 +16427,7 @@
     </p:spTree>
     <p:extLst>
       <p:ext uri="{BB962C8B-B14F-4D97-AF65-F5344CB8AC3E}">
-        <p14:creationId xmlns:p14="http://schemas.microsoft.com/office/powerpoint/2010/main" val="1146990736"/>
+        <p14:creationId xmlns:p14="http://schemas.microsoft.com/office/powerpoint/2010/main" val="3762163069"/>
       </p:ext>
     </p:extLst>
   </p:cSld>
@@ -16895,7 +16449,7 @@
   <p:cSld>
     <p:spTree>
       <p:nvGrpSpPr>
-        <p:cNvPr id="1" name=""/>
+        <p:cNvPr id="1" name="Shape 148"/>
         <p:cNvGrpSpPr/>
         <p:nvPr/>
       </p:nvGrpSpPr>
@@ -16909,12 +16463,311 @@
       </p:grpSpPr>
       <p:sp>
         <p:nvSpPr>
-          <p:cNvPr id="4" name="標題 3"/>
+          <p:cNvPr id="149" name="Google Shape;149;p16"/>
+          <p:cNvSpPr txBox="1">
+            <a:spLocks noGrp="1"/>
+          </p:cNvSpPr>
+          <p:nvPr>
+            <p:ph type="title"/>
+          </p:nvPr>
+        </p:nvSpPr>
+        <p:spPr>
+          <a:xfrm>
+            <a:off x="819150" y="464600"/>
+            <a:ext cx="7505700" cy="954600"/>
+          </a:xfrm>
+          <a:prstGeom prst="rect">
+            <a:avLst/>
+          </a:prstGeom>
+        </p:spPr>
+        <p:txBody>
+          <a:bodyPr spcFirstLastPara="1" wrap="square" lIns="91425" tIns="91425" rIns="91425" bIns="91425" anchor="t" anchorCtr="0">
+            <a:noAutofit/>
+          </a:bodyPr>
+          <a:lstStyle/>
+          <a:p>
+            <a:pPr marL="0" lvl="0" indent="0" algn="l" rtl="0">
+              <a:spcBef>
+                <a:spcPts val="0"/>
+              </a:spcBef>
+              <a:spcAft>
+                <a:spcPts val="0"/>
+              </a:spcAft>
+              <a:buNone/>
+            </a:pPr>
+            <a:r>
+              <a:rPr lang="zh-TW" dirty="0">
+                <a:latin typeface="微軟正黑體" panose="020B0604030504040204" pitchFamily="34" charset="-120"/>
+                <a:ea typeface="微軟正黑體" panose="020B0604030504040204" pitchFamily="34" charset="-120"/>
+              </a:rPr>
+              <a:t>元件</a:t>
+            </a:r>
+            <a:r>
+              <a:rPr lang="zh-TW" dirty="0" smtClean="0">
+                <a:latin typeface="微軟正黑體" panose="020B0604030504040204" pitchFamily="34" charset="-120"/>
+                <a:ea typeface="微軟正黑體" panose="020B0604030504040204" pitchFamily="34" charset="-120"/>
+              </a:rPr>
+              <a:t>-</a:t>
+            </a:r>
+            <a:r>
+              <a:rPr lang="zh-TW" altLang="en-US" dirty="0" smtClean="0">
+                <a:latin typeface="微軟正黑體" panose="020B0604030504040204" pitchFamily="34" charset="-120"/>
+                <a:ea typeface="微軟正黑體" panose="020B0604030504040204" pitchFamily="34" charset="-120"/>
+              </a:rPr>
+              <a:t>掃地機器人</a:t>
+            </a:r>
+            <a:endParaRPr dirty="0">
+              <a:latin typeface="微軟正黑體" panose="020B0604030504040204" pitchFamily="34" charset="-120"/>
+              <a:ea typeface="微軟正黑體" panose="020B0604030504040204" pitchFamily="34" charset="-120"/>
+            </a:endParaRPr>
+          </a:p>
+        </p:txBody>
+      </p:sp>
+      <p:sp>
+        <p:nvSpPr>
+          <p:cNvPr id="6" name="文字版面配置區 3"/>
+          <p:cNvSpPr txBox="1">
+            <a:spLocks noGrp="1"/>
+          </p:cNvSpPr>
+          <p:nvPr>
+            <p:ph type="body" idx="1"/>
+          </p:nvPr>
+        </p:nvSpPr>
+        <p:spPr>
+          <a:xfrm>
+            <a:off x="819150" y="1419225"/>
+            <a:ext cx="7505700" cy="1922291"/>
+          </a:xfrm>
+          <a:prstGeom prst="rect">
+            <a:avLst/>
+          </a:prstGeom>
+          <a:noFill/>
+        </p:spPr>
+        <p:txBody>
+          <a:bodyPr wrap="square" rtlCol="0">
+            <a:spAutoFit/>
+          </a:bodyPr>
+          <a:lstStyle/>
+          <a:p>
+            <a:pPr marL="285750" indent="-285750">
+              <a:buFont typeface="Wingdings" panose="05000000000000000000" pitchFamily="2" charset="2"/>
+              <a:buChar char="n"/>
+            </a:pPr>
+            <a:r>
+              <a:rPr lang="zh-TW" altLang="en-US" sz="1600" dirty="0" smtClean="0">
+                <a:latin typeface="微軟正黑體" panose="020B0604030504040204" pitchFamily="34" charset="-120"/>
+                <a:ea typeface="微軟正黑體" panose="020B0604030504040204" pitchFamily="34" charset="-120"/>
+              </a:rPr>
+              <a:t>大小 </a:t>
+            </a:r>
+            <a:r>
+              <a:rPr lang="en-US" altLang="zh-TW" sz="1600" dirty="0">
+                <a:latin typeface="微軟正黑體" panose="020B0604030504040204" pitchFamily="34" charset="-120"/>
+                <a:ea typeface="微軟正黑體" panose="020B0604030504040204" pitchFamily="34" charset="-120"/>
+              </a:rPr>
+              <a:t>: </a:t>
+            </a:r>
+            <a:r>
+              <a:rPr lang="en-US" altLang="zh-TW" sz="1600" dirty="0" smtClean="0">
+                <a:latin typeface="微軟正黑體" panose="020B0604030504040204" pitchFamily="34" charset="-120"/>
+                <a:ea typeface="微軟正黑體" panose="020B0604030504040204" pitchFamily="34" charset="-120"/>
+              </a:rPr>
+              <a:t>30</a:t>
+            </a:r>
+            <a:r>
+              <a:rPr lang="zh-TW" altLang="en-US" sz="1600" dirty="0">
+                <a:latin typeface="微軟正黑體" panose="020B0604030504040204" pitchFamily="34" charset="-120"/>
+                <a:ea typeface="微軟正黑體" panose="020B0604030504040204" pitchFamily="34" charset="-120"/>
+              </a:rPr>
+              <a:t>格乘</a:t>
+            </a:r>
+            <a:r>
+              <a:rPr lang="en-US" altLang="zh-TW" sz="1600" dirty="0">
+                <a:latin typeface="微軟正黑體" panose="020B0604030504040204" pitchFamily="34" charset="-120"/>
+                <a:ea typeface="微軟正黑體" panose="020B0604030504040204" pitchFamily="34" charset="-120"/>
+              </a:rPr>
+              <a:t>30</a:t>
+            </a:r>
+            <a:r>
+              <a:rPr lang="zh-TW" altLang="en-US" sz="1600" dirty="0">
+                <a:latin typeface="微軟正黑體" panose="020B0604030504040204" pitchFamily="34" charset="-120"/>
+                <a:ea typeface="微軟正黑體" panose="020B0604030504040204" pitchFamily="34" charset="-120"/>
+              </a:rPr>
+              <a:t>格</a:t>
+            </a:r>
+            <a:r>
+              <a:rPr lang="zh-TW" altLang="en-US" sz="1600" dirty="0" smtClean="0">
+                <a:latin typeface="微軟正黑體" panose="020B0604030504040204" pitchFamily="34" charset="-120"/>
+                <a:ea typeface="微軟正黑體" panose="020B0604030504040204" pitchFamily="34" charset="-120"/>
+              </a:rPr>
+              <a:t>，</a:t>
+            </a:r>
+            <a:r>
+              <a:rPr lang="zh-TW" altLang="en-US" sz="1600" dirty="0">
+                <a:latin typeface="微軟正黑體" panose="020B0604030504040204" pitchFamily="34" charset="-120"/>
+                <a:ea typeface="微軟正黑體" panose="020B0604030504040204" pitchFamily="34" charset="-120"/>
+              </a:rPr>
+              <a:t>每</a:t>
+            </a:r>
+            <a:r>
+              <a:rPr lang="zh-TW" altLang="en-US" sz="1600" dirty="0" smtClean="0">
+                <a:latin typeface="微軟正黑體" panose="020B0604030504040204" pitchFamily="34" charset="-120"/>
+                <a:ea typeface="微軟正黑體" panose="020B0604030504040204" pitchFamily="34" charset="-120"/>
+              </a:rPr>
+              <a:t>格</a:t>
+            </a:r>
+            <a:r>
+              <a:rPr lang="zh-TW" altLang="en-US" sz="1600" dirty="0">
+                <a:latin typeface="微軟正黑體" panose="020B0604030504040204" pitchFamily="34" charset="-120"/>
+                <a:ea typeface="微軟正黑體" panose="020B0604030504040204" pitchFamily="34" charset="-120"/>
+              </a:rPr>
+              <a:t>是</a:t>
+            </a:r>
+            <a:r>
+              <a:rPr lang="en-US" altLang="zh-TW" sz="1600" dirty="0">
+                <a:latin typeface="微軟正黑體" panose="020B0604030504040204" pitchFamily="34" charset="-120"/>
+                <a:ea typeface="微軟正黑體" panose="020B0604030504040204" pitchFamily="34" charset="-120"/>
+              </a:rPr>
+              <a:t>32pixel</a:t>
+            </a:r>
+            <a:endParaRPr lang="en-US" altLang="zh-TW" sz="1600" dirty="0" smtClean="0">
+              <a:latin typeface="微軟正黑體" panose="020B0604030504040204" pitchFamily="34" charset="-120"/>
+              <a:ea typeface="微軟正黑體" panose="020B0604030504040204" pitchFamily="34" charset="-120"/>
+            </a:endParaRPr>
+          </a:p>
+          <a:p>
+            <a:pPr marL="285750" lvl="2" indent="-285750">
+              <a:buFont typeface="Wingdings" panose="05000000000000000000" pitchFamily="2" charset="2"/>
+              <a:buChar char="n"/>
+            </a:pPr>
+            <a:r>
+              <a:rPr lang="zh-TW" altLang="en-US" sz="1600" dirty="0" smtClean="0">
+                <a:latin typeface="微軟正黑體" panose="020B0604030504040204" pitchFamily="34" charset="-120"/>
+                <a:ea typeface="微軟正黑體" panose="020B0604030504040204" pitchFamily="34" charset="-120"/>
+              </a:rPr>
+              <a:t>髒污</a:t>
+            </a:r>
+            <a:r>
+              <a:rPr lang="en-US" altLang="zh-TW" sz="1600" dirty="0" smtClean="0">
+                <a:latin typeface="微軟正黑體" panose="020B0604030504040204" pitchFamily="34" charset="-120"/>
+                <a:ea typeface="微軟正黑體" panose="020B0604030504040204" pitchFamily="34" charset="-120"/>
+              </a:rPr>
+              <a:t>:</a:t>
+            </a:r>
+            <a:r>
+              <a:rPr lang="zh-TW" altLang="en-US" sz="1600" dirty="0" smtClean="0">
+                <a:latin typeface="微軟正黑體" panose="020B0604030504040204" pitchFamily="34" charset="-120"/>
+                <a:ea typeface="微軟正黑體" panose="020B0604030504040204" pitchFamily="34" charset="-120"/>
+              </a:rPr>
+              <a:t> 共</a:t>
+            </a:r>
+            <a:r>
+              <a:rPr lang="en-US" altLang="zh-TW" sz="1600" dirty="0" smtClean="0">
+                <a:latin typeface="微軟正黑體" panose="020B0604030504040204" pitchFamily="34" charset="-120"/>
+                <a:ea typeface="微軟正黑體" panose="020B0604030504040204" pitchFamily="34" charset="-120"/>
+              </a:rPr>
+              <a:t>600</a:t>
+            </a:r>
+            <a:br>
+              <a:rPr lang="en-US" altLang="zh-TW" sz="1600" dirty="0" smtClean="0">
+                <a:latin typeface="微軟正黑體" panose="020B0604030504040204" pitchFamily="34" charset="-120"/>
+                <a:ea typeface="微軟正黑體" panose="020B0604030504040204" pitchFamily="34" charset="-120"/>
+              </a:rPr>
+            </a:br>
+            <a:r>
+              <a:rPr lang="zh-TW" altLang="en-US" sz="1600" dirty="0" smtClean="0">
+                <a:latin typeface="微軟正黑體" panose="020B0604030504040204" pitchFamily="34" charset="-120"/>
+                <a:ea typeface="微軟正黑體" panose="020B0604030504040204" pitchFamily="34" charset="-120"/>
+              </a:rPr>
+              <a:t>     基本髒汙</a:t>
+            </a:r>
+            <a:r>
+              <a:rPr lang="zh-TW" altLang="en-US" sz="1600" dirty="0">
+                <a:latin typeface="微軟正黑體" panose="020B0604030504040204" pitchFamily="34" charset="-120"/>
+                <a:ea typeface="微軟正黑體" panose="020B0604030504040204" pitchFamily="34" charset="-120"/>
+              </a:rPr>
+              <a:t> </a:t>
+            </a:r>
+            <a:r>
+              <a:rPr lang="en-US" altLang="zh-TW" sz="1600" dirty="0" smtClean="0">
+                <a:latin typeface="微軟正黑體" panose="020B0604030504040204" pitchFamily="34" charset="-120"/>
+                <a:ea typeface="微軟正黑體" panose="020B0604030504040204" pitchFamily="34" charset="-120"/>
+              </a:rPr>
+              <a:t>:</a:t>
+            </a:r>
+            <a:r>
+              <a:rPr lang="zh-TW" altLang="en-US" sz="1600" dirty="0" smtClean="0">
+                <a:latin typeface="微軟正黑體" panose="020B0604030504040204" pitchFamily="34" charset="-120"/>
+                <a:ea typeface="微軟正黑體" panose="020B0604030504040204" pitchFamily="34" charset="-120"/>
+              </a:rPr>
+              <a:t> </a:t>
+            </a:r>
+            <a:r>
+              <a:rPr lang="en-US" altLang="zh-TW" sz="1600" dirty="0" smtClean="0">
+                <a:latin typeface="微軟正黑體" panose="020B0604030504040204" pitchFamily="34" charset="-120"/>
+                <a:ea typeface="微軟正黑體" panose="020B0604030504040204" pitchFamily="34" charset="-120"/>
+              </a:rPr>
+              <a:t>448</a:t>
+            </a:r>
+            <a:br>
+              <a:rPr lang="en-US" altLang="zh-TW" sz="1600" dirty="0" smtClean="0">
+                <a:latin typeface="微軟正黑體" panose="020B0604030504040204" pitchFamily="34" charset="-120"/>
+                <a:ea typeface="微軟正黑體" panose="020B0604030504040204" pitchFamily="34" charset="-120"/>
+              </a:rPr>
+            </a:br>
+            <a:r>
+              <a:rPr lang="en-US" altLang="zh-TW" sz="1600" dirty="0" smtClean="0">
+                <a:latin typeface="微軟正黑體" panose="020B0604030504040204" pitchFamily="34" charset="-120"/>
+                <a:ea typeface="微軟正黑體" panose="020B0604030504040204" pitchFamily="34" charset="-120"/>
+              </a:rPr>
+              <a:t>     </a:t>
+            </a:r>
+            <a:r>
+              <a:rPr lang="zh-TW" altLang="en-US" sz="1600" dirty="0" smtClean="0">
+                <a:latin typeface="微軟正黑體" panose="020B0604030504040204" pitchFamily="34" charset="-120"/>
+                <a:ea typeface="微軟正黑體" panose="020B0604030504040204" pitchFamily="34" charset="-120"/>
+              </a:rPr>
+              <a:t>加強髒汙 </a:t>
+            </a:r>
+            <a:r>
+              <a:rPr lang="en-US" altLang="zh-TW" sz="1600" dirty="0" smtClean="0">
+                <a:latin typeface="微軟正黑體" panose="020B0604030504040204" pitchFamily="34" charset="-120"/>
+                <a:ea typeface="微軟正黑體" panose="020B0604030504040204" pitchFamily="34" charset="-120"/>
+              </a:rPr>
+              <a:t>:</a:t>
+            </a:r>
+            <a:r>
+              <a:rPr lang="zh-TW" altLang="en-US" sz="1600" dirty="0" smtClean="0">
+                <a:latin typeface="微軟正黑體" panose="020B0604030504040204" pitchFamily="34" charset="-120"/>
+                <a:ea typeface="微軟正黑體" panose="020B0604030504040204" pitchFamily="34" charset="-120"/>
+              </a:rPr>
+              <a:t> </a:t>
+            </a:r>
+            <a:r>
+              <a:rPr lang="en-US" altLang="zh-TW" sz="1600" dirty="0" smtClean="0">
+                <a:latin typeface="微軟正黑體" panose="020B0604030504040204" pitchFamily="34" charset="-120"/>
+                <a:ea typeface="微軟正黑體" panose="020B0604030504040204" pitchFamily="34" charset="-120"/>
+              </a:rPr>
+              <a:t>152</a:t>
+            </a:r>
+          </a:p>
+          <a:p>
+            <a:pPr marL="285750" lvl="3" indent="-285750">
+              <a:buFont typeface="Wingdings" panose="05000000000000000000" pitchFamily="2" charset="2"/>
+              <a:buChar char="n"/>
+            </a:pPr>
+            <a:endParaRPr lang="zh-TW" altLang="en-US" dirty="0"/>
+          </a:p>
+        </p:txBody>
+      </p:sp>
+      <p:sp>
+        <p:nvSpPr>
+          <p:cNvPr id="3" name="投影片編號版面配置區 2"/>
           <p:cNvSpPr>
             <a:spLocks noGrp="1"/>
           </p:cNvSpPr>
           <p:nvPr>
-            <p:ph type="title"/>
+            <p:ph type="sldNum" idx="12"/>
           </p:nvPr>
         </p:nvSpPr>
         <p:spPr/>
@@ -16922,28 +16775,27 @@
           <a:bodyPr/>
           <a:lstStyle/>
           <a:p>
-            <a:r>
-              <a:rPr lang="zh-TW" altLang="en-US" sz="7200" dirty="0">
-                <a:latin typeface="微軟正黑體" panose="020B0604030504040204" pitchFamily="34" charset="-120"/>
-                <a:ea typeface="微軟正黑體" panose="020B0604030504040204" pitchFamily="34" charset="-120"/>
-              </a:rPr>
-              <a:t>系統</a:t>
-            </a:r>
-            <a:r>
-              <a:rPr lang="en-US" altLang="zh-TW" sz="7200" dirty="0">
-                <a:latin typeface="微軟正黑體" panose="020B0604030504040204" pitchFamily="34" charset="-120"/>
-                <a:ea typeface="微軟正黑體" panose="020B0604030504040204" pitchFamily="34" charset="-120"/>
-              </a:rPr>
-              <a:t>DEMO</a:t>
-            </a:r>
-            <a:endParaRPr lang="zh-TW" altLang="en-US" sz="7200" dirty="0"/>
+            <a:pPr marL="0" lvl="0" indent="0" algn="r" rtl="0">
+              <a:spcBef>
+                <a:spcPts val="0"/>
+              </a:spcBef>
+              <a:spcAft>
+                <a:spcPts val="0"/>
+              </a:spcAft>
+              <a:buNone/>
+            </a:pPr>
+            <a:fld id="{00000000-1234-1234-1234-123412341234}" type="slidenum">
+              <a:rPr lang="en-US" altLang="zh-TW" smtClean="0"/>
+              <a:t>11</a:t>
+            </a:fld>
+            <a:endParaRPr lang="zh-TW" altLang="en-US"/>
           </a:p>
         </p:txBody>
       </p:sp>
     </p:spTree>
     <p:extLst>
       <p:ext uri="{BB962C8B-B14F-4D97-AF65-F5344CB8AC3E}">
-        <p14:creationId xmlns:p14="http://schemas.microsoft.com/office/powerpoint/2010/main" val="60059114"/>
+        <p14:creationId xmlns:p14="http://schemas.microsoft.com/office/powerpoint/2010/main" val="1146990736"/>
       </p:ext>
     </p:extLst>
   </p:cSld>
@@ -17311,7 +17163,7 @@
     </p:spTree>
     <p:extLst>
       <p:ext uri="{BB962C8B-B14F-4D97-AF65-F5344CB8AC3E}">
-        <p14:creationId xmlns:p14="http://schemas.microsoft.com/office/powerpoint/2010/main" val="661490571"/>
+        <p14:creationId xmlns:p14="http://schemas.microsoft.com/office/powerpoint/2010/main" val="2698794309"/>
       </p:ext>
     </p:extLst>
   </p:cSld>
@@ -17329,6 +17181,76 @@
 </file>
 
 <file path=ppt/slides/slide13.xml><?xml version="1.0" encoding="utf-8"?>
+<p:sld xmlns:a="http://schemas.openxmlformats.org/drawingml/2006/main" xmlns:r="http://schemas.openxmlformats.org/officeDocument/2006/relationships" xmlns:p="http://schemas.openxmlformats.org/presentationml/2006/main">
+  <p:cSld>
+    <p:spTree>
+      <p:nvGrpSpPr>
+        <p:cNvPr id="1" name=""/>
+        <p:cNvGrpSpPr/>
+        <p:nvPr/>
+      </p:nvGrpSpPr>
+      <p:grpSpPr>
+        <a:xfrm>
+          <a:off x="0" y="0"/>
+          <a:ext cx="0" cy="0"/>
+          <a:chOff x="0" y="0"/>
+          <a:chExt cx="0" cy="0"/>
+        </a:xfrm>
+      </p:grpSpPr>
+      <p:sp>
+        <p:nvSpPr>
+          <p:cNvPr id="4" name="標題 3"/>
+          <p:cNvSpPr>
+            <a:spLocks noGrp="1"/>
+          </p:cNvSpPr>
+          <p:nvPr>
+            <p:ph type="title"/>
+          </p:nvPr>
+        </p:nvSpPr>
+        <p:spPr/>
+        <p:txBody>
+          <a:bodyPr/>
+          <a:lstStyle/>
+          <a:p>
+            <a:r>
+              <a:rPr lang="zh-TW" altLang="en-US" sz="7200" dirty="0">
+                <a:latin typeface="微軟正黑體" panose="020B0604030504040204" pitchFamily="34" charset="-120"/>
+                <a:ea typeface="微軟正黑體" panose="020B0604030504040204" pitchFamily="34" charset="-120"/>
+              </a:rPr>
+              <a:t>系統</a:t>
+            </a:r>
+            <a:r>
+              <a:rPr lang="en-US" altLang="zh-TW" sz="7200" dirty="0">
+                <a:latin typeface="微軟正黑體" panose="020B0604030504040204" pitchFamily="34" charset="-120"/>
+                <a:ea typeface="微軟正黑體" panose="020B0604030504040204" pitchFamily="34" charset="-120"/>
+              </a:rPr>
+              <a:t>DEMO</a:t>
+            </a:r>
+            <a:endParaRPr lang="zh-TW" altLang="en-US" sz="7200" dirty="0"/>
+          </a:p>
+        </p:txBody>
+      </p:sp>
+    </p:spTree>
+    <p:extLst>
+      <p:ext uri="{BB962C8B-B14F-4D97-AF65-F5344CB8AC3E}">
+        <p14:creationId xmlns:p14="http://schemas.microsoft.com/office/powerpoint/2010/main" val="60059114"/>
+      </p:ext>
+    </p:extLst>
+  </p:cSld>
+  <p:clrMapOvr>
+    <a:masterClrMapping/>
+  </p:clrMapOvr>
+  <p:timing>
+    <p:tnLst>
+      <p:par>
+        <p:cTn id="1" dur="indefinite" restart="never" nodeType="tmRoot"/>
+      </p:par>
+    </p:tnLst>
+  </p:timing>
+</p:sld>
+</file>
+
+<file path=ppt/slides/slide14.xml><?xml version="1.0" encoding="utf-8"?>
 <p:sld xmlns:a="http://schemas.openxmlformats.org/drawingml/2006/main" xmlns:r="http://schemas.openxmlformats.org/officeDocument/2006/relationships" xmlns:p="http://schemas.openxmlformats.org/presentationml/2006/main">
   <p:cSld>
     <p:spTree>
@@ -17670,7 +17592,375 @@
             </a:pPr>
             <a:fld id="{00000000-1234-1234-1234-123412341234}" type="slidenum">
               <a:rPr lang="en-US" altLang="zh-TW" smtClean="0"/>
-              <a:t>13</a:t>
+              <a:t>14</a:t>
+            </a:fld>
+            <a:endParaRPr lang="zh-TW" altLang="en-US"/>
+          </a:p>
+        </p:txBody>
+      </p:sp>
+    </p:spTree>
+    <p:extLst>
+      <p:ext uri="{BB962C8B-B14F-4D97-AF65-F5344CB8AC3E}">
+        <p14:creationId xmlns:p14="http://schemas.microsoft.com/office/powerpoint/2010/main" val="661490571"/>
+      </p:ext>
+    </p:extLst>
+  </p:cSld>
+  <p:clrMapOvr>
+    <a:masterClrMapping/>
+  </p:clrMapOvr>
+  <p:timing>
+    <p:tnLst>
+      <p:par>
+        <p:cTn id="1" dur="indefinite" restart="never" nodeType="tmRoot"/>
+      </p:par>
+    </p:tnLst>
+  </p:timing>
+</p:sld>
+</file>
+
+<file path=ppt/slides/slide15.xml><?xml version="1.0" encoding="utf-8"?>
+<p:sld xmlns:a="http://schemas.openxmlformats.org/drawingml/2006/main" xmlns:r="http://schemas.openxmlformats.org/officeDocument/2006/relationships" xmlns:p="http://schemas.openxmlformats.org/presentationml/2006/main">
+  <p:cSld>
+    <p:spTree>
+      <p:nvGrpSpPr>
+        <p:cNvPr id="1" name="Shape 148"/>
+        <p:cNvGrpSpPr/>
+        <p:nvPr/>
+      </p:nvGrpSpPr>
+      <p:grpSpPr>
+        <a:xfrm>
+          <a:off x="0" y="0"/>
+          <a:ext cx="0" cy="0"/>
+          <a:chOff x="0" y="0"/>
+          <a:chExt cx="0" cy="0"/>
+        </a:xfrm>
+      </p:grpSpPr>
+      <p:sp>
+        <p:nvSpPr>
+          <p:cNvPr id="149" name="Google Shape;149;p16"/>
+          <p:cNvSpPr txBox="1">
+            <a:spLocks noGrp="1"/>
+          </p:cNvSpPr>
+          <p:nvPr>
+            <p:ph type="title"/>
+          </p:nvPr>
+        </p:nvSpPr>
+        <p:spPr>
+          <a:xfrm>
+            <a:off x="819150" y="464600"/>
+            <a:ext cx="7505700" cy="954600"/>
+          </a:xfrm>
+          <a:prstGeom prst="rect">
+            <a:avLst/>
+          </a:prstGeom>
+        </p:spPr>
+        <p:txBody>
+          <a:bodyPr spcFirstLastPara="1" wrap="square" lIns="91425" tIns="91425" rIns="91425" bIns="91425" anchor="t" anchorCtr="0">
+            <a:noAutofit/>
+          </a:bodyPr>
+          <a:lstStyle/>
+          <a:p>
+            <a:pPr marL="0" lvl="0" indent="0" algn="l" rtl="0">
+              <a:spcBef>
+                <a:spcPts val="0"/>
+              </a:spcBef>
+              <a:spcAft>
+                <a:spcPts val="0"/>
+              </a:spcAft>
+              <a:buNone/>
+            </a:pPr>
+            <a:r>
+              <a:rPr lang="zh-TW" dirty="0">
+                <a:latin typeface="微軟正黑體" panose="020B0604030504040204" pitchFamily="34" charset="-120"/>
+                <a:ea typeface="微軟正黑體" panose="020B0604030504040204" pitchFamily="34" charset="-120"/>
+              </a:rPr>
+              <a:t>元件</a:t>
+            </a:r>
+            <a:r>
+              <a:rPr lang="zh-TW" dirty="0" smtClean="0">
+                <a:latin typeface="微軟正黑體" panose="020B0604030504040204" pitchFamily="34" charset="-120"/>
+                <a:ea typeface="微軟正黑體" panose="020B0604030504040204" pitchFamily="34" charset="-120"/>
+              </a:rPr>
+              <a:t>-</a:t>
+            </a:r>
+            <a:r>
+              <a:rPr lang="zh-TW" altLang="en-US" dirty="0" smtClean="0">
+                <a:latin typeface="微軟正黑體" panose="020B0604030504040204" pitchFamily="34" charset="-120"/>
+                <a:ea typeface="微軟正黑體" panose="020B0604030504040204" pitchFamily="34" charset="-120"/>
+              </a:rPr>
+              <a:t>掃地機器人</a:t>
+            </a:r>
+            <a:endParaRPr dirty="0">
+              <a:latin typeface="微軟正黑體" panose="020B0604030504040204" pitchFamily="34" charset="-120"/>
+              <a:ea typeface="微軟正黑體" panose="020B0604030504040204" pitchFamily="34" charset="-120"/>
+            </a:endParaRPr>
+          </a:p>
+        </p:txBody>
+      </p:sp>
+      <p:sp>
+        <p:nvSpPr>
+          <p:cNvPr id="6" name="文字版面配置區 3"/>
+          <p:cNvSpPr txBox="1">
+            <a:spLocks noGrp="1"/>
+          </p:cNvSpPr>
+          <p:nvPr>
+            <p:ph type="body" idx="1"/>
+          </p:nvPr>
+        </p:nvSpPr>
+        <p:spPr>
+          <a:xfrm>
+            <a:off x="819150" y="1419225"/>
+            <a:ext cx="7505700" cy="1922291"/>
+          </a:xfrm>
+          <a:prstGeom prst="rect">
+            <a:avLst/>
+          </a:prstGeom>
+          <a:noFill/>
+        </p:spPr>
+        <p:txBody>
+          <a:bodyPr wrap="square" rtlCol="0">
+            <a:spAutoFit/>
+          </a:bodyPr>
+          <a:lstStyle/>
+          <a:p>
+            <a:pPr marL="285750" indent="-285750">
+              <a:buFont typeface="Wingdings" panose="05000000000000000000" pitchFamily="2" charset="2"/>
+              <a:buChar char="n"/>
+            </a:pPr>
+            <a:r>
+              <a:rPr lang="zh-TW" altLang="en-US" sz="1600" dirty="0" smtClean="0">
+                <a:latin typeface="微軟正黑體" panose="020B0604030504040204" pitchFamily="34" charset="-120"/>
+                <a:ea typeface="微軟正黑體" panose="020B0604030504040204" pitchFamily="34" charset="-120"/>
+              </a:rPr>
+              <a:t>大小 </a:t>
+            </a:r>
+            <a:r>
+              <a:rPr lang="en-US" altLang="zh-TW" sz="1600" dirty="0">
+                <a:latin typeface="微軟正黑體" panose="020B0604030504040204" pitchFamily="34" charset="-120"/>
+                <a:ea typeface="微軟正黑體" panose="020B0604030504040204" pitchFamily="34" charset="-120"/>
+              </a:rPr>
+              <a:t>: </a:t>
+            </a:r>
+            <a:r>
+              <a:rPr lang="en-US" altLang="zh-TW" sz="1600" dirty="0" smtClean="0">
+                <a:latin typeface="微軟正黑體" panose="020B0604030504040204" pitchFamily="34" charset="-120"/>
+                <a:ea typeface="微軟正黑體" panose="020B0604030504040204" pitchFamily="34" charset="-120"/>
+              </a:rPr>
+              <a:t>30</a:t>
+            </a:r>
+            <a:r>
+              <a:rPr lang="zh-TW" altLang="en-US" sz="1600" dirty="0">
+                <a:latin typeface="微軟正黑體" panose="020B0604030504040204" pitchFamily="34" charset="-120"/>
+                <a:ea typeface="微軟正黑體" panose="020B0604030504040204" pitchFamily="34" charset="-120"/>
+              </a:rPr>
+              <a:t>格乘</a:t>
+            </a:r>
+            <a:r>
+              <a:rPr lang="en-US" altLang="zh-TW" sz="1600" dirty="0">
+                <a:latin typeface="微軟正黑體" panose="020B0604030504040204" pitchFamily="34" charset="-120"/>
+                <a:ea typeface="微軟正黑體" panose="020B0604030504040204" pitchFamily="34" charset="-120"/>
+              </a:rPr>
+              <a:t>30</a:t>
+            </a:r>
+            <a:r>
+              <a:rPr lang="zh-TW" altLang="en-US" sz="1600" dirty="0">
+                <a:latin typeface="微軟正黑體" panose="020B0604030504040204" pitchFamily="34" charset="-120"/>
+                <a:ea typeface="微軟正黑體" panose="020B0604030504040204" pitchFamily="34" charset="-120"/>
+              </a:rPr>
+              <a:t>格</a:t>
+            </a:r>
+            <a:r>
+              <a:rPr lang="zh-TW" altLang="en-US" sz="1600" dirty="0" smtClean="0">
+                <a:latin typeface="微軟正黑體" panose="020B0604030504040204" pitchFamily="34" charset="-120"/>
+                <a:ea typeface="微軟正黑體" panose="020B0604030504040204" pitchFamily="34" charset="-120"/>
+              </a:rPr>
+              <a:t>，</a:t>
+            </a:r>
+            <a:r>
+              <a:rPr lang="zh-TW" altLang="en-US" sz="1600" dirty="0">
+                <a:latin typeface="微軟正黑體" panose="020B0604030504040204" pitchFamily="34" charset="-120"/>
+                <a:ea typeface="微軟正黑體" panose="020B0604030504040204" pitchFamily="34" charset="-120"/>
+              </a:rPr>
+              <a:t>每</a:t>
+            </a:r>
+            <a:r>
+              <a:rPr lang="zh-TW" altLang="en-US" sz="1600" dirty="0" smtClean="0">
+                <a:latin typeface="微軟正黑體" panose="020B0604030504040204" pitchFamily="34" charset="-120"/>
+                <a:ea typeface="微軟正黑體" panose="020B0604030504040204" pitchFamily="34" charset="-120"/>
+              </a:rPr>
+              <a:t>格</a:t>
+            </a:r>
+            <a:r>
+              <a:rPr lang="zh-TW" altLang="en-US" sz="1600" dirty="0">
+                <a:latin typeface="微軟正黑體" panose="020B0604030504040204" pitchFamily="34" charset="-120"/>
+                <a:ea typeface="微軟正黑體" panose="020B0604030504040204" pitchFamily="34" charset="-120"/>
+              </a:rPr>
+              <a:t>是</a:t>
+            </a:r>
+            <a:r>
+              <a:rPr lang="en-US" altLang="zh-TW" sz="1600" dirty="0">
+                <a:latin typeface="微軟正黑體" panose="020B0604030504040204" pitchFamily="34" charset="-120"/>
+                <a:ea typeface="微軟正黑體" panose="020B0604030504040204" pitchFamily="34" charset="-120"/>
+              </a:rPr>
+              <a:t>32pixel</a:t>
+            </a:r>
+            <a:endParaRPr lang="en-US" altLang="zh-TW" sz="1600" dirty="0" smtClean="0">
+              <a:latin typeface="微軟正黑體" panose="020B0604030504040204" pitchFamily="34" charset="-120"/>
+              <a:ea typeface="微軟正黑體" panose="020B0604030504040204" pitchFamily="34" charset="-120"/>
+            </a:endParaRPr>
+          </a:p>
+          <a:p>
+            <a:pPr marL="285750" lvl="2" indent="-285750">
+              <a:buFont typeface="Wingdings" panose="05000000000000000000" pitchFamily="2" charset="2"/>
+              <a:buChar char="n"/>
+            </a:pPr>
+            <a:r>
+              <a:rPr lang="zh-TW" altLang="en-US" sz="1600" dirty="0" smtClean="0">
+                <a:latin typeface="微軟正黑體" panose="020B0604030504040204" pitchFamily="34" charset="-120"/>
+                <a:ea typeface="微軟正黑體" panose="020B0604030504040204" pitchFamily="34" charset="-120"/>
+              </a:rPr>
+              <a:t>髒污</a:t>
+            </a:r>
+            <a:r>
+              <a:rPr lang="en-US" altLang="zh-TW" sz="1600" dirty="0" smtClean="0">
+                <a:latin typeface="微軟正黑體" panose="020B0604030504040204" pitchFamily="34" charset="-120"/>
+                <a:ea typeface="微軟正黑體" panose="020B0604030504040204" pitchFamily="34" charset="-120"/>
+              </a:rPr>
+              <a:t>:</a:t>
+            </a:r>
+            <a:r>
+              <a:rPr lang="zh-TW" altLang="en-US" sz="1600" dirty="0" smtClean="0">
+                <a:latin typeface="微軟正黑體" panose="020B0604030504040204" pitchFamily="34" charset="-120"/>
+                <a:ea typeface="微軟正黑體" panose="020B0604030504040204" pitchFamily="34" charset="-120"/>
+              </a:rPr>
+              <a:t> 共</a:t>
+            </a:r>
+            <a:r>
+              <a:rPr lang="en-US" altLang="zh-TW" sz="1600" dirty="0" smtClean="0">
+                <a:latin typeface="微軟正黑體" panose="020B0604030504040204" pitchFamily="34" charset="-120"/>
+                <a:ea typeface="微軟正黑體" panose="020B0604030504040204" pitchFamily="34" charset="-120"/>
+              </a:rPr>
+              <a:t>600</a:t>
+            </a:r>
+            <a:br>
+              <a:rPr lang="en-US" altLang="zh-TW" sz="1600" dirty="0" smtClean="0">
+                <a:latin typeface="微軟正黑體" panose="020B0604030504040204" pitchFamily="34" charset="-120"/>
+                <a:ea typeface="微軟正黑體" panose="020B0604030504040204" pitchFamily="34" charset="-120"/>
+              </a:rPr>
+            </a:br>
+            <a:r>
+              <a:rPr lang="zh-TW" altLang="en-US" sz="1600" dirty="0" smtClean="0">
+                <a:latin typeface="微軟正黑體" panose="020B0604030504040204" pitchFamily="34" charset="-120"/>
+                <a:ea typeface="微軟正黑體" panose="020B0604030504040204" pitchFamily="34" charset="-120"/>
+              </a:rPr>
+              <a:t>     基本髒汙</a:t>
+            </a:r>
+            <a:r>
+              <a:rPr lang="zh-TW" altLang="en-US" sz="1600" dirty="0">
+                <a:latin typeface="微軟正黑體" panose="020B0604030504040204" pitchFamily="34" charset="-120"/>
+                <a:ea typeface="微軟正黑體" panose="020B0604030504040204" pitchFamily="34" charset="-120"/>
+              </a:rPr>
+              <a:t> </a:t>
+            </a:r>
+            <a:r>
+              <a:rPr lang="en-US" altLang="zh-TW" sz="1600" dirty="0" smtClean="0">
+                <a:latin typeface="微軟正黑體" panose="020B0604030504040204" pitchFamily="34" charset="-120"/>
+                <a:ea typeface="微軟正黑體" panose="020B0604030504040204" pitchFamily="34" charset="-120"/>
+              </a:rPr>
+              <a:t>:</a:t>
+            </a:r>
+            <a:r>
+              <a:rPr lang="zh-TW" altLang="en-US" sz="1600" dirty="0" smtClean="0">
+                <a:latin typeface="微軟正黑體" panose="020B0604030504040204" pitchFamily="34" charset="-120"/>
+                <a:ea typeface="微軟正黑體" panose="020B0604030504040204" pitchFamily="34" charset="-120"/>
+              </a:rPr>
+              <a:t> </a:t>
+            </a:r>
+            <a:r>
+              <a:rPr lang="en-US" altLang="zh-TW" sz="1600" dirty="0" smtClean="0">
+                <a:latin typeface="微軟正黑體" panose="020B0604030504040204" pitchFamily="34" charset="-120"/>
+                <a:ea typeface="微軟正黑體" panose="020B0604030504040204" pitchFamily="34" charset="-120"/>
+              </a:rPr>
+              <a:t>448</a:t>
+            </a:r>
+            <a:br>
+              <a:rPr lang="en-US" altLang="zh-TW" sz="1600" dirty="0" smtClean="0">
+                <a:latin typeface="微軟正黑體" panose="020B0604030504040204" pitchFamily="34" charset="-120"/>
+                <a:ea typeface="微軟正黑體" panose="020B0604030504040204" pitchFamily="34" charset="-120"/>
+              </a:rPr>
+            </a:br>
+            <a:r>
+              <a:rPr lang="en-US" altLang="zh-TW" sz="1600" dirty="0" smtClean="0">
+                <a:latin typeface="微軟正黑體" panose="020B0604030504040204" pitchFamily="34" charset="-120"/>
+                <a:ea typeface="微軟正黑體" panose="020B0604030504040204" pitchFamily="34" charset="-120"/>
+              </a:rPr>
+              <a:t>     </a:t>
+            </a:r>
+            <a:r>
+              <a:rPr lang="zh-TW" altLang="en-US" sz="1600" dirty="0" smtClean="0">
+                <a:latin typeface="微軟正黑體" panose="020B0604030504040204" pitchFamily="34" charset="-120"/>
+                <a:ea typeface="微軟正黑體" panose="020B0604030504040204" pitchFamily="34" charset="-120"/>
+              </a:rPr>
+              <a:t>加強髒汙 </a:t>
+            </a:r>
+            <a:r>
+              <a:rPr lang="en-US" altLang="zh-TW" sz="1600" dirty="0" smtClean="0">
+                <a:latin typeface="微軟正黑體" panose="020B0604030504040204" pitchFamily="34" charset="-120"/>
+                <a:ea typeface="微軟正黑體" panose="020B0604030504040204" pitchFamily="34" charset="-120"/>
+              </a:rPr>
+              <a:t>:</a:t>
+            </a:r>
+            <a:r>
+              <a:rPr lang="zh-TW" altLang="en-US" sz="1600" dirty="0" smtClean="0">
+                <a:latin typeface="微軟正黑體" panose="020B0604030504040204" pitchFamily="34" charset="-120"/>
+                <a:ea typeface="微軟正黑體" panose="020B0604030504040204" pitchFamily="34" charset="-120"/>
+              </a:rPr>
+              <a:t> </a:t>
+            </a:r>
+            <a:r>
+              <a:rPr lang="en-US" altLang="zh-TW" sz="1600" dirty="0" smtClean="0">
+                <a:latin typeface="微軟正黑體" panose="020B0604030504040204" pitchFamily="34" charset="-120"/>
+                <a:ea typeface="微軟正黑體" panose="020B0604030504040204" pitchFamily="34" charset="-120"/>
+              </a:rPr>
+              <a:t>152</a:t>
+            </a:r>
+          </a:p>
+          <a:p>
+            <a:pPr marL="285750" lvl="3" indent="-285750">
+              <a:buFont typeface="Wingdings" panose="05000000000000000000" pitchFamily="2" charset="2"/>
+              <a:buChar char="n"/>
+            </a:pPr>
+            <a:endParaRPr lang="zh-TW" altLang="en-US" dirty="0"/>
+          </a:p>
+        </p:txBody>
+      </p:sp>
+      <p:sp>
+        <p:nvSpPr>
+          <p:cNvPr id="3" name="投影片編號版面配置區 2"/>
+          <p:cNvSpPr>
+            <a:spLocks noGrp="1"/>
+          </p:cNvSpPr>
+          <p:nvPr>
+            <p:ph type="sldNum" idx="12"/>
+          </p:nvPr>
+        </p:nvSpPr>
+        <p:spPr/>
+        <p:txBody>
+          <a:bodyPr/>
+          <a:lstStyle/>
+          <a:p>
+            <a:pPr marL="0" lvl="0" indent="0" algn="r" rtl="0">
+              <a:spcBef>
+                <a:spcPts val="0"/>
+              </a:spcBef>
+              <a:spcAft>
+                <a:spcPts val="0"/>
+              </a:spcAft>
+              <a:buNone/>
+            </a:pPr>
+            <a:fld id="{00000000-1234-1234-1234-123412341234}" type="slidenum">
+              <a:rPr lang="en-US" altLang="zh-TW" smtClean="0"/>
+              <a:t>15</a:t>
             </a:fld>
             <a:endParaRPr lang="zh-TW" altLang="en-US"/>
           </a:p>
@@ -17696,7 +17986,7 @@
 </p:sld>
 </file>
 
-<file path=ppt/slides/slide14.xml><?xml version="1.0" encoding="utf-8"?>
+<file path=ppt/slides/slide16.xml><?xml version="1.0" encoding="utf-8"?>
 <p:sld xmlns:a="http://schemas.openxmlformats.org/drawingml/2006/main" xmlns:r="http://schemas.openxmlformats.org/officeDocument/2006/relationships" xmlns:p="http://schemas.openxmlformats.org/presentationml/2006/main">
   <p:cSld>
     <p:spTree>
@@ -17987,7 +18277,7 @@
 </p:sld>
 </file>
 
-<file path=ppt/slides/slide15.xml><?xml version="1.0" encoding="utf-8"?>
+<file path=ppt/slides/slide17.xml><?xml version="1.0" encoding="utf-8"?>
 <p:sld xmlns:a="http://schemas.openxmlformats.org/drawingml/2006/main" xmlns:r="http://schemas.openxmlformats.org/officeDocument/2006/relationships" xmlns:p="http://schemas.openxmlformats.org/presentationml/2006/main">
   <p:cSld>
     <p:spTree>
@@ -18127,7 +18417,7 @@
             </a:pPr>
             <a:fld id="{00000000-1234-1234-1234-123412341234}" type="slidenum">
               <a:rPr lang="en-US" altLang="zh-TW" smtClean="0"/>
-              <a:t>15</a:t>
+              <a:t>17</a:t>
             </a:fld>
             <a:endParaRPr lang="zh-TW" altLang="en-US"/>
           </a:p>
@@ -19175,42 +19465,35 @@
               <a:t>30</a:t>
             </a:r>
             <a:r>
+              <a:rPr lang="zh-TW" altLang="en-US" sz="1600" dirty="0" smtClean="0">
+                <a:latin typeface="微軟正黑體" panose="020B0604030504040204" pitchFamily="34" charset="-120"/>
+                <a:ea typeface="微軟正黑體" panose="020B0604030504040204" pitchFamily="34" charset="-120"/>
+              </a:rPr>
+              <a:t>格</a:t>
+            </a:r>
+            <a:r>
               <a:rPr lang="zh-TW" altLang="en-US" sz="1600" dirty="0">
                 <a:latin typeface="微軟正黑體" panose="020B0604030504040204" pitchFamily="34" charset="-120"/>
                 <a:ea typeface="微軟正黑體" panose="020B0604030504040204" pitchFamily="34" charset="-120"/>
               </a:rPr>
-              <a:t>格</a:t>
+              <a:t>，</a:t>
             </a:r>
             <a:r>
               <a:rPr lang="zh-TW" altLang="en-US" sz="1600" dirty="0" smtClean="0">
                 <a:latin typeface="微軟正黑體" panose="020B0604030504040204" pitchFamily="34" charset="-120"/>
                 <a:ea typeface="微軟正黑體" panose="020B0604030504040204" pitchFamily="34" charset="-120"/>
               </a:rPr>
-              <a:t>，</a:t>
+              <a:t>每格邉</a:t>
             </a:r>
             <a:r>
               <a:rPr lang="zh-TW" altLang="en-US" sz="1600" dirty="0">
                 <a:latin typeface="微軟正黑體" panose="020B0604030504040204" pitchFamily="34" charset="-120"/>
                 <a:ea typeface="微軟正黑體" panose="020B0604030504040204" pitchFamily="34" charset="-120"/>
               </a:rPr>
-              <a:t>每</a:t>
-            </a:r>
-            <a:r>
-              <a:rPr lang="zh-TW" altLang="en-US" sz="1600" dirty="0" smtClean="0">
-                <a:latin typeface="微軟正黑體" panose="020B0604030504040204" pitchFamily="34" charset="-120"/>
-                <a:ea typeface="微軟正黑體" panose="020B0604030504040204" pitchFamily="34" charset="-120"/>
-              </a:rPr>
-              <a:t>格</a:t>
-            </a:r>
-            <a:r>
-              <a:rPr lang="zh-TW" altLang="en-US" sz="1600" dirty="0">
-                <a:latin typeface="微軟正黑體" panose="020B0604030504040204" pitchFamily="34" charset="-120"/>
-                <a:ea typeface="微軟正黑體" panose="020B0604030504040204" pitchFamily="34" charset="-120"/>
-              </a:rPr>
-              <a:t>是</a:t>
-            </a:r>
-            <a:r>
-              <a:rPr lang="en-US" altLang="zh-TW" sz="1600" dirty="0">
+              <a:t>長</a:t>
+            </a:r>
+            <a:r>
+              <a:rPr lang="en-US" altLang="zh-TW" sz="1600" dirty="0" smtClean="0">
                 <a:latin typeface="微軟正黑體" panose="020B0604030504040204" pitchFamily="34" charset="-120"/>
                 <a:ea typeface="微軟正黑體" panose="020B0604030504040204" pitchFamily="34" charset="-120"/>
               </a:rPr>
@@ -19449,14 +19732,7 @@
                 <a:latin typeface="微軟正黑體" panose="020B0604030504040204" pitchFamily="34" charset="-120"/>
                 <a:ea typeface="微軟正黑體" panose="020B0604030504040204" pitchFamily="34" charset="-120"/>
               </a:rPr>
-              <a:t>元件-</a:t>
-            </a:r>
-            <a:r>
-              <a:rPr lang="zh-TW" dirty="0" smtClean="0">
-                <a:latin typeface="微軟正黑體" panose="020B0604030504040204" pitchFamily="34" charset="-120"/>
-                <a:ea typeface="微軟正黑體" panose="020B0604030504040204" pitchFamily="34" charset="-120"/>
-              </a:rPr>
-              <a:t>地圖</a:t>
+              <a:t>元件-地圖</a:t>
             </a:r>
             <a:endParaRPr dirty="0">
               <a:latin typeface="微軟正黑體" panose="020B0604030504040204" pitchFamily="34" charset="-120"/>
@@ -19478,7 +19754,7 @@
         <p:spPr>
           <a:xfrm>
             <a:off x="819150" y="1419225"/>
-            <a:ext cx="7505700" cy="1922291"/>
+            <a:ext cx="7505700" cy="584489"/>
           </a:xfrm>
           <a:prstGeom prst="rect">
             <a:avLst/>
@@ -19490,209 +19766,6 @@
             <a:spAutoFit/>
           </a:bodyPr>
           <a:lstStyle/>
-          <a:p>
-            <a:pPr marL="285750" indent="-285750">
-              <a:buFont typeface="Wingdings" panose="05000000000000000000" pitchFamily="2" charset="2"/>
-              <a:buChar char="n"/>
-            </a:pPr>
-            <a:r>
-              <a:rPr lang="zh-TW" altLang="en-US" sz="1600" dirty="0" smtClean="0">
-                <a:latin typeface="微軟正黑體" panose="020B0604030504040204" pitchFamily="34" charset="-120"/>
-                <a:ea typeface="微軟正黑體" panose="020B0604030504040204" pitchFamily="34" charset="-120"/>
-              </a:rPr>
-              <a:t>大小 </a:t>
-            </a:r>
-            <a:r>
-              <a:rPr lang="en-US" altLang="zh-TW" sz="1600" dirty="0">
-                <a:latin typeface="微軟正黑體" panose="020B0604030504040204" pitchFamily="34" charset="-120"/>
-                <a:ea typeface="微軟正黑體" panose="020B0604030504040204" pitchFamily="34" charset="-120"/>
-              </a:rPr>
-              <a:t>: </a:t>
-            </a:r>
-            <a:r>
-              <a:rPr lang="en-US" altLang="zh-TW" sz="1600" dirty="0" smtClean="0">
-                <a:latin typeface="微軟正黑體" panose="020B0604030504040204" pitchFamily="34" charset="-120"/>
-                <a:ea typeface="微軟正黑體" panose="020B0604030504040204" pitchFamily="34" charset="-120"/>
-              </a:rPr>
-              <a:t>30</a:t>
-            </a:r>
-            <a:r>
-              <a:rPr lang="zh-TW" altLang="en-US" sz="1600" dirty="0">
-                <a:latin typeface="微軟正黑體" panose="020B0604030504040204" pitchFamily="34" charset="-120"/>
-                <a:ea typeface="微軟正黑體" panose="020B0604030504040204" pitchFamily="34" charset="-120"/>
-              </a:rPr>
-              <a:t>格乘</a:t>
-            </a:r>
-            <a:r>
-              <a:rPr lang="en-US" altLang="zh-TW" sz="1600" dirty="0">
-                <a:latin typeface="微軟正黑體" panose="020B0604030504040204" pitchFamily="34" charset="-120"/>
-                <a:ea typeface="微軟正黑體" panose="020B0604030504040204" pitchFamily="34" charset="-120"/>
-              </a:rPr>
-              <a:t>30</a:t>
-            </a:r>
-            <a:r>
-              <a:rPr lang="zh-TW" altLang="en-US" sz="1600" dirty="0">
-                <a:latin typeface="微軟正黑體" panose="020B0604030504040204" pitchFamily="34" charset="-120"/>
-                <a:ea typeface="微軟正黑體" panose="020B0604030504040204" pitchFamily="34" charset="-120"/>
-              </a:rPr>
-              <a:t>格</a:t>
-            </a:r>
-            <a:r>
-              <a:rPr lang="zh-TW" altLang="en-US" sz="1600" dirty="0" smtClean="0">
-                <a:latin typeface="微軟正黑體" panose="020B0604030504040204" pitchFamily="34" charset="-120"/>
-                <a:ea typeface="微軟正黑體" panose="020B0604030504040204" pitchFamily="34" charset="-120"/>
-              </a:rPr>
-              <a:t>，</a:t>
-            </a:r>
-            <a:r>
-              <a:rPr lang="zh-TW" altLang="en-US" sz="1600" dirty="0">
-                <a:latin typeface="微軟正黑體" panose="020B0604030504040204" pitchFamily="34" charset="-120"/>
-                <a:ea typeface="微軟正黑體" panose="020B0604030504040204" pitchFamily="34" charset="-120"/>
-              </a:rPr>
-              <a:t>每</a:t>
-            </a:r>
-            <a:r>
-              <a:rPr lang="zh-TW" altLang="en-US" sz="1600" dirty="0" smtClean="0">
-                <a:latin typeface="微軟正黑體" panose="020B0604030504040204" pitchFamily="34" charset="-120"/>
-                <a:ea typeface="微軟正黑體" panose="020B0604030504040204" pitchFamily="34" charset="-120"/>
-              </a:rPr>
-              <a:t>格</a:t>
-            </a:r>
-            <a:r>
-              <a:rPr lang="zh-TW" altLang="en-US" sz="1600" dirty="0">
-                <a:latin typeface="微軟正黑體" panose="020B0604030504040204" pitchFamily="34" charset="-120"/>
-                <a:ea typeface="微軟正黑體" panose="020B0604030504040204" pitchFamily="34" charset="-120"/>
-              </a:rPr>
-              <a:t>是</a:t>
-            </a:r>
-            <a:r>
-              <a:rPr lang="en-US" altLang="zh-TW" sz="1600" dirty="0">
-                <a:latin typeface="微軟正黑體" panose="020B0604030504040204" pitchFamily="34" charset="-120"/>
-                <a:ea typeface="微軟正黑體" panose="020B0604030504040204" pitchFamily="34" charset="-120"/>
-              </a:rPr>
-              <a:t>32pixel</a:t>
-            </a:r>
-            <a:endParaRPr lang="en-US" altLang="zh-TW" sz="1600" dirty="0" smtClean="0">
-              <a:latin typeface="微軟正黑體" panose="020B0604030504040204" pitchFamily="34" charset="-120"/>
-              <a:ea typeface="微軟正黑體" panose="020B0604030504040204" pitchFamily="34" charset="-120"/>
-            </a:endParaRPr>
-          </a:p>
-          <a:p>
-            <a:pPr marL="285750" lvl="2" indent="-285750">
-              <a:buFont typeface="Wingdings" panose="05000000000000000000" pitchFamily="2" charset="2"/>
-              <a:buChar char="n"/>
-            </a:pPr>
-            <a:r>
-              <a:rPr lang="zh-TW" altLang="en-US" sz="1600" dirty="0" smtClean="0">
-                <a:latin typeface="微軟正黑體" panose="020B0604030504040204" pitchFamily="34" charset="-120"/>
-                <a:ea typeface="微軟正黑體" panose="020B0604030504040204" pitchFamily="34" charset="-120"/>
-              </a:rPr>
-              <a:t>髒污</a:t>
-            </a:r>
-            <a:r>
-              <a:rPr lang="en-US" altLang="zh-TW" sz="1600" dirty="0" smtClean="0">
-                <a:latin typeface="微軟正黑體" panose="020B0604030504040204" pitchFamily="34" charset="-120"/>
-                <a:ea typeface="微軟正黑體" panose="020B0604030504040204" pitchFamily="34" charset="-120"/>
-              </a:rPr>
-              <a:t>:</a:t>
-            </a:r>
-            <a:r>
-              <a:rPr lang="zh-TW" altLang="en-US" sz="1600" dirty="0" smtClean="0">
-                <a:latin typeface="微軟正黑體" panose="020B0604030504040204" pitchFamily="34" charset="-120"/>
-                <a:ea typeface="微軟正黑體" panose="020B0604030504040204" pitchFamily="34" charset="-120"/>
-              </a:rPr>
-              <a:t> 共</a:t>
-            </a:r>
-            <a:r>
-              <a:rPr lang="en-US" altLang="zh-TW" sz="1600" dirty="0" smtClean="0">
-                <a:latin typeface="微軟正黑體" panose="020B0604030504040204" pitchFamily="34" charset="-120"/>
-                <a:ea typeface="微軟正黑體" panose="020B0604030504040204" pitchFamily="34" charset="-120"/>
-              </a:rPr>
-              <a:t>600</a:t>
-            </a:r>
-            <a:br>
-              <a:rPr lang="en-US" altLang="zh-TW" sz="1600" dirty="0" smtClean="0">
-                <a:latin typeface="微軟正黑體" panose="020B0604030504040204" pitchFamily="34" charset="-120"/>
-                <a:ea typeface="微軟正黑體" panose="020B0604030504040204" pitchFamily="34" charset="-120"/>
-              </a:rPr>
-            </a:br>
-            <a:r>
-              <a:rPr lang="zh-TW" altLang="en-US" sz="1600" dirty="0" smtClean="0">
-                <a:latin typeface="微軟正黑體" panose="020B0604030504040204" pitchFamily="34" charset="-120"/>
-                <a:ea typeface="微軟正黑體" panose="020B0604030504040204" pitchFamily="34" charset="-120"/>
-              </a:rPr>
-              <a:t>     基本髒汙</a:t>
-            </a:r>
-            <a:r>
-              <a:rPr lang="zh-TW" altLang="en-US" sz="1600" dirty="0">
-                <a:latin typeface="微軟正黑體" panose="020B0604030504040204" pitchFamily="34" charset="-120"/>
-                <a:ea typeface="微軟正黑體" panose="020B0604030504040204" pitchFamily="34" charset="-120"/>
-              </a:rPr>
-              <a:t> </a:t>
-            </a:r>
-            <a:r>
-              <a:rPr lang="en-US" altLang="zh-TW" sz="1600" dirty="0" smtClean="0">
-                <a:latin typeface="微軟正黑體" panose="020B0604030504040204" pitchFamily="34" charset="-120"/>
-                <a:ea typeface="微軟正黑體" panose="020B0604030504040204" pitchFamily="34" charset="-120"/>
-              </a:rPr>
-              <a:t>:</a:t>
-            </a:r>
-            <a:r>
-              <a:rPr lang="zh-TW" altLang="en-US" sz="1600" dirty="0" smtClean="0">
-                <a:latin typeface="微軟正黑體" panose="020B0604030504040204" pitchFamily="34" charset="-120"/>
-                <a:ea typeface="微軟正黑體" panose="020B0604030504040204" pitchFamily="34" charset="-120"/>
-              </a:rPr>
-              <a:t> </a:t>
-            </a:r>
-            <a:r>
-              <a:rPr lang="en-US" altLang="zh-TW" sz="1600" dirty="0" smtClean="0">
-                <a:latin typeface="微軟正黑體" panose="020B0604030504040204" pitchFamily="34" charset="-120"/>
-                <a:ea typeface="微軟正黑體" panose="020B0604030504040204" pitchFamily="34" charset="-120"/>
-              </a:rPr>
-              <a:t>448</a:t>
-            </a:r>
-            <a:br>
-              <a:rPr lang="en-US" altLang="zh-TW" sz="1600" dirty="0" smtClean="0">
-                <a:latin typeface="微軟正黑體" panose="020B0604030504040204" pitchFamily="34" charset="-120"/>
-                <a:ea typeface="微軟正黑體" panose="020B0604030504040204" pitchFamily="34" charset="-120"/>
-              </a:rPr>
-            </a:br>
-            <a:r>
-              <a:rPr lang="en-US" altLang="zh-TW" sz="1600" dirty="0" smtClean="0">
-                <a:latin typeface="微軟正黑體" panose="020B0604030504040204" pitchFamily="34" charset="-120"/>
-                <a:ea typeface="微軟正黑體" panose="020B0604030504040204" pitchFamily="34" charset="-120"/>
-              </a:rPr>
-              <a:t>     </a:t>
-            </a:r>
-            <a:r>
-              <a:rPr lang="zh-TW" altLang="en-US" sz="1600" dirty="0" smtClean="0">
-                <a:latin typeface="微軟正黑體" panose="020B0604030504040204" pitchFamily="34" charset="-120"/>
-                <a:ea typeface="微軟正黑體" panose="020B0604030504040204" pitchFamily="34" charset="-120"/>
-              </a:rPr>
-              <a:t>加強髒汙 </a:t>
-            </a:r>
-            <a:r>
-              <a:rPr lang="en-US" altLang="zh-TW" sz="1600" dirty="0" smtClean="0">
-                <a:latin typeface="微軟正黑體" panose="020B0604030504040204" pitchFamily="34" charset="-120"/>
-                <a:ea typeface="微軟正黑體" panose="020B0604030504040204" pitchFamily="34" charset="-120"/>
-              </a:rPr>
-              <a:t>:</a:t>
-            </a:r>
-            <a:r>
-              <a:rPr lang="zh-TW" altLang="en-US" sz="1600" dirty="0" smtClean="0">
-                <a:latin typeface="微軟正黑體" panose="020B0604030504040204" pitchFamily="34" charset="-120"/>
-                <a:ea typeface="微軟正黑體" panose="020B0604030504040204" pitchFamily="34" charset="-120"/>
-              </a:rPr>
-              <a:t> </a:t>
-            </a:r>
-            <a:r>
-              <a:rPr lang="en-US" altLang="zh-TW" sz="1600" dirty="0" smtClean="0">
-                <a:latin typeface="微軟正黑體" panose="020B0604030504040204" pitchFamily="34" charset="-120"/>
-                <a:ea typeface="微軟正黑體" panose="020B0604030504040204" pitchFamily="34" charset="-120"/>
-              </a:rPr>
-              <a:t>152</a:t>
-            </a:r>
-          </a:p>
           <a:p>
             <a:pPr marL="285750" lvl="3" indent="-285750">
               <a:buFont typeface="Wingdings" panose="05000000000000000000" pitchFamily="2" charset="2"/>
@@ -19737,7 +19810,7 @@
     </p:spTree>
     <p:extLst>
       <p:ext uri="{BB962C8B-B14F-4D97-AF65-F5344CB8AC3E}">
-        <p14:creationId xmlns:p14="http://schemas.microsoft.com/office/powerpoint/2010/main" val="3270425028"/>
+        <p14:creationId xmlns:p14="http://schemas.microsoft.com/office/powerpoint/2010/main" val="1579142183"/>
       </p:ext>
     </p:extLst>
   </p:cSld>
@@ -19810,21 +19883,14 @@
                 <a:latin typeface="微軟正黑體" panose="020B0604030504040204" pitchFamily="34" charset="-120"/>
                 <a:ea typeface="微軟正黑體" panose="020B0604030504040204" pitchFamily="34" charset="-120"/>
               </a:rPr>
-              <a:t>元件</a:t>
+              <a:t>元件-</a:t>
             </a:r>
             <a:r>
               <a:rPr lang="zh-TW" dirty="0" smtClean="0">
                 <a:latin typeface="微軟正黑體" panose="020B0604030504040204" pitchFamily="34" charset="-120"/>
                 <a:ea typeface="微軟正黑體" panose="020B0604030504040204" pitchFamily="34" charset="-120"/>
               </a:rPr>
-              <a:t>-</a:t>
-            </a:r>
-            <a:r>
-              <a:rPr lang="zh-TW" altLang="en-US" dirty="0" smtClean="0">
-                <a:latin typeface="微軟正黑體" panose="020B0604030504040204" pitchFamily="34" charset="-120"/>
-                <a:ea typeface="微軟正黑體" panose="020B0604030504040204" pitchFamily="34" charset="-120"/>
-              </a:rPr>
-              <a:t>掃地機器人</a:t>
+              <a:t>地圖</a:t>
             </a:r>
             <a:endParaRPr dirty="0">
               <a:latin typeface="微軟正黑體" panose="020B0604030504040204" pitchFamily="34" charset="-120"/>
@@ -19846,7 +19912,7 @@
         <p:spPr>
           <a:xfrm>
             <a:off x="819150" y="1419225"/>
-            <a:ext cx="7505700" cy="867643"/>
+            <a:ext cx="7505700" cy="584489"/>
           </a:xfrm>
           <a:prstGeom prst="rect">
             <a:avLst/>
@@ -19858,40 +19924,6 @@
             <a:spAutoFit/>
           </a:bodyPr>
           <a:lstStyle/>
-          <a:p>
-            <a:pPr marL="285750" indent="-285750">
-              <a:buFont typeface="Wingdings" panose="05000000000000000000" pitchFamily="2" charset="2"/>
-              <a:buChar char="n"/>
-            </a:pPr>
-            <a:r>
-              <a:rPr lang="zh-TW" altLang="en-US" sz="1600" dirty="0" smtClean="0">
-                <a:latin typeface="微軟正黑體" panose="020B0604030504040204" pitchFamily="34" charset="-120"/>
-                <a:ea typeface="微軟正黑體" panose="020B0604030504040204" pitchFamily="34" charset="-120"/>
-              </a:rPr>
-              <a:t>大小 </a:t>
-            </a:r>
-            <a:r>
-              <a:rPr lang="en-US" altLang="zh-TW" sz="1600" dirty="0" smtClean="0">
-                <a:latin typeface="微軟正黑體" panose="020B0604030504040204" pitchFamily="34" charset="-120"/>
-                <a:ea typeface="微軟正黑體" panose="020B0604030504040204" pitchFamily="34" charset="-120"/>
-              </a:rPr>
-              <a:t>: </a:t>
-            </a:r>
-            <a:r>
-              <a:rPr lang="zh-TW" altLang="en-US" sz="1600" dirty="0" smtClean="0">
-                <a:latin typeface="微軟正黑體" panose="020B0604030504040204" pitchFamily="34" charset="-120"/>
-                <a:ea typeface="微軟正黑體" panose="020B0604030504040204" pitchFamily="34" charset="-120"/>
-              </a:rPr>
-              <a:t> </a:t>
-            </a:r>
-            <a:r>
-              <a:rPr lang="en-US" altLang="zh-TW" sz="1600" dirty="0" smtClean="0">
-                <a:latin typeface="微軟正黑體" panose="020B0604030504040204" pitchFamily="34" charset="-120"/>
-                <a:ea typeface="微軟正黑體" panose="020B0604030504040204" pitchFamily="34" charset="-120"/>
-              </a:rPr>
-              <a:t>152</a:t>
-            </a:r>
-          </a:p>
           <a:p>
             <a:pPr marL="285750" lvl="3" indent="-285750">
               <a:buFont typeface="Wingdings" panose="05000000000000000000" pitchFamily="2" charset="2"/>
@@ -19936,7 +19968,7 @@
     </p:spTree>
     <p:extLst>
       <p:ext uri="{BB962C8B-B14F-4D97-AF65-F5344CB8AC3E}">
-        <p14:creationId xmlns:p14="http://schemas.microsoft.com/office/powerpoint/2010/main" val="1800374280"/>
+        <p14:creationId xmlns:p14="http://schemas.microsoft.com/office/powerpoint/2010/main" val="3270425028"/>
       </p:ext>
     </p:extLst>
   </p:cSld>
@@ -20045,7 +20077,7 @@
         <p:spPr>
           <a:xfrm>
             <a:off x="819150" y="1419225"/>
-            <a:ext cx="7505700" cy="1922291"/>
+            <a:ext cx="7505700" cy="867643"/>
           </a:xfrm>
           <a:prstGeom prst="rect">
             <a:avLst/>
@@ -20070,180 +20102,11 @@
               <a:t>大小 </a:t>
             </a:r>
             <a:r>
-              <a:rPr lang="en-US" altLang="zh-TW" sz="1600" dirty="0">
-                <a:latin typeface="微軟正黑體" panose="020B0604030504040204" pitchFamily="34" charset="-120"/>
-                <a:ea typeface="微軟正黑體" panose="020B0604030504040204" pitchFamily="34" charset="-120"/>
-              </a:rPr>
-              <a:t>: </a:t>
-            </a:r>
-            <a:r>
               <a:rPr lang="en-US" altLang="zh-TW" sz="1600" dirty="0" smtClean="0">
                 <a:latin typeface="微軟正黑體" panose="020B0604030504040204" pitchFamily="34" charset="-120"/>
                 <a:ea typeface="微軟正黑體" panose="020B0604030504040204" pitchFamily="34" charset="-120"/>
               </a:rPr>
-              <a:t>30</a:t>
-            </a:r>
-            <a:r>
-              <a:rPr lang="zh-TW" altLang="en-US" sz="1600" dirty="0">
-                <a:latin typeface="微軟正黑體" panose="020B0604030504040204" pitchFamily="34" charset="-120"/>
-                <a:ea typeface="微軟正黑體" panose="020B0604030504040204" pitchFamily="34" charset="-120"/>
-              </a:rPr>
-              <a:t>格乘</a:t>
-            </a:r>
-            <a:r>
-              <a:rPr lang="en-US" altLang="zh-TW" sz="1600" dirty="0">
-                <a:latin typeface="微軟正黑體" panose="020B0604030504040204" pitchFamily="34" charset="-120"/>
-                <a:ea typeface="微軟正黑體" panose="020B0604030504040204" pitchFamily="34" charset="-120"/>
-              </a:rPr>
-              <a:t>30</a:t>
-            </a:r>
-            <a:r>
-              <a:rPr lang="zh-TW" altLang="en-US" sz="1600" dirty="0">
-                <a:latin typeface="微軟正黑體" panose="020B0604030504040204" pitchFamily="34" charset="-120"/>
-                <a:ea typeface="微軟正黑體" panose="020B0604030504040204" pitchFamily="34" charset="-120"/>
-              </a:rPr>
-              <a:t>格</a:t>
-            </a:r>
-            <a:r>
-              <a:rPr lang="zh-TW" altLang="en-US" sz="1600" dirty="0" smtClean="0">
-                <a:latin typeface="微軟正黑體" panose="020B0604030504040204" pitchFamily="34" charset="-120"/>
-                <a:ea typeface="微軟正黑體" panose="020B0604030504040204" pitchFamily="34" charset="-120"/>
-              </a:rPr>
-              <a:t>，</a:t>
-            </a:r>
-            <a:r>
-              <a:rPr lang="zh-TW" altLang="en-US" sz="1600" dirty="0">
-                <a:latin typeface="微軟正黑體" panose="020B0604030504040204" pitchFamily="34" charset="-120"/>
-                <a:ea typeface="微軟正黑體" panose="020B0604030504040204" pitchFamily="34" charset="-120"/>
-              </a:rPr>
-              <a:t>每</a:t>
-            </a:r>
-            <a:r>
-              <a:rPr lang="zh-TW" altLang="en-US" sz="1600" dirty="0" smtClean="0">
-                <a:latin typeface="微軟正黑體" panose="020B0604030504040204" pitchFamily="34" charset="-120"/>
-                <a:ea typeface="微軟正黑體" panose="020B0604030504040204" pitchFamily="34" charset="-120"/>
-              </a:rPr>
-              <a:t>格</a:t>
-            </a:r>
-            <a:r>
-              <a:rPr lang="zh-TW" altLang="en-US" sz="1600" dirty="0">
-                <a:latin typeface="微軟正黑體" panose="020B0604030504040204" pitchFamily="34" charset="-120"/>
-                <a:ea typeface="微軟正黑體" panose="020B0604030504040204" pitchFamily="34" charset="-120"/>
-              </a:rPr>
-              <a:t>是</a:t>
-            </a:r>
-            <a:r>
-              <a:rPr lang="en-US" altLang="zh-TW" sz="1600" dirty="0">
-                <a:latin typeface="微軟正黑體" panose="020B0604030504040204" pitchFamily="34" charset="-120"/>
-                <a:ea typeface="微軟正黑體" panose="020B0604030504040204" pitchFamily="34" charset="-120"/>
-              </a:rPr>
-              <a:t>32pixel</a:t>
-            </a:r>
-            <a:endParaRPr lang="en-US" altLang="zh-TW" sz="1600" dirty="0" smtClean="0">
-              <a:latin typeface="微軟正黑體" panose="020B0604030504040204" pitchFamily="34" charset="-120"/>
-              <a:ea typeface="微軟正黑體" panose="020B0604030504040204" pitchFamily="34" charset="-120"/>
-            </a:endParaRPr>
-          </a:p>
-          <a:p>
-            <a:pPr marL="285750" lvl="2" indent="-285750">
-              <a:buFont typeface="Wingdings" panose="05000000000000000000" pitchFamily="2" charset="2"/>
-              <a:buChar char="n"/>
-            </a:pPr>
-            <a:r>
-              <a:rPr lang="zh-TW" altLang="en-US" sz="1600" dirty="0" smtClean="0">
-                <a:latin typeface="微軟正黑體" panose="020B0604030504040204" pitchFamily="34" charset="-120"/>
-                <a:ea typeface="微軟正黑體" panose="020B0604030504040204" pitchFamily="34" charset="-120"/>
-              </a:rPr>
-              <a:t>髒污</a:t>
-            </a:r>
-            <a:r>
-              <a:rPr lang="en-US" altLang="zh-TW" sz="1600" dirty="0" smtClean="0">
-                <a:latin typeface="微軟正黑體" panose="020B0604030504040204" pitchFamily="34" charset="-120"/>
-                <a:ea typeface="微軟正黑體" panose="020B0604030504040204" pitchFamily="34" charset="-120"/>
-              </a:rPr>
-              <a:t>:</a:t>
-            </a:r>
-            <a:r>
-              <a:rPr lang="zh-TW" altLang="en-US" sz="1600" dirty="0" smtClean="0">
-                <a:latin typeface="微軟正黑體" panose="020B0604030504040204" pitchFamily="34" charset="-120"/>
-                <a:ea typeface="微軟正黑體" panose="020B0604030504040204" pitchFamily="34" charset="-120"/>
-              </a:rPr>
-              <a:t> 共</a:t>
-            </a:r>
-            <a:r>
-              <a:rPr lang="en-US" altLang="zh-TW" sz="1600" dirty="0" smtClean="0">
-                <a:latin typeface="微軟正黑體" panose="020B0604030504040204" pitchFamily="34" charset="-120"/>
-                <a:ea typeface="微軟正黑體" panose="020B0604030504040204" pitchFamily="34" charset="-120"/>
-              </a:rPr>
-              <a:t>600</a:t>
-            </a:r>
-            <a:br>
-              <a:rPr lang="en-US" altLang="zh-TW" sz="1600" dirty="0" smtClean="0">
-                <a:latin typeface="微軟正黑體" panose="020B0604030504040204" pitchFamily="34" charset="-120"/>
-                <a:ea typeface="微軟正黑體" panose="020B0604030504040204" pitchFamily="34" charset="-120"/>
-              </a:rPr>
-            </a:br>
-            <a:r>
-              <a:rPr lang="zh-TW" altLang="en-US" sz="1600" dirty="0" smtClean="0">
-                <a:latin typeface="微軟正黑體" panose="020B0604030504040204" pitchFamily="34" charset="-120"/>
-                <a:ea typeface="微軟正黑體" panose="020B0604030504040204" pitchFamily="34" charset="-120"/>
-              </a:rPr>
-              <a:t>     基本髒汙</a:t>
-            </a:r>
-            <a:r>
-              <a:rPr lang="zh-TW" altLang="en-US" sz="1600" dirty="0">
-                <a:latin typeface="微軟正黑體" panose="020B0604030504040204" pitchFamily="34" charset="-120"/>
-                <a:ea typeface="微軟正黑體" panose="020B0604030504040204" pitchFamily="34" charset="-120"/>
-              </a:rPr>
-              <a:t> </a:t>
-            </a:r>
-            <a:r>
-              <a:rPr lang="en-US" altLang="zh-TW" sz="1600" dirty="0" smtClean="0">
-                <a:latin typeface="微軟正黑體" panose="020B0604030504040204" pitchFamily="34" charset="-120"/>
-                <a:ea typeface="微軟正黑體" panose="020B0604030504040204" pitchFamily="34" charset="-120"/>
-              </a:rPr>
-              <a:t>:</a:t>
-            </a:r>
-            <a:r>
-              <a:rPr lang="zh-TW" altLang="en-US" sz="1600" dirty="0" smtClean="0">
-                <a:latin typeface="微軟正黑體" panose="020B0604030504040204" pitchFamily="34" charset="-120"/>
-                <a:ea typeface="微軟正黑體" panose="020B0604030504040204" pitchFamily="34" charset="-120"/>
-              </a:rPr>
-              <a:t> </a:t>
-            </a:r>
-            <a:r>
-              <a:rPr lang="en-US" altLang="zh-TW" sz="1600" dirty="0" smtClean="0">
-                <a:latin typeface="微軟正黑體" panose="020B0604030504040204" pitchFamily="34" charset="-120"/>
-                <a:ea typeface="微軟正黑體" panose="020B0604030504040204" pitchFamily="34" charset="-120"/>
-              </a:rPr>
-              <a:t>448</a:t>
-            </a:r>
-            <a:br>
-              <a:rPr lang="en-US" altLang="zh-TW" sz="1600" dirty="0" smtClean="0">
-                <a:latin typeface="微軟正黑體" panose="020B0604030504040204" pitchFamily="34" charset="-120"/>
-                <a:ea typeface="微軟正黑體" panose="020B0604030504040204" pitchFamily="34" charset="-120"/>
-              </a:rPr>
-            </a:br>
-            <a:r>
-              <a:rPr lang="en-US" altLang="zh-TW" sz="1600" dirty="0" smtClean="0">
-                <a:latin typeface="微軟正黑體" panose="020B0604030504040204" pitchFamily="34" charset="-120"/>
-                <a:ea typeface="微軟正黑體" panose="020B0604030504040204" pitchFamily="34" charset="-120"/>
-              </a:rPr>
-              <a:t>     </a:t>
-            </a:r>
-            <a:r>
-              <a:rPr lang="zh-TW" altLang="en-US" sz="1600" dirty="0" smtClean="0">
-                <a:latin typeface="微軟正黑體" panose="020B0604030504040204" pitchFamily="34" charset="-120"/>
-                <a:ea typeface="微軟正黑體" panose="020B0604030504040204" pitchFamily="34" charset="-120"/>
-              </a:rPr>
-              <a:t>加強髒汙 </a:t>
-            </a:r>
-            <a:r>
-              <a:rPr lang="en-US" altLang="zh-TW" sz="1600" dirty="0" smtClean="0">
-                <a:latin typeface="微軟正黑體" panose="020B0604030504040204" pitchFamily="34" charset="-120"/>
-                <a:ea typeface="微軟正黑體" panose="020B0604030504040204" pitchFamily="34" charset="-120"/>
-              </a:rPr>
-              <a:t>:</a:t>
+              <a:t>: </a:t>
             </a:r>
             <a:r>
               <a:rPr lang="zh-TW" altLang="en-US" sz="1600" dirty="0" smtClean="0">
@@ -20304,7 +20167,7 @@
     </p:spTree>
     <p:extLst>
       <p:ext uri="{BB962C8B-B14F-4D97-AF65-F5344CB8AC3E}">
-        <p14:creationId xmlns:p14="http://schemas.microsoft.com/office/powerpoint/2010/main" val="3762163069"/>
+        <p14:creationId xmlns:p14="http://schemas.microsoft.com/office/powerpoint/2010/main" val="1800374280"/>
       </p:ext>
     </p:extLst>
   </p:cSld>

--- a/AI_Filnal_ppt.pptx
+++ b/AI_Filnal_ppt.pptx
@@ -5,7 +5,7 @@
     <p:sldMasterId id="2147483659" r:id="rId1"/>
   </p:sldMasterIdLst>
   <p:notesMasterIdLst>
-    <p:notesMasterId r:id="rId29"/>
+    <p:notesMasterId r:id="rId28"/>
   </p:notesMasterIdLst>
   <p:sldIdLst>
     <p:sldId id="256" r:id="rId2"/>
@@ -26,7 +26,7 @@
     <p:sldId id="271" r:id="rId17"/>
     <p:sldId id="281" r:id="rId18"/>
     <p:sldId id="289" r:id="rId19"/>
-    <p:sldId id="293" r:id="rId20"/>
+    <p:sldId id="295" r:id="rId20"/>
     <p:sldId id="282" r:id="rId21"/>
     <p:sldId id="270" r:id="rId22"/>
     <p:sldId id="279" r:id="rId23"/>
@@ -34,29 +34,28 @@
     <p:sldId id="272" r:id="rId25"/>
     <p:sldId id="291" r:id="rId26"/>
     <p:sldId id="264" r:id="rId27"/>
-    <p:sldId id="263" r:id="rId28"/>
   </p:sldIdLst>
   <p:sldSz cx="9144000" cy="5143500" type="screen16x9"/>
   <p:notesSz cx="6858000" cy="9144000"/>
   <p:embeddedFontLst>
     <p:embeddedFont>
-      <p:font typeface="微軟正黑體" panose="020B0604030504040204" pitchFamily="34" charset="-120"/>
-      <p:regular r:id="rId30"/>
-      <p:bold r:id="rId31"/>
-    </p:embeddedFont>
-    <p:embeddedFont>
       <p:font typeface="Calibri" panose="020F0502020204030204" pitchFamily="34" charset="0"/>
-      <p:regular r:id="rId32"/>
-      <p:bold r:id="rId33"/>
-      <p:italic r:id="rId34"/>
-      <p:boldItalic r:id="rId35"/>
+      <p:regular r:id="rId29"/>
+      <p:bold r:id="rId30"/>
+      <p:italic r:id="rId31"/>
+      <p:boldItalic r:id="rId32"/>
     </p:embeddedFont>
     <p:embeddedFont>
       <p:font typeface="Nunito" panose="02020500000000000000" charset="0"/>
-      <p:regular r:id="rId36"/>
-      <p:bold r:id="rId37"/>
-      <p:italic r:id="rId38"/>
-      <p:boldItalic r:id="rId39"/>
+      <p:regular r:id="rId33"/>
+      <p:bold r:id="rId34"/>
+      <p:italic r:id="rId35"/>
+      <p:boldItalic r:id="rId36"/>
+    </p:embeddedFont>
+    <p:embeddedFont>
+      <p:font typeface="微軟正黑體" panose="020B0604030504040204" pitchFamily="34" charset="-120"/>
+      <p:regular r:id="rId37"/>
+      <p:bold r:id="rId38"/>
     </p:embeddedFont>
   </p:embeddedFontLst>
   <p:defaultTextStyle>
@@ -294,5739 +293,6 @@
     </p:ext>
   </p:extLst>
 </p:presentation>
-</file>
-
-<file path=ppt/diagrams/colors1.xml><?xml version="1.0" encoding="utf-8"?>
-<dgm:colorsDef xmlns:dgm="http://schemas.openxmlformats.org/drawingml/2006/diagram" xmlns:a="http://schemas.openxmlformats.org/drawingml/2006/main" uniqueId="urn:microsoft.com/office/officeart/2005/8/colors/accent0_1">
-  <dgm:title val=""/>
-  <dgm:desc val=""/>
-  <dgm:catLst>
-    <dgm:cat type="mainScheme" pri="10100"/>
-  </dgm:catLst>
-  <dgm:styleLbl name="node0">
-    <dgm:fillClrLst meth="repeat">
-      <a:schemeClr val="lt1"/>
-    </dgm:fillClrLst>
-    <dgm:linClrLst meth="repeat">
-      <a:schemeClr val="dk1">
-        <a:shade val="80000"/>
-      </a:schemeClr>
-    </dgm:linClrLst>
-    <dgm:effectClrLst/>
-    <dgm:txLinClrLst/>
-    <dgm:txFillClrLst meth="repeat">
-      <a:schemeClr val="dk1"/>
-    </dgm:txFillClrLst>
-    <dgm:txEffectClrLst/>
-  </dgm:styleLbl>
-  <dgm:styleLbl name="node1">
-    <dgm:fillClrLst meth="repeat">
-      <a:schemeClr val="lt1"/>
-    </dgm:fillClrLst>
-    <dgm:linClrLst meth="repeat">
-      <a:schemeClr val="dk1">
-        <a:shade val="80000"/>
-      </a:schemeClr>
-    </dgm:linClrLst>
-    <dgm:effectClrLst/>
-    <dgm:txLinClrLst/>
-    <dgm:txFillClrLst meth="repeat">
-      <a:schemeClr val="dk1"/>
-    </dgm:txFillClrLst>
-    <dgm:txEffectClrLst/>
-  </dgm:styleLbl>
-  <dgm:styleLbl name="alignNode1">
-    <dgm:fillClrLst meth="repeat">
-      <a:schemeClr val="lt1"/>
-    </dgm:fillClrLst>
-    <dgm:linClrLst meth="repeat">
-      <a:schemeClr val="dk1">
-        <a:shade val="80000"/>
-      </a:schemeClr>
-    </dgm:linClrLst>
-    <dgm:effectClrLst/>
-    <dgm:txLinClrLst/>
-    <dgm:txFillClrLst meth="repeat">
-      <a:schemeClr val="dk1"/>
-    </dgm:txFillClrLst>
-    <dgm:txEffectClrLst/>
-  </dgm:styleLbl>
-  <dgm:styleLbl name="lnNode1">
-    <dgm:fillClrLst meth="repeat">
-      <a:schemeClr val="lt1"/>
-    </dgm:fillClrLst>
-    <dgm:linClrLst meth="repeat">
-      <a:schemeClr val="dk1">
-        <a:shade val="80000"/>
-      </a:schemeClr>
-    </dgm:linClrLst>
-    <dgm:effectClrLst/>
-    <dgm:txLinClrLst/>
-    <dgm:txFillClrLst meth="repeat">
-      <a:schemeClr val="dk1"/>
-    </dgm:txFillClrLst>
-    <dgm:txEffectClrLst/>
-  </dgm:styleLbl>
-  <dgm:styleLbl name="vennNode1">
-    <dgm:fillClrLst meth="repeat">
-      <a:schemeClr val="lt1">
-        <a:alpha val="50000"/>
-      </a:schemeClr>
-    </dgm:fillClrLst>
-    <dgm:linClrLst meth="repeat">
-      <a:schemeClr val="dk1">
-        <a:shade val="80000"/>
-      </a:schemeClr>
-    </dgm:linClrLst>
-    <dgm:effectClrLst/>
-    <dgm:txLinClrLst/>
-    <dgm:txFillClrLst/>
-    <dgm:txEffectClrLst/>
-  </dgm:styleLbl>
-  <dgm:styleLbl name="node2">
-    <dgm:fillClrLst meth="repeat">
-      <a:schemeClr val="lt1"/>
-    </dgm:fillClrLst>
-    <dgm:linClrLst meth="repeat">
-      <a:schemeClr val="dk1">
-        <a:shade val="80000"/>
-      </a:schemeClr>
-    </dgm:linClrLst>
-    <dgm:effectClrLst/>
-    <dgm:txLinClrLst/>
-    <dgm:txFillClrLst meth="repeat">
-      <a:schemeClr val="dk1"/>
-    </dgm:txFillClrLst>
-    <dgm:txEffectClrLst/>
-  </dgm:styleLbl>
-  <dgm:styleLbl name="node3">
-    <dgm:fillClrLst meth="repeat">
-      <a:schemeClr val="lt1"/>
-    </dgm:fillClrLst>
-    <dgm:linClrLst meth="repeat">
-      <a:schemeClr val="dk1">
-        <a:shade val="80000"/>
-      </a:schemeClr>
-    </dgm:linClrLst>
-    <dgm:effectClrLst/>
-    <dgm:txLinClrLst/>
-    <dgm:txFillClrLst meth="repeat">
-      <a:schemeClr val="dk1"/>
-    </dgm:txFillClrLst>
-    <dgm:txEffectClrLst/>
-  </dgm:styleLbl>
-  <dgm:styleLbl name="node4">
-    <dgm:fillClrLst meth="repeat">
-      <a:schemeClr val="lt1"/>
-    </dgm:fillClrLst>
-    <dgm:linClrLst meth="repeat">
-      <a:schemeClr val="dk1">
-        <a:shade val="80000"/>
-      </a:schemeClr>
-    </dgm:linClrLst>
-    <dgm:effectClrLst/>
-    <dgm:txLinClrLst/>
-    <dgm:txFillClrLst meth="repeat">
-      <a:schemeClr val="dk1"/>
-    </dgm:txFillClrLst>
-    <dgm:txEffectClrLst/>
-  </dgm:styleLbl>
-  <dgm:styleLbl name="fgImgPlace1">
-    <dgm:fillClrLst meth="repeat">
-      <a:schemeClr val="dk1">
-        <a:tint val="40000"/>
-      </a:schemeClr>
-    </dgm:fillClrLst>
-    <dgm:linClrLst meth="repeat">
-      <a:schemeClr val="dk1">
-        <a:shade val="80000"/>
-      </a:schemeClr>
-    </dgm:linClrLst>
-    <dgm:effectClrLst/>
-    <dgm:txLinClrLst/>
-    <dgm:txFillClrLst meth="repeat">
-      <a:schemeClr val="lt1"/>
-    </dgm:txFillClrLst>
-    <dgm:txEffectClrLst/>
-  </dgm:styleLbl>
-  <dgm:styleLbl name="alignImgPlace1">
-    <dgm:fillClrLst meth="repeat">
-      <a:schemeClr val="dk1">
-        <a:tint val="40000"/>
-      </a:schemeClr>
-    </dgm:fillClrLst>
-    <dgm:linClrLst meth="repeat">
-      <a:schemeClr val="dk1">
-        <a:shade val="80000"/>
-      </a:schemeClr>
-    </dgm:linClrLst>
-    <dgm:effectClrLst/>
-    <dgm:txLinClrLst/>
-    <dgm:txFillClrLst meth="repeat">
-      <a:schemeClr val="lt1"/>
-    </dgm:txFillClrLst>
-    <dgm:txEffectClrLst/>
-  </dgm:styleLbl>
-  <dgm:styleLbl name="bgImgPlace1">
-    <dgm:fillClrLst meth="repeat">
-      <a:schemeClr val="dk1">
-        <a:tint val="40000"/>
-      </a:schemeClr>
-    </dgm:fillClrLst>
-    <dgm:linClrLst meth="repeat">
-      <a:schemeClr val="dk1">
-        <a:shade val="80000"/>
-      </a:schemeClr>
-    </dgm:linClrLst>
-    <dgm:effectClrLst/>
-    <dgm:txLinClrLst/>
-    <dgm:txFillClrLst meth="repeat">
-      <a:schemeClr val="lt1"/>
-    </dgm:txFillClrLst>
-    <dgm:txEffectClrLst/>
-  </dgm:styleLbl>
-  <dgm:styleLbl name="sibTrans2D1">
-    <dgm:fillClrLst meth="repeat">
-      <a:schemeClr val="dk1">
-        <a:tint val="60000"/>
-      </a:schemeClr>
-    </dgm:fillClrLst>
-    <dgm:linClrLst meth="repeat">
-      <a:schemeClr val="dk1">
-        <a:tint val="60000"/>
-      </a:schemeClr>
-    </dgm:linClrLst>
-    <dgm:effectClrLst/>
-    <dgm:txLinClrLst/>
-    <dgm:txFillClrLst meth="repeat">
-      <a:schemeClr val="dk1"/>
-    </dgm:txFillClrLst>
-    <dgm:txEffectClrLst/>
-  </dgm:styleLbl>
-  <dgm:styleLbl name="fgSibTrans2D1">
-    <dgm:fillClrLst meth="repeat">
-      <a:schemeClr val="dk1">
-        <a:tint val="60000"/>
-      </a:schemeClr>
-    </dgm:fillClrLst>
-    <dgm:linClrLst meth="repeat">
-      <a:schemeClr val="dk1">
-        <a:tint val="60000"/>
-      </a:schemeClr>
-    </dgm:linClrLst>
-    <dgm:effectClrLst/>
-    <dgm:txLinClrLst/>
-    <dgm:txFillClrLst meth="repeat">
-      <a:schemeClr val="dk1"/>
-    </dgm:txFillClrLst>
-    <dgm:txEffectClrLst/>
-  </dgm:styleLbl>
-  <dgm:styleLbl name="bgSibTrans2D1">
-    <dgm:fillClrLst meth="repeat">
-      <a:schemeClr val="dk1">
-        <a:tint val="60000"/>
-      </a:schemeClr>
-    </dgm:fillClrLst>
-    <dgm:linClrLst meth="repeat">
-      <a:schemeClr val="dk1">
-        <a:tint val="60000"/>
-      </a:schemeClr>
-    </dgm:linClrLst>
-    <dgm:effectClrLst/>
-    <dgm:txLinClrLst/>
-    <dgm:txFillClrLst meth="repeat">
-      <a:schemeClr val="dk1"/>
-    </dgm:txFillClrLst>
-    <dgm:txEffectClrLst/>
-  </dgm:styleLbl>
-  <dgm:styleLbl name="sibTrans1D1">
-    <dgm:fillClrLst meth="repeat">
-      <a:schemeClr val="dk1"/>
-    </dgm:fillClrLst>
-    <dgm:linClrLst meth="repeat">
-      <a:schemeClr val="dk1"/>
-    </dgm:linClrLst>
-    <dgm:effectClrLst/>
-    <dgm:txLinClrLst/>
-    <dgm:txFillClrLst meth="repeat">
-      <a:schemeClr val="tx1"/>
-    </dgm:txFillClrLst>
-    <dgm:txEffectClrLst/>
-  </dgm:styleLbl>
-  <dgm:styleLbl name="callout">
-    <dgm:fillClrLst meth="repeat">
-      <a:schemeClr val="dk1"/>
-    </dgm:fillClrLst>
-    <dgm:linClrLst meth="repeat">
-      <a:schemeClr val="dk1"/>
-    </dgm:linClrLst>
-    <dgm:effectClrLst/>
-    <dgm:txLinClrLst/>
-    <dgm:txFillClrLst meth="repeat">
-      <a:schemeClr val="tx1"/>
-    </dgm:txFillClrLst>
-    <dgm:txEffectClrLst/>
-  </dgm:styleLbl>
-  <dgm:styleLbl name="asst0">
-    <dgm:fillClrLst meth="repeat">
-      <a:schemeClr val="lt1"/>
-    </dgm:fillClrLst>
-    <dgm:linClrLst meth="repeat">
-      <a:schemeClr val="dk1">
-        <a:shade val="80000"/>
-      </a:schemeClr>
-    </dgm:linClrLst>
-    <dgm:effectClrLst/>
-    <dgm:txLinClrLst/>
-    <dgm:txFillClrLst meth="repeat">
-      <a:schemeClr val="dk1"/>
-    </dgm:txFillClrLst>
-    <dgm:txEffectClrLst/>
-  </dgm:styleLbl>
-  <dgm:styleLbl name="asst1">
-    <dgm:fillClrLst meth="repeat">
-      <a:schemeClr val="lt1"/>
-    </dgm:fillClrLst>
-    <dgm:linClrLst meth="repeat">
-      <a:schemeClr val="dk1">
-        <a:shade val="80000"/>
-      </a:schemeClr>
-    </dgm:linClrLst>
-    <dgm:effectClrLst/>
-    <dgm:txLinClrLst/>
-    <dgm:txFillClrLst meth="repeat">
-      <a:schemeClr val="dk1"/>
-    </dgm:txFillClrLst>
-    <dgm:txEffectClrLst/>
-  </dgm:styleLbl>
-  <dgm:styleLbl name="asst2">
-    <dgm:fillClrLst meth="repeat">
-      <a:schemeClr val="lt1"/>
-    </dgm:fillClrLst>
-    <dgm:linClrLst meth="repeat">
-      <a:schemeClr val="dk1">
-        <a:shade val="80000"/>
-      </a:schemeClr>
-    </dgm:linClrLst>
-    <dgm:effectClrLst/>
-    <dgm:txLinClrLst/>
-    <dgm:txFillClrLst meth="repeat">
-      <a:schemeClr val="dk1"/>
-    </dgm:txFillClrLst>
-    <dgm:txEffectClrLst/>
-  </dgm:styleLbl>
-  <dgm:styleLbl name="asst3">
-    <dgm:fillClrLst meth="repeat">
-      <a:schemeClr val="lt1"/>
-    </dgm:fillClrLst>
-    <dgm:linClrLst meth="repeat">
-      <a:schemeClr val="dk1">
-        <a:shade val="80000"/>
-      </a:schemeClr>
-    </dgm:linClrLst>
-    <dgm:effectClrLst/>
-    <dgm:txLinClrLst/>
-    <dgm:txFillClrLst meth="repeat">
-      <a:schemeClr val="dk1"/>
-    </dgm:txFillClrLst>
-    <dgm:txEffectClrLst/>
-  </dgm:styleLbl>
-  <dgm:styleLbl name="asst4">
-    <dgm:fillClrLst meth="repeat">
-      <a:schemeClr val="lt1"/>
-    </dgm:fillClrLst>
-    <dgm:linClrLst meth="repeat">
-      <a:schemeClr val="dk1">
-        <a:shade val="80000"/>
-      </a:schemeClr>
-    </dgm:linClrLst>
-    <dgm:effectClrLst/>
-    <dgm:txLinClrLst/>
-    <dgm:txFillClrLst meth="repeat">
-      <a:schemeClr val="dk1"/>
-    </dgm:txFillClrLst>
-    <dgm:txEffectClrLst/>
-  </dgm:styleLbl>
-  <dgm:styleLbl name="parChTrans2D1">
-    <dgm:fillClrLst meth="repeat">
-      <a:schemeClr val="dk1">
-        <a:tint val="60000"/>
-      </a:schemeClr>
-    </dgm:fillClrLst>
-    <dgm:linClrLst meth="repeat">
-      <a:schemeClr val="dk1">
-        <a:tint val="60000"/>
-      </a:schemeClr>
-    </dgm:linClrLst>
-    <dgm:effectClrLst/>
-    <dgm:txLinClrLst/>
-    <dgm:txFillClrLst/>
-    <dgm:txEffectClrLst/>
-  </dgm:styleLbl>
-  <dgm:styleLbl name="parChTrans2D2">
-    <dgm:fillClrLst meth="repeat">
-      <a:schemeClr val="dk1"/>
-    </dgm:fillClrLst>
-    <dgm:linClrLst meth="repeat">
-      <a:schemeClr val="dk1"/>
-    </dgm:linClrLst>
-    <dgm:effectClrLst/>
-    <dgm:txLinClrLst/>
-    <dgm:txFillClrLst/>
-    <dgm:txEffectClrLst/>
-  </dgm:styleLbl>
-  <dgm:styleLbl name="parChTrans2D3">
-    <dgm:fillClrLst meth="repeat">
-      <a:schemeClr val="dk1"/>
-    </dgm:fillClrLst>
-    <dgm:linClrLst meth="repeat">
-      <a:schemeClr val="dk1"/>
-    </dgm:linClrLst>
-    <dgm:effectClrLst/>
-    <dgm:txLinClrLst/>
-    <dgm:txFillClrLst/>
-    <dgm:txEffectClrLst/>
-  </dgm:styleLbl>
-  <dgm:styleLbl name="parChTrans2D4">
-    <dgm:fillClrLst meth="repeat">
-      <a:schemeClr val="dk1"/>
-    </dgm:fillClrLst>
-    <dgm:linClrLst meth="repeat">
-      <a:schemeClr val="dk1"/>
-    </dgm:linClrLst>
-    <dgm:effectClrLst/>
-    <dgm:txLinClrLst/>
-    <dgm:txFillClrLst meth="repeat">
-      <a:schemeClr val="lt1"/>
-    </dgm:txFillClrLst>
-    <dgm:txEffectClrLst/>
-  </dgm:styleLbl>
-  <dgm:styleLbl name="parChTrans1D1">
-    <dgm:fillClrLst meth="repeat">
-      <a:schemeClr val="dk1"/>
-    </dgm:fillClrLst>
-    <dgm:linClrLst meth="repeat">
-      <a:schemeClr val="dk1">
-        <a:shade val="60000"/>
-      </a:schemeClr>
-    </dgm:linClrLst>
-    <dgm:effectClrLst/>
-    <dgm:txLinClrLst/>
-    <dgm:txFillClrLst meth="repeat">
-      <a:schemeClr val="tx1"/>
-    </dgm:txFillClrLst>
-    <dgm:txEffectClrLst/>
-  </dgm:styleLbl>
-  <dgm:styleLbl name="parChTrans1D2">
-    <dgm:fillClrLst meth="repeat">
-      <a:schemeClr val="dk1"/>
-    </dgm:fillClrLst>
-    <dgm:linClrLst meth="repeat">
-      <a:schemeClr val="dk1">
-        <a:shade val="60000"/>
-      </a:schemeClr>
-    </dgm:linClrLst>
-    <dgm:effectClrLst/>
-    <dgm:txLinClrLst/>
-    <dgm:txFillClrLst meth="repeat">
-      <a:schemeClr val="tx1"/>
-    </dgm:txFillClrLst>
-    <dgm:txEffectClrLst/>
-  </dgm:styleLbl>
-  <dgm:styleLbl name="parChTrans1D3">
-    <dgm:fillClrLst meth="repeat">
-      <a:schemeClr val="dk1"/>
-    </dgm:fillClrLst>
-    <dgm:linClrLst meth="repeat">
-      <a:schemeClr val="dk1">
-        <a:shade val="80000"/>
-      </a:schemeClr>
-    </dgm:linClrLst>
-    <dgm:effectClrLst/>
-    <dgm:txLinClrLst/>
-    <dgm:txFillClrLst meth="repeat">
-      <a:schemeClr val="tx1"/>
-    </dgm:txFillClrLst>
-    <dgm:txEffectClrLst/>
-  </dgm:styleLbl>
-  <dgm:styleLbl name="parChTrans1D4">
-    <dgm:fillClrLst meth="repeat">
-      <a:schemeClr val="dk1"/>
-    </dgm:fillClrLst>
-    <dgm:linClrLst meth="repeat">
-      <a:schemeClr val="dk1">
-        <a:shade val="80000"/>
-      </a:schemeClr>
-    </dgm:linClrLst>
-    <dgm:effectClrLst/>
-    <dgm:txLinClrLst/>
-    <dgm:txFillClrLst meth="repeat">
-      <a:schemeClr val="tx1"/>
-    </dgm:txFillClrLst>
-    <dgm:txEffectClrLst/>
-  </dgm:styleLbl>
-  <dgm:styleLbl name="fgAcc1">
-    <dgm:fillClrLst meth="repeat">
-      <a:schemeClr val="dk1">
-        <a:alpha val="90000"/>
-        <a:tint val="40000"/>
-      </a:schemeClr>
-    </dgm:fillClrLst>
-    <dgm:linClrLst meth="repeat">
-      <a:schemeClr val="dk1"/>
-    </dgm:linClrLst>
-    <dgm:effectClrLst/>
-    <dgm:txLinClrLst/>
-    <dgm:txFillClrLst meth="repeat">
-      <a:schemeClr val="dk1"/>
-    </dgm:txFillClrLst>
-    <dgm:txEffectClrLst/>
-  </dgm:styleLbl>
-  <dgm:styleLbl name="conFgAcc1">
-    <dgm:fillClrLst meth="repeat">
-      <a:schemeClr val="dk1">
-        <a:alpha val="90000"/>
-        <a:tint val="40000"/>
-      </a:schemeClr>
-    </dgm:fillClrLst>
-    <dgm:linClrLst meth="repeat">
-      <a:schemeClr val="dk1"/>
-    </dgm:linClrLst>
-    <dgm:effectClrLst/>
-    <dgm:txLinClrLst/>
-    <dgm:txFillClrLst meth="repeat">
-      <a:schemeClr val="dk1"/>
-    </dgm:txFillClrLst>
-    <dgm:txEffectClrLst/>
-  </dgm:styleLbl>
-  <dgm:styleLbl name="alignAcc1">
-    <dgm:fillClrLst meth="repeat">
-      <a:schemeClr val="dk1">
-        <a:alpha val="90000"/>
-        <a:tint val="40000"/>
-      </a:schemeClr>
-    </dgm:fillClrLst>
-    <dgm:linClrLst meth="repeat">
-      <a:schemeClr val="dk1"/>
-    </dgm:linClrLst>
-    <dgm:effectClrLst/>
-    <dgm:txLinClrLst/>
-    <dgm:txFillClrLst meth="repeat">
-      <a:schemeClr val="dk1"/>
-    </dgm:txFillClrLst>
-    <dgm:txEffectClrLst/>
-  </dgm:styleLbl>
-  <dgm:styleLbl name="trAlignAcc1">
-    <dgm:fillClrLst meth="repeat">
-      <a:schemeClr val="dk1">
-        <a:alpha val="40000"/>
-        <a:tint val="40000"/>
-      </a:schemeClr>
-    </dgm:fillClrLst>
-    <dgm:linClrLst meth="repeat">
-      <a:schemeClr val="dk1"/>
-    </dgm:linClrLst>
-    <dgm:effectClrLst/>
-    <dgm:txLinClrLst/>
-    <dgm:txFillClrLst meth="repeat">
-      <a:schemeClr val="dk1"/>
-    </dgm:txFillClrLst>
-    <dgm:txEffectClrLst/>
-  </dgm:styleLbl>
-  <dgm:styleLbl name="bgAcc1">
-    <dgm:fillClrLst meth="repeat">
-      <a:schemeClr val="dk1">
-        <a:alpha val="90000"/>
-        <a:tint val="40000"/>
-      </a:schemeClr>
-    </dgm:fillClrLst>
-    <dgm:linClrLst meth="repeat">
-      <a:schemeClr val="dk1"/>
-    </dgm:linClrLst>
-    <dgm:effectClrLst/>
-    <dgm:txLinClrLst/>
-    <dgm:txFillClrLst meth="repeat">
-      <a:schemeClr val="dk1"/>
-    </dgm:txFillClrLst>
-    <dgm:txEffectClrLst/>
-  </dgm:styleLbl>
-  <dgm:styleLbl name="solidFgAcc1">
-    <dgm:fillClrLst meth="repeat">
-      <a:schemeClr val="lt1"/>
-    </dgm:fillClrLst>
-    <dgm:linClrLst meth="repeat">
-      <a:schemeClr val="dk1"/>
-    </dgm:linClrLst>
-    <dgm:effectClrLst/>
-    <dgm:txLinClrLst/>
-    <dgm:txFillClrLst meth="repeat">
-      <a:schemeClr val="dk1"/>
-    </dgm:txFillClrLst>
-    <dgm:txEffectClrLst/>
-  </dgm:styleLbl>
-  <dgm:styleLbl name="solidAlignAcc1">
-    <dgm:fillClrLst meth="repeat">
-      <a:schemeClr val="lt1"/>
-    </dgm:fillClrLst>
-    <dgm:linClrLst meth="repeat">
-      <a:schemeClr val="dk1"/>
-    </dgm:linClrLst>
-    <dgm:effectClrLst/>
-    <dgm:txLinClrLst/>
-    <dgm:txFillClrLst meth="repeat">
-      <a:schemeClr val="dk1"/>
-    </dgm:txFillClrLst>
-    <dgm:txEffectClrLst/>
-  </dgm:styleLbl>
-  <dgm:styleLbl name="solidBgAcc1">
-    <dgm:fillClrLst meth="repeat">
-      <a:schemeClr val="lt1"/>
-    </dgm:fillClrLst>
-    <dgm:linClrLst meth="repeat">
-      <a:schemeClr val="dk1"/>
-    </dgm:linClrLst>
-    <dgm:effectClrLst/>
-    <dgm:txLinClrLst/>
-    <dgm:txFillClrLst meth="repeat">
-      <a:schemeClr val="dk1"/>
-    </dgm:txFillClrLst>
-    <dgm:txEffectClrLst/>
-  </dgm:styleLbl>
-  <dgm:styleLbl name="fgAccFollowNode1">
-    <dgm:fillClrLst meth="repeat">
-      <a:schemeClr val="lt1">
-        <a:alpha val="90000"/>
-        <a:tint val="40000"/>
-      </a:schemeClr>
-    </dgm:fillClrLst>
-    <dgm:linClrLst meth="repeat">
-      <a:schemeClr val="dk1">
-        <a:alpha val="90000"/>
-      </a:schemeClr>
-    </dgm:linClrLst>
-    <dgm:effectClrLst/>
-    <dgm:txLinClrLst/>
-    <dgm:txFillClrLst meth="repeat">
-      <a:schemeClr val="dk1"/>
-    </dgm:txFillClrLst>
-    <dgm:txEffectClrLst/>
-  </dgm:styleLbl>
-  <dgm:styleLbl name="alignAccFollowNode1">
-    <dgm:fillClrLst meth="repeat">
-      <a:schemeClr val="lt1">
-        <a:alpha val="90000"/>
-        <a:tint val="40000"/>
-      </a:schemeClr>
-    </dgm:fillClrLst>
-    <dgm:linClrLst meth="repeat">
-      <a:schemeClr val="dk1">
-        <a:alpha val="90000"/>
-      </a:schemeClr>
-    </dgm:linClrLst>
-    <dgm:effectClrLst/>
-    <dgm:txLinClrLst/>
-    <dgm:txFillClrLst meth="repeat">
-      <a:schemeClr val="dk1"/>
-    </dgm:txFillClrLst>
-    <dgm:txEffectClrLst/>
-  </dgm:styleLbl>
-  <dgm:styleLbl name="bgAccFollowNode1">
-    <dgm:fillClrLst meth="repeat">
-      <a:schemeClr val="lt1">
-        <a:alpha val="90000"/>
-        <a:tint val="40000"/>
-      </a:schemeClr>
-    </dgm:fillClrLst>
-    <dgm:linClrLst meth="repeat">
-      <a:schemeClr val="dk1">
-        <a:alpha val="90000"/>
-      </a:schemeClr>
-    </dgm:linClrLst>
-    <dgm:effectClrLst/>
-    <dgm:txLinClrLst/>
-    <dgm:txFillClrLst meth="repeat">
-      <a:schemeClr val="dk1"/>
-    </dgm:txFillClrLst>
-    <dgm:txEffectClrLst/>
-  </dgm:styleLbl>
-  <dgm:styleLbl name="fgAcc0">
-    <dgm:fillClrLst meth="repeat">
-      <a:schemeClr val="dk1">
-        <a:alpha val="90000"/>
-        <a:tint val="40000"/>
-      </a:schemeClr>
-    </dgm:fillClrLst>
-    <dgm:linClrLst meth="repeat">
-      <a:schemeClr val="dk1"/>
-    </dgm:linClrLst>
-    <dgm:effectClrLst/>
-    <dgm:txLinClrLst/>
-    <dgm:txFillClrLst meth="repeat">
-      <a:schemeClr val="dk1"/>
-    </dgm:txFillClrLst>
-    <dgm:txEffectClrLst/>
-  </dgm:styleLbl>
-  <dgm:styleLbl name="fgAcc2">
-    <dgm:fillClrLst meth="repeat">
-      <a:schemeClr val="dk1">
-        <a:alpha val="90000"/>
-        <a:tint val="40000"/>
-      </a:schemeClr>
-    </dgm:fillClrLst>
-    <dgm:linClrLst meth="repeat">
-      <a:schemeClr val="dk1"/>
-    </dgm:linClrLst>
-    <dgm:effectClrLst/>
-    <dgm:txLinClrLst/>
-    <dgm:txFillClrLst meth="repeat">
-      <a:schemeClr val="dk1"/>
-    </dgm:txFillClrLst>
-    <dgm:txEffectClrLst/>
-  </dgm:styleLbl>
-  <dgm:styleLbl name="fgAcc3">
-    <dgm:fillClrLst meth="repeat">
-      <a:schemeClr val="dk1">
-        <a:alpha val="90000"/>
-        <a:tint val="40000"/>
-      </a:schemeClr>
-    </dgm:fillClrLst>
-    <dgm:linClrLst meth="repeat">
-      <a:schemeClr val="dk1"/>
-    </dgm:linClrLst>
-    <dgm:effectClrLst/>
-    <dgm:txLinClrLst/>
-    <dgm:txFillClrLst meth="repeat">
-      <a:schemeClr val="dk1"/>
-    </dgm:txFillClrLst>
-    <dgm:txEffectClrLst/>
-  </dgm:styleLbl>
-  <dgm:styleLbl name="fgAcc4">
-    <dgm:fillClrLst meth="repeat">
-      <a:schemeClr val="dk1">
-        <a:alpha val="90000"/>
-        <a:tint val="40000"/>
-      </a:schemeClr>
-    </dgm:fillClrLst>
-    <dgm:linClrLst meth="repeat">
-      <a:schemeClr val="dk1"/>
-    </dgm:linClrLst>
-    <dgm:effectClrLst/>
-    <dgm:txLinClrLst/>
-    <dgm:txFillClrLst meth="repeat">
-      <a:schemeClr val="dk1"/>
-    </dgm:txFillClrLst>
-    <dgm:txEffectClrLst/>
-  </dgm:styleLbl>
-  <dgm:styleLbl name="bgShp">
-    <dgm:fillClrLst meth="repeat">
-      <a:schemeClr val="dk1">
-        <a:tint val="40000"/>
-      </a:schemeClr>
-    </dgm:fillClrLst>
-    <dgm:linClrLst meth="repeat">
-      <a:schemeClr val="dk1"/>
-    </dgm:linClrLst>
-    <dgm:effectClrLst/>
-    <dgm:txLinClrLst/>
-    <dgm:txFillClrLst meth="repeat">
-      <a:schemeClr val="dk1"/>
-    </dgm:txFillClrLst>
-    <dgm:txEffectClrLst/>
-  </dgm:styleLbl>
-  <dgm:styleLbl name="dkBgShp">
-    <dgm:fillClrLst meth="repeat">
-      <a:schemeClr val="dk1">
-        <a:shade val="80000"/>
-      </a:schemeClr>
-    </dgm:fillClrLst>
-    <dgm:linClrLst meth="repeat">
-      <a:schemeClr val="dk1"/>
-    </dgm:linClrLst>
-    <dgm:effectClrLst/>
-    <dgm:txLinClrLst/>
-    <dgm:txFillClrLst meth="repeat">
-      <a:schemeClr val="lt1"/>
-    </dgm:txFillClrLst>
-    <dgm:txEffectClrLst/>
-  </dgm:styleLbl>
-  <dgm:styleLbl name="trBgShp">
-    <dgm:fillClrLst meth="repeat">
-      <a:schemeClr val="dk1">
-        <a:tint val="50000"/>
-        <a:alpha val="40000"/>
-      </a:schemeClr>
-    </dgm:fillClrLst>
-    <dgm:linClrLst meth="repeat">
-      <a:schemeClr val="dk1"/>
-    </dgm:linClrLst>
-    <dgm:effectClrLst/>
-    <dgm:txLinClrLst/>
-    <dgm:txFillClrLst meth="repeat">
-      <a:schemeClr val="lt1"/>
-    </dgm:txFillClrLst>
-    <dgm:txEffectClrLst/>
-  </dgm:styleLbl>
-  <dgm:styleLbl name="fgShp">
-    <dgm:fillClrLst meth="repeat">
-      <a:schemeClr val="dk1">
-        <a:tint val="60000"/>
-      </a:schemeClr>
-    </dgm:fillClrLst>
-    <dgm:linClrLst meth="repeat">
-      <a:schemeClr val="lt1"/>
-    </dgm:linClrLst>
-    <dgm:effectClrLst/>
-    <dgm:txLinClrLst/>
-    <dgm:txFillClrLst meth="repeat">
-      <a:schemeClr val="dk1"/>
-    </dgm:txFillClrLst>
-    <dgm:txEffectClrLst/>
-  </dgm:styleLbl>
-  <dgm:styleLbl name="revTx">
-    <dgm:fillClrLst meth="repeat">
-      <a:schemeClr val="lt1">
-        <a:alpha val="0"/>
-      </a:schemeClr>
-    </dgm:fillClrLst>
-    <dgm:linClrLst meth="repeat">
-      <a:schemeClr val="dk1">
-        <a:alpha val="0"/>
-      </a:schemeClr>
-    </dgm:linClrLst>
-    <dgm:effectClrLst/>
-    <dgm:txLinClrLst/>
-    <dgm:txFillClrLst meth="repeat">
-      <a:schemeClr val="tx1"/>
-    </dgm:txFillClrLst>
-    <dgm:txEffectClrLst/>
-  </dgm:styleLbl>
-</dgm:colorsDef>
-</file>
-
-<file path=ppt/diagrams/colors2.xml><?xml version="1.0" encoding="utf-8"?>
-<dgm:colorsDef xmlns:dgm="http://schemas.openxmlformats.org/drawingml/2006/diagram" xmlns:a="http://schemas.openxmlformats.org/drawingml/2006/main" uniqueId="urn:microsoft.com/office/officeart/2005/8/colors/accent0_1">
-  <dgm:title val=""/>
-  <dgm:desc val=""/>
-  <dgm:catLst>
-    <dgm:cat type="mainScheme" pri="10100"/>
-  </dgm:catLst>
-  <dgm:styleLbl name="node0">
-    <dgm:fillClrLst meth="repeat">
-      <a:schemeClr val="lt1"/>
-    </dgm:fillClrLst>
-    <dgm:linClrLst meth="repeat">
-      <a:schemeClr val="dk1">
-        <a:shade val="80000"/>
-      </a:schemeClr>
-    </dgm:linClrLst>
-    <dgm:effectClrLst/>
-    <dgm:txLinClrLst/>
-    <dgm:txFillClrLst meth="repeat">
-      <a:schemeClr val="dk1"/>
-    </dgm:txFillClrLst>
-    <dgm:txEffectClrLst/>
-  </dgm:styleLbl>
-  <dgm:styleLbl name="node1">
-    <dgm:fillClrLst meth="repeat">
-      <a:schemeClr val="lt1"/>
-    </dgm:fillClrLst>
-    <dgm:linClrLst meth="repeat">
-      <a:schemeClr val="dk1">
-        <a:shade val="80000"/>
-      </a:schemeClr>
-    </dgm:linClrLst>
-    <dgm:effectClrLst/>
-    <dgm:txLinClrLst/>
-    <dgm:txFillClrLst meth="repeat">
-      <a:schemeClr val="dk1"/>
-    </dgm:txFillClrLst>
-    <dgm:txEffectClrLst/>
-  </dgm:styleLbl>
-  <dgm:styleLbl name="alignNode1">
-    <dgm:fillClrLst meth="repeat">
-      <a:schemeClr val="lt1"/>
-    </dgm:fillClrLst>
-    <dgm:linClrLst meth="repeat">
-      <a:schemeClr val="dk1">
-        <a:shade val="80000"/>
-      </a:schemeClr>
-    </dgm:linClrLst>
-    <dgm:effectClrLst/>
-    <dgm:txLinClrLst/>
-    <dgm:txFillClrLst meth="repeat">
-      <a:schemeClr val="dk1"/>
-    </dgm:txFillClrLst>
-    <dgm:txEffectClrLst/>
-  </dgm:styleLbl>
-  <dgm:styleLbl name="lnNode1">
-    <dgm:fillClrLst meth="repeat">
-      <a:schemeClr val="lt1"/>
-    </dgm:fillClrLst>
-    <dgm:linClrLst meth="repeat">
-      <a:schemeClr val="dk1">
-        <a:shade val="80000"/>
-      </a:schemeClr>
-    </dgm:linClrLst>
-    <dgm:effectClrLst/>
-    <dgm:txLinClrLst/>
-    <dgm:txFillClrLst meth="repeat">
-      <a:schemeClr val="dk1"/>
-    </dgm:txFillClrLst>
-    <dgm:txEffectClrLst/>
-  </dgm:styleLbl>
-  <dgm:styleLbl name="vennNode1">
-    <dgm:fillClrLst meth="repeat">
-      <a:schemeClr val="lt1">
-        <a:alpha val="50000"/>
-      </a:schemeClr>
-    </dgm:fillClrLst>
-    <dgm:linClrLst meth="repeat">
-      <a:schemeClr val="dk1">
-        <a:shade val="80000"/>
-      </a:schemeClr>
-    </dgm:linClrLst>
-    <dgm:effectClrLst/>
-    <dgm:txLinClrLst/>
-    <dgm:txFillClrLst/>
-    <dgm:txEffectClrLst/>
-  </dgm:styleLbl>
-  <dgm:styleLbl name="node2">
-    <dgm:fillClrLst meth="repeat">
-      <a:schemeClr val="lt1"/>
-    </dgm:fillClrLst>
-    <dgm:linClrLst meth="repeat">
-      <a:schemeClr val="dk1">
-        <a:shade val="80000"/>
-      </a:schemeClr>
-    </dgm:linClrLst>
-    <dgm:effectClrLst/>
-    <dgm:txLinClrLst/>
-    <dgm:txFillClrLst meth="repeat">
-      <a:schemeClr val="dk1"/>
-    </dgm:txFillClrLst>
-    <dgm:txEffectClrLst/>
-  </dgm:styleLbl>
-  <dgm:styleLbl name="node3">
-    <dgm:fillClrLst meth="repeat">
-      <a:schemeClr val="lt1"/>
-    </dgm:fillClrLst>
-    <dgm:linClrLst meth="repeat">
-      <a:schemeClr val="dk1">
-        <a:shade val="80000"/>
-      </a:schemeClr>
-    </dgm:linClrLst>
-    <dgm:effectClrLst/>
-    <dgm:txLinClrLst/>
-    <dgm:txFillClrLst meth="repeat">
-      <a:schemeClr val="dk1"/>
-    </dgm:txFillClrLst>
-    <dgm:txEffectClrLst/>
-  </dgm:styleLbl>
-  <dgm:styleLbl name="node4">
-    <dgm:fillClrLst meth="repeat">
-      <a:schemeClr val="lt1"/>
-    </dgm:fillClrLst>
-    <dgm:linClrLst meth="repeat">
-      <a:schemeClr val="dk1">
-        <a:shade val="80000"/>
-      </a:schemeClr>
-    </dgm:linClrLst>
-    <dgm:effectClrLst/>
-    <dgm:txLinClrLst/>
-    <dgm:txFillClrLst meth="repeat">
-      <a:schemeClr val="dk1"/>
-    </dgm:txFillClrLst>
-    <dgm:txEffectClrLst/>
-  </dgm:styleLbl>
-  <dgm:styleLbl name="fgImgPlace1">
-    <dgm:fillClrLst meth="repeat">
-      <a:schemeClr val="dk1">
-        <a:tint val="40000"/>
-      </a:schemeClr>
-    </dgm:fillClrLst>
-    <dgm:linClrLst meth="repeat">
-      <a:schemeClr val="dk1">
-        <a:shade val="80000"/>
-      </a:schemeClr>
-    </dgm:linClrLst>
-    <dgm:effectClrLst/>
-    <dgm:txLinClrLst/>
-    <dgm:txFillClrLst meth="repeat">
-      <a:schemeClr val="lt1"/>
-    </dgm:txFillClrLst>
-    <dgm:txEffectClrLst/>
-  </dgm:styleLbl>
-  <dgm:styleLbl name="alignImgPlace1">
-    <dgm:fillClrLst meth="repeat">
-      <a:schemeClr val="dk1">
-        <a:tint val="40000"/>
-      </a:schemeClr>
-    </dgm:fillClrLst>
-    <dgm:linClrLst meth="repeat">
-      <a:schemeClr val="dk1">
-        <a:shade val="80000"/>
-      </a:schemeClr>
-    </dgm:linClrLst>
-    <dgm:effectClrLst/>
-    <dgm:txLinClrLst/>
-    <dgm:txFillClrLst meth="repeat">
-      <a:schemeClr val="lt1"/>
-    </dgm:txFillClrLst>
-    <dgm:txEffectClrLst/>
-  </dgm:styleLbl>
-  <dgm:styleLbl name="bgImgPlace1">
-    <dgm:fillClrLst meth="repeat">
-      <a:schemeClr val="dk1">
-        <a:tint val="40000"/>
-      </a:schemeClr>
-    </dgm:fillClrLst>
-    <dgm:linClrLst meth="repeat">
-      <a:schemeClr val="dk1">
-        <a:shade val="80000"/>
-      </a:schemeClr>
-    </dgm:linClrLst>
-    <dgm:effectClrLst/>
-    <dgm:txLinClrLst/>
-    <dgm:txFillClrLst meth="repeat">
-      <a:schemeClr val="lt1"/>
-    </dgm:txFillClrLst>
-    <dgm:txEffectClrLst/>
-  </dgm:styleLbl>
-  <dgm:styleLbl name="sibTrans2D1">
-    <dgm:fillClrLst meth="repeat">
-      <a:schemeClr val="dk1">
-        <a:tint val="60000"/>
-      </a:schemeClr>
-    </dgm:fillClrLst>
-    <dgm:linClrLst meth="repeat">
-      <a:schemeClr val="dk1">
-        <a:tint val="60000"/>
-      </a:schemeClr>
-    </dgm:linClrLst>
-    <dgm:effectClrLst/>
-    <dgm:txLinClrLst/>
-    <dgm:txFillClrLst meth="repeat">
-      <a:schemeClr val="dk1"/>
-    </dgm:txFillClrLst>
-    <dgm:txEffectClrLst/>
-  </dgm:styleLbl>
-  <dgm:styleLbl name="fgSibTrans2D1">
-    <dgm:fillClrLst meth="repeat">
-      <a:schemeClr val="dk1">
-        <a:tint val="60000"/>
-      </a:schemeClr>
-    </dgm:fillClrLst>
-    <dgm:linClrLst meth="repeat">
-      <a:schemeClr val="dk1">
-        <a:tint val="60000"/>
-      </a:schemeClr>
-    </dgm:linClrLst>
-    <dgm:effectClrLst/>
-    <dgm:txLinClrLst/>
-    <dgm:txFillClrLst meth="repeat">
-      <a:schemeClr val="dk1"/>
-    </dgm:txFillClrLst>
-    <dgm:txEffectClrLst/>
-  </dgm:styleLbl>
-  <dgm:styleLbl name="bgSibTrans2D1">
-    <dgm:fillClrLst meth="repeat">
-      <a:schemeClr val="dk1">
-        <a:tint val="60000"/>
-      </a:schemeClr>
-    </dgm:fillClrLst>
-    <dgm:linClrLst meth="repeat">
-      <a:schemeClr val="dk1">
-        <a:tint val="60000"/>
-      </a:schemeClr>
-    </dgm:linClrLst>
-    <dgm:effectClrLst/>
-    <dgm:txLinClrLst/>
-    <dgm:txFillClrLst meth="repeat">
-      <a:schemeClr val="dk1"/>
-    </dgm:txFillClrLst>
-    <dgm:txEffectClrLst/>
-  </dgm:styleLbl>
-  <dgm:styleLbl name="sibTrans1D1">
-    <dgm:fillClrLst meth="repeat">
-      <a:schemeClr val="dk1"/>
-    </dgm:fillClrLst>
-    <dgm:linClrLst meth="repeat">
-      <a:schemeClr val="dk1"/>
-    </dgm:linClrLst>
-    <dgm:effectClrLst/>
-    <dgm:txLinClrLst/>
-    <dgm:txFillClrLst meth="repeat">
-      <a:schemeClr val="tx1"/>
-    </dgm:txFillClrLst>
-    <dgm:txEffectClrLst/>
-  </dgm:styleLbl>
-  <dgm:styleLbl name="callout">
-    <dgm:fillClrLst meth="repeat">
-      <a:schemeClr val="dk1"/>
-    </dgm:fillClrLst>
-    <dgm:linClrLst meth="repeat">
-      <a:schemeClr val="dk1"/>
-    </dgm:linClrLst>
-    <dgm:effectClrLst/>
-    <dgm:txLinClrLst/>
-    <dgm:txFillClrLst meth="repeat">
-      <a:schemeClr val="tx1"/>
-    </dgm:txFillClrLst>
-    <dgm:txEffectClrLst/>
-  </dgm:styleLbl>
-  <dgm:styleLbl name="asst0">
-    <dgm:fillClrLst meth="repeat">
-      <a:schemeClr val="lt1"/>
-    </dgm:fillClrLst>
-    <dgm:linClrLst meth="repeat">
-      <a:schemeClr val="dk1">
-        <a:shade val="80000"/>
-      </a:schemeClr>
-    </dgm:linClrLst>
-    <dgm:effectClrLst/>
-    <dgm:txLinClrLst/>
-    <dgm:txFillClrLst meth="repeat">
-      <a:schemeClr val="dk1"/>
-    </dgm:txFillClrLst>
-    <dgm:txEffectClrLst/>
-  </dgm:styleLbl>
-  <dgm:styleLbl name="asst1">
-    <dgm:fillClrLst meth="repeat">
-      <a:schemeClr val="lt1"/>
-    </dgm:fillClrLst>
-    <dgm:linClrLst meth="repeat">
-      <a:schemeClr val="dk1">
-        <a:shade val="80000"/>
-      </a:schemeClr>
-    </dgm:linClrLst>
-    <dgm:effectClrLst/>
-    <dgm:txLinClrLst/>
-    <dgm:txFillClrLst meth="repeat">
-      <a:schemeClr val="dk1"/>
-    </dgm:txFillClrLst>
-    <dgm:txEffectClrLst/>
-  </dgm:styleLbl>
-  <dgm:styleLbl name="asst2">
-    <dgm:fillClrLst meth="repeat">
-      <a:schemeClr val="lt1"/>
-    </dgm:fillClrLst>
-    <dgm:linClrLst meth="repeat">
-      <a:schemeClr val="dk1">
-        <a:shade val="80000"/>
-      </a:schemeClr>
-    </dgm:linClrLst>
-    <dgm:effectClrLst/>
-    <dgm:txLinClrLst/>
-    <dgm:txFillClrLst meth="repeat">
-      <a:schemeClr val="dk1"/>
-    </dgm:txFillClrLst>
-    <dgm:txEffectClrLst/>
-  </dgm:styleLbl>
-  <dgm:styleLbl name="asst3">
-    <dgm:fillClrLst meth="repeat">
-      <a:schemeClr val="lt1"/>
-    </dgm:fillClrLst>
-    <dgm:linClrLst meth="repeat">
-      <a:schemeClr val="dk1">
-        <a:shade val="80000"/>
-      </a:schemeClr>
-    </dgm:linClrLst>
-    <dgm:effectClrLst/>
-    <dgm:txLinClrLst/>
-    <dgm:txFillClrLst meth="repeat">
-      <a:schemeClr val="dk1"/>
-    </dgm:txFillClrLst>
-    <dgm:txEffectClrLst/>
-  </dgm:styleLbl>
-  <dgm:styleLbl name="asst4">
-    <dgm:fillClrLst meth="repeat">
-      <a:schemeClr val="lt1"/>
-    </dgm:fillClrLst>
-    <dgm:linClrLst meth="repeat">
-      <a:schemeClr val="dk1">
-        <a:shade val="80000"/>
-      </a:schemeClr>
-    </dgm:linClrLst>
-    <dgm:effectClrLst/>
-    <dgm:txLinClrLst/>
-    <dgm:txFillClrLst meth="repeat">
-      <a:schemeClr val="dk1"/>
-    </dgm:txFillClrLst>
-    <dgm:txEffectClrLst/>
-  </dgm:styleLbl>
-  <dgm:styleLbl name="parChTrans2D1">
-    <dgm:fillClrLst meth="repeat">
-      <a:schemeClr val="dk1">
-        <a:tint val="60000"/>
-      </a:schemeClr>
-    </dgm:fillClrLst>
-    <dgm:linClrLst meth="repeat">
-      <a:schemeClr val="dk1">
-        <a:tint val="60000"/>
-      </a:schemeClr>
-    </dgm:linClrLst>
-    <dgm:effectClrLst/>
-    <dgm:txLinClrLst/>
-    <dgm:txFillClrLst/>
-    <dgm:txEffectClrLst/>
-  </dgm:styleLbl>
-  <dgm:styleLbl name="parChTrans2D2">
-    <dgm:fillClrLst meth="repeat">
-      <a:schemeClr val="dk1"/>
-    </dgm:fillClrLst>
-    <dgm:linClrLst meth="repeat">
-      <a:schemeClr val="dk1"/>
-    </dgm:linClrLst>
-    <dgm:effectClrLst/>
-    <dgm:txLinClrLst/>
-    <dgm:txFillClrLst/>
-    <dgm:txEffectClrLst/>
-  </dgm:styleLbl>
-  <dgm:styleLbl name="parChTrans2D3">
-    <dgm:fillClrLst meth="repeat">
-      <a:schemeClr val="dk1"/>
-    </dgm:fillClrLst>
-    <dgm:linClrLst meth="repeat">
-      <a:schemeClr val="dk1"/>
-    </dgm:linClrLst>
-    <dgm:effectClrLst/>
-    <dgm:txLinClrLst/>
-    <dgm:txFillClrLst/>
-    <dgm:txEffectClrLst/>
-  </dgm:styleLbl>
-  <dgm:styleLbl name="parChTrans2D4">
-    <dgm:fillClrLst meth="repeat">
-      <a:schemeClr val="dk1"/>
-    </dgm:fillClrLst>
-    <dgm:linClrLst meth="repeat">
-      <a:schemeClr val="dk1"/>
-    </dgm:linClrLst>
-    <dgm:effectClrLst/>
-    <dgm:txLinClrLst/>
-    <dgm:txFillClrLst meth="repeat">
-      <a:schemeClr val="lt1"/>
-    </dgm:txFillClrLst>
-    <dgm:txEffectClrLst/>
-  </dgm:styleLbl>
-  <dgm:styleLbl name="parChTrans1D1">
-    <dgm:fillClrLst meth="repeat">
-      <a:schemeClr val="dk1"/>
-    </dgm:fillClrLst>
-    <dgm:linClrLst meth="repeat">
-      <a:schemeClr val="dk1">
-        <a:shade val="60000"/>
-      </a:schemeClr>
-    </dgm:linClrLst>
-    <dgm:effectClrLst/>
-    <dgm:txLinClrLst/>
-    <dgm:txFillClrLst meth="repeat">
-      <a:schemeClr val="tx1"/>
-    </dgm:txFillClrLst>
-    <dgm:txEffectClrLst/>
-  </dgm:styleLbl>
-  <dgm:styleLbl name="parChTrans1D2">
-    <dgm:fillClrLst meth="repeat">
-      <a:schemeClr val="dk1"/>
-    </dgm:fillClrLst>
-    <dgm:linClrLst meth="repeat">
-      <a:schemeClr val="dk1">
-        <a:shade val="60000"/>
-      </a:schemeClr>
-    </dgm:linClrLst>
-    <dgm:effectClrLst/>
-    <dgm:txLinClrLst/>
-    <dgm:txFillClrLst meth="repeat">
-      <a:schemeClr val="tx1"/>
-    </dgm:txFillClrLst>
-    <dgm:txEffectClrLst/>
-  </dgm:styleLbl>
-  <dgm:styleLbl name="parChTrans1D3">
-    <dgm:fillClrLst meth="repeat">
-      <a:schemeClr val="dk1"/>
-    </dgm:fillClrLst>
-    <dgm:linClrLst meth="repeat">
-      <a:schemeClr val="dk1">
-        <a:shade val="80000"/>
-      </a:schemeClr>
-    </dgm:linClrLst>
-    <dgm:effectClrLst/>
-    <dgm:txLinClrLst/>
-    <dgm:txFillClrLst meth="repeat">
-      <a:schemeClr val="tx1"/>
-    </dgm:txFillClrLst>
-    <dgm:txEffectClrLst/>
-  </dgm:styleLbl>
-  <dgm:styleLbl name="parChTrans1D4">
-    <dgm:fillClrLst meth="repeat">
-      <a:schemeClr val="dk1"/>
-    </dgm:fillClrLst>
-    <dgm:linClrLst meth="repeat">
-      <a:schemeClr val="dk1">
-        <a:shade val="80000"/>
-      </a:schemeClr>
-    </dgm:linClrLst>
-    <dgm:effectClrLst/>
-    <dgm:txLinClrLst/>
-    <dgm:txFillClrLst meth="repeat">
-      <a:schemeClr val="tx1"/>
-    </dgm:txFillClrLst>
-    <dgm:txEffectClrLst/>
-  </dgm:styleLbl>
-  <dgm:styleLbl name="fgAcc1">
-    <dgm:fillClrLst meth="repeat">
-      <a:schemeClr val="dk1">
-        <a:alpha val="90000"/>
-        <a:tint val="40000"/>
-      </a:schemeClr>
-    </dgm:fillClrLst>
-    <dgm:linClrLst meth="repeat">
-      <a:schemeClr val="dk1"/>
-    </dgm:linClrLst>
-    <dgm:effectClrLst/>
-    <dgm:txLinClrLst/>
-    <dgm:txFillClrLst meth="repeat">
-      <a:schemeClr val="dk1"/>
-    </dgm:txFillClrLst>
-    <dgm:txEffectClrLst/>
-  </dgm:styleLbl>
-  <dgm:styleLbl name="conFgAcc1">
-    <dgm:fillClrLst meth="repeat">
-      <a:schemeClr val="dk1">
-        <a:alpha val="90000"/>
-        <a:tint val="40000"/>
-      </a:schemeClr>
-    </dgm:fillClrLst>
-    <dgm:linClrLst meth="repeat">
-      <a:schemeClr val="dk1"/>
-    </dgm:linClrLst>
-    <dgm:effectClrLst/>
-    <dgm:txLinClrLst/>
-    <dgm:txFillClrLst meth="repeat">
-      <a:schemeClr val="dk1"/>
-    </dgm:txFillClrLst>
-    <dgm:txEffectClrLst/>
-  </dgm:styleLbl>
-  <dgm:styleLbl name="alignAcc1">
-    <dgm:fillClrLst meth="repeat">
-      <a:schemeClr val="dk1">
-        <a:alpha val="90000"/>
-        <a:tint val="40000"/>
-      </a:schemeClr>
-    </dgm:fillClrLst>
-    <dgm:linClrLst meth="repeat">
-      <a:schemeClr val="dk1"/>
-    </dgm:linClrLst>
-    <dgm:effectClrLst/>
-    <dgm:txLinClrLst/>
-    <dgm:txFillClrLst meth="repeat">
-      <a:schemeClr val="dk1"/>
-    </dgm:txFillClrLst>
-    <dgm:txEffectClrLst/>
-  </dgm:styleLbl>
-  <dgm:styleLbl name="trAlignAcc1">
-    <dgm:fillClrLst meth="repeat">
-      <a:schemeClr val="dk1">
-        <a:alpha val="40000"/>
-        <a:tint val="40000"/>
-      </a:schemeClr>
-    </dgm:fillClrLst>
-    <dgm:linClrLst meth="repeat">
-      <a:schemeClr val="dk1"/>
-    </dgm:linClrLst>
-    <dgm:effectClrLst/>
-    <dgm:txLinClrLst/>
-    <dgm:txFillClrLst meth="repeat">
-      <a:schemeClr val="dk1"/>
-    </dgm:txFillClrLst>
-    <dgm:txEffectClrLst/>
-  </dgm:styleLbl>
-  <dgm:styleLbl name="bgAcc1">
-    <dgm:fillClrLst meth="repeat">
-      <a:schemeClr val="dk1">
-        <a:alpha val="90000"/>
-        <a:tint val="40000"/>
-      </a:schemeClr>
-    </dgm:fillClrLst>
-    <dgm:linClrLst meth="repeat">
-      <a:schemeClr val="dk1"/>
-    </dgm:linClrLst>
-    <dgm:effectClrLst/>
-    <dgm:txLinClrLst/>
-    <dgm:txFillClrLst meth="repeat">
-      <a:schemeClr val="dk1"/>
-    </dgm:txFillClrLst>
-    <dgm:txEffectClrLst/>
-  </dgm:styleLbl>
-  <dgm:styleLbl name="solidFgAcc1">
-    <dgm:fillClrLst meth="repeat">
-      <a:schemeClr val="lt1"/>
-    </dgm:fillClrLst>
-    <dgm:linClrLst meth="repeat">
-      <a:schemeClr val="dk1"/>
-    </dgm:linClrLst>
-    <dgm:effectClrLst/>
-    <dgm:txLinClrLst/>
-    <dgm:txFillClrLst meth="repeat">
-      <a:schemeClr val="dk1"/>
-    </dgm:txFillClrLst>
-    <dgm:txEffectClrLst/>
-  </dgm:styleLbl>
-  <dgm:styleLbl name="solidAlignAcc1">
-    <dgm:fillClrLst meth="repeat">
-      <a:schemeClr val="lt1"/>
-    </dgm:fillClrLst>
-    <dgm:linClrLst meth="repeat">
-      <a:schemeClr val="dk1"/>
-    </dgm:linClrLst>
-    <dgm:effectClrLst/>
-    <dgm:txLinClrLst/>
-    <dgm:txFillClrLst meth="repeat">
-      <a:schemeClr val="dk1"/>
-    </dgm:txFillClrLst>
-    <dgm:txEffectClrLst/>
-  </dgm:styleLbl>
-  <dgm:styleLbl name="solidBgAcc1">
-    <dgm:fillClrLst meth="repeat">
-      <a:schemeClr val="lt1"/>
-    </dgm:fillClrLst>
-    <dgm:linClrLst meth="repeat">
-      <a:schemeClr val="dk1"/>
-    </dgm:linClrLst>
-    <dgm:effectClrLst/>
-    <dgm:txLinClrLst/>
-    <dgm:txFillClrLst meth="repeat">
-      <a:schemeClr val="dk1"/>
-    </dgm:txFillClrLst>
-    <dgm:txEffectClrLst/>
-  </dgm:styleLbl>
-  <dgm:styleLbl name="fgAccFollowNode1">
-    <dgm:fillClrLst meth="repeat">
-      <a:schemeClr val="lt1">
-        <a:alpha val="90000"/>
-        <a:tint val="40000"/>
-      </a:schemeClr>
-    </dgm:fillClrLst>
-    <dgm:linClrLst meth="repeat">
-      <a:schemeClr val="dk1">
-        <a:alpha val="90000"/>
-      </a:schemeClr>
-    </dgm:linClrLst>
-    <dgm:effectClrLst/>
-    <dgm:txLinClrLst/>
-    <dgm:txFillClrLst meth="repeat">
-      <a:schemeClr val="dk1"/>
-    </dgm:txFillClrLst>
-    <dgm:txEffectClrLst/>
-  </dgm:styleLbl>
-  <dgm:styleLbl name="alignAccFollowNode1">
-    <dgm:fillClrLst meth="repeat">
-      <a:schemeClr val="lt1">
-        <a:alpha val="90000"/>
-        <a:tint val="40000"/>
-      </a:schemeClr>
-    </dgm:fillClrLst>
-    <dgm:linClrLst meth="repeat">
-      <a:schemeClr val="dk1">
-        <a:alpha val="90000"/>
-      </a:schemeClr>
-    </dgm:linClrLst>
-    <dgm:effectClrLst/>
-    <dgm:txLinClrLst/>
-    <dgm:txFillClrLst meth="repeat">
-      <a:schemeClr val="dk1"/>
-    </dgm:txFillClrLst>
-    <dgm:txEffectClrLst/>
-  </dgm:styleLbl>
-  <dgm:styleLbl name="bgAccFollowNode1">
-    <dgm:fillClrLst meth="repeat">
-      <a:schemeClr val="lt1">
-        <a:alpha val="90000"/>
-        <a:tint val="40000"/>
-      </a:schemeClr>
-    </dgm:fillClrLst>
-    <dgm:linClrLst meth="repeat">
-      <a:schemeClr val="dk1">
-        <a:alpha val="90000"/>
-      </a:schemeClr>
-    </dgm:linClrLst>
-    <dgm:effectClrLst/>
-    <dgm:txLinClrLst/>
-    <dgm:txFillClrLst meth="repeat">
-      <a:schemeClr val="dk1"/>
-    </dgm:txFillClrLst>
-    <dgm:txEffectClrLst/>
-  </dgm:styleLbl>
-  <dgm:styleLbl name="fgAcc0">
-    <dgm:fillClrLst meth="repeat">
-      <a:schemeClr val="dk1">
-        <a:alpha val="90000"/>
-        <a:tint val="40000"/>
-      </a:schemeClr>
-    </dgm:fillClrLst>
-    <dgm:linClrLst meth="repeat">
-      <a:schemeClr val="dk1"/>
-    </dgm:linClrLst>
-    <dgm:effectClrLst/>
-    <dgm:txLinClrLst/>
-    <dgm:txFillClrLst meth="repeat">
-      <a:schemeClr val="dk1"/>
-    </dgm:txFillClrLst>
-    <dgm:txEffectClrLst/>
-  </dgm:styleLbl>
-  <dgm:styleLbl name="fgAcc2">
-    <dgm:fillClrLst meth="repeat">
-      <a:schemeClr val="dk1">
-        <a:alpha val="90000"/>
-        <a:tint val="40000"/>
-      </a:schemeClr>
-    </dgm:fillClrLst>
-    <dgm:linClrLst meth="repeat">
-      <a:schemeClr val="dk1"/>
-    </dgm:linClrLst>
-    <dgm:effectClrLst/>
-    <dgm:txLinClrLst/>
-    <dgm:txFillClrLst meth="repeat">
-      <a:schemeClr val="dk1"/>
-    </dgm:txFillClrLst>
-    <dgm:txEffectClrLst/>
-  </dgm:styleLbl>
-  <dgm:styleLbl name="fgAcc3">
-    <dgm:fillClrLst meth="repeat">
-      <a:schemeClr val="dk1">
-        <a:alpha val="90000"/>
-        <a:tint val="40000"/>
-      </a:schemeClr>
-    </dgm:fillClrLst>
-    <dgm:linClrLst meth="repeat">
-      <a:schemeClr val="dk1"/>
-    </dgm:linClrLst>
-    <dgm:effectClrLst/>
-    <dgm:txLinClrLst/>
-    <dgm:txFillClrLst meth="repeat">
-      <a:schemeClr val="dk1"/>
-    </dgm:txFillClrLst>
-    <dgm:txEffectClrLst/>
-  </dgm:styleLbl>
-  <dgm:styleLbl name="fgAcc4">
-    <dgm:fillClrLst meth="repeat">
-      <a:schemeClr val="dk1">
-        <a:alpha val="90000"/>
-        <a:tint val="40000"/>
-      </a:schemeClr>
-    </dgm:fillClrLst>
-    <dgm:linClrLst meth="repeat">
-      <a:schemeClr val="dk1"/>
-    </dgm:linClrLst>
-    <dgm:effectClrLst/>
-    <dgm:txLinClrLst/>
-    <dgm:txFillClrLst meth="repeat">
-      <a:schemeClr val="dk1"/>
-    </dgm:txFillClrLst>
-    <dgm:txEffectClrLst/>
-  </dgm:styleLbl>
-  <dgm:styleLbl name="bgShp">
-    <dgm:fillClrLst meth="repeat">
-      <a:schemeClr val="dk1">
-        <a:tint val="40000"/>
-      </a:schemeClr>
-    </dgm:fillClrLst>
-    <dgm:linClrLst meth="repeat">
-      <a:schemeClr val="dk1"/>
-    </dgm:linClrLst>
-    <dgm:effectClrLst/>
-    <dgm:txLinClrLst/>
-    <dgm:txFillClrLst meth="repeat">
-      <a:schemeClr val="dk1"/>
-    </dgm:txFillClrLst>
-    <dgm:txEffectClrLst/>
-  </dgm:styleLbl>
-  <dgm:styleLbl name="dkBgShp">
-    <dgm:fillClrLst meth="repeat">
-      <a:schemeClr val="dk1">
-        <a:shade val="80000"/>
-      </a:schemeClr>
-    </dgm:fillClrLst>
-    <dgm:linClrLst meth="repeat">
-      <a:schemeClr val="dk1"/>
-    </dgm:linClrLst>
-    <dgm:effectClrLst/>
-    <dgm:txLinClrLst/>
-    <dgm:txFillClrLst meth="repeat">
-      <a:schemeClr val="lt1"/>
-    </dgm:txFillClrLst>
-    <dgm:txEffectClrLst/>
-  </dgm:styleLbl>
-  <dgm:styleLbl name="trBgShp">
-    <dgm:fillClrLst meth="repeat">
-      <a:schemeClr val="dk1">
-        <a:tint val="50000"/>
-        <a:alpha val="40000"/>
-      </a:schemeClr>
-    </dgm:fillClrLst>
-    <dgm:linClrLst meth="repeat">
-      <a:schemeClr val="dk1"/>
-    </dgm:linClrLst>
-    <dgm:effectClrLst/>
-    <dgm:txLinClrLst/>
-    <dgm:txFillClrLst meth="repeat">
-      <a:schemeClr val="lt1"/>
-    </dgm:txFillClrLst>
-    <dgm:txEffectClrLst/>
-  </dgm:styleLbl>
-  <dgm:styleLbl name="fgShp">
-    <dgm:fillClrLst meth="repeat">
-      <a:schemeClr val="dk1">
-        <a:tint val="60000"/>
-      </a:schemeClr>
-    </dgm:fillClrLst>
-    <dgm:linClrLst meth="repeat">
-      <a:schemeClr val="lt1"/>
-    </dgm:linClrLst>
-    <dgm:effectClrLst/>
-    <dgm:txLinClrLst/>
-    <dgm:txFillClrLst meth="repeat">
-      <a:schemeClr val="dk1"/>
-    </dgm:txFillClrLst>
-    <dgm:txEffectClrLst/>
-  </dgm:styleLbl>
-  <dgm:styleLbl name="revTx">
-    <dgm:fillClrLst meth="repeat">
-      <a:schemeClr val="lt1">
-        <a:alpha val="0"/>
-      </a:schemeClr>
-    </dgm:fillClrLst>
-    <dgm:linClrLst meth="repeat">
-      <a:schemeClr val="dk1">
-        <a:alpha val="0"/>
-      </a:schemeClr>
-    </dgm:linClrLst>
-    <dgm:effectClrLst/>
-    <dgm:txLinClrLst/>
-    <dgm:txFillClrLst meth="repeat">
-      <a:schemeClr val="tx1"/>
-    </dgm:txFillClrLst>
-    <dgm:txEffectClrLst/>
-  </dgm:styleLbl>
-</dgm:colorsDef>
-</file>
-
-<file path=ppt/diagrams/data1.xml><?xml version="1.0" encoding="utf-8"?>
-<dgm:dataModel xmlns:dgm="http://schemas.openxmlformats.org/drawingml/2006/diagram" xmlns:a="http://schemas.openxmlformats.org/drawingml/2006/main">
-  <dgm:ptLst>
-    <dgm:pt modelId="{1832023B-864D-42DB-A891-5764199F6039}" type="doc">
-      <dgm:prSet loTypeId="urn:microsoft.com/office/officeart/2005/8/layout/vList5" loCatId="list" qsTypeId="urn:microsoft.com/office/officeart/2005/8/quickstyle/simple1" qsCatId="simple" csTypeId="urn:microsoft.com/office/officeart/2005/8/colors/accent0_1" csCatId="mainScheme" phldr="1"/>
-      <dgm:spPr/>
-      <dgm:t>
-        <a:bodyPr/>
-        <a:lstStyle/>
-        <a:p>
-          <a:endParaRPr lang="zh-TW" altLang="en-US"/>
-        </a:p>
-      </dgm:t>
-    </dgm:pt>
-    <dgm:pt modelId="{48192440-439A-4CED-AAD7-1AC36E9C2593}">
-      <dgm:prSet phldrT="[文字]"/>
-      <dgm:spPr/>
-      <dgm:t>
-        <a:bodyPr/>
-        <a:lstStyle/>
-        <a:p>
-          <a:pPr rtl="0"/>
-          <a:r>
-            <a:rPr lang="en-US" altLang="zh-TW" dirty="0"/>
-            <a:t>106971001 </a:t>
-          </a:r>
-          <a:r>
-            <a:rPr lang="zh-TW" altLang="en-US" dirty="0"/>
-            <a:t>林上人</a:t>
-          </a:r>
-        </a:p>
-      </dgm:t>
-    </dgm:pt>
-    <dgm:pt modelId="{D2263550-D1DA-43CB-841F-1CF04BDB1409}" type="parTrans" cxnId="{6D34C2D4-058B-48D7-89A4-31EA020CA9C4}">
-      <dgm:prSet/>
-      <dgm:spPr/>
-      <dgm:t>
-        <a:bodyPr/>
-        <a:lstStyle/>
-        <a:p>
-          <a:endParaRPr lang="zh-TW" altLang="en-US"/>
-        </a:p>
-      </dgm:t>
-    </dgm:pt>
-    <dgm:pt modelId="{32C258E9-5805-4714-8C7F-76CBD4CA16A6}" type="sibTrans" cxnId="{6D34C2D4-058B-48D7-89A4-31EA020CA9C4}">
-      <dgm:prSet/>
-      <dgm:spPr/>
-      <dgm:t>
-        <a:bodyPr/>
-        <a:lstStyle/>
-        <a:p>
-          <a:endParaRPr lang="zh-TW" altLang="en-US"/>
-        </a:p>
-      </dgm:t>
-    </dgm:pt>
-    <dgm:pt modelId="{621DE14E-4F12-4308-A391-8B833F790F42}">
-      <dgm:prSet phldrT="[文字]" custT="1">
-        <dgm:style>
-          <a:lnRef idx="2">
-            <a:schemeClr val="accent3">
-              <a:shade val="50000"/>
-            </a:schemeClr>
-          </a:lnRef>
-          <a:fillRef idx="1">
-            <a:schemeClr val="accent3"/>
-          </a:fillRef>
-          <a:effectRef idx="0">
-            <a:schemeClr val="accent3"/>
-          </a:effectRef>
-          <a:fontRef idx="minor">
-            <a:schemeClr val="lt1"/>
-          </a:fontRef>
-        </dgm:style>
-      </dgm:prSet>
-      <dgm:spPr/>
-      <dgm:t>
-        <a:bodyPr/>
-        <a:lstStyle/>
-        <a:p>
-          <a:endParaRPr lang="zh-TW" altLang="en-US" sz="1800" dirty="0"/>
-        </a:p>
-      </dgm:t>
-    </dgm:pt>
-    <dgm:pt modelId="{41735014-DAC0-4C92-95A2-ED77DD947175}" type="parTrans" cxnId="{717C36BC-A191-433A-9C8A-029B702BA77C}">
-      <dgm:prSet/>
-      <dgm:spPr/>
-      <dgm:t>
-        <a:bodyPr/>
-        <a:lstStyle/>
-        <a:p>
-          <a:endParaRPr lang="zh-TW" altLang="en-US"/>
-        </a:p>
-      </dgm:t>
-    </dgm:pt>
-    <dgm:pt modelId="{77E1F21F-7DDE-4761-B500-738428905754}" type="sibTrans" cxnId="{717C36BC-A191-433A-9C8A-029B702BA77C}">
-      <dgm:prSet/>
-      <dgm:spPr/>
-      <dgm:t>
-        <a:bodyPr/>
-        <a:lstStyle/>
-        <a:p>
-          <a:endParaRPr lang="zh-TW" altLang="en-US"/>
-        </a:p>
-      </dgm:t>
-    </dgm:pt>
-    <dgm:pt modelId="{ABFC61CF-699C-4DF8-8521-D77C2B8A9468}">
-      <dgm:prSet phldrT="[文字]"/>
-      <dgm:spPr/>
-      <dgm:t>
-        <a:bodyPr/>
-        <a:lstStyle/>
-        <a:p>
-          <a:pPr rtl="0"/>
-          <a:r>
-            <a:rPr lang="en-US" altLang="zh-TW" dirty="0"/>
-            <a:t>106971004 </a:t>
-          </a:r>
-          <a:r>
-            <a:rPr lang="zh-TW" altLang="en-US" dirty="0"/>
-            <a:t>林佑駿</a:t>
-          </a:r>
-        </a:p>
-      </dgm:t>
-    </dgm:pt>
-    <dgm:pt modelId="{9C5D5770-A8D2-44EF-BC75-BD051E44650E}" type="parTrans" cxnId="{5C3C62C2-0972-4808-B2F2-8EB1EB69A892}">
-      <dgm:prSet/>
-      <dgm:spPr/>
-      <dgm:t>
-        <a:bodyPr/>
-        <a:lstStyle/>
-        <a:p>
-          <a:endParaRPr lang="zh-TW" altLang="en-US"/>
-        </a:p>
-      </dgm:t>
-    </dgm:pt>
-    <dgm:pt modelId="{FF573854-229E-48DF-AFC0-0F2759A203DA}" type="sibTrans" cxnId="{5C3C62C2-0972-4808-B2F2-8EB1EB69A892}">
-      <dgm:prSet/>
-      <dgm:spPr/>
-      <dgm:t>
-        <a:bodyPr/>
-        <a:lstStyle/>
-        <a:p>
-          <a:endParaRPr lang="zh-TW" altLang="en-US"/>
-        </a:p>
-      </dgm:t>
-    </dgm:pt>
-    <dgm:pt modelId="{743DBD06-36B9-44F9-B8F2-743DF7E8419D}">
-      <dgm:prSet phldrT="[文字]" phldr="1" custT="1">
-        <dgm:style>
-          <a:lnRef idx="2">
-            <a:schemeClr val="accent3">
-              <a:shade val="50000"/>
-            </a:schemeClr>
-          </a:lnRef>
-          <a:fillRef idx="1">
-            <a:schemeClr val="accent3"/>
-          </a:fillRef>
-          <a:effectRef idx="0">
-            <a:schemeClr val="accent3"/>
-          </a:effectRef>
-          <a:fontRef idx="minor">
-            <a:schemeClr val="lt1"/>
-          </a:fontRef>
-        </dgm:style>
-      </dgm:prSet>
-      <dgm:spPr/>
-      <dgm:t>
-        <a:bodyPr/>
-        <a:lstStyle/>
-        <a:p>
-          <a:endParaRPr lang="zh-TW" altLang="en-US" sz="1800" dirty="0"/>
-        </a:p>
-      </dgm:t>
-    </dgm:pt>
-    <dgm:pt modelId="{F60C5532-ADF0-4543-81B5-B8110C28B651}" type="parTrans" cxnId="{1EE53495-5D56-4D44-BAD0-E62E7B0A9797}">
-      <dgm:prSet/>
-      <dgm:spPr/>
-      <dgm:t>
-        <a:bodyPr/>
-        <a:lstStyle/>
-        <a:p>
-          <a:endParaRPr lang="zh-TW" altLang="en-US"/>
-        </a:p>
-      </dgm:t>
-    </dgm:pt>
-    <dgm:pt modelId="{AB4736E4-7089-4EE6-BC0D-C9703BDA27D2}" type="sibTrans" cxnId="{1EE53495-5D56-4D44-BAD0-E62E7B0A9797}">
-      <dgm:prSet/>
-      <dgm:spPr/>
-      <dgm:t>
-        <a:bodyPr/>
-        <a:lstStyle/>
-        <a:p>
-          <a:endParaRPr lang="zh-TW" altLang="en-US"/>
-        </a:p>
-      </dgm:t>
-    </dgm:pt>
-    <dgm:pt modelId="{44E0DC73-70F3-47FB-86FD-9F8BBCEEAB8A}">
-      <dgm:prSet phldrT="[文字]" phldr="1" custT="1">
-        <dgm:style>
-          <a:lnRef idx="2">
-            <a:schemeClr val="accent3">
-              <a:shade val="50000"/>
-            </a:schemeClr>
-          </a:lnRef>
-          <a:fillRef idx="1">
-            <a:schemeClr val="accent3"/>
-          </a:fillRef>
-          <a:effectRef idx="0">
-            <a:schemeClr val="accent3"/>
-          </a:effectRef>
-          <a:fontRef idx="minor">
-            <a:schemeClr val="lt1"/>
-          </a:fontRef>
-        </dgm:style>
-      </dgm:prSet>
-      <dgm:spPr/>
-      <dgm:t>
-        <a:bodyPr/>
-        <a:lstStyle/>
-        <a:p>
-          <a:endParaRPr lang="zh-TW" altLang="en-US" sz="1800" dirty="0"/>
-        </a:p>
-      </dgm:t>
-    </dgm:pt>
-    <dgm:pt modelId="{B1D491C6-D25F-4F17-9028-DF7C45CD8874}" type="parTrans" cxnId="{E70DB1B2-8AEB-4815-A389-0622E0E2FC29}">
-      <dgm:prSet/>
-      <dgm:spPr/>
-      <dgm:t>
-        <a:bodyPr/>
-        <a:lstStyle/>
-        <a:p>
-          <a:endParaRPr lang="zh-TW" altLang="en-US"/>
-        </a:p>
-      </dgm:t>
-    </dgm:pt>
-    <dgm:pt modelId="{ADD588D3-35DF-48B3-B0EB-47844E6CCAA2}" type="sibTrans" cxnId="{E70DB1B2-8AEB-4815-A389-0622E0E2FC29}">
-      <dgm:prSet/>
-      <dgm:spPr/>
-      <dgm:t>
-        <a:bodyPr/>
-        <a:lstStyle/>
-        <a:p>
-          <a:endParaRPr lang="zh-TW" altLang="en-US"/>
-        </a:p>
-      </dgm:t>
-    </dgm:pt>
-    <dgm:pt modelId="{D66993B1-659A-494A-AD43-43B9E7926B35}">
-      <dgm:prSet phldrT="[文字]" custT="1">
-        <dgm:style>
-          <a:lnRef idx="2">
-            <a:schemeClr val="accent3">
-              <a:shade val="50000"/>
-            </a:schemeClr>
-          </a:lnRef>
-          <a:fillRef idx="1">
-            <a:schemeClr val="accent3"/>
-          </a:fillRef>
-          <a:effectRef idx="0">
-            <a:schemeClr val="accent3"/>
-          </a:effectRef>
-          <a:fontRef idx="minor">
-            <a:schemeClr val="lt1"/>
-          </a:fontRef>
-        </dgm:style>
-      </dgm:prSet>
-      <dgm:spPr/>
-      <dgm:t>
-        <a:bodyPr/>
-        <a:lstStyle/>
-        <a:p>
-          <a:endParaRPr lang="zh-TW" altLang="en-US" sz="1800" dirty="0"/>
-        </a:p>
-      </dgm:t>
-    </dgm:pt>
-    <dgm:pt modelId="{3789F2DF-D925-4294-899E-DB0F6E2955D2}" type="parTrans" cxnId="{A4F4CD7B-CAB7-4000-AE34-8F84F629311F}">
-      <dgm:prSet/>
-      <dgm:spPr/>
-      <dgm:t>
-        <a:bodyPr/>
-        <a:lstStyle/>
-        <a:p>
-          <a:endParaRPr lang="zh-TW" altLang="en-US"/>
-        </a:p>
-      </dgm:t>
-    </dgm:pt>
-    <dgm:pt modelId="{E2C0633D-89D3-44A3-8BDC-0B19C51F0EF9}" type="sibTrans" cxnId="{A4F4CD7B-CAB7-4000-AE34-8F84F629311F}">
-      <dgm:prSet/>
-      <dgm:spPr/>
-      <dgm:t>
-        <a:bodyPr/>
-        <a:lstStyle/>
-        <a:p>
-          <a:endParaRPr lang="zh-TW" altLang="en-US"/>
-        </a:p>
-      </dgm:t>
-    </dgm:pt>
-    <dgm:pt modelId="{5485F559-6F68-4914-A7ED-CA4BA86D387F}">
-      <dgm:prSet phldrT="[文字]" phldr="1" custT="1">
-        <dgm:style>
-          <a:lnRef idx="2">
-            <a:schemeClr val="accent3">
-              <a:shade val="50000"/>
-            </a:schemeClr>
-          </a:lnRef>
-          <a:fillRef idx="1">
-            <a:schemeClr val="accent3"/>
-          </a:fillRef>
-          <a:effectRef idx="0">
-            <a:schemeClr val="accent3"/>
-          </a:effectRef>
-          <a:fontRef idx="minor">
-            <a:schemeClr val="lt1"/>
-          </a:fontRef>
-        </dgm:style>
-      </dgm:prSet>
-      <dgm:spPr/>
-      <dgm:t>
-        <a:bodyPr/>
-        <a:lstStyle/>
-        <a:p>
-          <a:endParaRPr lang="zh-TW" altLang="en-US" sz="1800" dirty="0"/>
-        </a:p>
-      </dgm:t>
-    </dgm:pt>
-    <dgm:pt modelId="{846C5918-56B1-4A48-BCCB-60B4B34BDE7F}" type="sibTrans" cxnId="{5B582A9E-1F8E-4743-991C-0276D41EE035}">
-      <dgm:prSet/>
-      <dgm:spPr/>
-      <dgm:t>
-        <a:bodyPr/>
-        <a:lstStyle/>
-        <a:p>
-          <a:endParaRPr lang="zh-TW" altLang="en-US"/>
-        </a:p>
-      </dgm:t>
-    </dgm:pt>
-    <dgm:pt modelId="{A220FB30-3C90-418B-BF82-12E40CE075AE}" type="parTrans" cxnId="{5B582A9E-1F8E-4743-991C-0276D41EE035}">
-      <dgm:prSet/>
-      <dgm:spPr/>
-      <dgm:t>
-        <a:bodyPr/>
-        <a:lstStyle/>
-        <a:p>
-          <a:endParaRPr lang="zh-TW" altLang="en-US"/>
-        </a:p>
-      </dgm:t>
-    </dgm:pt>
-    <dgm:pt modelId="{ABF9B5D1-C1F2-4F49-9958-1BE55563F147}" type="pres">
-      <dgm:prSet presAssocID="{1832023B-864D-42DB-A891-5764199F6039}" presName="Name0" presStyleCnt="0">
-        <dgm:presLayoutVars>
-          <dgm:dir/>
-          <dgm:animLvl val="lvl"/>
-          <dgm:resizeHandles val="exact"/>
-        </dgm:presLayoutVars>
-      </dgm:prSet>
-      <dgm:spPr/>
-    </dgm:pt>
-    <dgm:pt modelId="{B0F0EC99-0577-4DD1-9311-093D6682D15B}" type="pres">
-      <dgm:prSet presAssocID="{48192440-439A-4CED-AAD7-1AC36E9C2593}" presName="linNode" presStyleCnt="0"/>
-      <dgm:spPr/>
-    </dgm:pt>
-    <dgm:pt modelId="{D7F0030F-9BC2-4264-9575-E79EFAB2A742}" type="pres">
-      <dgm:prSet presAssocID="{48192440-439A-4CED-AAD7-1AC36E9C2593}" presName="parentText" presStyleLbl="node1" presStyleIdx="0" presStyleCnt="2">
-        <dgm:presLayoutVars>
-          <dgm:chMax val="1"/>
-          <dgm:bulletEnabled val="1"/>
-        </dgm:presLayoutVars>
-      </dgm:prSet>
-      <dgm:spPr/>
-    </dgm:pt>
-    <dgm:pt modelId="{20A44B92-E1CC-47C6-BBE2-4CEAA3C4084F}" type="pres">
-      <dgm:prSet presAssocID="{48192440-439A-4CED-AAD7-1AC36E9C2593}" presName="descendantText" presStyleLbl="alignAccFollowNode1" presStyleIdx="0" presStyleCnt="2" custScaleX="162862" custScaleY="112423">
-        <dgm:presLayoutVars>
-          <dgm:bulletEnabled val="1"/>
-        </dgm:presLayoutVars>
-      </dgm:prSet>
-      <dgm:spPr/>
-    </dgm:pt>
-    <dgm:pt modelId="{EE058C89-11A9-4A3A-81FB-D6A126ECC4F7}" type="pres">
-      <dgm:prSet presAssocID="{32C258E9-5805-4714-8C7F-76CBD4CA16A6}" presName="sp" presStyleCnt="0"/>
-      <dgm:spPr/>
-    </dgm:pt>
-    <dgm:pt modelId="{BA4E9765-32CD-46B8-B54A-D65715B9673D}" type="pres">
-      <dgm:prSet presAssocID="{ABFC61CF-699C-4DF8-8521-D77C2B8A9468}" presName="linNode" presStyleCnt="0"/>
-      <dgm:spPr/>
-    </dgm:pt>
-    <dgm:pt modelId="{B89FCE20-01AF-4CF0-9C9C-0844FDB89A7E}" type="pres">
-      <dgm:prSet presAssocID="{ABFC61CF-699C-4DF8-8521-D77C2B8A9468}" presName="parentText" presStyleLbl="node1" presStyleIdx="1" presStyleCnt="2">
-        <dgm:presLayoutVars>
-          <dgm:chMax val="1"/>
-          <dgm:bulletEnabled val="1"/>
-        </dgm:presLayoutVars>
-      </dgm:prSet>
-      <dgm:spPr/>
-    </dgm:pt>
-    <dgm:pt modelId="{21BD9106-CE9F-42DB-A3D8-8988D5923435}" type="pres">
-      <dgm:prSet presAssocID="{ABFC61CF-699C-4DF8-8521-D77C2B8A9468}" presName="descendantText" presStyleLbl="alignAccFollowNode1" presStyleIdx="1" presStyleCnt="2" custScaleX="159911" custScaleY="113949">
-        <dgm:presLayoutVars>
-          <dgm:bulletEnabled val="1"/>
-        </dgm:presLayoutVars>
-      </dgm:prSet>
-      <dgm:spPr/>
-    </dgm:pt>
-  </dgm:ptLst>
-  <dgm:cxnLst>
-    <dgm:cxn modelId="{13539210-CC80-4F76-AF79-494E8748E84A}" type="presOf" srcId="{1832023B-864D-42DB-A891-5764199F6039}" destId="{ABF9B5D1-C1F2-4F49-9958-1BE55563F147}" srcOrd="0" destOrd="0" presId="urn:microsoft.com/office/officeart/2005/8/layout/vList5"/>
-    <dgm:cxn modelId="{A4F4CD7B-CAB7-4000-AE34-8F84F629311F}" srcId="{48192440-439A-4CED-AAD7-1AC36E9C2593}" destId="{D66993B1-659A-494A-AD43-43B9E7926B35}" srcOrd="2" destOrd="0" parTransId="{3789F2DF-D925-4294-899E-DB0F6E2955D2}" sibTransId="{E2C0633D-89D3-44A3-8BDC-0B19C51F0EF9}"/>
-    <dgm:cxn modelId="{1E06DA8D-F38E-42F9-9417-610817A1F528}" type="presOf" srcId="{743DBD06-36B9-44F9-B8F2-743DF7E8419D}" destId="{21BD9106-CE9F-42DB-A3D8-8988D5923435}" srcOrd="0" destOrd="0" presId="urn:microsoft.com/office/officeart/2005/8/layout/vList5"/>
-    <dgm:cxn modelId="{1EE53495-5D56-4D44-BAD0-E62E7B0A9797}" srcId="{ABFC61CF-699C-4DF8-8521-D77C2B8A9468}" destId="{743DBD06-36B9-44F9-B8F2-743DF7E8419D}" srcOrd="0" destOrd="0" parTransId="{F60C5532-ADF0-4543-81B5-B8110C28B651}" sibTransId="{AB4736E4-7089-4EE6-BC0D-C9703BDA27D2}"/>
-    <dgm:cxn modelId="{89645C97-18EA-4914-B3D2-C90986A656C4}" type="presOf" srcId="{48192440-439A-4CED-AAD7-1AC36E9C2593}" destId="{D7F0030F-9BC2-4264-9575-E79EFAB2A742}" srcOrd="0" destOrd="0" presId="urn:microsoft.com/office/officeart/2005/8/layout/vList5"/>
-    <dgm:cxn modelId="{5B582A9E-1F8E-4743-991C-0276D41EE035}" srcId="{48192440-439A-4CED-AAD7-1AC36E9C2593}" destId="{5485F559-6F68-4914-A7ED-CA4BA86D387F}" srcOrd="1" destOrd="0" parTransId="{A220FB30-3C90-418B-BF82-12E40CE075AE}" sibTransId="{846C5918-56B1-4A48-BCCB-60B4B34BDE7F}"/>
-    <dgm:cxn modelId="{E70DB1B2-8AEB-4815-A389-0622E0E2FC29}" srcId="{ABFC61CF-699C-4DF8-8521-D77C2B8A9468}" destId="{44E0DC73-70F3-47FB-86FD-9F8BBCEEAB8A}" srcOrd="1" destOrd="0" parTransId="{B1D491C6-D25F-4F17-9028-DF7C45CD8874}" sibTransId="{ADD588D3-35DF-48B3-B0EB-47844E6CCAA2}"/>
-    <dgm:cxn modelId="{B8D09FB4-C965-4F37-923C-35126ED1156C}" type="presOf" srcId="{5485F559-6F68-4914-A7ED-CA4BA86D387F}" destId="{20A44B92-E1CC-47C6-BBE2-4CEAA3C4084F}" srcOrd="0" destOrd="1" presId="urn:microsoft.com/office/officeart/2005/8/layout/vList5"/>
-    <dgm:cxn modelId="{717C36BC-A191-433A-9C8A-029B702BA77C}" srcId="{48192440-439A-4CED-AAD7-1AC36E9C2593}" destId="{621DE14E-4F12-4308-A391-8B833F790F42}" srcOrd="0" destOrd="0" parTransId="{41735014-DAC0-4C92-95A2-ED77DD947175}" sibTransId="{77E1F21F-7DDE-4761-B500-738428905754}"/>
-    <dgm:cxn modelId="{5C3C62C2-0972-4808-B2F2-8EB1EB69A892}" srcId="{1832023B-864D-42DB-A891-5764199F6039}" destId="{ABFC61CF-699C-4DF8-8521-D77C2B8A9468}" srcOrd="1" destOrd="0" parTransId="{9C5D5770-A8D2-44EF-BC75-BD051E44650E}" sibTransId="{FF573854-229E-48DF-AFC0-0F2759A203DA}"/>
-    <dgm:cxn modelId="{6D34C2D4-058B-48D7-89A4-31EA020CA9C4}" srcId="{1832023B-864D-42DB-A891-5764199F6039}" destId="{48192440-439A-4CED-AAD7-1AC36E9C2593}" srcOrd="0" destOrd="0" parTransId="{D2263550-D1DA-43CB-841F-1CF04BDB1409}" sibTransId="{32C258E9-5805-4714-8C7F-76CBD4CA16A6}"/>
-    <dgm:cxn modelId="{D5B012DB-DFE1-46A3-BC57-67270FFAB14F}" type="presOf" srcId="{D66993B1-659A-494A-AD43-43B9E7926B35}" destId="{20A44B92-E1CC-47C6-BBE2-4CEAA3C4084F}" srcOrd="0" destOrd="2" presId="urn:microsoft.com/office/officeart/2005/8/layout/vList5"/>
-    <dgm:cxn modelId="{B7D1C9E6-C209-492A-A2D9-9AB43001D592}" type="presOf" srcId="{ABFC61CF-699C-4DF8-8521-D77C2B8A9468}" destId="{B89FCE20-01AF-4CF0-9C9C-0844FDB89A7E}" srcOrd="0" destOrd="0" presId="urn:microsoft.com/office/officeart/2005/8/layout/vList5"/>
-    <dgm:cxn modelId="{3EE964EB-4790-4CD0-834A-43C048186732}" type="presOf" srcId="{621DE14E-4F12-4308-A391-8B833F790F42}" destId="{20A44B92-E1CC-47C6-BBE2-4CEAA3C4084F}" srcOrd="0" destOrd="0" presId="urn:microsoft.com/office/officeart/2005/8/layout/vList5"/>
-    <dgm:cxn modelId="{B60AA6F8-6AEF-40EE-A4A3-3CE8DC965724}" type="presOf" srcId="{44E0DC73-70F3-47FB-86FD-9F8BBCEEAB8A}" destId="{21BD9106-CE9F-42DB-A3D8-8988D5923435}" srcOrd="0" destOrd="1" presId="urn:microsoft.com/office/officeart/2005/8/layout/vList5"/>
-    <dgm:cxn modelId="{5335EAC6-2262-4870-BEF4-AA5CB3022828}" type="presParOf" srcId="{ABF9B5D1-C1F2-4F49-9958-1BE55563F147}" destId="{B0F0EC99-0577-4DD1-9311-093D6682D15B}" srcOrd="0" destOrd="0" presId="urn:microsoft.com/office/officeart/2005/8/layout/vList5"/>
-    <dgm:cxn modelId="{F7793DB7-0EB8-4B50-BA85-17F3956B957D}" type="presParOf" srcId="{B0F0EC99-0577-4DD1-9311-093D6682D15B}" destId="{D7F0030F-9BC2-4264-9575-E79EFAB2A742}" srcOrd="0" destOrd="0" presId="urn:microsoft.com/office/officeart/2005/8/layout/vList5"/>
-    <dgm:cxn modelId="{377C6BC9-FD26-44CE-BDC8-78C3962A94F8}" type="presParOf" srcId="{B0F0EC99-0577-4DD1-9311-093D6682D15B}" destId="{20A44B92-E1CC-47C6-BBE2-4CEAA3C4084F}" srcOrd="1" destOrd="0" presId="urn:microsoft.com/office/officeart/2005/8/layout/vList5"/>
-    <dgm:cxn modelId="{23D2F476-EDA3-47DD-B842-3B1C5F9A0AA6}" type="presParOf" srcId="{ABF9B5D1-C1F2-4F49-9958-1BE55563F147}" destId="{EE058C89-11A9-4A3A-81FB-D6A126ECC4F7}" srcOrd="1" destOrd="0" presId="urn:microsoft.com/office/officeart/2005/8/layout/vList5"/>
-    <dgm:cxn modelId="{05B65B7A-0C25-47A3-ABC6-89F3E3C314D5}" type="presParOf" srcId="{ABF9B5D1-C1F2-4F49-9958-1BE55563F147}" destId="{BA4E9765-32CD-46B8-B54A-D65715B9673D}" srcOrd="2" destOrd="0" presId="urn:microsoft.com/office/officeart/2005/8/layout/vList5"/>
-    <dgm:cxn modelId="{8866B5D0-0955-4EFD-AD92-CD9158A27B57}" type="presParOf" srcId="{BA4E9765-32CD-46B8-B54A-D65715B9673D}" destId="{B89FCE20-01AF-4CF0-9C9C-0844FDB89A7E}" srcOrd="0" destOrd="0" presId="urn:microsoft.com/office/officeart/2005/8/layout/vList5"/>
-    <dgm:cxn modelId="{17D0E981-70E1-48B4-90FB-BD8E070F30F6}" type="presParOf" srcId="{BA4E9765-32CD-46B8-B54A-D65715B9673D}" destId="{21BD9106-CE9F-42DB-A3D8-8988D5923435}" srcOrd="1" destOrd="0" presId="urn:microsoft.com/office/officeart/2005/8/layout/vList5"/>
-  </dgm:cxnLst>
-  <dgm:bg/>
-  <dgm:whole/>
-  <dgm:extLst>
-    <a:ext uri="http://schemas.microsoft.com/office/drawing/2008/diagram">
-      <dsp:dataModelExt xmlns:dsp="http://schemas.microsoft.com/office/drawing/2008/diagram" relId="rId7" minVer="http://schemas.openxmlformats.org/drawingml/2006/diagram"/>
-    </a:ext>
-  </dgm:extLst>
-</dgm:dataModel>
-</file>
-
-<file path=ppt/diagrams/data2.xml><?xml version="1.0" encoding="utf-8"?>
-<dgm:dataModel xmlns:dgm="http://schemas.openxmlformats.org/drawingml/2006/diagram" xmlns:a="http://schemas.openxmlformats.org/drawingml/2006/main">
-  <dgm:ptLst>
-    <dgm:pt modelId="{1832023B-864D-42DB-A891-5764199F6039}" type="doc">
-      <dgm:prSet loTypeId="urn:microsoft.com/office/officeart/2005/8/layout/vList5" loCatId="list" qsTypeId="urn:microsoft.com/office/officeart/2005/8/quickstyle/simple1" qsCatId="simple" csTypeId="urn:microsoft.com/office/officeart/2005/8/colors/accent0_1" csCatId="mainScheme" phldr="1"/>
-      <dgm:spPr/>
-      <dgm:t>
-        <a:bodyPr/>
-        <a:lstStyle/>
-        <a:p>
-          <a:endParaRPr lang="zh-TW" altLang="en-US"/>
-        </a:p>
-      </dgm:t>
-    </dgm:pt>
-    <dgm:pt modelId="{48192440-439A-4CED-AAD7-1AC36E9C2593}">
-      <dgm:prSet phldrT="[文字]" custT="1"/>
-      <dgm:spPr/>
-      <dgm:t>
-        <a:bodyPr/>
-        <a:lstStyle/>
-        <a:p>
-          <a:pPr rtl="0"/>
-          <a:r>
-            <a:rPr lang="en-US" altLang="zh-TW" sz="1200" dirty="0">
-              <a:solidFill>
-                <a:schemeClr val="tx1"/>
-              </a:solidFill>
-            </a:rPr>
-            <a:t>106971009 </a:t>
-          </a:r>
-          <a:r>
-            <a:rPr lang="zh-TW" altLang="en-US" sz="1200" dirty="0">
-              <a:solidFill>
-                <a:schemeClr val="tx1"/>
-              </a:solidFill>
-            </a:rPr>
-            <a:t>吳宇翔</a:t>
-          </a:r>
-        </a:p>
-      </dgm:t>
-    </dgm:pt>
-    <dgm:pt modelId="{D2263550-D1DA-43CB-841F-1CF04BDB1409}" type="parTrans" cxnId="{6D34C2D4-058B-48D7-89A4-31EA020CA9C4}">
-      <dgm:prSet/>
-      <dgm:spPr/>
-      <dgm:t>
-        <a:bodyPr/>
-        <a:lstStyle/>
-        <a:p>
-          <a:endParaRPr lang="zh-TW" altLang="en-US"/>
-        </a:p>
-      </dgm:t>
-    </dgm:pt>
-    <dgm:pt modelId="{32C258E9-5805-4714-8C7F-76CBD4CA16A6}" type="sibTrans" cxnId="{6D34C2D4-058B-48D7-89A4-31EA020CA9C4}">
-      <dgm:prSet/>
-      <dgm:spPr/>
-      <dgm:t>
-        <a:bodyPr/>
-        <a:lstStyle/>
-        <a:p>
-          <a:endParaRPr lang="zh-TW" altLang="en-US"/>
-        </a:p>
-      </dgm:t>
-    </dgm:pt>
-    <dgm:pt modelId="{621DE14E-4F12-4308-A391-8B833F790F42}">
-      <dgm:prSet phldrT="[文字]" phldr="1" custT="1">
-        <dgm:style>
-          <a:lnRef idx="2">
-            <a:schemeClr val="accent3">
-              <a:shade val="50000"/>
-            </a:schemeClr>
-          </a:lnRef>
-          <a:fillRef idx="1">
-            <a:schemeClr val="accent3"/>
-          </a:fillRef>
-          <a:effectRef idx="0">
-            <a:schemeClr val="accent3"/>
-          </a:effectRef>
-          <a:fontRef idx="minor">
-            <a:schemeClr val="lt1"/>
-          </a:fontRef>
-        </dgm:style>
-      </dgm:prSet>
-      <dgm:spPr/>
-      <dgm:t>
-        <a:bodyPr/>
-        <a:lstStyle/>
-        <a:p>
-          <a:endParaRPr lang="zh-TW" altLang="en-US" sz="1800" dirty="0">
-            <a:solidFill>
-              <a:schemeClr val="tx1"/>
-            </a:solidFill>
-          </a:endParaRPr>
-        </a:p>
-      </dgm:t>
-    </dgm:pt>
-    <dgm:pt modelId="{41735014-DAC0-4C92-95A2-ED77DD947175}" type="parTrans" cxnId="{717C36BC-A191-433A-9C8A-029B702BA77C}">
-      <dgm:prSet/>
-      <dgm:spPr/>
-      <dgm:t>
-        <a:bodyPr/>
-        <a:lstStyle/>
-        <a:p>
-          <a:endParaRPr lang="zh-TW" altLang="en-US"/>
-        </a:p>
-      </dgm:t>
-    </dgm:pt>
-    <dgm:pt modelId="{77E1F21F-7DDE-4761-B500-738428905754}" type="sibTrans" cxnId="{717C36BC-A191-433A-9C8A-029B702BA77C}">
-      <dgm:prSet/>
-      <dgm:spPr/>
-      <dgm:t>
-        <a:bodyPr/>
-        <a:lstStyle/>
-        <a:p>
-          <a:endParaRPr lang="zh-TW" altLang="en-US"/>
-        </a:p>
-      </dgm:t>
-    </dgm:pt>
-    <dgm:pt modelId="{5485F559-6F68-4914-A7ED-CA4BA86D387F}">
-      <dgm:prSet phldrT="[文字]" phldr="1" custT="1">
-        <dgm:style>
-          <a:lnRef idx="2">
-            <a:schemeClr val="accent3">
-              <a:shade val="50000"/>
-            </a:schemeClr>
-          </a:lnRef>
-          <a:fillRef idx="1">
-            <a:schemeClr val="accent3"/>
-          </a:fillRef>
-          <a:effectRef idx="0">
-            <a:schemeClr val="accent3"/>
-          </a:effectRef>
-          <a:fontRef idx="minor">
-            <a:schemeClr val="lt1"/>
-          </a:fontRef>
-        </dgm:style>
-      </dgm:prSet>
-      <dgm:spPr/>
-      <dgm:t>
-        <a:bodyPr/>
-        <a:lstStyle/>
-        <a:p>
-          <a:endParaRPr lang="zh-TW" altLang="en-US" sz="1800" dirty="0">
-            <a:solidFill>
-              <a:schemeClr val="tx1"/>
-            </a:solidFill>
-          </a:endParaRPr>
-        </a:p>
-      </dgm:t>
-    </dgm:pt>
-    <dgm:pt modelId="{A220FB30-3C90-418B-BF82-12E40CE075AE}" type="parTrans" cxnId="{5B582A9E-1F8E-4743-991C-0276D41EE035}">
-      <dgm:prSet/>
-      <dgm:spPr/>
-      <dgm:t>
-        <a:bodyPr/>
-        <a:lstStyle/>
-        <a:p>
-          <a:endParaRPr lang="zh-TW" altLang="en-US"/>
-        </a:p>
-      </dgm:t>
-    </dgm:pt>
-    <dgm:pt modelId="{846C5918-56B1-4A48-BCCB-60B4B34BDE7F}" type="sibTrans" cxnId="{5B582A9E-1F8E-4743-991C-0276D41EE035}">
-      <dgm:prSet/>
-      <dgm:spPr/>
-      <dgm:t>
-        <a:bodyPr/>
-        <a:lstStyle/>
-        <a:p>
-          <a:endParaRPr lang="zh-TW" altLang="en-US"/>
-        </a:p>
-      </dgm:t>
-    </dgm:pt>
-    <dgm:pt modelId="{ABFC61CF-699C-4DF8-8521-D77C2B8A9468}">
-      <dgm:prSet phldrT="[文字]"/>
-      <dgm:spPr/>
-      <dgm:t>
-        <a:bodyPr/>
-        <a:lstStyle/>
-        <a:p>
-          <a:pPr rtl="0"/>
-          <a:r>
-            <a:rPr lang="en-US" altLang="zh-TW" dirty="0">
-              <a:solidFill>
-                <a:schemeClr val="tx1"/>
-              </a:solidFill>
-            </a:rPr>
-            <a:t>107971023 </a:t>
-          </a:r>
-          <a:r>
-            <a:rPr lang="zh-TW" altLang="en-US" dirty="0">
-              <a:solidFill>
-                <a:schemeClr val="tx1"/>
-              </a:solidFill>
-            </a:rPr>
-            <a:t>李沛潔</a:t>
-          </a:r>
-        </a:p>
-      </dgm:t>
-    </dgm:pt>
-    <dgm:pt modelId="{9C5D5770-A8D2-44EF-BC75-BD051E44650E}" type="parTrans" cxnId="{5C3C62C2-0972-4808-B2F2-8EB1EB69A892}">
-      <dgm:prSet/>
-      <dgm:spPr/>
-      <dgm:t>
-        <a:bodyPr/>
-        <a:lstStyle/>
-        <a:p>
-          <a:endParaRPr lang="zh-TW" altLang="en-US"/>
-        </a:p>
-      </dgm:t>
-    </dgm:pt>
-    <dgm:pt modelId="{FF573854-229E-48DF-AFC0-0F2759A203DA}" type="sibTrans" cxnId="{5C3C62C2-0972-4808-B2F2-8EB1EB69A892}">
-      <dgm:prSet/>
-      <dgm:spPr/>
-      <dgm:t>
-        <a:bodyPr/>
-        <a:lstStyle/>
-        <a:p>
-          <a:endParaRPr lang="zh-TW" altLang="en-US"/>
-        </a:p>
-      </dgm:t>
-    </dgm:pt>
-    <dgm:pt modelId="{743DBD06-36B9-44F9-B8F2-743DF7E8419D}">
-      <dgm:prSet phldrT="[文字]" phldr="1" custT="1">
-        <dgm:style>
-          <a:lnRef idx="2">
-            <a:schemeClr val="accent3">
-              <a:shade val="50000"/>
-            </a:schemeClr>
-          </a:lnRef>
-          <a:fillRef idx="1">
-            <a:schemeClr val="accent3"/>
-          </a:fillRef>
-          <a:effectRef idx="0">
-            <a:schemeClr val="accent3"/>
-          </a:effectRef>
-          <a:fontRef idx="minor">
-            <a:schemeClr val="lt1"/>
-          </a:fontRef>
-        </dgm:style>
-      </dgm:prSet>
-      <dgm:spPr/>
-      <dgm:t>
-        <a:bodyPr/>
-        <a:lstStyle/>
-        <a:p>
-          <a:endParaRPr lang="zh-TW" altLang="en-US" sz="1800" dirty="0">
-            <a:solidFill>
-              <a:schemeClr val="tx1"/>
-            </a:solidFill>
-          </a:endParaRPr>
-        </a:p>
-      </dgm:t>
-    </dgm:pt>
-    <dgm:pt modelId="{F60C5532-ADF0-4543-81B5-B8110C28B651}" type="parTrans" cxnId="{1EE53495-5D56-4D44-BAD0-E62E7B0A9797}">
-      <dgm:prSet/>
-      <dgm:spPr/>
-      <dgm:t>
-        <a:bodyPr/>
-        <a:lstStyle/>
-        <a:p>
-          <a:endParaRPr lang="zh-TW" altLang="en-US"/>
-        </a:p>
-      </dgm:t>
-    </dgm:pt>
-    <dgm:pt modelId="{AB4736E4-7089-4EE6-BC0D-C9703BDA27D2}" type="sibTrans" cxnId="{1EE53495-5D56-4D44-BAD0-E62E7B0A9797}">
-      <dgm:prSet/>
-      <dgm:spPr/>
-      <dgm:t>
-        <a:bodyPr/>
-        <a:lstStyle/>
-        <a:p>
-          <a:endParaRPr lang="zh-TW" altLang="en-US"/>
-        </a:p>
-      </dgm:t>
-    </dgm:pt>
-    <dgm:pt modelId="{44E0DC73-70F3-47FB-86FD-9F8BBCEEAB8A}">
-      <dgm:prSet phldrT="[文字]" phldr="1" custT="1">
-        <dgm:style>
-          <a:lnRef idx="2">
-            <a:schemeClr val="accent3">
-              <a:shade val="50000"/>
-            </a:schemeClr>
-          </a:lnRef>
-          <a:fillRef idx="1">
-            <a:schemeClr val="accent3"/>
-          </a:fillRef>
-          <a:effectRef idx="0">
-            <a:schemeClr val="accent3"/>
-          </a:effectRef>
-          <a:fontRef idx="minor">
-            <a:schemeClr val="lt1"/>
-          </a:fontRef>
-        </dgm:style>
-      </dgm:prSet>
-      <dgm:spPr/>
-      <dgm:t>
-        <a:bodyPr/>
-        <a:lstStyle/>
-        <a:p>
-          <a:endParaRPr lang="zh-TW" altLang="en-US" sz="1800" dirty="0">
-            <a:solidFill>
-              <a:schemeClr val="tx1"/>
-            </a:solidFill>
-          </a:endParaRPr>
-        </a:p>
-      </dgm:t>
-    </dgm:pt>
-    <dgm:pt modelId="{B1D491C6-D25F-4F17-9028-DF7C45CD8874}" type="parTrans" cxnId="{E70DB1B2-8AEB-4815-A389-0622E0E2FC29}">
-      <dgm:prSet/>
-      <dgm:spPr/>
-      <dgm:t>
-        <a:bodyPr/>
-        <a:lstStyle/>
-        <a:p>
-          <a:endParaRPr lang="zh-TW" altLang="en-US"/>
-        </a:p>
-      </dgm:t>
-    </dgm:pt>
-    <dgm:pt modelId="{ADD588D3-35DF-48B3-B0EB-47844E6CCAA2}" type="sibTrans" cxnId="{E70DB1B2-8AEB-4815-A389-0622E0E2FC29}">
-      <dgm:prSet/>
-      <dgm:spPr/>
-      <dgm:t>
-        <a:bodyPr/>
-        <a:lstStyle/>
-        <a:p>
-          <a:endParaRPr lang="zh-TW" altLang="en-US"/>
-        </a:p>
-      </dgm:t>
-    </dgm:pt>
-    <dgm:pt modelId="{ABF9B5D1-C1F2-4F49-9958-1BE55563F147}" type="pres">
-      <dgm:prSet presAssocID="{1832023B-864D-42DB-A891-5764199F6039}" presName="Name0" presStyleCnt="0">
-        <dgm:presLayoutVars>
-          <dgm:dir/>
-          <dgm:animLvl val="lvl"/>
-          <dgm:resizeHandles val="exact"/>
-        </dgm:presLayoutVars>
-      </dgm:prSet>
-      <dgm:spPr/>
-    </dgm:pt>
-    <dgm:pt modelId="{B0F0EC99-0577-4DD1-9311-093D6682D15B}" type="pres">
-      <dgm:prSet presAssocID="{48192440-439A-4CED-AAD7-1AC36E9C2593}" presName="linNode" presStyleCnt="0"/>
-      <dgm:spPr/>
-    </dgm:pt>
-    <dgm:pt modelId="{D7F0030F-9BC2-4264-9575-E79EFAB2A742}" type="pres">
-      <dgm:prSet presAssocID="{48192440-439A-4CED-AAD7-1AC36E9C2593}" presName="parentText" presStyleLbl="node1" presStyleIdx="0" presStyleCnt="2" custScaleX="118961">
-        <dgm:presLayoutVars>
-          <dgm:chMax val="1"/>
-          <dgm:bulletEnabled val="1"/>
-        </dgm:presLayoutVars>
-      </dgm:prSet>
-      <dgm:spPr/>
-    </dgm:pt>
-    <dgm:pt modelId="{20A44B92-E1CC-47C6-BBE2-4CEAA3C4084F}" type="pres">
-      <dgm:prSet presAssocID="{48192440-439A-4CED-AAD7-1AC36E9C2593}" presName="descendantText" presStyleLbl="alignAccFollowNode1" presStyleIdx="0" presStyleCnt="2" custScaleX="186162" custScaleY="110124">
-        <dgm:presLayoutVars>
-          <dgm:bulletEnabled val="1"/>
-        </dgm:presLayoutVars>
-      </dgm:prSet>
-      <dgm:spPr/>
-    </dgm:pt>
-    <dgm:pt modelId="{EE058C89-11A9-4A3A-81FB-D6A126ECC4F7}" type="pres">
-      <dgm:prSet presAssocID="{32C258E9-5805-4714-8C7F-76CBD4CA16A6}" presName="sp" presStyleCnt="0"/>
-      <dgm:spPr/>
-    </dgm:pt>
-    <dgm:pt modelId="{BA4E9765-32CD-46B8-B54A-D65715B9673D}" type="pres">
-      <dgm:prSet presAssocID="{ABFC61CF-699C-4DF8-8521-D77C2B8A9468}" presName="linNode" presStyleCnt="0"/>
-      <dgm:spPr/>
-    </dgm:pt>
-    <dgm:pt modelId="{B89FCE20-01AF-4CF0-9C9C-0844FDB89A7E}" type="pres">
-      <dgm:prSet presAssocID="{ABFC61CF-699C-4DF8-8521-D77C2B8A9468}" presName="parentText" presStyleLbl="node1" presStyleIdx="1" presStyleCnt="2" custScaleX="112008">
-        <dgm:presLayoutVars>
-          <dgm:chMax val="1"/>
-          <dgm:bulletEnabled val="1"/>
-        </dgm:presLayoutVars>
-      </dgm:prSet>
-      <dgm:spPr/>
-    </dgm:pt>
-    <dgm:pt modelId="{21BD9106-CE9F-42DB-A3D8-8988D5923435}" type="pres">
-      <dgm:prSet presAssocID="{ABFC61CF-699C-4DF8-8521-D77C2B8A9468}" presName="descendantText" presStyleLbl="alignAccFollowNode1" presStyleIdx="1" presStyleCnt="2" custScaleX="175906" custScaleY="113949">
-        <dgm:presLayoutVars>
-          <dgm:bulletEnabled val="1"/>
-        </dgm:presLayoutVars>
-      </dgm:prSet>
-      <dgm:spPr/>
-    </dgm:pt>
-  </dgm:ptLst>
-  <dgm:cxnLst>
-    <dgm:cxn modelId="{C0D6550F-7879-42F2-BAC8-3959D33F3FC0}" type="presOf" srcId="{44E0DC73-70F3-47FB-86FD-9F8BBCEEAB8A}" destId="{21BD9106-CE9F-42DB-A3D8-8988D5923435}" srcOrd="0" destOrd="1" presId="urn:microsoft.com/office/officeart/2005/8/layout/vList5"/>
-    <dgm:cxn modelId="{9154A224-F957-40A9-B458-72CC0D7220DF}" type="presOf" srcId="{48192440-439A-4CED-AAD7-1AC36E9C2593}" destId="{D7F0030F-9BC2-4264-9575-E79EFAB2A742}" srcOrd="0" destOrd="0" presId="urn:microsoft.com/office/officeart/2005/8/layout/vList5"/>
-    <dgm:cxn modelId="{7B0B8427-7708-4B5A-B34D-D1755DDE2F3F}" type="presOf" srcId="{743DBD06-36B9-44F9-B8F2-743DF7E8419D}" destId="{21BD9106-CE9F-42DB-A3D8-8988D5923435}" srcOrd="0" destOrd="0" presId="urn:microsoft.com/office/officeart/2005/8/layout/vList5"/>
-    <dgm:cxn modelId="{DFA2CF2E-5D5F-45B5-9BD7-7D3B4BD442E1}" type="presOf" srcId="{1832023B-864D-42DB-A891-5764199F6039}" destId="{ABF9B5D1-C1F2-4F49-9958-1BE55563F147}" srcOrd="0" destOrd="0" presId="urn:microsoft.com/office/officeart/2005/8/layout/vList5"/>
-    <dgm:cxn modelId="{CFA3F67F-DFB1-4FF5-B2B2-3F83ADA8F797}" type="presOf" srcId="{ABFC61CF-699C-4DF8-8521-D77C2B8A9468}" destId="{B89FCE20-01AF-4CF0-9C9C-0844FDB89A7E}" srcOrd="0" destOrd="0" presId="urn:microsoft.com/office/officeart/2005/8/layout/vList5"/>
-    <dgm:cxn modelId="{1EE53495-5D56-4D44-BAD0-E62E7B0A9797}" srcId="{ABFC61CF-699C-4DF8-8521-D77C2B8A9468}" destId="{743DBD06-36B9-44F9-B8F2-743DF7E8419D}" srcOrd="0" destOrd="0" parTransId="{F60C5532-ADF0-4543-81B5-B8110C28B651}" sibTransId="{AB4736E4-7089-4EE6-BC0D-C9703BDA27D2}"/>
-    <dgm:cxn modelId="{BDB8F99C-6046-4025-B1BE-D4195AAC9AD1}" type="presOf" srcId="{5485F559-6F68-4914-A7ED-CA4BA86D387F}" destId="{20A44B92-E1CC-47C6-BBE2-4CEAA3C4084F}" srcOrd="0" destOrd="1" presId="urn:microsoft.com/office/officeart/2005/8/layout/vList5"/>
-    <dgm:cxn modelId="{5B582A9E-1F8E-4743-991C-0276D41EE035}" srcId="{48192440-439A-4CED-AAD7-1AC36E9C2593}" destId="{5485F559-6F68-4914-A7ED-CA4BA86D387F}" srcOrd="1" destOrd="0" parTransId="{A220FB30-3C90-418B-BF82-12E40CE075AE}" sibTransId="{846C5918-56B1-4A48-BCCB-60B4B34BDE7F}"/>
-    <dgm:cxn modelId="{E70DB1B2-8AEB-4815-A389-0622E0E2FC29}" srcId="{ABFC61CF-699C-4DF8-8521-D77C2B8A9468}" destId="{44E0DC73-70F3-47FB-86FD-9F8BBCEEAB8A}" srcOrd="1" destOrd="0" parTransId="{B1D491C6-D25F-4F17-9028-DF7C45CD8874}" sibTransId="{ADD588D3-35DF-48B3-B0EB-47844E6CCAA2}"/>
-    <dgm:cxn modelId="{717C36BC-A191-433A-9C8A-029B702BA77C}" srcId="{48192440-439A-4CED-AAD7-1AC36E9C2593}" destId="{621DE14E-4F12-4308-A391-8B833F790F42}" srcOrd="0" destOrd="0" parTransId="{41735014-DAC0-4C92-95A2-ED77DD947175}" sibTransId="{77E1F21F-7DDE-4761-B500-738428905754}"/>
-    <dgm:cxn modelId="{5C3C62C2-0972-4808-B2F2-8EB1EB69A892}" srcId="{1832023B-864D-42DB-A891-5764199F6039}" destId="{ABFC61CF-699C-4DF8-8521-D77C2B8A9468}" srcOrd="1" destOrd="0" parTransId="{9C5D5770-A8D2-44EF-BC75-BD051E44650E}" sibTransId="{FF573854-229E-48DF-AFC0-0F2759A203DA}"/>
-    <dgm:cxn modelId="{457ED2C5-4710-40D3-8AA3-62C9C3301CA1}" type="presOf" srcId="{621DE14E-4F12-4308-A391-8B833F790F42}" destId="{20A44B92-E1CC-47C6-BBE2-4CEAA3C4084F}" srcOrd="0" destOrd="0" presId="urn:microsoft.com/office/officeart/2005/8/layout/vList5"/>
-    <dgm:cxn modelId="{6D34C2D4-058B-48D7-89A4-31EA020CA9C4}" srcId="{1832023B-864D-42DB-A891-5764199F6039}" destId="{48192440-439A-4CED-AAD7-1AC36E9C2593}" srcOrd="0" destOrd="0" parTransId="{D2263550-D1DA-43CB-841F-1CF04BDB1409}" sibTransId="{32C258E9-5805-4714-8C7F-76CBD4CA16A6}"/>
-    <dgm:cxn modelId="{6F50E33B-F88C-4165-8BF9-166DC0CAF460}" type="presParOf" srcId="{ABF9B5D1-C1F2-4F49-9958-1BE55563F147}" destId="{B0F0EC99-0577-4DD1-9311-093D6682D15B}" srcOrd="0" destOrd="0" presId="urn:microsoft.com/office/officeart/2005/8/layout/vList5"/>
-    <dgm:cxn modelId="{2957BC9A-630C-4679-83B9-35EF1EE7CBFE}" type="presParOf" srcId="{B0F0EC99-0577-4DD1-9311-093D6682D15B}" destId="{D7F0030F-9BC2-4264-9575-E79EFAB2A742}" srcOrd="0" destOrd="0" presId="urn:microsoft.com/office/officeart/2005/8/layout/vList5"/>
-    <dgm:cxn modelId="{5DC06B91-1E92-470A-8DBC-2FCA7FFC7491}" type="presParOf" srcId="{B0F0EC99-0577-4DD1-9311-093D6682D15B}" destId="{20A44B92-E1CC-47C6-BBE2-4CEAA3C4084F}" srcOrd="1" destOrd="0" presId="urn:microsoft.com/office/officeart/2005/8/layout/vList5"/>
-    <dgm:cxn modelId="{AFD95553-49AE-4FB2-92CD-C8A2D3EA847E}" type="presParOf" srcId="{ABF9B5D1-C1F2-4F49-9958-1BE55563F147}" destId="{EE058C89-11A9-4A3A-81FB-D6A126ECC4F7}" srcOrd="1" destOrd="0" presId="urn:microsoft.com/office/officeart/2005/8/layout/vList5"/>
-    <dgm:cxn modelId="{E46B640B-1A30-41F6-AB41-35D1E6B43070}" type="presParOf" srcId="{ABF9B5D1-C1F2-4F49-9958-1BE55563F147}" destId="{BA4E9765-32CD-46B8-B54A-D65715B9673D}" srcOrd="2" destOrd="0" presId="urn:microsoft.com/office/officeart/2005/8/layout/vList5"/>
-    <dgm:cxn modelId="{61478D67-9548-4674-8FA5-F3A8F1C08374}" type="presParOf" srcId="{BA4E9765-32CD-46B8-B54A-D65715B9673D}" destId="{B89FCE20-01AF-4CF0-9C9C-0844FDB89A7E}" srcOrd="0" destOrd="0" presId="urn:microsoft.com/office/officeart/2005/8/layout/vList5"/>
-    <dgm:cxn modelId="{F7931131-4353-4CBB-8EAC-259D8BBA5203}" type="presParOf" srcId="{BA4E9765-32CD-46B8-B54A-D65715B9673D}" destId="{21BD9106-CE9F-42DB-A3D8-8988D5923435}" srcOrd="1" destOrd="0" presId="urn:microsoft.com/office/officeart/2005/8/layout/vList5"/>
-  </dgm:cxnLst>
-  <dgm:bg/>
-  <dgm:whole/>
-  <dgm:extLst>
-    <a:ext uri="http://schemas.microsoft.com/office/drawing/2008/diagram">
-      <dsp:dataModelExt xmlns:dsp="http://schemas.microsoft.com/office/drawing/2008/diagram" relId="rId12" minVer="http://schemas.openxmlformats.org/drawingml/2006/diagram"/>
-    </a:ext>
-  </dgm:extLst>
-</dgm:dataModel>
-</file>
-
-<file path=ppt/diagrams/drawing1.xml><?xml version="1.0" encoding="utf-8"?>
-<dsp:drawing xmlns:dgm="http://schemas.openxmlformats.org/drawingml/2006/diagram" xmlns:dsp="http://schemas.microsoft.com/office/drawing/2008/diagram" xmlns:a="http://schemas.openxmlformats.org/drawingml/2006/main">
-  <dsp:spTree>
-    <dsp:nvGrpSpPr>
-      <dsp:cNvPr id="0" name=""/>
-      <dsp:cNvGrpSpPr/>
-    </dsp:nvGrpSpPr>
-    <dsp:grpSpPr/>
-    <dsp:sp modelId="{20A44B92-E1CC-47C6-BBE2-4CEAA3C4084F}">
-      <dsp:nvSpPr>
-        <dsp:cNvPr id="0" name=""/>
-        <dsp:cNvSpPr/>
-      </dsp:nvSpPr>
-      <dsp:spPr>
-        <a:xfrm rot="5400000">
-          <a:off x="1737848" y="-682817"/>
-          <a:ext cx="1324694" cy="2838599"/>
-        </a:xfrm>
-        <a:prstGeom prst="round2SameRect">
-          <a:avLst/>
-        </a:prstGeom>
-        <a:solidFill>
-          <a:schemeClr val="accent3"/>
-        </a:solidFill>
-        <a:ln w="25400" cap="flat" cmpd="sng" algn="ctr">
-          <a:solidFill>
-            <a:schemeClr val="accent3">
-              <a:shade val="50000"/>
-            </a:schemeClr>
-          </a:solidFill>
-          <a:prstDash val="solid"/>
-        </a:ln>
-        <a:effectLst/>
-      </dsp:spPr>
-      <dsp:style>
-        <a:lnRef idx="2">
-          <a:schemeClr val="accent3">
-            <a:shade val="50000"/>
-          </a:schemeClr>
-        </a:lnRef>
-        <a:fillRef idx="1">
-          <a:schemeClr val="accent3"/>
-        </a:fillRef>
-        <a:effectRef idx="0">
-          <a:schemeClr val="accent3"/>
-        </a:effectRef>
-        <a:fontRef idx="minor">
-          <a:schemeClr val="lt1"/>
-        </a:fontRef>
-      </dsp:style>
-      <dsp:txBody>
-        <a:bodyPr spcFirstLastPara="0" vert="horz" wrap="square" lIns="247650" tIns="123825" rIns="247650" bIns="123825" numCol="1" spcCol="1270" anchor="ctr" anchorCtr="0">
-          <a:noAutofit/>
-        </a:bodyPr>
-        <a:lstStyle/>
-        <a:p>
-          <a:pPr marL="171450" lvl="1" indent="-171450" algn="l" defTabSz="800100">
-            <a:lnSpc>
-              <a:spcPct val="90000"/>
-            </a:lnSpc>
-            <a:spcBef>
-              <a:spcPct val="0"/>
-            </a:spcBef>
-            <a:spcAft>
-              <a:spcPct val="15000"/>
-            </a:spcAft>
-            <a:buChar char="•"/>
-          </a:pPr>
-          <a:endParaRPr lang="zh-TW" altLang="en-US" sz="1800" kern="1200" dirty="0"/>
-        </a:p>
-        <a:p>
-          <a:pPr marL="171450" lvl="1" indent="-171450" algn="l" defTabSz="800100">
-            <a:lnSpc>
-              <a:spcPct val="90000"/>
-            </a:lnSpc>
-            <a:spcBef>
-              <a:spcPct val="0"/>
-            </a:spcBef>
-            <a:spcAft>
-              <a:spcPct val="15000"/>
-            </a:spcAft>
-            <a:buChar char="•"/>
-          </a:pPr>
-          <a:endParaRPr lang="zh-TW" altLang="en-US" sz="1800" kern="1200" dirty="0"/>
-        </a:p>
-        <a:p>
-          <a:pPr marL="171450" lvl="1" indent="-171450" algn="l" defTabSz="800100">
-            <a:lnSpc>
-              <a:spcPct val="90000"/>
-            </a:lnSpc>
-            <a:spcBef>
-              <a:spcPct val="0"/>
-            </a:spcBef>
-            <a:spcAft>
-              <a:spcPct val="15000"/>
-            </a:spcAft>
-            <a:buChar char="•"/>
-          </a:pPr>
-          <a:endParaRPr lang="zh-TW" altLang="en-US" sz="1800" kern="1200" dirty="0"/>
-        </a:p>
-      </dsp:txBody>
-      <dsp:txXfrm rot="-5400000">
-        <a:off x="980896" y="138801"/>
-        <a:ext cx="2773933" cy="1195362"/>
-      </dsp:txXfrm>
-    </dsp:sp>
-    <dsp:sp modelId="{D7F0030F-9BC2-4264-9575-E79EFAB2A742}">
-      <dsp:nvSpPr>
-        <dsp:cNvPr id="0" name=""/>
-        <dsp:cNvSpPr/>
-      </dsp:nvSpPr>
-      <dsp:spPr>
-        <a:xfrm>
-          <a:off x="487" y="36"/>
-          <a:ext cx="980408" cy="1472890"/>
-        </a:xfrm>
-        <a:prstGeom prst="roundRect">
-          <a:avLst/>
-        </a:prstGeom>
-        <a:solidFill>
-          <a:schemeClr val="lt1">
-            <a:hueOff val="0"/>
-            <a:satOff val="0"/>
-            <a:lumOff val="0"/>
-            <a:alphaOff val="0"/>
-          </a:schemeClr>
-        </a:solidFill>
-        <a:ln w="25400" cap="flat" cmpd="sng" algn="ctr">
-          <a:solidFill>
-            <a:schemeClr val="dk1">
-              <a:shade val="80000"/>
-              <a:hueOff val="0"/>
-              <a:satOff val="0"/>
-              <a:lumOff val="0"/>
-              <a:alphaOff val="0"/>
-            </a:schemeClr>
-          </a:solidFill>
-          <a:prstDash val="solid"/>
-        </a:ln>
-        <a:effectLst/>
-      </dsp:spPr>
-      <dsp:style>
-        <a:lnRef idx="2">
-          <a:scrgbClr r="0" g="0" b="0"/>
-        </a:lnRef>
-        <a:fillRef idx="1">
-          <a:scrgbClr r="0" g="0" b="0"/>
-        </a:fillRef>
-        <a:effectRef idx="0">
-          <a:scrgbClr r="0" g="0" b="0"/>
-        </a:effectRef>
-        <a:fontRef idx="minor">
-          <a:schemeClr val="lt1"/>
-        </a:fontRef>
-      </dsp:style>
-      <dsp:txBody>
-        <a:bodyPr spcFirstLastPara="0" vert="horz" wrap="square" lIns="45720" tIns="22860" rIns="45720" bIns="22860" numCol="1" spcCol="1270" anchor="ctr" anchorCtr="0">
-          <a:noAutofit/>
-        </a:bodyPr>
-        <a:lstStyle/>
-        <a:p>
-          <a:pPr marL="0" lvl="0" indent="0" algn="ctr" defTabSz="533400" rtl="0">
-            <a:lnSpc>
-              <a:spcPct val="90000"/>
-            </a:lnSpc>
-            <a:spcBef>
-              <a:spcPct val="0"/>
-            </a:spcBef>
-            <a:spcAft>
-              <a:spcPct val="35000"/>
-            </a:spcAft>
-            <a:buNone/>
-          </a:pPr>
-          <a:r>
-            <a:rPr lang="en-US" altLang="zh-TW" sz="1200" kern="1200" dirty="0"/>
-            <a:t>106971001 </a:t>
-          </a:r>
-          <a:r>
-            <a:rPr lang="zh-TW" altLang="en-US" sz="1200" kern="1200" dirty="0"/>
-            <a:t>林上人</a:t>
-          </a:r>
-        </a:p>
-      </dsp:txBody>
-      <dsp:txXfrm>
-        <a:off x="48347" y="47896"/>
-        <a:ext cx="884688" cy="1377170"/>
-      </dsp:txXfrm>
-    </dsp:sp>
-    <dsp:sp modelId="{21BD9106-CE9F-42DB-A3D8-8988D5923435}">
-      <dsp:nvSpPr>
-        <dsp:cNvPr id="0" name=""/>
-        <dsp:cNvSpPr/>
-      </dsp:nvSpPr>
-      <dsp:spPr>
-        <a:xfrm rot="5400000">
-          <a:off x="1735661" y="870344"/>
-          <a:ext cx="1342675" cy="2825345"/>
-        </a:xfrm>
-        <a:prstGeom prst="round2SameRect">
-          <a:avLst/>
-        </a:prstGeom>
-        <a:solidFill>
-          <a:schemeClr val="accent3"/>
-        </a:solidFill>
-        <a:ln w="25400" cap="flat" cmpd="sng" algn="ctr">
-          <a:solidFill>
-            <a:schemeClr val="accent3">
-              <a:shade val="50000"/>
-            </a:schemeClr>
-          </a:solidFill>
-          <a:prstDash val="solid"/>
-        </a:ln>
-        <a:effectLst/>
-      </dsp:spPr>
-      <dsp:style>
-        <a:lnRef idx="2">
-          <a:schemeClr val="accent3">
-            <a:shade val="50000"/>
-          </a:schemeClr>
-        </a:lnRef>
-        <a:fillRef idx="1">
-          <a:schemeClr val="accent3"/>
-        </a:fillRef>
-        <a:effectRef idx="0">
-          <a:schemeClr val="accent3"/>
-        </a:effectRef>
-        <a:fontRef idx="minor">
-          <a:schemeClr val="lt1"/>
-        </a:fontRef>
-      </dsp:style>
-      <dsp:txBody>
-        <a:bodyPr spcFirstLastPara="0" vert="horz" wrap="square" lIns="247650" tIns="123825" rIns="247650" bIns="123825" numCol="1" spcCol="1270" anchor="ctr" anchorCtr="0">
-          <a:noAutofit/>
-        </a:bodyPr>
-        <a:lstStyle/>
-        <a:p>
-          <a:pPr marL="171450" lvl="1" indent="-171450" algn="l" defTabSz="800100">
-            <a:lnSpc>
-              <a:spcPct val="90000"/>
-            </a:lnSpc>
-            <a:spcBef>
-              <a:spcPct val="0"/>
-            </a:spcBef>
-            <a:spcAft>
-              <a:spcPct val="15000"/>
-            </a:spcAft>
-            <a:buChar char="•"/>
-          </a:pPr>
-          <a:endParaRPr lang="zh-TW" altLang="en-US" sz="1800" kern="1200" dirty="0"/>
-        </a:p>
-        <a:p>
-          <a:pPr marL="171450" lvl="1" indent="-171450" algn="l" defTabSz="800100">
-            <a:lnSpc>
-              <a:spcPct val="90000"/>
-            </a:lnSpc>
-            <a:spcBef>
-              <a:spcPct val="0"/>
-            </a:spcBef>
-            <a:spcAft>
-              <a:spcPct val="15000"/>
-            </a:spcAft>
-            <a:buChar char="•"/>
-          </a:pPr>
-          <a:endParaRPr lang="zh-TW" altLang="en-US" sz="1800" kern="1200" dirty="0"/>
-        </a:p>
-      </dsp:txBody>
-      <dsp:txXfrm rot="-5400000">
-        <a:off x="994326" y="1677223"/>
-        <a:ext cx="2759801" cy="1211587"/>
-      </dsp:txXfrm>
-    </dsp:sp>
-    <dsp:sp modelId="{B89FCE20-01AF-4CF0-9C9C-0844FDB89A7E}">
-      <dsp:nvSpPr>
-        <dsp:cNvPr id="0" name=""/>
-        <dsp:cNvSpPr/>
-      </dsp:nvSpPr>
-      <dsp:spPr>
-        <a:xfrm>
-          <a:off x="487" y="1546572"/>
-          <a:ext cx="993838" cy="1472890"/>
-        </a:xfrm>
-        <a:prstGeom prst="roundRect">
-          <a:avLst/>
-        </a:prstGeom>
-        <a:solidFill>
-          <a:schemeClr val="lt1">
-            <a:hueOff val="0"/>
-            <a:satOff val="0"/>
-            <a:lumOff val="0"/>
-            <a:alphaOff val="0"/>
-          </a:schemeClr>
-        </a:solidFill>
-        <a:ln w="25400" cap="flat" cmpd="sng" algn="ctr">
-          <a:solidFill>
-            <a:schemeClr val="dk1">
-              <a:shade val="80000"/>
-              <a:hueOff val="0"/>
-              <a:satOff val="0"/>
-              <a:lumOff val="0"/>
-              <a:alphaOff val="0"/>
-            </a:schemeClr>
-          </a:solidFill>
-          <a:prstDash val="solid"/>
-        </a:ln>
-        <a:effectLst/>
-      </dsp:spPr>
-      <dsp:style>
-        <a:lnRef idx="2">
-          <a:scrgbClr r="0" g="0" b="0"/>
-        </a:lnRef>
-        <a:fillRef idx="1">
-          <a:scrgbClr r="0" g="0" b="0"/>
-        </a:fillRef>
-        <a:effectRef idx="0">
-          <a:scrgbClr r="0" g="0" b="0"/>
-        </a:effectRef>
-        <a:fontRef idx="minor">
-          <a:schemeClr val="lt1"/>
-        </a:fontRef>
-      </dsp:style>
-      <dsp:txBody>
-        <a:bodyPr spcFirstLastPara="0" vert="horz" wrap="square" lIns="45720" tIns="22860" rIns="45720" bIns="22860" numCol="1" spcCol="1270" anchor="ctr" anchorCtr="0">
-          <a:noAutofit/>
-        </a:bodyPr>
-        <a:lstStyle/>
-        <a:p>
-          <a:pPr marL="0" lvl="0" indent="0" algn="ctr" defTabSz="533400" rtl="0">
-            <a:lnSpc>
-              <a:spcPct val="90000"/>
-            </a:lnSpc>
-            <a:spcBef>
-              <a:spcPct val="0"/>
-            </a:spcBef>
-            <a:spcAft>
-              <a:spcPct val="35000"/>
-            </a:spcAft>
-            <a:buNone/>
-          </a:pPr>
-          <a:r>
-            <a:rPr lang="en-US" altLang="zh-TW" sz="1200" kern="1200" dirty="0"/>
-            <a:t>106971004 </a:t>
-          </a:r>
-          <a:r>
-            <a:rPr lang="zh-TW" altLang="en-US" sz="1200" kern="1200" dirty="0"/>
-            <a:t>林佑駿</a:t>
-          </a:r>
-        </a:p>
-      </dsp:txBody>
-      <dsp:txXfrm>
-        <a:off x="49002" y="1595087"/>
-        <a:ext cx="896808" cy="1375860"/>
-      </dsp:txXfrm>
-    </dsp:sp>
-  </dsp:spTree>
-</dsp:drawing>
-</file>
-
-<file path=ppt/diagrams/drawing2.xml><?xml version="1.0" encoding="utf-8"?>
-<dsp:drawing xmlns:dgm="http://schemas.openxmlformats.org/drawingml/2006/diagram" xmlns:dsp="http://schemas.microsoft.com/office/drawing/2008/diagram" xmlns:a="http://schemas.openxmlformats.org/drawingml/2006/main">
-  <dsp:spTree>
-    <dsp:nvGrpSpPr>
-      <dsp:cNvPr id="0" name=""/>
-      <dsp:cNvGrpSpPr/>
-    </dsp:nvGrpSpPr>
-    <dsp:grpSpPr/>
-    <dsp:sp modelId="{20A44B92-E1CC-47C6-BBE2-4CEAA3C4084F}">
-      <dsp:nvSpPr>
-        <dsp:cNvPr id="0" name=""/>
-        <dsp:cNvSpPr/>
-      </dsp:nvSpPr>
-      <dsp:spPr>
-        <a:xfrm rot="5400000">
-          <a:off x="1766143" y="-668075"/>
-          <a:ext cx="1297605" cy="2809116"/>
-        </a:xfrm>
-        <a:prstGeom prst="round2SameRect">
-          <a:avLst/>
-        </a:prstGeom>
-        <a:solidFill>
-          <a:schemeClr val="accent3"/>
-        </a:solidFill>
-        <a:ln w="25400" cap="flat" cmpd="sng" algn="ctr">
-          <a:solidFill>
-            <a:schemeClr val="accent3">
-              <a:shade val="50000"/>
-            </a:schemeClr>
-          </a:solidFill>
-          <a:prstDash val="solid"/>
-        </a:ln>
-        <a:effectLst/>
-      </dsp:spPr>
-      <dsp:style>
-        <a:lnRef idx="2">
-          <a:schemeClr val="accent3">
-            <a:shade val="50000"/>
-          </a:schemeClr>
-        </a:lnRef>
-        <a:fillRef idx="1">
-          <a:schemeClr val="accent3"/>
-        </a:fillRef>
-        <a:effectRef idx="0">
-          <a:schemeClr val="accent3"/>
-        </a:effectRef>
-        <a:fontRef idx="minor">
-          <a:schemeClr val="lt1"/>
-        </a:fontRef>
-      </dsp:style>
-      <dsp:txBody>
-        <a:bodyPr spcFirstLastPara="0" vert="horz" wrap="square" lIns="247650" tIns="123825" rIns="247650" bIns="123825" numCol="1" spcCol="1270" anchor="ctr" anchorCtr="0">
-          <a:noAutofit/>
-        </a:bodyPr>
-        <a:lstStyle/>
-        <a:p>
-          <a:pPr marL="171450" lvl="1" indent="-171450" algn="l" defTabSz="800100">
-            <a:lnSpc>
-              <a:spcPct val="90000"/>
-            </a:lnSpc>
-            <a:spcBef>
-              <a:spcPct val="0"/>
-            </a:spcBef>
-            <a:spcAft>
-              <a:spcPct val="15000"/>
-            </a:spcAft>
-            <a:buChar char="•"/>
-          </a:pPr>
-          <a:endParaRPr lang="zh-TW" altLang="en-US" sz="1800" kern="1200" dirty="0">
-            <a:solidFill>
-              <a:schemeClr val="tx1"/>
-            </a:solidFill>
-          </a:endParaRPr>
-        </a:p>
-        <a:p>
-          <a:pPr marL="171450" lvl="1" indent="-171450" algn="l" defTabSz="800100">
-            <a:lnSpc>
-              <a:spcPct val="90000"/>
-            </a:lnSpc>
-            <a:spcBef>
-              <a:spcPct val="0"/>
-            </a:spcBef>
-            <a:spcAft>
-              <a:spcPct val="15000"/>
-            </a:spcAft>
-            <a:buChar char="•"/>
-          </a:pPr>
-          <a:endParaRPr lang="zh-TW" altLang="en-US" sz="1800" kern="1200" dirty="0">
-            <a:solidFill>
-              <a:schemeClr val="tx1"/>
-            </a:solidFill>
-          </a:endParaRPr>
-        </a:p>
-      </dsp:txBody>
-      <dsp:txXfrm rot="-5400000">
-        <a:off x="1010388" y="151024"/>
-        <a:ext cx="2745772" cy="1170917"/>
-      </dsp:txXfrm>
-    </dsp:sp>
-    <dsp:sp modelId="{D7F0030F-9BC2-4264-9575-E79EFAB2A742}">
-      <dsp:nvSpPr>
-        <dsp:cNvPr id="0" name=""/>
-        <dsp:cNvSpPr/>
-      </dsp:nvSpPr>
-      <dsp:spPr>
-        <a:xfrm>
-          <a:off x="656" y="36"/>
-          <a:ext cx="1009731" cy="1472890"/>
-        </a:xfrm>
-        <a:prstGeom prst="roundRect">
-          <a:avLst/>
-        </a:prstGeom>
-        <a:solidFill>
-          <a:schemeClr val="lt1">
-            <a:hueOff val="0"/>
-            <a:satOff val="0"/>
-            <a:lumOff val="0"/>
-            <a:alphaOff val="0"/>
-          </a:schemeClr>
-        </a:solidFill>
-        <a:ln w="25400" cap="flat" cmpd="sng" algn="ctr">
-          <a:solidFill>
-            <a:schemeClr val="dk1">
-              <a:shade val="80000"/>
-              <a:hueOff val="0"/>
-              <a:satOff val="0"/>
-              <a:lumOff val="0"/>
-              <a:alphaOff val="0"/>
-            </a:schemeClr>
-          </a:solidFill>
-          <a:prstDash val="solid"/>
-        </a:ln>
-        <a:effectLst/>
-      </dsp:spPr>
-      <dsp:style>
-        <a:lnRef idx="2">
-          <a:scrgbClr r="0" g="0" b="0"/>
-        </a:lnRef>
-        <a:fillRef idx="1">
-          <a:scrgbClr r="0" g="0" b="0"/>
-        </a:fillRef>
-        <a:effectRef idx="0">
-          <a:scrgbClr r="0" g="0" b="0"/>
-        </a:effectRef>
-        <a:fontRef idx="minor">
-          <a:schemeClr val="lt1"/>
-        </a:fontRef>
-      </dsp:style>
-      <dsp:txBody>
-        <a:bodyPr spcFirstLastPara="0" vert="horz" wrap="square" lIns="45720" tIns="22860" rIns="45720" bIns="22860" numCol="1" spcCol="1270" anchor="ctr" anchorCtr="0">
-          <a:noAutofit/>
-        </a:bodyPr>
-        <a:lstStyle/>
-        <a:p>
-          <a:pPr marL="0" lvl="0" indent="0" algn="ctr" defTabSz="533400" rtl="0">
-            <a:lnSpc>
-              <a:spcPct val="90000"/>
-            </a:lnSpc>
-            <a:spcBef>
-              <a:spcPct val="0"/>
-            </a:spcBef>
-            <a:spcAft>
-              <a:spcPct val="35000"/>
-            </a:spcAft>
-            <a:buNone/>
-          </a:pPr>
-          <a:r>
-            <a:rPr lang="en-US" altLang="zh-TW" sz="1200" kern="1200" dirty="0">
-              <a:solidFill>
-                <a:schemeClr val="tx1"/>
-              </a:solidFill>
-            </a:rPr>
-            <a:t>106971009 </a:t>
-          </a:r>
-          <a:r>
-            <a:rPr lang="zh-TW" altLang="en-US" sz="1200" kern="1200" dirty="0">
-              <a:solidFill>
-                <a:schemeClr val="tx1"/>
-              </a:solidFill>
-            </a:rPr>
-            <a:t>吳宇翔</a:t>
-          </a:r>
-        </a:p>
-      </dsp:txBody>
-      <dsp:txXfrm>
-        <a:off x="49947" y="49327"/>
-        <a:ext cx="911149" cy="1374308"/>
-      </dsp:txXfrm>
-    </dsp:sp>
-    <dsp:sp modelId="{21BD9106-CE9F-42DB-A3D8-8988D5923435}">
-      <dsp:nvSpPr>
-        <dsp:cNvPr id="0" name=""/>
-        <dsp:cNvSpPr/>
-      </dsp:nvSpPr>
-      <dsp:spPr>
-        <a:xfrm rot="5400000">
-          <a:off x="1740569" y="878140"/>
-          <a:ext cx="1342675" cy="2809754"/>
-        </a:xfrm>
-        <a:prstGeom prst="round2SameRect">
-          <a:avLst/>
-        </a:prstGeom>
-        <a:solidFill>
-          <a:schemeClr val="accent3"/>
-        </a:solidFill>
-        <a:ln w="25400" cap="flat" cmpd="sng" algn="ctr">
-          <a:solidFill>
-            <a:schemeClr val="accent3">
-              <a:shade val="50000"/>
-            </a:schemeClr>
-          </a:solidFill>
-          <a:prstDash val="solid"/>
-        </a:ln>
-        <a:effectLst/>
-      </dsp:spPr>
-      <dsp:style>
-        <a:lnRef idx="2">
-          <a:schemeClr val="accent3">
-            <a:shade val="50000"/>
-          </a:schemeClr>
-        </a:lnRef>
-        <a:fillRef idx="1">
-          <a:schemeClr val="accent3"/>
-        </a:fillRef>
-        <a:effectRef idx="0">
-          <a:schemeClr val="accent3"/>
-        </a:effectRef>
-        <a:fontRef idx="minor">
-          <a:schemeClr val="lt1"/>
-        </a:fontRef>
-      </dsp:style>
-      <dsp:txBody>
-        <a:bodyPr spcFirstLastPara="0" vert="horz" wrap="square" lIns="247650" tIns="123825" rIns="247650" bIns="123825" numCol="1" spcCol="1270" anchor="ctr" anchorCtr="0">
-          <a:noAutofit/>
-        </a:bodyPr>
-        <a:lstStyle/>
-        <a:p>
-          <a:pPr marL="171450" lvl="1" indent="-171450" algn="l" defTabSz="800100">
-            <a:lnSpc>
-              <a:spcPct val="90000"/>
-            </a:lnSpc>
-            <a:spcBef>
-              <a:spcPct val="0"/>
-            </a:spcBef>
-            <a:spcAft>
-              <a:spcPct val="15000"/>
-            </a:spcAft>
-            <a:buChar char="•"/>
-          </a:pPr>
-          <a:endParaRPr lang="zh-TW" altLang="en-US" sz="1800" kern="1200" dirty="0">
-            <a:solidFill>
-              <a:schemeClr val="tx1"/>
-            </a:solidFill>
-          </a:endParaRPr>
-        </a:p>
-        <a:p>
-          <a:pPr marL="171450" lvl="1" indent="-171450" algn="l" defTabSz="800100">
-            <a:lnSpc>
-              <a:spcPct val="90000"/>
-            </a:lnSpc>
-            <a:spcBef>
-              <a:spcPct val="0"/>
-            </a:spcBef>
-            <a:spcAft>
-              <a:spcPct val="15000"/>
-            </a:spcAft>
-            <a:buChar char="•"/>
-          </a:pPr>
-          <a:endParaRPr lang="zh-TW" altLang="en-US" sz="1800" kern="1200" dirty="0">
-            <a:solidFill>
-              <a:schemeClr val="tx1"/>
-            </a:solidFill>
-          </a:endParaRPr>
-        </a:p>
-      </dsp:txBody>
-      <dsp:txXfrm rot="-5400000">
-        <a:off x="1007030" y="1677223"/>
-        <a:ext cx="2744210" cy="1211587"/>
-      </dsp:txXfrm>
-    </dsp:sp>
-    <dsp:sp modelId="{B89FCE20-01AF-4CF0-9C9C-0844FDB89A7E}">
-      <dsp:nvSpPr>
-        <dsp:cNvPr id="0" name=""/>
-        <dsp:cNvSpPr/>
-      </dsp:nvSpPr>
-      <dsp:spPr>
-        <a:xfrm>
-          <a:off x="656" y="1546572"/>
-          <a:ext cx="1006373" cy="1472890"/>
-        </a:xfrm>
-        <a:prstGeom prst="roundRect">
-          <a:avLst/>
-        </a:prstGeom>
-        <a:solidFill>
-          <a:schemeClr val="lt1">
-            <a:hueOff val="0"/>
-            <a:satOff val="0"/>
-            <a:lumOff val="0"/>
-            <a:alphaOff val="0"/>
-          </a:schemeClr>
-        </a:solidFill>
-        <a:ln w="25400" cap="flat" cmpd="sng" algn="ctr">
-          <a:solidFill>
-            <a:schemeClr val="dk1">
-              <a:shade val="80000"/>
-              <a:hueOff val="0"/>
-              <a:satOff val="0"/>
-              <a:lumOff val="0"/>
-              <a:alphaOff val="0"/>
-            </a:schemeClr>
-          </a:solidFill>
-          <a:prstDash val="solid"/>
-        </a:ln>
-        <a:effectLst/>
-      </dsp:spPr>
-      <dsp:style>
-        <a:lnRef idx="2">
-          <a:scrgbClr r="0" g="0" b="0"/>
-        </a:lnRef>
-        <a:fillRef idx="1">
-          <a:scrgbClr r="0" g="0" b="0"/>
-        </a:fillRef>
-        <a:effectRef idx="0">
-          <a:scrgbClr r="0" g="0" b="0"/>
-        </a:effectRef>
-        <a:fontRef idx="minor">
-          <a:schemeClr val="lt1"/>
-        </a:fontRef>
-      </dsp:style>
-      <dsp:txBody>
-        <a:bodyPr spcFirstLastPara="0" vert="horz" wrap="square" lIns="45720" tIns="22860" rIns="45720" bIns="22860" numCol="1" spcCol="1270" anchor="ctr" anchorCtr="0">
-          <a:noAutofit/>
-        </a:bodyPr>
-        <a:lstStyle/>
-        <a:p>
-          <a:pPr marL="0" lvl="0" indent="0" algn="ctr" defTabSz="533400" rtl="0">
-            <a:lnSpc>
-              <a:spcPct val="90000"/>
-            </a:lnSpc>
-            <a:spcBef>
-              <a:spcPct val="0"/>
-            </a:spcBef>
-            <a:spcAft>
-              <a:spcPct val="35000"/>
-            </a:spcAft>
-            <a:buNone/>
-          </a:pPr>
-          <a:r>
-            <a:rPr lang="en-US" altLang="zh-TW" sz="1200" kern="1200" dirty="0">
-              <a:solidFill>
-                <a:schemeClr val="tx1"/>
-              </a:solidFill>
-            </a:rPr>
-            <a:t>107971023 </a:t>
-          </a:r>
-          <a:r>
-            <a:rPr lang="zh-TW" altLang="en-US" sz="1200" kern="1200" dirty="0">
-              <a:solidFill>
-                <a:schemeClr val="tx1"/>
-              </a:solidFill>
-            </a:rPr>
-            <a:t>李沛潔</a:t>
-          </a:r>
-        </a:p>
-      </dsp:txBody>
-      <dsp:txXfrm>
-        <a:off x="49783" y="1595699"/>
-        <a:ext cx="908119" cy="1374636"/>
-      </dsp:txXfrm>
-    </dsp:sp>
-  </dsp:spTree>
-</dsp:drawing>
-</file>
-
-<file path=ppt/diagrams/layout1.xml><?xml version="1.0" encoding="utf-8"?>
-<dgm:layoutDef xmlns:dgm="http://schemas.openxmlformats.org/drawingml/2006/diagram" xmlns:a="http://schemas.openxmlformats.org/drawingml/2006/main" uniqueId="urn:microsoft.com/office/officeart/2005/8/layout/vList5">
-  <dgm:title val=""/>
-  <dgm:desc val=""/>
-  <dgm:catLst>
-    <dgm:cat type="list" pri="15000"/>
-    <dgm:cat type="convert" pri="2000"/>
-  </dgm:catLst>
-  <dgm:sampData>
-    <dgm:dataModel>
-      <dgm:ptLst>
-        <dgm:pt modelId="0" type="doc"/>
-        <dgm:pt modelId="1">
-          <dgm:prSet phldr="1"/>
-        </dgm:pt>
-        <dgm:pt modelId="11">
-          <dgm:prSet phldr="1"/>
-        </dgm:pt>
-        <dgm:pt modelId="12">
-          <dgm:prSet phldr="1"/>
-        </dgm:pt>
-        <dgm:pt modelId="2">
-          <dgm:prSet phldr="1"/>
-        </dgm:pt>
-        <dgm:pt modelId="21">
-          <dgm:prSet phldr="1"/>
-        </dgm:pt>
-        <dgm:pt modelId="22">
-          <dgm:prSet phldr="1"/>
-        </dgm:pt>
-        <dgm:pt modelId="3">
-          <dgm:prSet phldr="1"/>
-        </dgm:pt>
-        <dgm:pt modelId="31">
-          <dgm:prSet phldr="1"/>
-        </dgm:pt>
-        <dgm:pt modelId="32">
-          <dgm:prSet phldr="1"/>
-        </dgm:pt>
-      </dgm:ptLst>
-      <dgm:cxnLst>
-        <dgm:cxn modelId="4" srcId="0" destId="1" srcOrd="0" destOrd="0"/>
-        <dgm:cxn modelId="5" srcId="0" destId="2" srcOrd="1" destOrd="0"/>
-        <dgm:cxn modelId="6" srcId="0" destId="3" srcOrd="2" destOrd="0"/>
-        <dgm:cxn modelId="13" srcId="1" destId="11" srcOrd="0" destOrd="0"/>
-        <dgm:cxn modelId="14" srcId="1" destId="12" srcOrd="1" destOrd="0"/>
-        <dgm:cxn modelId="23" srcId="2" destId="21" srcOrd="0" destOrd="0"/>
-        <dgm:cxn modelId="24" srcId="2" destId="22" srcOrd="1" destOrd="0"/>
-        <dgm:cxn modelId="33" srcId="3" destId="31" srcOrd="0" destOrd="0"/>
-        <dgm:cxn modelId="34" srcId="3" destId="32" srcOrd="1" destOrd="0"/>
-      </dgm:cxnLst>
-      <dgm:bg/>
-      <dgm:whole/>
-    </dgm:dataModel>
-  </dgm:sampData>
-  <dgm:styleData>
-    <dgm:dataModel>
-      <dgm:ptLst>
-        <dgm:pt modelId="0" type="doc"/>
-        <dgm:pt modelId="1"/>
-        <dgm:pt modelId="11"/>
-        <dgm:pt modelId="2"/>
-        <dgm:pt modelId="21"/>
-      </dgm:ptLst>
-      <dgm:cxnLst>
-        <dgm:cxn modelId="4" srcId="0" destId="1" srcOrd="0" destOrd="0"/>
-        <dgm:cxn modelId="5" srcId="0" destId="2" srcOrd="1" destOrd="0"/>
-        <dgm:cxn modelId="13" srcId="1" destId="11" srcOrd="0" destOrd="0"/>
-        <dgm:cxn modelId="23" srcId="2" destId="21" srcOrd="0" destOrd="0"/>
-      </dgm:cxnLst>
-      <dgm:bg/>
-      <dgm:whole/>
-    </dgm:dataModel>
-  </dgm:styleData>
-  <dgm:clrData>
-    <dgm:dataModel>
-      <dgm:ptLst>
-        <dgm:pt modelId="0" type="doc"/>
-        <dgm:pt modelId="1"/>
-        <dgm:pt modelId="11"/>
-        <dgm:pt modelId="2"/>
-        <dgm:pt modelId="21"/>
-        <dgm:pt modelId="3"/>
-        <dgm:pt modelId="31"/>
-        <dgm:pt modelId="4"/>
-        <dgm:pt modelId="41"/>
-      </dgm:ptLst>
-      <dgm:cxnLst>
-        <dgm:cxn modelId="5" srcId="0" destId="1" srcOrd="0" destOrd="0"/>
-        <dgm:cxn modelId="6" srcId="0" destId="2" srcOrd="1" destOrd="0"/>
-        <dgm:cxn modelId="7" srcId="0" destId="3" srcOrd="2" destOrd="0"/>
-        <dgm:cxn modelId="8" srcId="0" destId="4" srcOrd="3" destOrd="0"/>
-        <dgm:cxn modelId="13" srcId="1" destId="11" srcOrd="0" destOrd="0"/>
-        <dgm:cxn modelId="23" srcId="2" destId="21" srcOrd="0" destOrd="0"/>
-        <dgm:cxn modelId="33" srcId="3" destId="31" srcOrd="0" destOrd="0"/>
-        <dgm:cxn modelId="43" srcId="4" destId="41" srcOrd="0" destOrd="0"/>
-      </dgm:cxnLst>
-      <dgm:bg/>
-      <dgm:whole/>
-    </dgm:dataModel>
-  </dgm:clrData>
-  <dgm:layoutNode name="Name0">
-    <dgm:varLst>
-      <dgm:dir/>
-      <dgm:animLvl val="lvl"/>
-      <dgm:resizeHandles val="exact"/>
-    </dgm:varLst>
-    <dgm:choose name="Name1">
-      <dgm:if name="Name2" func="var" arg="dir" op="equ" val="norm">
-        <dgm:alg type="lin">
-          <dgm:param type="linDir" val="fromT"/>
-          <dgm:param type="nodeHorzAlign" val="l"/>
-        </dgm:alg>
-      </dgm:if>
-      <dgm:else name="Name3">
-        <dgm:alg type="lin">
-          <dgm:param type="linDir" val="fromT"/>
-          <dgm:param type="nodeHorzAlign" val="r"/>
-        </dgm:alg>
-      </dgm:else>
-    </dgm:choose>
-    <dgm:shape xmlns:r="http://schemas.openxmlformats.org/officeDocument/2006/relationships" r:blip="">
-      <dgm:adjLst/>
-    </dgm:shape>
-    <dgm:presOf/>
-    <dgm:constrLst>
-      <dgm:constr type="h" for="ch" forName="linNode" refType="h"/>
-      <dgm:constr type="w" for="ch" forName="linNode" refType="w"/>
-      <dgm:constr type="h" for="ch" forName="sp" refType="h" fact="0.05"/>
-      <dgm:constr type="primFontSz" for="des" forName="parentText" op="equ" val="65"/>
-      <dgm:constr type="secFontSz" for="des" forName="descendantText" op="equ"/>
-    </dgm:constrLst>
-    <dgm:ruleLst/>
-    <dgm:forEach name="Name4" axis="ch" ptType="node">
-      <dgm:layoutNode name="linNode">
-        <dgm:choose name="Name5">
-          <dgm:if name="Name6" func="var" arg="dir" op="equ" val="norm">
-            <dgm:alg type="lin">
-              <dgm:param type="linDir" val="fromL"/>
-            </dgm:alg>
-          </dgm:if>
-          <dgm:else name="Name7">
-            <dgm:alg type="lin">
-              <dgm:param type="linDir" val="fromR"/>
-            </dgm:alg>
-          </dgm:else>
-        </dgm:choose>
-        <dgm:shape xmlns:r="http://schemas.openxmlformats.org/officeDocument/2006/relationships" r:blip="">
-          <dgm:adjLst/>
-        </dgm:shape>
-        <dgm:presOf/>
-        <dgm:constrLst>
-          <dgm:constr type="w" for="ch" forName="parentText" refType="w" fact="0.36"/>
-          <dgm:constr type="w" for="ch" forName="descendantText" refType="w" fact="0.64"/>
-          <dgm:constr type="h" for="ch" forName="parentText" refType="h"/>
-          <dgm:constr type="h" for="ch" forName="descendantText" refType="h" refFor="ch" refForName="parentText" fact="0.8"/>
-        </dgm:constrLst>
-        <dgm:ruleLst/>
-        <dgm:layoutNode name="parentText">
-          <dgm:varLst>
-            <dgm:chMax val="1"/>
-            <dgm:bulletEnabled val="1"/>
-          </dgm:varLst>
-          <dgm:alg type="tx"/>
-          <dgm:shape xmlns:r="http://schemas.openxmlformats.org/officeDocument/2006/relationships" type="roundRect" r:blip="" zOrderOff="3">
-            <dgm:adjLst/>
-          </dgm:shape>
-          <dgm:presOf axis="self" ptType="node"/>
-          <dgm:constrLst>
-            <dgm:constr type="tMarg" refType="primFontSz" fact="0.15"/>
-            <dgm:constr type="bMarg" refType="primFontSz" fact="0.15"/>
-            <dgm:constr type="lMarg" refType="primFontSz" fact="0.3"/>
-            <dgm:constr type="rMarg" refType="primFontSz" fact="0.3"/>
-          </dgm:constrLst>
-          <dgm:ruleLst>
-            <dgm:rule type="primFontSz" val="5" fact="NaN" max="NaN"/>
-          </dgm:ruleLst>
-        </dgm:layoutNode>
-        <dgm:choose name="Name8">
-          <dgm:if name="Name9" axis="ch" ptType="node" func="cnt" op="gte" val="1">
-            <dgm:layoutNode name="descendantText" styleLbl="alignAccFollowNode1">
-              <dgm:varLst>
-                <dgm:bulletEnabled val="1"/>
-              </dgm:varLst>
-              <dgm:alg type="tx">
-                <dgm:param type="stBulletLvl" val="1"/>
-                <dgm:param type="txAnchorVertCh" val="mid"/>
-              </dgm:alg>
-              <dgm:choose name="Name10">
-                <dgm:if name="Name11" func="var" arg="dir" op="equ" val="norm">
-                  <dgm:shape xmlns:r="http://schemas.openxmlformats.org/officeDocument/2006/relationships" rot="90" type="round2SameRect" r:blip="">
-                    <dgm:adjLst/>
-                  </dgm:shape>
-                </dgm:if>
-                <dgm:else name="Name12">
-                  <dgm:shape xmlns:r="http://schemas.openxmlformats.org/officeDocument/2006/relationships" rot="-90" type="round2SameRect" r:blip="">
-                    <dgm:adjLst/>
-                  </dgm:shape>
-                </dgm:else>
-              </dgm:choose>
-              <dgm:presOf axis="des" ptType="node"/>
-              <dgm:constrLst>
-                <dgm:constr type="secFontSz" val="65"/>
-                <dgm:constr type="primFontSz" refType="secFontSz"/>
-                <dgm:constr type="lMarg" refType="secFontSz" fact="0.3"/>
-                <dgm:constr type="rMarg" refType="secFontSz" fact="0.3"/>
-                <dgm:constr type="tMarg" refType="secFontSz" fact="0.15"/>
-                <dgm:constr type="bMarg" refType="secFontSz" fact="0.15"/>
-              </dgm:constrLst>
-              <dgm:ruleLst>
-                <dgm:rule type="secFontSz" val="5" fact="NaN" max="NaN"/>
-              </dgm:ruleLst>
-            </dgm:layoutNode>
-          </dgm:if>
-          <dgm:else name="Name13"/>
-        </dgm:choose>
-      </dgm:layoutNode>
-      <dgm:forEach name="Name14" axis="followSib" ptType="sibTrans" cnt="1">
-        <dgm:layoutNode name="sp">
-          <dgm:alg type="sp"/>
-          <dgm:shape xmlns:r="http://schemas.openxmlformats.org/officeDocument/2006/relationships" r:blip="">
-            <dgm:adjLst/>
-          </dgm:shape>
-          <dgm:presOf/>
-          <dgm:constrLst/>
-          <dgm:ruleLst/>
-        </dgm:layoutNode>
-      </dgm:forEach>
-    </dgm:forEach>
-  </dgm:layoutNode>
-</dgm:layoutDef>
-</file>
-
-<file path=ppt/diagrams/layout2.xml><?xml version="1.0" encoding="utf-8"?>
-<dgm:layoutDef xmlns:dgm="http://schemas.openxmlformats.org/drawingml/2006/diagram" xmlns:a="http://schemas.openxmlformats.org/drawingml/2006/main" uniqueId="urn:microsoft.com/office/officeart/2005/8/layout/vList5">
-  <dgm:title val=""/>
-  <dgm:desc val=""/>
-  <dgm:catLst>
-    <dgm:cat type="list" pri="15000"/>
-    <dgm:cat type="convert" pri="2000"/>
-  </dgm:catLst>
-  <dgm:sampData>
-    <dgm:dataModel>
-      <dgm:ptLst>
-        <dgm:pt modelId="0" type="doc"/>
-        <dgm:pt modelId="1">
-          <dgm:prSet phldr="1"/>
-        </dgm:pt>
-        <dgm:pt modelId="11">
-          <dgm:prSet phldr="1"/>
-        </dgm:pt>
-        <dgm:pt modelId="12">
-          <dgm:prSet phldr="1"/>
-        </dgm:pt>
-        <dgm:pt modelId="2">
-          <dgm:prSet phldr="1"/>
-        </dgm:pt>
-        <dgm:pt modelId="21">
-          <dgm:prSet phldr="1"/>
-        </dgm:pt>
-        <dgm:pt modelId="22">
-          <dgm:prSet phldr="1"/>
-        </dgm:pt>
-        <dgm:pt modelId="3">
-          <dgm:prSet phldr="1"/>
-        </dgm:pt>
-        <dgm:pt modelId="31">
-          <dgm:prSet phldr="1"/>
-        </dgm:pt>
-        <dgm:pt modelId="32">
-          <dgm:prSet phldr="1"/>
-        </dgm:pt>
-      </dgm:ptLst>
-      <dgm:cxnLst>
-        <dgm:cxn modelId="4" srcId="0" destId="1" srcOrd="0" destOrd="0"/>
-        <dgm:cxn modelId="5" srcId="0" destId="2" srcOrd="1" destOrd="0"/>
-        <dgm:cxn modelId="6" srcId="0" destId="3" srcOrd="2" destOrd="0"/>
-        <dgm:cxn modelId="13" srcId="1" destId="11" srcOrd="0" destOrd="0"/>
-        <dgm:cxn modelId="14" srcId="1" destId="12" srcOrd="1" destOrd="0"/>
-        <dgm:cxn modelId="23" srcId="2" destId="21" srcOrd="0" destOrd="0"/>
-        <dgm:cxn modelId="24" srcId="2" destId="22" srcOrd="1" destOrd="0"/>
-        <dgm:cxn modelId="33" srcId="3" destId="31" srcOrd="0" destOrd="0"/>
-        <dgm:cxn modelId="34" srcId="3" destId="32" srcOrd="1" destOrd="0"/>
-      </dgm:cxnLst>
-      <dgm:bg/>
-      <dgm:whole/>
-    </dgm:dataModel>
-  </dgm:sampData>
-  <dgm:styleData>
-    <dgm:dataModel>
-      <dgm:ptLst>
-        <dgm:pt modelId="0" type="doc"/>
-        <dgm:pt modelId="1"/>
-        <dgm:pt modelId="11"/>
-        <dgm:pt modelId="2"/>
-        <dgm:pt modelId="21"/>
-      </dgm:ptLst>
-      <dgm:cxnLst>
-        <dgm:cxn modelId="4" srcId="0" destId="1" srcOrd="0" destOrd="0"/>
-        <dgm:cxn modelId="5" srcId="0" destId="2" srcOrd="1" destOrd="0"/>
-        <dgm:cxn modelId="13" srcId="1" destId="11" srcOrd="0" destOrd="0"/>
-        <dgm:cxn modelId="23" srcId="2" destId="21" srcOrd="0" destOrd="0"/>
-      </dgm:cxnLst>
-      <dgm:bg/>
-      <dgm:whole/>
-    </dgm:dataModel>
-  </dgm:styleData>
-  <dgm:clrData>
-    <dgm:dataModel>
-      <dgm:ptLst>
-        <dgm:pt modelId="0" type="doc"/>
-        <dgm:pt modelId="1"/>
-        <dgm:pt modelId="11"/>
-        <dgm:pt modelId="2"/>
-        <dgm:pt modelId="21"/>
-        <dgm:pt modelId="3"/>
-        <dgm:pt modelId="31"/>
-        <dgm:pt modelId="4"/>
-        <dgm:pt modelId="41"/>
-      </dgm:ptLst>
-      <dgm:cxnLst>
-        <dgm:cxn modelId="5" srcId="0" destId="1" srcOrd="0" destOrd="0"/>
-        <dgm:cxn modelId="6" srcId="0" destId="2" srcOrd="1" destOrd="0"/>
-        <dgm:cxn modelId="7" srcId="0" destId="3" srcOrd="2" destOrd="0"/>
-        <dgm:cxn modelId="8" srcId="0" destId="4" srcOrd="3" destOrd="0"/>
-        <dgm:cxn modelId="13" srcId="1" destId="11" srcOrd="0" destOrd="0"/>
-        <dgm:cxn modelId="23" srcId="2" destId="21" srcOrd="0" destOrd="0"/>
-        <dgm:cxn modelId="33" srcId="3" destId="31" srcOrd="0" destOrd="0"/>
-        <dgm:cxn modelId="43" srcId="4" destId="41" srcOrd="0" destOrd="0"/>
-      </dgm:cxnLst>
-      <dgm:bg/>
-      <dgm:whole/>
-    </dgm:dataModel>
-  </dgm:clrData>
-  <dgm:layoutNode name="Name0">
-    <dgm:varLst>
-      <dgm:dir/>
-      <dgm:animLvl val="lvl"/>
-      <dgm:resizeHandles val="exact"/>
-    </dgm:varLst>
-    <dgm:choose name="Name1">
-      <dgm:if name="Name2" func="var" arg="dir" op="equ" val="norm">
-        <dgm:alg type="lin">
-          <dgm:param type="linDir" val="fromT"/>
-          <dgm:param type="nodeHorzAlign" val="l"/>
-        </dgm:alg>
-      </dgm:if>
-      <dgm:else name="Name3">
-        <dgm:alg type="lin">
-          <dgm:param type="linDir" val="fromT"/>
-          <dgm:param type="nodeHorzAlign" val="r"/>
-        </dgm:alg>
-      </dgm:else>
-    </dgm:choose>
-    <dgm:shape xmlns:r="http://schemas.openxmlformats.org/officeDocument/2006/relationships" r:blip="">
-      <dgm:adjLst/>
-    </dgm:shape>
-    <dgm:presOf/>
-    <dgm:constrLst>
-      <dgm:constr type="h" for="ch" forName="linNode" refType="h"/>
-      <dgm:constr type="w" for="ch" forName="linNode" refType="w"/>
-      <dgm:constr type="h" for="ch" forName="sp" refType="h" fact="0.05"/>
-      <dgm:constr type="primFontSz" for="des" forName="parentText" op="equ" val="65"/>
-      <dgm:constr type="secFontSz" for="des" forName="descendantText" op="equ"/>
-    </dgm:constrLst>
-    <dgm:ruleLst/>
-    <dgm:forEach name="Name4" axis="ch" ptType="node">
-      <dgm:layoutNode name="linNode">
-        <dgm:choose name="Name5">
-          <dgm:if name="Name6" func="var" arg="dir" op="equ" val="norm">
-            <dgm:alg type="lin">
-              <dgm:param type="linDir" val="fromL"/>
-            </dgm:alg>
-          </dgm:if>
-          <dgm:else name="Name7">
-            <dgm:alg type="lin">
-              <dgm:param type="linDir" val="fromR"/>
-            </dgm:alg>
-          </dgm:else>
-        </dgm:choose>
-        <dgm:shape xmlns:r="http://schemas.openxmlformats.org/officeDocument/2006/relationships" r:blip="">
-          <dgm:adjLst/>
-        </dgm:shape>
-        <dgm:presOf/>
-        <dgm:constrLst>
-          <dgm:constr type="w" for="ch" forName="parentText" refType="w" fact="0.36"/>
-          <dgm:constr type="w" for="ch" forName="descendantText" refType="w" fact="0.64"/>
-          <dgm:constr type="h" for="ch" forName="parentText" refType="h"/>
-          <dgm:constr type="h" for="ch" forName="descendantText" refType="h" refFor="ch" refForName="parentText" fact="0.8"/>
-        </dgm:constrLst>
-        <dgm:ruleLst/>
-        <dgm:layoutNode name="parentText">
-          <dgm:varLst>
-            <dgm:chMax val="1"/>
-            <dgm:bulletEnabled val="1"/>
-          </dgm:varLst>
-          <dgm:alg type="tx"/>
-          <dgm:shape xmlns:r="http://schemas.openxmlformats.org/officeDocument/2006/relationships" type="roundRect" r:blip="" zOrderOff="3">
-            <dgm:adjLst/>
-          </dgm:shape>
-          <dgm:presOf axis="self" ptType="node"/>
-          <dgm:constrLst>
-            <dgm:constr type="tMarg" refType="primFontSz" fact="0.15"/>
-            <dgm:constr type="bMarg" refType="primFontSz" fact="0.15"/>
-            <dgm:constr type="lMarg" refType="primFontSz" fact="0.3"/>
-            <dgm:constr type="rMarg" refType="primFontSz" fact="0.3"/>
-          </dgm:constrLst>
-          <dgm:ruleLst>
-            <dgm:rule type="primFontSz" val="5" fact="NaN" max="NaN"/>
-          </dgm:ruleLst>
-        </dgm:layoutNode>
-        <dgm:choose name="Name8">
-          <dgm:if name="Name9" axis="ch" ptType="node" func="cnt" op="gte" val="1">
-            <dgm:layoutNode name="descendantText" styleLbl="alignAccFollowNode1">
-              <dgm:varLst>
-                <dgm:bulletEnabled val="1"/>
-              </dgm:varLst>
-              <dgm:alg type="tx">
-                <dgm:param type="stBulletLvl" val="1"/>
-                <dgm:param type="txAnchorVertCh" val="mid"/>
-              </dgm:alg>
-              <dgm:choose name="Name10">
-                <dgm:if name="Name11" func="var" arg="dir" op="equ" val="norm">
-                  <dgm:shape xmlns:r="http://schemas.openxmlformats.org/officeDocument/2006/relationships" rot="90" type="round2SameRect" r:blip="">
-                    <dgm:adjLst/>
-                  </dgm:shape>
-                </dgm:if>
-                <dgm:else name="Name12">
-                  <dgm:shape xmlns:r="http://schemas.openxmlformats.org/officeDocument/2006/relationships" rot="-90" type="round2SameRect" r:blip="">
-                    <dgm:adjLst/>
-                  </dgm:shape>
-                </dgm:else>
-              </dgm:choose>
-              <dgm:presOf axis="des" ptType="node"/>
-              <dgm:constrLst>
-                <dgm:constr type="secFontSz" val="65"/>
-                <dgm:constr type="primFontSz" refType="secFontSz"/>
-                <dgm:constr type="lMarg" refType="secFontSz" fact="0.3"/>
-                <dgm:constr type="rMarg" refType="secFontSz" fact="0.3"/>
-                <dgm:constr type="tMarg" refType="secFontSz" fact="0.15"/>
-                <dgm:constr type="bMarg" refType="secFontSz" fact="0.15"/>
-              </dgm:constrLst>
-              <dgm:ruleLst>
-                <dgm:rule type="secFontSz" val="5" fact="NaN" max="NaN"/>
-              </dgm:ruleLst>
-            </dgm:layoutNode>
-          </dgm:if>
-          <dgm:else name="Name13"/>
-        </dgm:choose>
-      </dgm:layoutNode>
-      <dgm:forEach name="Name14" axis="followSib" ptType="sibTrans" cnt="1">
-        <dgm:layoutNode name="sp">
-          <dgm:alg type="sp"/>
-          <dgm:shape xmlns:r="http://schemas.openxmlformats.org/officeDocument/2006/relationships" r:blip="">
-            <dgm:adjLst/>
-          </dgm:shape>
-          <dgm:presOf/>
-          <dgm:constrLst/>
-          <dgm:ruleLst/>
-        </dgm:layoutNode>
-      </dgm:forEach>
-    </dgm:forEach>
-  </dgm:layoutNode>
-</dgm:layoutDef>
-</file>
-
-<file path=ppt/diagrams/quickStyle1.xml><?xml version="1.0" encoding="utf-8"?>
-<dgm:styleDef xmlns:dgm="http://schemas.openxmlformats.org/drawingml/2006/diagram" xmlns:a="http://schemas.openxmlformats.org/drawingml/2006/main" uniqueId="urn:microsoft.com/office/officeart/2005/8/quickstyle/simple1">
-  <dgm:title val=""/>
-  <dgm:desc val=""/>
-  <dgm:catLst>
-    <dgm:cat type="simple" pri="10100"/>
-  </dgm:catLst>
-  <dgm:scene3d>
-    <a:camera prst="orthographicFront"/>
-    <a:lightRig rig="threePt" dir="t"/>
-  </dgm:scene3d>
-  <dgm:styleLbl name="node0">
-    <dgm:scene3d>
-      <a:camera prst="orthographicFront"/>
-      <a:lightRig rig="threePt" dir="t"/>
-    </dgm:scene3d>
-    <dgm:sp3d/>
-    <dgm:txPr/>
-    <dgm:style>
-      <a:lnRef idx="2">
-        <a:scrgbClr r="0" g="0" b="0"/>
-      </a:lnRef>
-      <a:fillRef idx="1">
-        <a:scrgbClr r="0" g="0" b="0"/>
-      </a:fillRef>
-      <a:effectRef idx="0">
-        <a:scrgbClr r="0" g="0" b="0"/>
-      </a:effectRef>
-      <a:fontRef idx="minor">
-        <a:schemeClr val="lt1"/>
-      </a:fontRef>
-    </dgm:style>
-  </dgm:styleLbl>
-  <dgm:styleLbl name="lnNode1">
-    <dgm:scene3d>
-      <a:camera prst="orthographicFront"/>
-      <a:lightRig rig="threePt" dir="t"/>
-    </dgm:scene3d>
-    <dgm:sp3d/>
-    <dgm:txPr/>
-    <dgm:style>
-      <a:lnRef idx="2">
-        <a:scrgbClr r="0" g="0" b="0"/>
-      </a:lnRef>
-      <a:fillRef idx="1">
-        <a:scrgbClr r="0" g="0" b="0"/>
-      </a:fillRef>
-      <a:effectRef idx="0">
-        <a:scrgbClr r="0" g="0" b="0"/>
-      </a:effectRef>
-      <a:fontRef idx="minor">
-        <a:schemeClr val="lt1"/>
-      </a:fontRef>
-    </dgm:style>
-  </dgm:styleLbl>
-  <dgm:styleLbl name="vennNode1">
-    <dgm:scene3d>
-      <a:camera prst="orthographicFront"/>
-      <a:lightRig rig="threePt" dir="t"/>
-    </dgm:scene3d>
-    <dgm:sp3d/>
-    <dgm:txPr/>
-    <dgm:style>
-      <a:lnRef idx="2">
-        <a:scrgbClr r="0" g="0" b="0"/>
-      </a:lnRef>
-      <a:fillRef idx="1">
-        <a:scrgbClr r="0" g="0" b="0"/>
-      </a:fillRef>
-      <a:effectRef idx="0">
-        <a:scrgbClr r="0" g="0" b="0"/>
-      </a:effectRef>
-      <a:fontRef idx="minor">
-        <a:schemeClr val="tx1"/>
-      </a:fontRef>
-    </dgm:style>
-  </dgm:styleLbl>
-  <dgm:styleLbl name="alignNode1">
-    <dgm:scene3d>
-      <a:camera prst="orthographicFront"/>
-      <a:lightRig rig="threePt" dir="t"/>
-    </dgm:scene3d>
-    <dgm:sp3d/>
-    <dgm:txPr/>
-    <dgm:style>
-      <a:lnRef idx="2">
-        <a:scrgbClr r="0" g="0" b="0"/>
-      </a:lnRef>
-      <a:fillRef idx="1">
-        <a:scrgbClr r="0" g="0" b="0"/>
-      </a:fillRef>
-      <a:effectRef idx="0">
-        <a:scrgbClr r="0" g="0" b="0"/>
-      </a:effectRef>
-      <a:fontRef idx="minor">
-        <a:schemeClr val="lt1"/>
-      </a:fontRef>
-    </dgm:style>
-  </dgm:styleLbl>
-  <dgm:styleLbl name="node1">
-    <dgm:scene3d>
-      <a:camera prst="orthographicFront"/>
-      <a:lightRig rig="threePt" dir="t"/>
-    </dgm:scene3d>
-    <dgm:sp3d/>
-    <dgm:txPr/>
-    <dgm:style>
-      <a:lnRef idx="2">
-        <a:scrgbClr r="0" g="0" b="0"/>
-      </a:lnRef>
-      <a:fillRef idx="1">
-        <a:scrgbClr r="0" g="0" b="0"/>
-      </a:fillRef>
-      <a:effectRef idx="0">
-        <a:scrgbClr r="0" g="0" b="0"/>
-      </a:effectRef>
-      <a:fontRef idx="minor">
-        <a:schemeClr val="lt1"/>
-      </a:fontRef>
-    </dgm:style>
-  </dgm:styleLbl>
-  <dgm:styleLbl name="node2">
-    <dgm:scene3d>
-      <a:camera prst="orthographicFront"/>
-      <a:lightRig rig="threePt" dir="t"/>
-    </dgm:scene3d>
-    <dgm:sp3d/>
-    <dgm:txPr/>
-    <dgm:style>
-      <a:lnRef idx="2">
-        <a:scrgbClr r="0" g="0" b="0"/>
-      </a:lnRef>
-      <a:fillRef idx="1">
-        <a:scrgbClr r="0" g="0" b="0"/>
-      </a:fillRef>
-      <a:effectRef idx="0">
-        <a:scrgbClr r="0" g="0" b="0"/>
-      </a:effectRef>
-      <a:fontRef idx="minor">
-        <a:schemeClr val="lt1"/>
-      </a:fontRef>
-    </dgm:style>
-  </dgm:styleLbl>
-  <dgm:styleLbl name="node3">
-    <dgm:scene3d>
-      <a:camera prst="orthographicFront"/>
-      <a:lightRig rig="threePt" dir="t"/>
-    </dgm:scene3d>
-    <dgm:sp3d/>
-    <dgm:txPr/>
-    <dgm:style>
-      <a:lnRef idx="2">
-        <a:scrgbClr r="0" g="0" b="0"/>
-      </a:lnRef>
-      <a:fillRef idx="1">
-        <a:scrgbClr r="0" g="0" b="0"/>
-      </a:fillRef>
-      <a:effectRef idx="0">
-        <a:scrgbClr r="0" g="0" b="0"/>
-      </a:effectRef>
-      <a:fontRef idx="minor">
-        <a:schemeClr val="lt1"/>
-      </a:fontRef>
-    </dgm:style>
-  </dgm:styleLbl>
-  <dgm:styleLbl name="node4">
-    <dgm:scene3d>
-      <a:camera prst="orthographicFront"/>
-      <a:lightRig rig="threePt" dir="t"/>
-    </dgm:scene3d>
-    <dgm:sp3d/>
-    <dgm:txPr/>
-    <dgm:style>
-      <a:lnRef idx="2">
-        <a:scrgbClr r="0" g="0" b="0"/>
-      </a:lnRef>
-      <a:fillRef idx="1">
-        <a:scrgbClr r="0" g="0" b="0"/>
-      </a:fillRef>
-      <a:effectRef idx="0">
-        <a:scrgbClr r="0" g="0" b="0"/>
-      </a:effectRef>
-      <a:fontRef idx="minor">
-        <a:schemeClr val="lt1"/>
-      </a:fontRef>
-    </dgm:style>
-  </dgm:styleLbl>
-  <dgm:styleLbl name="fgImgPlace1">
-    <dgm:scene3d>
-      <a:camera prst="orthographicFront"/>
-      <a:lightRig rig="threePt" dir="t"/>
-    </dgm:scene3d>
-    <dgm:sp3d/>
-    <dgm:txPr/>
-    <dgm:style>
-      <a:lnRef idx="2">
-        <a:scrgbClr r="0" g="0" b="0"/>
-      </a:lnRef>
-      <a:fillRef idx="1">
-        <a:scrgbClr r="0" g="0" b="0"/>
-      </a:fillRef>
-      <a:effectRef idx="0">
-        <a:scrgbClr r="0" g="0" b="0"/>
-      </a:effectRef>
-      <a:fontRef idx="minor"/>
-    </dgm:style>
-  </dgm:styleLbl>
-  <dgm:styleLbl name="alignImgPlace1">
-    <dgm:scene3d>
-      <a:camera prst="orthographicFront"/>
-      <a:lightRig rig="threePt" dir="t"/>
-    </dgm:scene3d>
-    <dgm:sp3d/>
-    <dgm:txPr/>
-    <dgm:style>
-      <a:lnRef idx="2">
-        <a:scrgbClr r="0" g="0" b="0"/>
-      </a:lnRef>
-      <a:fillRef idx="1">
-        <a:scrgbClr r="0" g="0" b="0"/>
-      </a:fillRef>
-      <a:effectRef idx="0">
-        <a:scrgbClr r="0" g="0" b="0"/>
-      </a:effectRef>
-      <a:fontRef idx="minor"/>
-    </dgm:style>
-  </dgm:styleLbl>
-  <dgm:styleLbl name="bgImgPlace1">
-    <dgm:scene3d>
-      <a:camera prst="orthographicFront"/>
-      <a:lightRig rig="threePt" dir="t"/>
-    </dgm:scene3d>
-    <dgm:sp3d/>
-    <dgm:txPr/>
-    <dgm:style>
-      <a:lnRef idx="2">
-        <a:scrgbClr r="0" g="0" b="0"/>
-      </a:lnRef>
-      <a:fillRef idx="1">
-        <a:scrgbClr r="0" g="0" b="0"/>
-      </a:fillRef>
-      <a:effectRef idx="0">
-        <a:scrgbClr r="0" g="0" b="0"/>
-      </a:effectRef>
-      <a:fontRef idx="minor"/>
-    </dgm:style>
-  </dgm:styleLbl>
-  <dgm:styleLbl name="sibTrans2D1">
-    <dgm:scene3d>
-      <a:camera prst="orthographicFront"/>
-      <a:lightRig rig="threePt" dir="t"/>
-    </dgm:scene3d>
-    <dgm:sp3d/>
-    <dgm:txPr/>
-    <dgm:style>
-      <a:lnRef idx="0">
-        <a:scrgbClr r="0" g="0" b="0"/>
-      </a:lnRef>
-      <a:fillRef idx="1">
-        <a:scrgbClr r="0" g="0" b="0"/>
-      </a:fillRef>
-      <a:effectRef idx="0">
-        <a:scrgbClr r="0" g="0" b="0"/>
-      </a:effectRef>
-      <a:fontRef idx="minor">
-        <a:schemeClr val="lt1"/>
-      </a:fontRef>
-    </dgm:style>
-  </dgm:styleLbl>
-  <dgm:styleLbl name="fgSibTrans2D1">
-    <dgm:scene3d>
-      <a:camera prst="orthographicFront"/>
-      <a:lightRig rig="threePt" dir="t"/>
-    </dgm:scene3d>
-    <dgm:sp3d/>
-    <dgm:txPr/>
-    <dgm:style>
-      <a:lnRef idx="0">
-        <a:scrgbClr r="0" g="0" b="0"/>
-      </a:lnRef>
-      <a:fillRef idx="1">
-        <a:scrgbClr r="0" g="0" b="0"/>
-      </a:fillRef>
-      <a:effectRef idx="0">
-        <a:scrgbClr r="0" g="0" b="0"/>
-      </a:effectRef>
-      <a:fontRef idx="minor">
-        <a:schemeClr val="lt1"/>
-      </a:fontRef>
-    </dgm:style>
-  </dgm:styleLbl>
-  <dgm:styleLbl name="bgSibTrans2D1">
-    <dgm:scene3d>
-      <a:camera prst="orthographicFront"/>
-      <a:lightRig rig="threePt" dir="t"/>
-    </dgm:scene3d>
-    <dgm:sp3d/>
-    <dgm:txPr/>
-    <dgm:style>
-      <a:lnRef idx="0">
-        <a:scrgbClr r="0" g="0" b="0"/>
-      </a:lnRef>
-      <a:fillRef idx="1">
-        <a:scrgbClr r="0" g="0" b="0"/>
-      </a:fillRef>
-      <a:effectRef idx="0">
-        <a:scrgbClr r="0" g="0" b="0"/>
-      </a:effectRef>
-      <a:fontRef idx="minor">
-        <a:schemeClr val="lt1"/>
-      </a:fontRef>
-    </dgm:style>
-  </dgm:styleLbl>
-  <dgm:styleLbl name="sibTrans1D1">
-    <dgm:scene3d>
-      <a:camera prst="orthographicFront"/>
-      <a:lightRig rig="threePt" dir="t"/>
-    </dgm:scene3d>
-    <dgm:sp3d/>
-    <dgm:txPr/>
-    <dgm:style>
-      <a:lnRef idx="1">
-        <a:scrgbClr r="0" g="0" b="0"/>
-      </a:lnRef>
-      <a:fillRef idx="0">
-        <a:scrgbClr r="0" g="0" b="0"/>
-      </a:fillRef>
-      <a:effectRef idx="0">
-        <a:scrgbClr r="0" g="0" b="0"/>
-      </a:effectRef>
-      <a:fontRef idx="minor"/>
-    </dgm:style>
-  </dgm:styleLbl>
-  <dgm:styleLbl name="callout">
-    <dgm:scene3d>
-      <a:camera prst="orthographicFront"/>
-      <a:lightRig rig="threePt" dir="t"/>
-    </dgm:scene3d>
-    <dgm:sp3d/>
-    <dgm:txPr/>
-    <dgm:style>
-      <a:lnRef idx="2">
-        <a:scrgbClr r="0" g="0" b="0"/>
-      </a:lnRef>
-      <a:fillRef idx="1">
-        <a:scrgbClr r="0" g="0" b="0"/>
-      </a:fillRef>
-      <a:effectRef idx="0">
-        <a:scrgbClr r="0" g="0" b="0"/>
-      </a:effectRef>
-      <a:fontRef idx="minor"/>
-    </dgm:style>
-  </dgm:styleLbl>
-  <dgm:styleLbl name="asst0">
-    <dgm:scene3d>
-      <a:camera prst="orthographicFront"/>
-      <a:lightRig rig="threePt" dir="t"/>
-    </dgm:scene3d>
-    <dgm:sp3d/>
-    <dgm:txPr/>
-    <dgm:style>
-      <a:lnRef idx="2">
-        <a:scrgbClr r="0" g="0" b="0"/>
-      </a:lnRef>
-      <a:fillRef idx="1">
-        <a:scrgbClr r="0" g="0" b="0"/>
-      </a:fillRef>
-      <a:effectRef idx="0">
-        <a:scrgbClr r="0" g="0" b="0"/>
-      </a:effectRef>
-      <a:fontRef idx="minor">
-        <a:schemeClr val="lt1"/>
-      </a:fontRef>
-    </dgm:style>
-  </dgm:styleLbl>
-  <dgm:styleLbl name="asst1">
-    <dgm:scene3d>
-      <a:camera prst="orthographicFront"/>
-      <a:lightRig rig="threePt" dir="t"/>
-    </dgm:scene3d>
-    <dgm:sp3d/>
-    <dgm:txPr/>
-    <dgm:style>
-      <a:lnRef idx="2">
-        <a:scrgbClr r="0" g="0" b="0"/>
-      </a:lnRef>
-      <a:fillRef idx="1">
-        <a:scrgbClr r="0" g="0" b="0"/>
-      </a:fillRef>
-      <a:effectRef idx="0">
-        <a:scrgbClr r="0" g="0" b="0"/>
-      </a:effectRef>
-      <a:fontRef idx="minor">
-        <a:schemeClr val="lt1"/>
-      </a:fontRef>
-    </dgm:style>
-  </dgm:styleLbl>
-  <dgm:styleLbl name="asst2">
-    <dgm:scene3d>
-      <a:camera prst="orthographicFront"/>
-      <a:lightRig rig="threePt" dir="t"/>
-    </dgm:scene3d>
-    <dgm:sp3d/>
-    <dgm:txPr/>
-    <dgm:style>
-      <a:lnRef idx="2">
-        <a:scrgbClr r="0" g="0" b="0"/>
-      </a:lnRef>
-      <a:fillRef idx="1">
-        <a:scrgbClr r="0" g="0" b="0"/>
-      </a:fillRef>
-      <a:effectRef idx="0">
-        <a:scrgbClr r="0" g="0" b="0"/>
-      </a:effectRef>
-      <a:fontRef idx="minor">
-        <a:schemeClr val="lt1"/>
-      </a:fontRef>
-    </dgm:style>
-  </dgm:styleLbl>
-  <dgm:styleLbl name="asst3">
-    <dgm:scene3d>
-      <a:camera prst="orthographicFront"/>
-      <a:lightRig rig="threePt" dir="t"/>
-    </dgm:scene3d>
-    <dgm:sp3d/>
-    <dgm:txPr/>
-    <dgm:style>
-      <a:lnRef idx="2">
-        <a:scrgbClr r="0" g="0" b="0"/>
-      </a:lnRef>
-      <a:fillRef idx="1">
-        <a:scrgbClr r="0" g="0" b="0"/>
-      </a:fillRef>
-      <a:effectRef idx="0">
-        <a:scrgbClr r="0" g="0" b="0"/>
-      </a:effectRef>
-      <a:fontRef idx="minor">
-        <a:schemeClr val="lt1"/>
-      </a:fontRef>
-    </dgm:style>
-  </dgm:styleLbl>
-  <dgm:styleLbl name="asst4">
-    <dgm:scene3d>
-      <a:camera prst="orthographicFront"/>
-      <a:lightRig rig="threePt" dir="t"/>
-    </dgm:scene3d>
-    <dgm:sp3d/>
-    <dgm:txPr/>
-    <dgm:style>
-      <a:lnRef idx="2">
-        <a:scrgbClr r="0" g="0" b="0"/>
-      </a:lnRef>
-      <a:fillRef idx="1">
-        <a:scrgbClr r="0" g="0" b="0"/>
-      </a:fillRef>
-      <a:effectRef idx="0">
-        <a:scrgbClr r="0" g="0" b="0"/>
-      </a:effectRef>
-      <a:fontRef idx="minor">
-        <a:schemeClr val="lt1"/>
-      </a:fontRef>
-    </dgm:style>
-  </dgm:styleLbl>
-  <dgm:styleLbl name="parChTrans2D1">
-    <dgm:scene3d>
-      <a:camera prst="orthographicFront"/>
-      <a:lightRig rig="threePt" dir="t"/>
-    </dgm:scene3d>
-    <dgm:sp3d/>
-    <dgm:txPr/>
-    <dgm:style>
-      <a:lnRef idx="2">
-        <a:scrgbClr r="0" g="0" b="0"/>
-      </a:lnRef>
-      <a:fillRef idx="1">
-        <a:scrgbClr r="0" g="0" b="0"/>
-      </a:fillRef>
-      <a:effectRef idx="0">
-        <a:scrgbClr r="0" g="0" b="0"/>
-      </a:effectRef>
-      <a:fontRef idx="minor">
-        <a:schemeClr val="lt1"/>
-      </a:fontRef>
-    </dgm:style>
-  </dgm:styleLbl>
-  <dgm:styleLbl name="parChTrans2D2">
-    <dgm:scene3d>
-      <a:camera prst="orthographicFront"/>
-      <a:lightRig rig="threePt" dir="t"/>
-    </dgm:scene3d>
-    <dgm:sp3d/>
-    <dgm:txPr/>
-    <dgm:style>
-      <a:lnRef idx="2">
-        <a:scrgbClr r="0" g="0" b="0"/>
-      </a:lnRef>
-      <a:fillRef idx="1">
-        <a:scrgbClr r="0" g="0" b="0"/>
-      </a:fillRef>
-      <a:effectRef idx="0">
-        <a:scrgbClr r="0" g="0" b="0"/>
-      </a:effectRef>
-      <a:fontRef idx="minor">
-        <a:schemeClr val="lt1"/>
-      </a:fontRef>
-    </dgm:style>
-  </dgm:styleLbl>
-  <dgm:styleLbl name="parChTrans2D3">
-    <dgm:scene3d>
-      <a:camera prst="orthographicFront"/>
-      <a:lightRig rig="threePt" dir="t"/>
-    </dgm:scene3d>
-    <dgm:sp3d/>
-    <dgm:txPr/>
-    <dgm:style>
-      <a:lnRef idx="2">
-        <a:scrgbClr r="0" g="0" b="0"/>
-      </a:lnRef>
-      <a:fillRef idx="1">
-        <a:scrgbClr r="0" g="0" b="0"/>
-      </a:fillRef>
-      <a:effectRef idx="0">
-        <a:scrgbClr r="0" g="0" b="0"/>
-      </a:effectRef>
-      <a:fontRef idx="minor">
-        <a:schemeClr val="lt1"/>
-      </a:fontRef>
-    </dgm:style>
-  </dgm:styleLbl>
-  <dgm:styleLbl name="parChTrans2D4">
-    <dgm:scene3d>
-      <a:camera prst="orthographicFront"/>
-      <a:lightRig rig="threePt" dir="t"/>
-    </dgm:scene3d>
-    <dgm:sp3d/>
-    <dgm:txPr/>
-    <dgm:style>
-      <a:lnRef idx="2">
-        <a:scrgbClr r="0" g="0" b="0"/>
-      </a:lnRef>
-      <a:fillRef idx="1">
-        <a:scrgbClr r="0" g="0" b="0"/>
-      </a:fillRef>
-      <a:effectRef idx="0">
-        <a:scrgbClr r="0" g="0" b="0"/>
-      </a:effectRef>
-      <a:fontRef idx="minor">
-        <a:schemeClr val="lt1"/>
-      </a:fontRef>
-    </dgm:style>
-  </dgm:styleLbl>
-  <dgm:styleLbl name="parChTrans1D1">
-    <dgm:scene3d>
-      <a:camera prst="orthographicFront"/>
-      <a:lightRig rig="threePt" dir="t"/>
-    </dgm:scene3d>
-    <dgm:sp3d/>
-    <dgm:txPr/>
-    <dgm:style>
-      <a:lnRef idx="2">
-        <a:scrgbClr r="0" g="0" b="0"/>
-      </a:lnRef>
-      <a:fillRef idx="0">
-        <a:scrgbClr r="0" g="0" b="0"/>
-      </a:fillRef>
-      <a:effectRef idx="0">
-        <a:scrgbClr r="0" g="0" b="0"/>
-      </a:effectRef>
-      <a:fontRef idx="minor"/>
-    </dgm:style>
-  </dgm:styleLbl>
-  <dgm:styleLbl name="parChTrans1D2">
-    <dgm:scene3d>
-      <a:camera prst="orthographicFront"/>
-      <a:lightRig rig="threePt" dir="t"/>
-    </dgm:scene3d>
-    <dgm:sp3d/>
-    <dgm:txPr/>
-    <dgm:style>
-      <a:lnRef idx="2">
-        <a:scrgbClr r="0" g="0" b="0"/>
-      </a:lnRef>
-      <a:fillRef idx="0">
-        <a:scrgbClr r="0" g="0" b="0"/>
-      </a:fillRef>
-      <a:effectRef idx="0">
-        <a:scrgbClr r="0" g="0" b="0"/>
-      </a:effectRef>
-      <a:fontRef idx="minor"/>
-    </dgm:style>
-  </dgm:styleLbl>
-  <dgm:styleLbl name="parChTrans1D3">
-    <dgm:scene3d>
-      <a:camera prst="orthographicFront"/>
-      <a:lightRig rig="threePt" dir="t"/>
-    </dgm:scene3d>
-    <dgm:sp3d/>
-    <dgm:txPr/>
-    <dgm:style>
-      <a:lnRef idx="2">
-        <a:scrgbClr r="0" g="0" b="0"/>
-      </a:lnRef>
-      <a:fillRef idx="0">
-        <a:scrgbClr r="0" g="0" b="0"/>
-      </a:fillRef>
-      <a:effectRef idx="0">
-        <a:scrgbClr r="0" g="0" b="0"/>
-      </a:effectRef>
-      <a:fontRef idx="minor"/>
-    </dgm:style>
-  </dgm:styleLbl>
-  <dgm:styleLbl name="parChTrans1D4">
-    <dgm:scene3d>
-      <a:camera prst="orthographicFront"/>
-      <a:lightRig rig="threePt" dir="t"/>
-    </dgm:scene3d>
-    <dgm:sp3d/>
-    <dgm:txPr/>
-    <dgm:style>
-      <a:lnRef idx="2">
-        <a:scrgbClr r="0" g="0" b="0"/>
-      </a:lnRef>
-      <a:fillRef idx="0">
-        <a:scrgbClr r="0" g="0" b="0"/>
-      </a:fillRef>
-      <a:effectRef idx="0">
-        <a:scrgbClr r="0" g="0" b="0"/>
-      </a:effectRef>
-      <a:fontRef idx="minor"/>
-    </dgm:style>
-  </dgm:styleLbl>
-  <dgm:styleLbl name="fgAcc1">
-    <dgm:scene3d>
-      <a:camera prst="orthographicFront"/>
-      <a:lightRig rig="threePt" dir="t"/>
-    </dgm:scene3d>
-    <dgm:sp3d/>
-    <dgm:txPr/>
-    <dgm:style>
-      <a:lnRef idx="2">
-        <a:scrgbClr r="0" g="0" b="0"/>
-      </a:lnRef>
-      <a:fillRef idx="1">
-        <a:scrgbClr r="0" g="0" b="0"/>
-      </a:fillRef>
-      <a:effectRef idx="0">
-        <a:scrgbClr r="0" g="0" b="0"/>
-      </a:effectRef>
-      <a:fontRef idx="minor"/>
-    </dgm:style>
-  </dgm:styleLbl>
-  <dgm:styleLbl name="conFgAcc1">
-    <dgm:scene3d>
-      <a:camera prst="orthographicFront"/>
-      <a:lightRig rig="threePt" dir="t"/>
-    </dgm:scene3d>
-    <dgm:sp3d/>
-    <dgm:txPr/>
-    <dgm:style>
-      <a:lnRef idx="2">
-        <a:scrgbClr r="0" g="0" b="0"/>
-      </a:lnRef>
-      <a:fillRef idx="1">
-        <a:scrgbClr r="0" g="0" b="0"/>
-      </a:fillRef>
-      <a:effectRef idx="0">
-        <a:scrgbClr r="0" g="0" b="0"/>
-      </a:effectRef>
-      <a:fontRef idx="minor"/>
-    </dgm:style>
-  </dgm:styleLbl>
-  <dgm:styleLbl name="alignAcc1">
-    <dgm:scene3d>
-      <a:camera prst="orthographicFront"/>
-      <a:lightRig rig="threePt" dir="t"/>
-    </dgm:scene3d>
-    <dgm:sp3d/>
-    <dgm:txPr/>
-    <dgm:style>
-      <a:lnRef idx="2">
-        <a:scrgbClr r="0" g="0" b="0"/>
-      </a:lnRef>
-      <a:fillRef idx="1">
-        <a:scrgbClr r="0" g="0" b="0"/>
-      </a:fillRef>
-      <a:effectRef idx="0">
-        <a:scrgbClr r="0" g="0" b="0"/>
-      </a:effectRef>
-      <a:fontRef idx="minor"/>
-    </dgm:style>
-  </dgm:styleLbl>
-  <dgm:styleLbl name="trAlignAcc1">
-    <dgm:scene3d>
-      <a:camera prst="orthographicFront"/>
-      <a:lightRig rig="threePt" dir="t"/>
-    </dgm:scene3d>
-    <dgm:sp3d/>
-    <dgm:txPr/>
-    <dgm:style>
-      <a:lnRef idx="1">
-        <a:scrgbClr r="0" g="0" b="0"/>
-      </a:lnRef>
-      <a:fillRef idx="1">
-        <a:scrgbClr r="0" g="0" b="0"/>
-      </a:fillRef>
-      <a:effectRef idx="0">
-        <a:scrgbClr r="0" g="0" b="0"/>
-      </a:effectRef>
-      <a:fontRef idx="minor"/>
-    </dgm:style>
-  </dgm:styleLbl>
-  <dgm:styleLbl name="bgAcc1">
-    <dgm:scene3d>
-      <a:camera prst="orthographicFront"/>
-      <a:lightRig rig="threePt" dir="t"/>
-    </dgm:scene3d>
-    <dgm:sp3d/>
-    <dgm:txPr/>
-    <dgm:style>
-      <a:lnRef idx="2">
-        <a:scrgbClr r="0" g="0" b="0"/>
-      </a:lnRef>
-      <a:fillRef idx="1">
-        <a:scrgbClr r="0" g="0" b="0"/>
-      </a:fillRef>
-      <a:effectRef idx="0">
-        <a:scrgbClr r="0" g="0" b="0"/>
-      </a:effectRef>
-      <a:fontRef idx="minor"/>
-    </dgm:style>
-  </dgm:styleLbl>
-  <dgm:styleLbl name="solidFgAcc1">
-    <dgm:scene3d>
-      <a:camera prst="orthographicFront"/>
-      <a:lightRig rig="threePt" dir="t"/>
-    </dgm:scene3d>
-    <dgm:sp3d/>
-    <dgm:txPr/>
-    <dgm:style>
-      <a:lnRef idx="2">
-        <a:scrgbClr r="0" g="0" b="0"/>
-      </a:lnRef>
-      <a:fillRef idx="1">
-        <a:scrgbClr r="0" g="0" b="0"/>
-      </a:fillRef>
-      <a:effectRef idx="0">
-        <a:scrgbClr r="0" g="0" b="0"/>
-      </a:effectRef>
-      <a:fontRef idx="minor"/>
-    </dgm:style>
-  </dgm:styleLbl>
-  <dgm:styleLbl name="solidAlignAcc1">
-    <dgm:scene3d>
-      <a:camera prst="orthographicFront"/>
-      <a:lightRig rig="threePt" dir="t"/>
-    </dgm:scene3d>
-    <dgm:sp3d/>
-    <dgm:txPr/>
-    <dgm:style>
-      <a:lnRef idx="2">
-        <a:scrgbClr r="0" g="0" b="0"/>
-      </a:lnRef>
-      <a:fillRef idx="1">
-        <a:scrgbClr r="0" g="0" b="0"/>
-      </a:fillRef>
-      <a:effectRef idx="0">
-        <a:scrgbClr r="0" g="0" b="0"/>
-      </a:effectRef>
-      <a:fontRef idx="minor"/>
-    </dgm:style>
-  </dgm:styleLbl>
-  <dgm:styleLbl name="solidBgAcc1">
-    <dgm:scene3d>
-      <a:camera prst="orthographicFront"/>
-      <a:lightRig rig="threePt" dir="t"/>
-    </dgm:scene3d>
-    <dgm:sp3d/>
-    <dgm:txPr/>
-    <dgm:style>
-      <a:lnRef idx="2">
-        <a:scrgbClr r="0" g="0" b="0"/>
-      </a:lnRef>
-      <a:fillRef idx="1">
-        <a:scrgbClr r="0" g="0" b="0"/>
-      </a:fillRef>
-      <a:effectRef idx="0">
-        <a:scrgbClr r="0" g="0" b="0"/>
-      </a:effectRef>
-      <a:fontRef idx="minor"/>
-    </dgm:style>
-  </dgm:styleLbl>
-  <dgm:styleLbl name="fgAccFollowNode1">
-    <dgm:scene3d>
-      <a:camera prst="orthographicFront"/>
-      <a:lightRig rig="threePt" dir="t"/>
-    </dgm:scene3d>
-    <dgm:sp3d/>
-    <dgm:txPr/>
-    <dgm:style>
-      <a:lnRef idx="2">
-        <a:scrgbClr r="0" g="0" b="0"/>
-      </a:lnRef>
-      <a:fillRef idx="1">
-        <a:scrgbClr r="0" g="0" b="0"/>
-      </a:fillRef>
-      <a:effectRef idx="0">
-        <a:scrgbClr r="0" g="0" b="0"/>
-      </a:effectRef>
-      <a:fontRef idx="minor"/>
-    </dgm:style>
-  </dgm:styleLbl>
-  <dgm:styleLbl name="alignAccFollowNode1">
-    <dgm:scene3d>
-      <a:camera prst="orthographicFront"/>
-      <a:lightRig rig="threePt" dir="t"/>
-    </dgm:scene3d>
-    <dgm:sp3d/>
-    <dgm:txPr/>
-    <dgm:style>
-      <a:lnRef idx="2">
-        <a:scrgbClr r="0" g="0" b="0"/>
-      </a:lnRef>
-      <a:fillRef idx="1">
-        <a:scrgbClr r="0" g="0" b="0"/>
-      </a:fillRef>
-      <a:effectRef idx="0">
-        <a:scrgbClr r="0" g="0" b="0"/>
-      </a:effectRef>
-      <a:fontRef idx="minor"/>
-    </dgm:style>
-  </dgm:styleLbl>
-  <dgm:styleLbl name="bgAccFollowNode1">
-    <dgm:scene3d>
-      <a:camera prst="orthographicFront"/>
-      <a:lightRig rig="threePt" dir="t"/>
-    </dgm:scene3d>
-    <dgm:sp3d/>
-    <dgm:txPr/>
-    <dgm:style>
-      <a:lnRef idx="2">
-        <a:scrgbClr r="0" g="0" b="0"/>
-      </a:lnRef>
-      <a:fillRef idx="1">
-        <a:scrgbClr r="0" g="0" b="0"/>
-      </a:fillRef>
-      <a:effectRef idx="0">
-        <a:scrgbClr r="0" g="0" b="0"/>
-      </a:effectRef>
-      <a:fontRef idx="minor"/>
-    </dgm:style>
-  </dgm:styleLbl>
-  <dgm:styleLbl name="fgAcc0">
-    <dgm:scene3d>
-      <a:camera prst="orthographicFront"/>
-      <a:lightRig rig="threePt" dir="t"/>
-    </dgm:scene3d>
-    <dgm:sp3d/>
-    <dgm:txPr/>
-    <dgm:style>
-      <a:lnRef idx="2">
-        <a:scrgbClr r="0" g="0" b="0"/>
-      </a:lnRef>
-      <a:fillRef idx="1">
-        <a:scrgbClr r="0" g="0" b="0"/>
-      </a:fillRef>
-      <a:effectRef idx="0">
-        <a:scrgbClr r="0" g="0" b="0"/>
-      </a:effectRef>
-      <a:fontRef idx="minor"/>
-    </dgm:style>
-  </dgm:styleLbl>
-  <dgm:styleLbl name="fgAcc2">
-    <dgm:scene3d>
-      <a:camera prst="orthographicFront"/>
-      <a:lightRig rig="threePt" dir="t"/>
-    </dgm:scene3d>
-    <dgm:sp3d/>
-    <dgm:txPr/>
-    <dgm:style>
-      <a:lnRef idx="2">
-        <a:scrgbClr r="0" g="0" b="0"/>
-      </a:lnRef>
-      <a:fillRef idx="1">
-        <a:scrgbClr r="0" g="0" b="0"/>
-      </a:fillRef>
-      <a:effectRef idx="0">
-        <a:scrgbClr r="0" g="0" b="0"/>
-      </a:effectRef>
-      <a:fontRef idx="minor"/>
-    </dgm:style>
-  </dgm:styleLbl>
-  <dgm:styleLbl name="fgAcc3">
-    <dgm:scene3d>
-      <a:camera prst="orthographicFront"/>
-      <a:lightRig rig="threePt" dir="t"/>
-    </dgm:scene3d>
-    <dgm:sp3d/>
-    <dgm:txPr/>
-    <dgm:style>
-      <a:lnRef idx="2">
-        <a:scrgbClr r="0" g="0" b="0"/>
-      </a:lnRef>
-      <a:fillRef idx="1">
-        <a:scrgbClr r="0" g="0" b="0"/>
-      </a:fillRef>
-      <a:effectRef idx="0">
-        <a:scrgbClr r="0" g="0" b="0"/>
-      </a:effectRef>
-      <a:fontRef idx="minor"/>
-    </dgm:style>
-  </dgm:styleLbl>
-  <dgm:styleLbl name="fgAcc4">
-    <dgm:scene3d>
-      <a:camera prst="orthographicFront"/>
-      <a:lightRig rig="threePt" dir="t"/>
-    </dgm:scene3d>
-    <dgm:sp3d/>
-    <dgm:txPr/>
-    <dgm:style>
-      <a:lnRef idx="2">
-        <a:scrgbClr r="0" g="0" b="0"/>
-      </a:lnRef>
-      <a:fillRef idx="1">
-        <a:scrgbClr r="0" g="0" b="0"/>
-      </a:fillRef>
-      <a:effectRef idx="0">
-        <a:scrgbClr r="0" g="0" b="0"/>
-      </a:effectRef>
-      <a:fontRef idx="minor"/>
-    </dgm:style>
-  </dgm:styleLbl>
-  <dgm:styleLbl name="bgShp">
-    <dgm:scene3d>
-      <a:camera prst="orthographicFront"/>
-      <a:lightRig rig="threePt" dir="t"/>
-    </dgm:scene3d>
-    <dgm:sp3d/>
-    <dgm:txPr/>
-    <dgm:style>
-      <a:lnRef idx="0">
-        <a:scrgbClr r="0" g="0" b="0"/>
-      </a:lnRef>
-      <a:fillRef idx="1">
-        <a:scrgbClr r="0" g="0" b="0"/>
-      </a:fillRef>
-      <a:effectRef idx="0">
-        <a:scrgbClr r="0" g="0" b="0"/>
-      </a:effectRef>
-      <a:fontRef idx="minor"/>
-    </dgm:style>
-  </dgm:styleLbl>
-  <dgm:styleLbl name="dkBgShp">
-    <dgm:scene3d>
-      <a:camera prst="orthographicFront"/>
-      <a:lightRig rig="threePt" dir="t"/>
-    </dgm:scene3d>
-    <dgm:sp3d/>
-    <dgm:txPr/>
-    <dgm:style>
-      <a:lnRef idx="0">
-        <a:scrgbClr r="0" g="0" b="0"/>
-      </a:lnRef>
-      <a:fillRef idx="1">
-        <a:scrgbClr r="0" g="0" b="0"/>
-      </a:fillRef>
-      <a:effectRef idx="0">
-        <a:scrgbClr r="0" g="0" b="0"/>
-      </a:effectRef>
-      <a:fontRef idx="minor"/>
-    </dgm:style>
-  </dgm:styleLbl>
-  <dgm:styleLbl name="trBgShp">
-    <dgm:scene3d>
-      <a:camera prst="orthographicFront"/>
-      <a:lightRig rig="threePt" dir="t"/>
-    </dgm:scene3d>
-    <dgm:sp3d/>
-    <dgm:txPr/>
-    <dgm:style>
-      <a:lnRef idx="0">
-        <a:scrgbClr r="0" g="0" b="0"/>
-      </a:lnRef>
-      <a:fillRef idx="1">
-        <a:scrgbClr r="0" g="0" b="0"/>
-      </a:fillRef>
-      <a:effectRef idx="0">
-        <a:scrgbClr r="0" g="0" b="0"/>
-      </a:effectRef>
-      <a:fontRef idx="minor"/>
-    </dgm:style>
-  </dgm:styleLbl>
-  <dgm:styleLbl name="fgShp">
-    <dgm:scene3d>
-      <a:camera prst="orthographicFront"/>
-      <a:lightRig rig="threePt" dir="t"/>
-    </dgm:scene3d>
-    <dgm:sp3d/>
-    <dgm:txPr/>
-    <dgm:style>
-      <a:lnRef idx="2">
-        <a:scrgbClr r="0" g="0" b="0"/>
-      </a:lnRef>
-      <a:fillRef idx="1">
-        <a:scrgbClr r="0" g="0" b="0"/>
-      </a:fillRef>
-      <a:effectRef idx="0">
-        <a:scrgbClr r="0" g="0" b="0"/>
-      </a:effectRef>
-      <a:fontRef idx="minor"/>
-    </dgm:style>
-  </dgm:styleLbl>
-  <dgm:styleLbl name="revTx">
-    <dgm:scene3d>
-      <a:camera prst="orthographicFront"/>
-      <a:lightRig rig="threePt" dir="t"/>
-    </dgm:scene3d>
-    <dgm:sp3d/>
-    <dgm:txPr/>
-    <dgm:style>
-      <a:lnRef idx="0">
-        <a:scrgbClr r="0" g="0" b="0"/>
-      </a:lnRef>
-      <a:fillRef idx="0">
-        <a:scrgbClr r="0" g="0" b="0"/>
-      </a:fillRef>
-      <a:effectRef idx="0">
-        <a:scrgbClr r="0" g="0" b="0"/>
-      </a:effectRef>
-      <a:fontRef idx="minor"/>
-    </dgm:style>
-  </dgm:styleLbl>
-</dgm:styleDef>
-</file>
-
-<file path=ppt/diagrams/quickStyle2.xml><?xml version="1.0" encoding="utf-8"?>
-<dgm:styleDef xmlns:dgm="http://schemas.openxmlformats.org/drawingml/2006/diagram" xmlns:a="http://schemas.openxmlformats.org/drawingml/2006/main" uniqueId="urn:microsoft.com/office/officeart/2005/8/quickstyle/simple1">
-  <dgm:title val=""/>
-  <dgm:desc val=""/>
-  <dgm:catLst>
-    <dgm:cat type="simple" pri="10100"/>
-  </dgm:catLst>
-  <dgm:scene3d>
-    <a:camera prst="orthographicFront"/>
-    <a:lightRig rig="threePt" dir="t"/>
-  </dgm:scene3d>
-  <dgm:styleLbl name="node0">
-    <dgm:scene3d>
-      <a:camera prst="orthographicFront"/>
-      <a:lightRig rig="threePt" dir="t"/>
-    </dgm:scene3d>
-    <dgm:sp3d/>
-    <dgm:txPr/>
-    <dgm:style>
-      <a:lnRef idx="2">
-        <a:scrgbClr r="0" g="0" b="0"/>
-      </a:lnRef>
-      <a:fillRef idx="1">
-        <a:scrgbClr r="0" g="0" b="0"/>
-      </a:fillRef>
-      <a:effectRef idx="0">
-        <a:scrgbClr r="0" g="0" b="0"/>
-      </a:effectRef>
-      <a:fontRef idx="minor">
-        <a:schemeClr val="lt1"/>
-      </a:fontRef>
-    </dgm:style>
-  </dgm:styleLbl>
-  <dgm:styleLbl name="lnNode1">
-    <dgm:scene3d>
-      <a:camera prst="orthographicFront"/>
-      <a:lightRig rig="threePt" dir="t"/>
-    </dgm:scene3d>
-    <dgm:sp3d/>
-    <dgm:txPr/>
-    <dgm:style>
-      <a:lnRef idx="2">
-        <a:scrgbClr r="0" g="0" b="0"/>
-      </a:lnRef>
-      <a:fillRef idx="1">
-        <a:scrgbClr r="0" g="0" b="0"/>
-      </a:fillRef>
-      <a:effectRef idx="0">
-        <a:scrgbClr r="0" g="0" b="0"/>
-      </a:effectRef>
-      <a:fontRef idx="minor">
-        <a:schemeClr val="lt1"/>
-      </a:fontRef>
-    </dgm:style>
-  </dgm:styleLbl>
-  <dgm:styleLbl name="vennNode1">
-    <dgm:scene3d>
-      <a:camera prst="orthographicFront"/>
-      <a:lightRig rig="threePt" dir="t"/>
-    </dgm:scene3d>
-    <dgm:sp3d/>
-    <dgm:txPr/>
-    <dgm:style>
-      <a:lnRef idx="2">
-        <a:scrgbClr r="0" g="0" b="0"/>
-      </a:lnRef>
-      <a:fillRef idx="1">
-        <a:scrgbClr r="0" g="0" b="0"/>
-      </a:fillRef>
-      <a:effectRef idx="0">
-        <a:scrgbClr r="0" g="0" b="0"/>
-      </a:effectRef>
-      <a:fontRef idx="minor">
-        <a:schemeClr val="tx1"/>
-      </a:fontRef>
-    </dgm:style>
-  </dgm:styleLbl>
-  <dgm:styleLbl name="alignNode1">
-    <dgm:scene3d>
-      <a:camera prst="orthographicFront"/>
-      <a:lightRig rig="threePt" dir="t"/>
-    </dgm:scene3d>
-    <dgm:sp3d/>
-    <dgm:txPr/>
-    <dgm:style>
-      <a:lnRef idx="2">
-        <a:scrgbClr r="0" g="0" b="0"/>
-      </a:lnRef>
-      <a:fillRef idx="1">
-        <a:scrgbClr r="0" g="0" b="0"/>
-      </a:fillRef>
-      <a:effectRef idx="0">
-        <a:scrgbClr r="0" g="0" b="0"/>
-      </a:effectRef>
-      <a:fontRef idx="minor">
-        <a:schemeClr val="lt1"/>
-      </a:fontRef>
-    </dgm:style>
-  </dgm:styleLbl>
-  <dgm:styleLbl name="node1">
-    <dgm:scene3d>
-      <a:camera prst="orthographicFront"/>
-      <a:lightRig rig="threePt" dir="t"/>
-    </dgm:scene3d>
-    <dgm:sp3d/>
-    <dgm:txPr/>
-    <dgm:style>
-      <a:lnRef idx="2">
-        <a:scrgbClr r="0" g="0" b="0"/>
-      </a:lnRef>
-      <a:fillRef idx="1">
-        <a:scrgbClr r="0" g="0" b="0"/>
-      </a:fillRef>
-      <a:effectRef idx="0">
-        <a:scrgbClr r="0" g="0" b="0"/>
-      </a:effectRef>
-      <a:fontRef idx="minor">
-        <a:schemeClr val="lt1"/>
-      </a:fontRef>
-    </dgm:style>
-  </dgm:styleLbl>
-  <dgm:styleLbl name="node2">
-    <dgm:scene3d>
-      <a:camera prst="orthographicFront"/>
-      <a:lightRig rig="threePt" dir="t"/>
-    </dgm:scene3d>
-    <dgm:sp3d/>
-    <dgm:txPr/>
-    <dgm:style>
-      <a:lnRef idx="2">
-        <a:scrgbClr r="0" g="0" b="0"/>
-      </a:lnRef>
-      <a:fillRef idx="1">
-        <a:scrgbClr r="0" g="0" b="0"/>
-      </a:fillRef>
-      <a:effectRef idx="0">
-        <a:scrgbClr r="0" g="0" b="0"/>
-      </a:effectRef>
-      <a:fontRef idx="minor">
-        <a:schemeClr val="lt1"/>
-      </a:fontRef>
-    </dgm:style>
-  </dgm:styleLbl>
-  <dgm:styleLbl name="node3">
-    <dgm:scene3d>
-      <a:camera prst="orthographicFront"/>
-      <a:lightRig rig="threePt" dir="t"/>
-    </dgm:scene3d>
-    <dgm:sp3d/>
-    <dgm:txPr/>
-    <dgm:style>
-      <a:lnRef idx="2">
-        <a:scrgbClr r="0" g="0" b="0"/>
-      </a:lnRef>
-      <a:fillRef idx="1">
-        <a:scrgbClr r="0" g="0" b="0"/>
-      </a:fillRef>
-      <a:effectRef idx="0">
-        <a:scrgbClr r="0" g="0" b="0"/>
-      </a:effectRef>
-      <a:fontRef idx="minor">
-        <a:schemeClr val="lt1"/>
-      </a:fontRef>
-    </dgm:style>
-  </dgm:styleLbl>
-  <dgm:styleLbl name="node4">
-    <dgm:scene3d>
-      <a:camera prst="orthographicFront"/>
-      <a:lightRig rig="threePt" dir="t"/>
-    </dgm:scene3d>
-    <dgm:sp3d/>
-    <dgm:txPr/>
-    <dgm:style>
-      <a:lnRef idx="2">
-        <a:scrgbClr r="0" g="0" b="0"/>
-      </a:lnRef>
-      <a:fillRef idx="1">
-        <a:scrgbClr r="0" g="0" b="0"/>
-      </a:fillRef>
-      <a:effectRef idx="0">
-        <a:scrgbClr r="0" g="0" b="0"/>
-      </a:effectRef>
-      <a:fontRef idx="minor">
-        <a:schemeClr val="lt1"/>
-      </a:fontRef>
-    </dgm:style>
-  </dgm:styleLbl>
-  <dgm:styleLbl name="fgImgPlace1">
-    <dgm:scene3d>
-      <a:camera prst="orthographicFront"/>
-      <a:lightRig rig="threePt" dir="t"/>
-    </dgm:scene3d>
-    <dgm:sp3d/>
-    <dgm:txPr/>
-    <dgm:style>
-      <a:lnRef idx="2">
-        <a:scrgbClr r="0" g="0" b="0"/>
-      </a:lnRef>
-      <a:fillRef idx="1">
-        <a:scrgbClr r="0" g="0" b="0"/>
-      </a:fillRef>
-      <a:effectRef idx="0">
-        <a:scrgbClr r="0" g="0" b="0"/>
-      </a:effectRef>
-      <a:fontRef idx="minor"/>
-    </dgm:style>
-  </dgm:styleLbl>
-  <dgm:styleLbl name="alignImgPlace1">
-    <dgm:scene3d>
-      <a:camera prst="orthographicFront"/>
-      <a:lightRig rig="threePt" dir="t"/>
-    </dgm:scene3d>
-    <dgm:sp3d/>
-    <dgm:txPr/>
-    <dgm:style>
-      <a:lnRef idx="2">
-        <a:scrgbClr r="0" g="0" b="0"/>
-      </a:lnRef>
-      <a:fillRef idx="1">
-        <a:scrgbClr r="0" g="0" b="0"/>
-      </a:fillRef>
-      <a:effectRef idx="0">
-        <a:scrgbClr r="0" g="0" b="0"/>
-      </a:effectRef>
-      <a:fontRef idx="minor"/>
-    </dgm:style>
-  </dgm:styleLbl>
-  <dgm:styleLbl name="bgImgPlace1">
-    <dgm:scene3d>
-      <a:camera prst="orthographicFront"/>
-      <a:lightRig rig="threePt" dir="t"/>
-    </dgm:scene3d>
-    <dgm:sp3d/>
-    <dgm:txPr/>
-    <dgm:style>
-      <a:lnRef idx="2">
-        <a:scrgbClr r="0" g="0" b="0"/>
-      </a:lnRef>
-      <a:fillRef idx="1">
-        <a:scrgbClr r="0" g="0" b="0"/>
-      </a:fillRef>
-      <a:effectRef idx="0">
-        <a:scrgbClr r="0" g="0" b="0"/>
-      </a:effectRef>
-      <a:fontRef idx="minor"/>
-    </dgm:style>
-  </dgm:styleLbl>
-  <dgm:styleLbl name="sibTrans2D1">
-    <dgm:scene3d>
-      <a:camera prst="orthographicFront"/>
-      <a:lightRig rig="threePt" dir="t"/>
-    </dgm:scene3d>
-    <dgm:sp3d/>
-    <dgm:txPr/>
-    <dgm:style>
-      <a:lnRef idx="0">
-        <a:scrgbClr r="0" g="0" b="0"/>
-      </a:lnRef>
-      <a:fillRef idx="1">
-        <a:scrgbClr r="0" g="0" b="0"/>
-      </a:fillRef>
-      <a:effectRef idx="0">
-        <a:scrgbClr r="0" g="0" b="0"/>
-      </a:effectRef>
-      <a:fontRef idx="minor">
-        <a:schemeClr val="lt1"/>
-      </a:fontRef>
-    </dgm:style>
-  </dgm:styleLbl>
-  <dgm:styleLbl name="fgSibTrans2D1">
-    <dgm:scene3d>
-      <a:camera prst="orthographicFront"/>
-      <a:lightRig rig="threePt" dir="t"/>
-    </dgm:scene3d>
-    <dgm:sp3d/>
-    <dgm:txPr/>
-    <dgm:style>
-      <a:lnRef idx="0">
-        <a:scrgbClr r="0" g="0" b="0"/>
-      </a:lnRef>
-      <a:fillRef idx="1">
-        <a:scrgbClr r="0" g="0" b="0"/>
-      </a:fillRef>
-      <a:effectRef idx="0">
-        <a:scrgbClr r="0" g="0" b="0"/>
-      </a:effectRef>
-      <a:fontRef idx="minor">
-        <a:schemeClr val="lt1"/>
-      </a:fontRef>
-    </dgm:style>
-  </dgm:styleLbl>
-  <dgm:styleLbl name="bgSibTrans2D1">
-    <dgm:scene3d>
-      <a:camera prst="orthographicFront"/>
-      <a:lightRig rig="threePt" dir="t"/>
-    </dgm:scene3d>
-    <dgm:sp3d/>
-    <dgm:txPr/>
-    <dgm:style>
-      <a:lnRef idx="0">
-        <a:scrgbClr r="0" g="0" b="0"/>
-      </a:lnRef>
-      <a:fillRef idx="1">
-        <a:scrgbClr r="0" g="0" b="0"/>
-      </a:fillRef>
-      <a:effectRef idx="0">
-        <a:scrgbClr r="0" g="0" b="0"/>
-      </a:effectRef>
-      <a:fontRef idx="minor">
-        <a:schemeClr val="lt1"/>
-      </a:fontRef>
-    </dgm:style>
-  </dgm:styleLbl>
-  <dgm:styleLbl name="sibTrans1D1">
-    <dgm:scene3d>
-      <a:camera prst="orthographicFront"/>
-      <a:lightRig rig="threePt" dir="t"/>
-    </dgm:scene3d>
-    <dgm:sp3d/>
-    <dgm:txPr/>
-    <dgm:style>
-      <a:lnRef idx="1">
-        <a:scrgbClr r="0" g="0" b="0"/>
-      </a:lnRef>
-      <a:fillRef idx="0">
-        <a:scrgbClr r="0" g="0" b="0"/>
-      </a:fillRef>
-      <a:effectRef idx="0">
-        <a:scrgbClr r="0" g="0" b="0"/>
-      </a:effectRef>
-      <a:fontRef idx="minor"/>
-    </dgm:style>
-  </dgm:styleLbl>
-  <dgm:styleLbl name="callout">
-    <dgm:scene3d>
-      <a:camera prst="orthographicFront"/>
-      <a:lightRig rig="threePt" dir="t"/>
-    </dgm:scene3d>
-    <dgm:sp3d/>
-    <dgm:txPr/>
-    <dgm:style>
-      <a:lnRef idx="2">
-        <a:scrgbClr r="0" g="0" b="0"/>
-      </a:lnRef>
-      <a:fillRef idx="1">
-        <a:scrgbClr r="0" g="0" b="0"/>
-      </a:fillRef>
-      <a:effectRef idx="0">
-        <a:scrgbClr r="0" g="0" b="0"/>
-      </a:effectRef>
-      <a:fontRef idx="minor"/>
-    </dgm:style>
-  </dgm:styleLbl>
-  <dgm:styleLbl name="asst0">
-    <dgm:scene3d>
-      <a:camera prst="orthographicFront"/>
-      <a:lightRig rig="threePt" dir="t"/>
-    </dgm:scene3d>
-    <dgm:sp3d/>
-    <dgm:txPr/>
-    <dgm:style>
-      <a:lnRef idx="2">
-        <a:scrgbClr r="0" g="0" b="0"/>
-      </a:lnRef>
-      <a:fillRef idx="1">
-        <a:scrgbClr r="0" g="0" b="0"/>
-      </a:fillRef>
-      <a:effectRef idx="0">
-        <a:scrgbClr r="0" g="0" b="0"/>
-      </a:effectRef>
-      <a:fontRef idx="minor">
-        <a:schemeClr val="lt1"/>
-      </a:fontRef>
-    </dgm:style>
-  </dgm:styleLbl>
-  <dgm:styleLbl name="asst1">
-    <dgm:scene3d>
-      <a:camera prst="orthographicFront"/>
-      <a:lightRig rig="threePt" dir="t"/>
-    </dgm:scene3d>
-    <dgm:sp3d/>
-    <dgm:txPr/>
-    <dgm:style>
-      <a:lnRef idx="2">
-        <a:scrgbClr r="0" g="0" b="0"/>
-      </a:lnRef>
-      <a:fillRef idx="1">
-        <a:scrgbClr r="0" g="0" b="0"/>
-      </a:fillRef>
-      <a:effectRef idx="0">
-        <a:scrgbClr r="0" g="0" b="0"/>
-      </a:effectRef>
-      <a:fontRef idx="minor">
-        <a:schemeClr val="lt1"/>
-      </a:fontRef>
-    </dgm:style>
-  </dgm:styleLbl>
-  <dgm:styleLbl name="asst2">
-    <dgm:scene3d>
-      <a:camera prst="orthographicFront"/>
-      <a:lightRig rig="threePt" dir="t"/>
-    </dgm:scene3d>
-    <dgm:sp3d/>
-    <dgm:txPr/>
-    <dgm:style>
-      <a:lnRef idx="2">
-        <a:scrgbClr r="0" g="0" b="0"/>
-      </a:lnRef>
-      <a:fillRef idx="1">
-        <a:scrgbClr r="0" g="0" b="0"/>
-      </a:fillRef>
-      <a:effectRef idx="0">
-        <a:scrgbClr r="0" g="0" b="0"/>
-      </a:effectRef>
-      <a:fontRef idx="minor">
-        <a:schemeClr val="lt1"/>
-      </a:fontRef>
-    </dgm:style>
-  </dgm:styleLbl>
-  <dgm:styleLbl name="asst3">
-    <dgm:scene3d>
-      <a:camera prst="orthographicFront"/>
-      <a:lightRig rig="threePt" dir="t"/>
-    </dgm:scene3d>
-    <dgm:sp3d/>
-    <dgm:txPr/>
-    <dgm:style>
-      <a:lnRef idx="2">
-        <a:scrgbClr r="0" g="0" b="0"/>
-      </a:lnRef>
-      <a:fillRef idx="1">
-        <a:scrgbClr r="0" g="0" b="0"/>
-      </a:fillRef>
-      <a:effectRef idx="0">
-        <a:scrgbClr r="0" g="0" b="0"/>
-      </a:effectRef>
-      <a:fontRef idx="minor">
-        <a:schemeClr val="lt1"/>
-      </a:fontRef>
-    </dgm:style>
-  </dgm:styleLbl>
-  <dgm:styleLbl name="asst4">
-    <dgm:scene3d>
-      <a:camera prst="orthographicFront"/>
-      <a:lightRig rig="threePt" dir="t"/>
-    </dgm:scene3d>
-    <dgm:sp3d/>
-    <dgm:txPr/>
-    <dgm:style>
-      <a:lnRef idx="2">
-        <a:scrgbClr r="0" g="0" b="0"/>
-      </a:lnRef>
-      <a:fillRef idx="1">
-        <a:scrgbClr r="0" g="0" b="0"/>
-      </a:fillRef>
-      <a:effectRef idx="0">
-        <a:scrgbClr r="0" g="0" b="0"/>
-      </a:effectRef>
-      <a:fontRef idx="minor">
-        <a:schemeClr val="lt1"/>
-      </a:fontRef>
-    </dgm:style>
-  </dgm:styleLbl>
-  <dgm:styleLbl name="parChTrans2D1">
-    <dgm:scene3d>
-      <a:camera prst="orthographicFront"/>
-      <a:lightRig rig="threePt" dir="t"/>
-    </dgm:scene3d>
-    <dgm:sp3d/>
-    <dgm:txPr/>
-    <dgm:style>
-      <a:lnRef idx="2">
-        <a:scrgbClr r="0" g="0" b="0"/>
-      </a:lnRef>
-      <a:fillRef idx="1">
-        <a:scrgbClr r="0" g="0" b="0"/>
-      </a:fillRef>
-      <a:effectRef idx="0">
-        <a:scrgbClr r="0" g="0" b="0"/>
-      </a:effectRef>
-      <a:fontRef idx="minor">
-        <a:schemeClr val="lt1"/>
-      </a:fontRef>
-    </dgm:style>
-  </dgm:styleLbl>
-  <dgm:styleLbl name="parChTrans2D2">
-    <dgm:scene3d>
-      <a:camera prst="orthographicFront"/>
-      <a:lightRig rig="threePt" dir="t"/>
-    </dgm:scene3d>
-    <dgm:sp3d/>
-    <dgm:txPr/>
-    <dgm:style>
-      <a:lnRef idx="2">
-        <a:scrgbClr r="0" g="0" b="0"/>
-      </a:lnRef>
-      <a:fillRef idx="1">
-        <a:scrgbClr r="0" g="0" b="0"/>
-      </a:fillRef>
-      <a:effectRef idx="0">
-        <a:scrgbClr r="0" g="0" b="0"/>
-      </a:effectRef>
-      <a:fontRef idx="minor">
-        <a:schemeClr val="lt1"/>
-      </a:fontRef>
-    </dgm:style>
-  </dgm:styleLbl>
-  <dgm:styleLbl name="parChTrans2D3">
-    <dgm:scene3d>
-      <a:camera prst="orthographicFront"/>
-      <a:lightRig rig="threePt" dir="t"/>
-    </dgm:scene3d>
-    <dgm:sp3d/>
-    <dgm:txPr/>
-    <dgm:style>
-      <a:lnRef idx="2">
-        <a:scrgbClr r="0" g="0" b="0"/>
-      </a:lnRef>
-      <a:fillRef idx="1">
-        <a:scrgbClr r="0" g="0" b="0"/>
-      </a:fillRef>
-      <a:effectRef idx="0">
-        <a:scrgbClr r="0" g="0" b="0"/>
-      </a:effectRef>
-      <a:fontRef idx="minor">
-        <a:schemeClr val="lt1"/>
-      </a:fontRef>
-    </dgm:style>
-  </dgm:styleLbl>
-  <dgm:styleLbl name="parChTrans2D4">
-    <dgm:scene3d>
-      <a:camera prst="orthographicFront"/>
-      <a:lightRig rig="threePt" dir="t"/>
-    </dgm:scene3d>
-    <dgm:sp3d/>
-    <dgm:txPr/>
-    <dgm:style>
-      <a:lnRef idx="2">
-        <a:scrgbClr r="0" g="0" b="0"/>
-      </a:lnRef>
-      <a:fillRef idx="1">
-        <a:scrgbClr r="0" g="0" b="0"/>
-      </a:fillRef>
-      <a:effectRef idx="0">
-        <a:scrgbClr r="0" g="0" b="0"/>
-      </a:effectRef>
-      <a:fontRef idx="minor">
-        <a:schemeClr val="lt1"/>
-      </a:fontRef>
-    </dgm:style>
-  </dgm:styleLbl>
-  <dgm:styleLbl name="parChTrans1D1">
-    <dgm:scene3d>
-      <a:camera prst="orthographicFront"/>
-      <a:lightRig rig="threePt" dir="t"/>
-    </dgm:scene3d>
-    <dgm:sp3d/>
-    <dgm:txPr/>
-    <dgm:style>
-      <a:lnRef idx="2">
-        <a:scrgbClr r="0" g="0" b="0"/>
-      </a:lnRef>
-      <a:fillRef idx="0">
-        <a:scrgbClr r="0" g="0" b="0"/>
-      </a:fillRef>
-      <a:effectRef idx="0">
-        <a:scrgbClr r="0" g="0" b="0"/>
-      </a:effectRef>
-      <a:fontRef idx="minor"/>
-    </dgm:style>
-  </dgm:styleLbl>
-  <dgm:styleLbl name="parChTrans1D2">
-    <dgm:scene3d>
-      <a:camera prst="orthographicFront"/>
-      <a:lightRig rig="threePt" dir="t"/>
-    </dgm:scene3d>
-    <dgm:sp3d/>
-    <dgm:txPr/>
-    <dgm:style>
-      <a:lnRef idx="2">
-        <a:scrgbClr r="0" g="0" b="0"/>
-      </a:lnRef>
-      <a:fillRef idx="0">
-        <a:scrgbClr r="0" g="0" b="0"/>
-      </a:fillRef>
-      <a:effectRef idx="0">
-        <a:scrgbClr r="0" g="0" b="0"/>
-      </a:effectRef>
-      <a:fontRef idx="minor"/>
-    </dgm:style>
-  </dgm:styleLbl>
-  <dgm:styleLbl name="parChTrans1D3">
-    <dgm:scene3d>
-      <a:camera prst="orthographicFront"/>
-      <a:lightRig rig="threePt" dir="t"/>
-    </dgm:scene3d>
-    <dgm:sp3d/>
-    <dgm:txPr/>
-    <dgm:style>
-      <a:lnRef idx="2">
-        <a:scrgbClr r="0" g="0" b="0"/>
-      </a:lnRef>
-      <a:fillRef idx="0">
-        <a:scrgbClr r="0" g="0" b="0"/>
-      </a:fillRef>
-      <a:effectRef idx="0">
-        <a:scrgbClr r="0" g="0" b="0"/>
-      </a:effectRef>
-      <a:fontRef idx="minor"/>
-    </dgm:style>
-  </dgm:styleLbl>
-  <dgm:styleLbl name="parChTrans1D4">
-    <dgm:scene3d>
-      <a:camera prst="orthographicFront"/>
-      <a:lightRig rig="threePt" dir="t"/>
-    </dgm:scene3d>
-    <dgm:sp3d/>
-    <dgm:txPr/>
-    <dgm:style>
-      <a:lnRef idx="2">
-        <a:scrgbClr r="0" g="0" b="0"/>
-      </a:lnRef>
-      <a:fillRef idx="0">
-        <a:scrgbClr r="0" g="0" b="0"/>
-      </a:fillRef>
-      <a:effectRef idx="0">
-        <a:scrgbClr r="0" g="0" b="0"/>
-      </a:effectRef>
-      <a:fontRef idx="minor"/>
-    </dgm:style>
-  </dgm:styleLbl>
-  <dgm:styleLbl name="fgAcc1">
-    <dgm:scene3d>
-      <a:camera prst="orthographicFront"/>
-      <a:lightRig rig="threePt" dir="t"/>
-    </dgm:scene3d>
-    <dgm:sp3d/>
-    <dgm:txPr/>
-    <dgm:style>
-      <a:lnRef idx="2">
-        <a:scrgbClr r="0" g="0" b="0"/>
-      </a:lnRef>
-      <a:fillRef idx="1">
-        <a:scrgbClr r="0" g="0" b="0"/>
-      </a:fillRef>
-      <a:effectRef idx="0">
-        <a:scrgbClr r="0" g="0" b="0"/>
-      </a:effectRef>
-      <a:fontRef idx="minor"/>
-    </dgm:style>
-  </dgm:styleLbl>
-  <dgm:styleLbl name="conFgAcc1">
-    <dgm:scene3d>
-      <a:camera prst="orthographicFront"/>
-      <a:lightRig rig="threePt" dir="t"/>
-    </dgm:scene3d>
-    <dgm:sp3d/>
-    <dgm:txPr/>
-    <dgm:style>
-      <a:lnRef idx="2">
-        <a:scrgbClr r="0" g="0" b="0"/>
-      </a:lnRef>
-      <a:fillRef idx="1">
-        <a:scrgbClr r="0" g="0" b="0"/>
-      </a:fillRef>
-      <a:effectRef idx="0">
-        <a:scrgbClr r="0" g="0" b="0"/>
-      </a:effectRef>
-      <a:fontRef idx="minor"/>
-    </dgm:style>
-  </dgm:styleLbl>
-  <dgm:styleLbl name="alignAcc1">
-    <dgm:scene3d>
-      <a:camera prst="orthographicFront"/>
-      <a:lightRig rig="threePt" dir="t"/>
-    </dgm:scene3d>
-    <dgm:sp3d/>
-    <dgm:txPr/>
-    <dgm:style>
-      <a:lnRef idx="2">
-        <a:scrgbClr r="0" g="0" b="0"/>
-      </a:lnRef>
-      <a:fillRef idx="1">
-        <a:scrgbClr r="0" g="0" b="0"/>
-      </a:fillRef>
-      <a:effectRef idx="0">
-        <a:scrgbClr r="0" g="0" b="0"/>
-      </a:effectRef>
-      <a:fontRef idx="minor"/>
-    </dgm:style>
-  </dgm:styleLbl>
-  <dgm:styleLbl name="trAlignAcc1">
-    <dgm:scene3d>
-      <a:camera prst="orthographicFront"/>
-      <a:lightRig rig="threePt" dir="t"/>
-    </dgm:scene3d>
-    <dgm:sp3d/>
-    <dgm:txPr/>
-    <dgm:style>
-      <a:lnRef idx="1">
-        <a:scrgbClr r="0" g="0" b="0"/>
-      </a:lnRef>
-      <a:fillRef idx="1">
-        <a:scrgbClr r="0" g="0" b="0"/>
-      </a:fillRef>
-      <a:effectRef idx="0">
-        <a:scrgbClr r="0" g="0" b="0"/>
-      </a:effectRef>
-      <a:fontRef idx="minor"/>
-    </dgm:style>
-  </dgm:styleLbl>
-  <dgm:styleLbl name="bgAcc1">
-    <dgm:scene3d>
-      <a:camera prst="orthographicFront"/>
-      <a:lightRig rig="threePt" dir="t"/>
-    </dgm:scene3d>
-    <dgm:sp3d/>
-    <dgm:txPr/>
-    <dgm:style>
-      <a:lnRef idx="2">
-        <a:scrgbClr r="0" g="0" b="0"/>
-      </a:lnRef>
-      <a:fillRef idx="1">
-        <a:scrgbClr r="0" g="0" b="0"/>
-      </a:fillRef>
-      <a:effectRef idx="0">
-        <a:scrgbClr r="0" g="0" b="0"/>
-      </a:effectRef>
-      <a:fontRef idx="minor"/>
-    </dgm:style>
-  </dgm:styleLbl>
-  <dgm:styleLbl name="solidFgAcc1">
-    <dgm:scene3d>
-      <a:camera prst="orthographicFront"/>
-      <a:lightRig rig="threePt" dir="t"/>
-    </dgm:scene3d>
-    <dgm:sp3d/>
-    <dgm:txPr/>
-    <dgm:style>
-      <a:lnRef idx="2">
-        <a:scrgbClr r="0" g="0" b="0"/>
-      </a:lnRef>
-      <a:fillRef idx="1">
-        <a:scrgbClr r="0" g="0" b="0"/>
-      </a:fillRef>
-      <a:effectRef idx="0">
-        <a:scrgbClr r="0" g="0" b="0"/>
-      </a:effectRef>
-      <a:fontRef idx="minor"/>
-    </dgm:style>
-  </dgm:styleLbl>
-  <dgm:styleLbl name="solidAlignAcc1">
-    <dgm:scene3d>
-      <a:camera prst="orthographicFront"/>
-      <a:lightRig rig="threePt" dir="t"/>
-    </dgm:scene3d>
-    <dgm:sp3d/>
-    <dgm:txPr/>
-    <dgm:style>
-      <a:lnRef idx="2">
-        <a:scrgbClr r="0" g="0" b="0"/>
-      </a:lnRef>
-      <a:fillRef idx="1">
-        <a:scrgbClr r="0" g="0" b="0"/>
-      </a:fillRef>
-      <a:effectRef idx="0">
-        <a:scrgbClr r="0" g="0" b="0"/>
-      </a:effectRef>
-      <a:fontRef idx="minor"/>
-    </dgm:style>
-  </dgm:styleLbl>
-  <dgm:styleLbl name="solidBgAcc1">
-    <dgm:scene3d>
-      <a:camera prst="orthographicFront"/>
-      <a:lightRig rig="threePt" dir="t"/>
-    </dgm:scene3d>
-    <dgm:sp3d/>
-    <dgm:txPr/>
-    <dgm:style>
-      <a:lnRef idx="2">
-        <a:scrgbClr r="0" g="0" b="0"/>
-      </a:lnRef>
-      <a:fillRef idx="1">
-        <a:scrgbClr r="0" g="0" b="0"/>
-      </a:fillRef>
-      <a:effectRef idx="0">
-        <a:scrgbClr r="0" g="0" b="0"/>
-      </a:effectRef>
-      <a:fontRef idx="minor"/>
-    </dgm:style>
-  </dgm:styleLbl>
-  <dgm:styleLbl name="fgAccFollowNode1">
-    <dgm:scene3d>
-      <a:camera prst="orthographicFront"/>
-      <a:lightRig rig="threePt" dir="t"/>
-    </dgm:scene3d>
-    <dgm:sp3d/>
-    <dgm:txPr/>
-    <dgm:style>
-      <a:lnRef idx="2">
-        <a:scrgbClr r="0" g="0" b="0"/>
-      </a:lnRef>
-      <a:fillRef idx="1">
-        <a:scrgbClr r="0" g="0" b="0"/>
-      </a:fillRef>
-      <a:effectRef idx="0">
-        <a:scrgbClr r="0" g="0" b="0"/>
-      </a:effectRef>
-      <a:fontRef idx="minor"/>
-    </dgm:style>
-  </dgm:styleLbl>
-  <dgm:styleLbl name="alignAccFollowNode1">
-    <dgm:scene3d>
-      <a:camera prst="orthographicFront"/>
-      <a:lightRig rig="threePt" dir="t"/>
-    </dgm:scene3d>
-    <dgm:sp3d/>
-    <dgm:txPr/>
-    <dgm:style>
-      <a:lnRef idx="2">
-        <a:scrgbClr r="0" g="0" b="0"/>
-      </a:lnRef>
-      <a:fillRef idx="1">
-        <a:scrgbClr r="0" g="0" b="0"/>
-      </a:fillRef>
-      <a:effectRef idx="0">
-        <a:scrgbClr r="0" g="0" b="0"/>
-      </a:effectRef>
-      <a:fontRef idx="minor"/>
-    </dgm:style>
-  </dgm:styleLbl>
-  <dgm:styleLbl name="bgAccFollowNode1">
-    <dgm:scene3d>
-      <a:camera prst="orthographicFront"/>
-      <a:lightRig rig="threePt" dir="t"/>
-    </dgm:scene3d>
-    <dgm:sp3d/>
-    <dgm:txPr/>
-    <dgm:style>
-      <a:lnRef idx="2">
-        <a:scrgbClr r="0" g="0" b="0"/>
-      </a:lnRef>
-      <a:fillRef idx="1">
-        <a:scrgbClr r="0" g="0" b="0"/>
-      </a:fillRef>
-      <a:effectRef idx="0">
-        <a:scrgbClr r="0" g="0" b="0"/>
-      </a:effectRef>
-      <a:fontRef idx="minor"/>
-    </dgm:style>
-  </dgm:styleLbl>
-  <dgm:styleLbl name="fgAcc0">
-    <dgm:scene3d>
-      <a:camera prst="orthographicFront"/>
-      <a:lightRig rig="threePt" dir="t"/>
-    </dgm:scene3d>
-    <dgm:sp3d/>
-    <dgm:txPr/>
-    <dgm:style>
-      <a:lnRef idx="2">
-        <a:scrgbClr r="0" g="0" b="0"/>
-      </a:lnRef>
-      <a:fillRef idx="1">
-        <a:scrgbClr r="0" g="0" b="0"/>
-      </a:fillRef>
-      <a:effectRef idx="0">
-        <a:scrgbClr r="0" g="0" b="0"/>
-      </a:effectRef>
-      <a:fontRef idx="minor"/>
-    </dgm:style>
-  </dgm:styleLbl>
-  <dgm:styleLbl name="fgAcc2">
-    <dgm:scene3d>
-      <a:camera prst="orthographicFront"/>
-      <a:lightRig rig="threePt" dir="t"/>
-    </dgm:scene3d>
-    <dgm:sp3d/>
-    <dgm:txPr/>
-    <dgm:style>
-      <a:lnRef idx="2">
-        <a:scrgbClr r="0" g="0" b="0"/>
-      </a:lnRef>
-      <a:fillRef idx="1">
-        <a:scrgbClr r="0" g="0" b="0"/>
-      </a:fillRef>
-      <a:effectRef idx="0">
-        <a:scrgbClr r="0" g="0" b="0"/>
-      </a:effectRef>
-      <a:fontRef idx="minor"/>
-    </dgm:style>
-  </dgm:styleLbl>
-  <dgm:styleLbl name="fgAcc3">
-    <dgm:scene3d>
-      <a:camera prst="orthographicFront"/>
-      <a:lightRig rig="threePt" dir="t"/>
-    </dgm:scene3d>
-    <dgm:sp3d/>
-    <dgm:txPr/>
-    <dgm:style>
-      <a:lnRef idx="2">
-        <a:scrgbClr r="0" g="0" b="0"/>
-      </a:lnRef>
-      <a:fillRef idx="1">
-        <a:scrgbClr r="0" g="0" b="0"/>
-      </a:fillRef>
-      <a:effectRef idx="0">
-        <a:scrgbClr r="0" g="0" b="0"/>
-      </a:effectRef>
-      <a:fontRef idx="minor"/>
-    </dgm:style>
-  </dgm:styleLbl>
-  <dgm:styleLbl name="fgAcc4">
-    <dgm:scene3d>
-      <a:camera prst="orthographicFront"/>
-      <a:lightRig rig="threePt" dir="t"/>
-    </dgm:scene3d>
-    <dgm:sp3d/>
-    <dgm:txPr/>
-    <dgm:style>
-      <a:lnRef idx="2">
-        <a:scrgbClr r="0" g="0" b="0"/>
-      </a:lnRef>
-      <a:fillRef idx="1">
-        <a:scrgbClr r="0" g="0" b="0"/>
-      </a:fillRef>
-      <a:effectRef idx="0">
-        <a:scrgbClr r="0" g="0" b="0"/>
-      </a:effectRef>
-      <a:fontRef idx="minor"/>
-    </dgm:style>
-  </dgm:styleLbl>
-  <dgm:styleLbl name="bgShp">
-    <dgm:scene3d>
-      <a:camera prst="orthographicFront"/>
-      <a:lightRig rig="threePt" dir="t"/>
-    </dgm:scene3d>
-    <dgm:sp3d/>
-    <dgm:txPr/>
-    <dgm:style>
-      <a:lnRef idx="0">
-        <a:scrgbClr r="0" g="0" b="0"/>
-      </a:lnRef>
-      <a:fillRef idx="1">
-        <a:scrgbClr r="0" g="0" b="0"/>
-      </a:fillRef>
-      <a:effectRef idx="0">
-        <a:scrgbClr r="0" g="0" b="0"/>
-      </a:effectRef>
-      <a:fontRef idx="minor"/>
-    </dgm:style>
-  </dgm:styleLbl>
-  <dgm:styleLbl name="dkBgShp">
-    <dgm:scene3d>
-      <a:camera prst="orthographicFront"/>
-      <a:lightRig rig="threePt" dir="t"/>
-    </dgm:scene3d>
-    <dgm:sp3d/>
-    <dgm:txPr/>
-    <dgm:style>
-      <a:lnRef idx="0">
-        <a:scrgbClr r="0" g="0" b="0"/>
-      </a:lnRef>
-      <a:fillRef idx="1">
-        <a:scrgbClr r="0" g="0" b="0"/>
-      </a:fillRef>
-      <a:effectRef idx="0">
-        <a:scrgbClr r="0" g="0" b="0"/>
-      </a:effectRef>
-      <a:fontRef idx="minor"/>
-    </dgm:style>
-  </dgm:styleLbl>
-  <dgm:styleLbl name="trBgShp">
-    <dgm:scene3d>
-      <a:camera prst="orthographicFront"/>
-      <a:lightRig rig="threePt" dir="t"/>
-    </dgm:scene3d>
-    <dgm:sp3d/>
-    <dgm:txPr/>
-    <dgm:style>
-      <a:lnRef idx="0">
-        <a:scrgbClr r="0" g="0" b="0"/>
-      </a:lnRef>
-      <a:fillRef idx="1">
-        <a:scrgbClr r="0" g="0" b="0"/>
-      </a:fillRef>
-      <a:effectRef idx="0">
-        <a:scrgbClr r="0" g="0" b="0"/>
-      </a:effectRef>
-      <a:fontRef idx="minor"/>
-    </dgm:style>
-  </dgm:styleLbl>
-  <dgm:styleLbl name="fgShp">
-    <dgm:scene3d>
-      <a:camera prst="orthographicFront"/>
-      <a:lightRig rig="threePt" dir="t"/>
-    </dgm:scene3d>
-    <dgm:sp3d/>
-    <dgm:txPr/>
-    <dgm:style>
-      <a:lnRef idx="2">
-        <a:scrgbClr r="0" g="0" b="0"/>
-      </a:lnRef>
-      <a:fillRef idx="1">
-        <a:scrgbClr r="0" g="0" b="0"/>
-      </a:fillRef>
-      <a:effectRef idx="0">
-        <a:scrgbClr r="0" g="0" b="0"/>
-      </a:effectRef>
-      <a:fontRef idx="minor"/>
-    </dgm:style>
-  </dgm:styleLbl>
-  <dgm:styleLbl name="revTx">
-    <dgm:scene3d>
-      <a:camera prst="orthographicFront"/>
-      <a:lightRig rig="threePt" dir="t"/>
-    </dgm:scene3d>
-    <dgm:sp3d/>
-    <dgm:txPr/>
-    <dgm:style>
-      <a:lnRef idx="0">
-        <a:scrgbClr r="0" g="0" b="0"/>
-      </a:lnRef>
-      <a:fillRef idx="0">
-        <a:scrgbClr r="0" g="0" b="0"/>
-      </a:fillRef>
-      <a:effectRef idx="0">
-        <a:scrgbClr r="0" g="0" b="0"/>
-      </a:effectRef>
-      <a:fontRef idx="minor"/>
-    </dgm:style>
-  </dgm:styleLbl>
-</dgm:styleDef>
 </file>
 
 <file path=ppt/notesMasters/notesMaster1.xml><?xml version="1.0" encoding="utf-8"?>
@@ -7607,7 +1873,7 @@
     </p:spTree>
     <p:extLst>
       <p:ext uri="{BB962C8B-B14F-4D97-AF65-F5344CB8AC3E}">
-        <p14:creationId xmlns:p14="http://schemas.microsoft.com/office/powerpoint/2010/main" val="3581407143"/>
+        <p14:creationId xmlns:p14="http://schemas.microsoft.com/office/powerpoint/2010/main" val="204100699"/>
       </p:ext>
     </p:extLst>
   </p:cSld>
@@ -8318,115 +2584,6 @@
     <p:extLst>
       <p:ext uri="{BB962C8B-B14F-4D97-AF65-F5344CB8AC3E}">
         <p14:creationId xmlns:p14="http://schemas.microsoft.com/office/powerpoint/2010/main" val="2155561653"/>
-      </p:ext>
-    </p:extLst>
-  </p:cSld>
-  <p:clrMapOvr>
-    <a:masterClrMapping/>
-  </p:clrMapOvr>
-</p:notes>
-</file>
-
-<file path=ppt/notesSlides/notesSlide23.xml><?xml version="1.0" encoding="utf-8"?>
-<p:notes xmlns:a="http://schemas.openxmlformats.org/drawingml/2006/main" xmlns:r="http://schemas.openxmlformats.org/officeDocument/2006/relationships" xmlns:p="http://schemas.openxmlformats.org/presentationml/2006/main" showMasterSp="0" showMasterPhAnim="0">
-  <p:cSld>
-    <p:spTree>
-      <p:nvGrpSpPr>
-        <p:cNvPr id="1" name="Shape 170"/>
-        <p:cNvGrpSpPr/>
-        <p:nvPr/>
-      </p:nvGrpSpPr>
-      <p:grpSpPr>
-        <a:xfrm>
-          <a:off x="0" y="0"/>
-          <a:ext cx="0" cy="0"/>
-          <a:chOff x="0" y="0"/>
-          <a:chExt cx="0" cy="0"/>
-        </a:xfrm>
-      </p:grpSpPr>
-      <p:sp>
-        <p:nvSpPr>
-          <p:cNvPr id="171" name="Google Shape;171;g4d674af0e7_0_152:notes"/>
-          <p:cNvSpPr>
-            <a:spLocks noGrp="1" noRot="1" noChangeAspect="1"/>
-          </p:cNvSpPr>
-          <p:nvPr>
-            <p:ph type="sldImg" idx="2"/>
-          </p:nvPr>
-        </p:nvSpPr>
-        <p:spPr>
-          <a:xfrm>
-            <a:off x="381000" y="685800"/>
-            <a:ext cx="6096000" cy="3429000"/>
-          </a:xfrm>
-          <a:custGeom>
-            <a:avLst/>
-            <a:gdLst/>
-            <a:ahLst/>
-            <a:cxnLst/>
-            <a:rect l="l" t="t" r="r" b="b"/>
-            <a:pathLst>
-              <a:path w="120000" h="120000" extrusionOk="0">
-                <a:moveTo>
-                  <a:pt x="0" y="0"/>
-                </a:moveTo>
-                <a:lnTo>
-                  <a:pt x="120000" y="0"/>
-                </a:lnTo>
-                <a:lnTo>
-                  <a:pt x="120000" y="120000"/>
-                </a:lnTo>
-                <a:lnTo>
-                  <a:pt x="0" y="120000"/>
-                </a:lnTo>
-                <a:close/>
-              </a:path>
-            </a:pathLst>
-          </a:custGeom>
-        </p:spPr>
-      </p:sp>
-      <p:sp>
-        <p:nvSpPr>
-          <p:cNvPr id="172" name="Google Shape;172;g4d674af0e7_0_152:notes"/>
-          <p:cNvSpPr txBox="1">
-            <a:spLocks noGrp="1"/>
-          </p:cNvSpPr>
-          <p:nvPr>
-            <p:ph type="body" idx="1"/>
-          </p:nvPr>
-        </p:nvSpPr>
-        <p:spPr>
-          <a:xfrm>
-            <a:off x="685800" y="4343400"/>
-            <a:ext cx="5486400" cy="4114800"/>
-          </a:xfrm>
-          <a:prstGeom prst="rect">
-            <a:avLst/>
-          </a:prstGeom>
-        </p:spPr>
-        <p:txBody>
-          <a:bodyPr spcFirstLastPara="1" wrap="square" lIns="91425" tIns="91425" rIns="91425" bIns="91425" anchor="t" anchorCtr="0">
-            <a:noAutofit/>
-          </a:bodyPr>
-          <a:lstStyle/>
-          <a:p>
-            <a:pPr marL="0" lvl="0" indent="0" algn="l" rtl="0">
-              <a:spcBef>
-                <a:spcPts val="0"/>
-              </a:spcBef>
-              <a:spcAft>
-                <a:spcPts val="0"/>
-              </a:spcAft>
-              <a:buNone/>
-            </a:pPr>
-            <a:endParaRPr/>
-          </a:p>
-        </p:txBody>
-      </p:sp>
-    </p:spTree>
-    <p:extLst>
-      <p:ext uri="{BB962C8B-B14F-4D97-AF65-F5344CB8AC3E}">
-        <p14:creationId xmlns:p14="http://schemas.microsoft.com/office/powerpoint/2010/main" val="2935527824"/>
       </p:ext>
     </p:extLst>
   </p:cSld>
@@ -19166,7 +13323,7 @@
         </p:blipFill>
         <p:spPr>
           <a:xfrm>
-            <a:off x="1572161" y="3822464"/>
+            <a:off x="1637589" y="3529268"/>
             <a:ext cx="918004" cy="918004"/>
           </a:xfrm>
           <a:prstGeom prst="rect">
@@ -26705,7 +20862,7 @@
         </p:nvSpPr>
         <p:spPr>
           <a:xfrm>
-            <a:off x="4306517" y="1959988"/>
+            <a:off x="4868492" y="2007613"/>
             <a:ext cx="1853392" cy="307777"/>
           </a:xfrm>
           <a:prstGeom prst="rect">
@@ -26745,7 +20902,7 @@
         </p:nvSpPr>
         <p:spPr>
           <a:xfrm>
-            <a:off x="6501915" y="1966292"/>
+            <a:off x="7054365" y="2004392"/>
             <a:ext cx="1822935" cy="307777"/>
           </a:xfrm>
           <a:prstGeom prst="rect">
@@ -26785,7 +20942,7 @@
         </p:nvGrpSpPr>
         <p:grpSpPr>
           <a:xfrm>
-            <a:off x="4572000" y="2571750"/>
+            <a:off x="5124450" y="2609850"/>
             <a:ext cx="1199980" cy="1188000"/>
             <a:chOff x="4384987" y="2603709"/>
             <a:chExt cx="1199980" cy="1188000"/>
@@ -26960,7 +21117,7 @@
         </p:nvGrpSpPr>
         <p:grpSpPr>
           <a:xfrm>
-            <a:off x="6813392" y="2571750"/>
+            <a:off x="7365842" y="2609850"/>
             <a:ext cx="1199980" cy="1188000"/>
             <a:chOff x="4384987" y="2603709"/>
             <a:chExt cx="1199980" cy="1188000"/>
@@ -27127,6 +21284,210 @@
           </p:style>
         </p:cxnSp>
       </p:grpSp>
+      <p:cxnSp>
+        <p:nvCxnSpPr>
+          <p:cNvPr id="54" name="直線接點 53">
+            <a:extLst>
+              <a:ext uri="{FF2B5EF4-FFF2-40B4-BE49-F238E27FC236}">
+                <a16:creationId xmlns:a16="http://schemas.microsoft.com/office/drawing/2014/main" id="{CCEC9516-DD66-4950-B7E4-A14B8E642EB1}"/>
+              </a:ext>
+            </a:extLst>
+          </p:cNvPr>
+          <p:cNvCxnSpPr/>
+          <p:nvPr/>
+        </p:nvCxnSpPr>
+        <p:spPr>
+          <a:xfrm>
+            <a:off x="4177196" y="2776594"/>
+            <a:ext cx="4692580" cy="0"/>
+          </a:xfrm>
+          <a:prstGeom prst="line">
+            <a:avLst/>
+          </a:prstGeom>
+        </p:spPr>
+        <p:style>
+          <a:lnRef idx="1">
+            <a:schemeClr val="accent5"/>
+          </a:lnRef>
+          <a:fillRef idx="0">
+            <a:schemeClr val="accent5"/>
+          </a:fillRef>
+          <a:effectRef idx="0">
+            <a:schemeClr val="accent5"/>
+          </a:effectRef>
+          <a:fontRef idx="minor">
+            <a:schemeClr val="tx1"/>
+          </a:fontRef>
+        </p:style>
+      </p:cxnSp>
+      <p:cxnSp>
+        <p:nvCxnSpPr>
+          <p:cNvPr id="55" name="直線接點 54">
+            <a:extLst>
+              <a:ext uri="{FF2B5EF4-FFF2-40B4-BE49-F238E27FC236}">
+                <a16:creationId xmlns:a16="http://schemas.microsoft.com/office/drawing/2014/main" id="{F73DEDF2-DA4A-47EB-91ED-1BB4314217CC}"/>
+              </a:ext>
+            </a:extLst>
+          </p:cNvPr>
+          <p:cNvCxnSpPr/>
+          <p:nvPr/>
+        </p:nvCxnSpPr>
+        <p:spPr>
+          <a:xfrm>
+            <a:off x="4177198" y="3699227"/>
+            <a:ext cx="4692580" cy="0"/>
+          </a:xfrm>
+          <a:prstGeom prst="line">
+            <a:avLst/>
+          </a:prstGeom>
+        </p:spPr>
+        <p:style>
+          <a:lnRef idx="1">
+            <a:schemeClr val="accent5"/>
+          </a:lnRef>
+          <a:fillRef idx="0">
+            <a:schemeClr val="accent5"/>
+          </a:fillRef>
+          <a:effectRef idx="0">
+            <a:schemeClr val="accent5"/>
+          </a:effectRef>
+          <a:fontRef idx="minor">
+            <a:schemeClr val="tx1"/>
+          </a:fontRef>
+        </p:style>
+      </p:cxnSp>
+      <p:sp>
+        <p:nvSpPr>
+          <p:cNvPr id="56" name="文字方塊 55">
+            <a:extLst>
+              <a:ext uri="{FF2B5EF4-FFF2-40B4-BE49-F238E27FC236}">
+                <a16:creationId xmlns:a16="http://schemas.microsoft.com/office/drawing/2014/main" id="{F339F3F1-818B-4EF7-A089-9E0B3C4666E6}"/>
+              </a:ext>
+            </a:extLst>
+          </p:cNvPr>
+          <p:cNvSpPr txBox="1"/>
+          <p:nvPr/>
+        </p:nvSpPr>
+        <p:spPr>
+          <a:xfrm>
+            <a:off x="4106568" y="2473168"/>
+            <a:ext cx="801823" cy="307777"/>
+          </a:xfrm>
+          <a:prstGeom prst="rect">
+            <a:avLst/>
+          </a:prstGeom>
+          <a:noFill/>
+        </p:spPr>
+        <p:txBody>
+          <a:bodyPr wrap="none" rtlCol="0">
+            <a:spAutoFit/>
+          </a:bodyPr>
+          <a:lstStyle/>
+          <a:p>
+            <a:r>
+              <a:rPr lang="en-US" altLang="zh-TW" dirty="0"/>
+              <a:t>Stage</a:t>
+            </a:r>
+            <a:r>
+              <a:rPr lang="zh-TW" altLang="en-US" dirty="0"/>
+              <a:t> </a:t>
+            </a:r>
+            <a:r>
+              <a:rPr lang="en-US" altLang="zh-TW" dirty="0"/>
+              <a:t>1</a:t>
+            </a:r>
+            <a:endParaRPr lang="zh-TW" altLang="en-US" dirty="0"/>
+          </a:p>
+        </p:txBody>
+      </p:sp>
+      <p:sp>
+        <p:nvSpPr>
+          <p:cNvPr id="57" name="文字方塊 56">
+            <a:extLst>
+              <a:ext uri="{FF2B5EF4-FFF2-40B4-BE49-F238E27FC236}">
+                <a16:creationId xmlns:a16="http://schemas.microsoft.com/office/drawing/2014/main" id="{679C16BC-DF4D-4D9C-B0E9-55B441B6DA79}"/>
+              </a:ext>
+            </a:extLst>
+          </p:cNvPr>
+          <p:cNvSpPr txBox="1"/>
+          <p:nvPr/>
+        </p:nvSpPr>
+        <p:spPr>
+          <a:xfrm>
+            <a:off x="4106568" y="3080578"/>
+            <a:ext cx="801823" cy="307777"/>
+          </a:xfrm>
+          <a:prstGeom prst="rect">
+            <a:avLst/>
+          </a:prstGeom>
+          <a:noFill/>
+        </p:spPr>
+        <p:txBody>
+          <a:bodyPr wrap="none" rtlCol="0">
+            <a:spAutoFit/>
+          </a:bodyPr>
+          <a:lstStyle/>
+          <a:p>
+            <a:r>
+              <a:rPr lang="en-US" altLang="zh-TW" dirty="0"/>
+              <a:t>Stage</a:t>
+            </a:r>
+            <a:r>
+              <a:rPr lang="zh-TW" altLang="en-US" dirty="0"/>
+              <a:t> </a:t>
+            </a:r>
+            <a:r>
+              <a:rPr lang="en-US" altLang="zh-TW" dirty="0"/>
+              <a:t>2</a:t>
+            </a:r>
+            <a:endParaRPr lang="zh-TW" altLang="en-US" dirty="0"/>
+          </a:p>
+        </p:txBody>
+      </p:sp>
+      <p:sp>
+        <p:nvSpPr>
+          <p:cNvPr id="58" name="文字方塊 57">
+            <a:extLst>
+              <a:ext uri="{FF2B5EF4-FFF2-40B4-BE49-F238E27FC236}">
+                <a16:creationId xmlns:a16="http://schemas.microsoft.com/office/drawing/2014/main" id="{792CE03E-CE6F-409C-AF4C-A06D38A89762}"/>
+              </a:ext>
+            </a:extLst>
+          </p:cNvPr>
+          <p:cNvSpPr txBox="1"/>
+          <p:nvPr/>
+        </p:nvSpPr>
+        <p:spPr>
+          <a:xfrm>
+            <a:off x="4102342" y="3776957"/>
+            <a:ext cx="801823" cy="307777"/>
+          </a:xfrm>
+          <a:prstGeom prst="rect">
+            <a:avLst/>
+          </a:prstGeom>
+          <a:noFill/>
+        </p:spPr>
+        <p:txBody>
+          <a:bodyPr wrap="none" rtlCol="0">
+            <a:spAutoFit/>
+          </a:bodyPr>
+          <a:lstStyle/>
+          <a:p>
+            <a:r>
+              <a:rPr lang="en-US" altLang="zh-TW" dirty="0"/>
+              <a:t>Stage</a:t>
+            </a:r>
+            <a:r>
+              <a:rPr lang="zh-TW" altLang="en-US" dirty="0"/>
+              <a:t> </a:t>
+            </a:r>
+            <a:r>
+              <a:rPr lang="en-US" altLang="zh-TW" dirty="0"/>
+              <a:t>3</a:t>
+            </a:r>
+            <a:endParaRPr lang="zh-TW" altLang="en-US" dirty="0"/>
+          </a:p>
+        </p:txBody>
+      </p:sp>
     </p:spTree>
     <p:extLst>
       <p:ext uri="{BB962C8B-B14F-4D97-AF65-F5344CB8AC3E}">
@@ -27159,6 +21520,423 @@
       </p:grpSpPr>
       <p:sp>
         <p:nvSpPr>
+          <p:cNvPr id="29" name="文字版面配置區 4">
+            <a:extLst>
+              <a:ext uri="{FF2B5EF4-FFF2-40B4-BE49-F238E27FC236}">
+                <a16:creationId xmlns:a16="http://schemas.microsoft.com/office/drawing/2014/main" id="{C7D4D2D2-F3FE-4941-867D-E388801AAE05}"/>
+              </a:ext>
+            </a:extLst>
+          </p:cNvPr>
+          <p:cNvSpPr txBox="1">
+            <a:spLocks/>
+          </p:cNvSpPr>
+          <p:nvPr/>
+        </p:nvSpPr>
+        <p:spPr>
+          <a:xfrm>
+            <a:off x="819150" y="1298962"/>
+            <a:ext cx="3376835" cy="3139764"/>
+          </a:xfrm>
+          <a:prstGeom prst="rect">
+            <a:avLst/>
+          </a:prstGeom>
+          <a:noFill/>
+          <a:ln>
+            <a:noFill/>
+          </a:ln>
+        </p:spPr>
+        <p:txBody>
+          <a:bodyPr spcFirstLastPara="1" wrap="square" lIns="91425" tIns="91425" rIns="91425" bIns="91425" anchor="t" anchorCtr="0"/>
+          <a:lstStyle>
+            <a:defPPr marR="0" lvl="0" algn="l" rtl="0">
+              <a:lnSpc>
+                <a:spcPct val="100000"/>
+              </a:lnSpc>
+              <a:spcBef>
+                <a:spcPts val="0"/>
+              </a:spcBef>
+              <a:spcAft>
+                <a:spcPts val="0"/>
+              </a:spcAft>
+            </a:defPPr>
+            <a:lvl1pPr marL="457200" marR="0" lvl="0" indent="-311150" algn="l" rtl="0">
+              <a:lnSpc>
+                <a:spcPct val="115000"/>
+              </a:lnSpc>
+              <a:spcBef>
+                <a:spcPts val="0"/>
+              </a:spcBef>
+              <a:spcAft>
+                <a:spcPts val="0"/>
+              </a:spcAft>
+              <a:buClr>
+                <a:schemeClr val="dk2"/>
+              </a:buClr>
+              <a:buSzPts val="1300"/>
+              <a:buFont typeface="Calibri"/>
+              <a:buChar char="●"/>
+              <a:defRPr sz="2000" b="0" i="0" u="none" strike="noStrike" cap="none">
+                <a:solidFill>
+                  <a:schemeClr val="dk2"/>
+                </a:solidFill>
+                <a:latin typeface="微軟正黑體" panose="020B0604030504040204" pitchFamily="34" charset="-120"/>
+                <a:ea typeface="微軟正黑體" panose="020B0604030504040204" pitchFamily="34" charset="-120"/>
+                <a:cs typeface="Calibri"/>
+                <a:sym typeface="Calibri"/>
+              </a:defRPr>
+            </a:lvl1pPr>
+            <a:lvl2pPr marL="914400" marR="0" lvl="1" indent="-298450" algn="l" rtl="0">
+              <a:lnSpc>
+                <a:spcPct val="115000"/>
+              </a:lnSpc>
+              <a:spcBef>
+                <a:spcPts val="1600"/>
+              </a:spcBef>
+              <a:spcAft>
+                <a:spcPts val="0"/>
+              </a:spcAft>
+              <a:buClr>
+                <a:schemeClr val="dk2"/>
+              </a:buClr>
+              <a:buSzPts val="1100"/>
+              <a:buFont typeface="Calibri"/>
+              <a:buChar char="○"/>
+              <a:defRPr sz="1100" b="0" i="0" u="none" strike="noStrike" cap="none">
+                <a:solidFill>
+                  <a:schemeClr val="dk2"/>
+                </a:solidFill>
+                <a:latin typeface="Calibri"/>
+                <a:ea typeface="Calibri"/>
+                <a:cs typeface="Calibri"/>
+                <a:sym typeface="Calibri"/>
+              </a:defRPr>
+            </a:lvl2pPr>
+            <a:lvl3pPr marL="1371600" marR="0" lvl="2" indent="-298450" algn="l" rtl="0">
+              <a:lnSpc>
+                <a:spcPct val="115000"/>
+              </a:lnSpc>
+              <a:spcBef>
+                <a:spcPts val="1600"/>
+              </a:spcBef>
+              <a:spcAft>
+                <a:spcPts val="0"/>
+              </a:spcAft>
+              <a:buClr>
+                <a:schemeClr val="dk2"/>
+              </a:buClr>
+              <a:buSzPts val="1100"/>
+              <a:buFont typeface="Calibri"/>
+              <a:buChar char="■"/>
+              <a:defRPr sz="1100" b="0" i="0" u="none" strike="noStrike" cap="none">
+                <a:solidFill>
+                  <a:schemeClr val="dk2"/>
+                </a:solidFill>
+                <a:latin typeface="Calibri"/>
+                <a:ea typeface="Calibri"/>
+                <a:cs typeface="Calibri"/>
+                <a:sym typeface="Calibri"/>
+              </a:defRPr>
+            </a:lvl3pPr>
+            <a:lvl4pPr marL="1828800" marR="0" lvl="3" indent="-298450" algn="l" rtl="0">
+              <a:lnSpc>
+                <a:spcPct val="115000"/>
+              </a:lnSpc>
+              <a:spcBef>
+                <a:spcPts val="1600"/>
+              </a:spcBef>
+              <a:spcAft>
+                <a:spcPts val="0"/>
+              </a:spcAft>
+              <a:buClr>
+                <a:schemeClr val="dk2"/>
+              </a:buClr>
+              <a:buSzPts val="1100"/>
+              <a:buFont typeface="Calibri"/>
+              <a:buChar char="●"/>
+              <a:defRPr sz="1100" b="0" i="0" u="none" strike="noStrike" cap="none">
+                <a:solidFill>
+                  <a:schemeClr val="dk2"/>
+                </a:solidFill>
+                <a:latin typeface="Calibri"/>
+                <a:ea typeface="Calibri"/>
+                <a:cs typeface="Calibri"/>
+                <a:sym typeface="Calibri"/>
+              </a:defRPr>
+            </a:lvl4pPr>
+            <a:lvl5pPr marL="2286000" marR="0" lvl="4" indent="-298450" algn="l" rtl="0">
+              <a:lnSpc>
+                <a:spcPct val="115000"/>
+              </a:lnSpc>
+              <a:spcBef>
+                <a:spcPts val="1600"/>
+              </a:spcBef>
+              <a:spcAft>
+                <a:spcPts val="0"/>
+              </a:spcAft>
+              <a:buClr>
+                <a:schemeClr val="dk2"/>
+              </a:buClr>
+              <a:buSzPts val="1100"/>
+              <a:buFont typeface="Calibri"/>
+              <a:buChar char="○"/>
+              <a:defRPr sz="1100" b="0" i="0" u="none" strike="noStrike" cap="none">
+                <a:solidFill>
+                  <a:schemeClr val="dk2"/>
+                </a:solidFill>
+                <a:latin typeface="Calibri"/>
+                <a:ea typeface="Calibri"/>
+                <a:cs typeface="Calibri"/>
+                <a:sym typeface="Calibri"/>
+              </a:defRPr>
+            </a:lvl5pPr>
+            <a:lvl6pPr marL="2743200" marR="0" lvl="5" indent="-298450" algn="l" rtl="0">
+              <a:lnSpc>
+                <a:spcPct val="115000"/>
+              </a:lnSpc>
+              <a:spcBef>
+                <a:spcPts val="1600"/>
+              </a:spcBef>
+              <a:spcAft>
+                <a:spcPts val="0"/>
+              </a:spcAft>
+              <a:buClr>
+                <a:schemeClr val="dk2"/>
+              </a:buClr>
+              <a:buSzPts val="1100"/>
+              <a:buFont typeface="Calibri"/>
+              <a:buChar char="■"/>
+              <a:defRPr sz="1100" b="0" i="0" u="none" strike="noStrike" cap="none">
+                <a:solidFill>
+                  <a:schemeClr val="dk2"/>
+                </a:solidFill>
+                <a:latin typeface="Calibri"/>
+                <a:ea typeface="Calibri"/>
+                <a:cs typeface="Calibri"/>
+                <a:sym typeface="Calibri"/>
+              </a:defRPr>
+            </a:lvl6pPr>
+            <a:lvl7pPr marL="3200400" marR="0" lvl="6" indent="-298450" algn="l" rtl="0">
+              <a:lnSpc>
+                <a:spcPct val="115000"/>
+              </a:lnSpc>
+              <a:spcBef>
+                <a:spcPts val="1600"/>
+              </a:spcBef>
+              <a:spcAft>
+                <a:spcPts val="0"/>
+              </a:spcAft>
+              <a:buClr>
+                <a:schemeClr val="dk2"/>
+              </a:buClr>
+              <a:buSzPts val="1100"/>
+              <a:buFont typeface="Calibri"/>
+              <a:buChar char="●"/>
+              <a:defRPr sz="1100" b="0" i="0" u="none" strike="noStrike" cap="none">
+                <a:solidFill>
+                  <a:schemeClr val="dk2"/>
+                </a:solidFill>
+                <a:latin typeface="Calibri"/>
+                <a:ea typeface="Calibri"/>
+                <a:cs typeface="Calibri"/>
+                <a:sym typeface="Calibri"/>
+              </a:defRPr>
+            </a:lvl7pPr>
+            <a:lvl8pPr marL="3657600" marR="0" lvl="7" indent="-298450" algn="l" rtl="0">
+              <a:lnSpc>
+                <a:spcPct val="115000"/>
+              </a:lnSpc>
+              <a:spcBef>
+                <a:spcPts val="1600"/>
+              </a:spcBef>
+              <a:spcAft>
+                <a:spcPts val="0"/>
+              </a:spcAft>
+              <a:buClr>
+                <a:schemeClr val="dk2"/>
+              </a:buClr>
+              <a:buSzPts val="1100"/>
+              <a:buFont typeface="Calibri"/>
+              <a:buChar char="○"/>
+              <a:defRPr sz="1100" b="0" i="0" u="none" strike="noStrike" cap="none">
+                <a:solidFill>
+                  <a:schemeClr val="dk2"/>
+                </a:solidFill>
+                <a:latin typeface="Calibri"/>
+                <a:ea typeface="Calibri"/>
+                <a:cs typeface="Calibri"/>
+                <a:sym typeface="Calibri"/>
+              </a:defRPr>
+            </a:lvl8pPr>
+            <a:lvl9pPr marL="4114800" marR="0" lvl="8" indent="-298450" algn="l" rtl="0">
+              <a:lnSpc>
+                <a:spcPct val="115000"/>
+              </a:lnSpc>
+              <a:spcBef>
+                <a:spcPts val="1600"/>
+              </a:spcBef>
+              <a:spcAft>
+                <a:spcPts val="1600"/>
+              </a:spcAft>
+              <a:buClr>
+                <a:schemeClr val="dk2"/>
+              </a:buClr>
+              <a:buSzPts val="1100"/>
+              <a:buFont typeface="Calibri"/>
+              <a:buChar char="■"/>
+              <a:defRPr sz="1100" b="0" i="0" u="none" strike="noStrike" cap="none">
+                <a:solidFill>
+                  <a:schemeClr val="dk2"/>
+                </a:solidFill>
+                <a:latin typeface="Calibri"/>
+                <a:ea typeface="Calibri"/>
+                <a:cs typeface="Calibri"/>
+                <a:sym typeface="Calibri"/>
+              </a:defRPr>
+            </a:lvl9pPr>
+          </a:lstStyle>
+          <a:p>
+            <a:r>
+              <a:rPr lang="zh-TW" altLang="en-US" dirty="0"/>
+              <a:t>清掃方式二 </a:t>
+            </a:r>
+            <a:r>
+              <a:rPr lang="en-US" altLang="zh-TW" dirty="0"/>
+              <a:t>:</a:t>
+            </a:r>
+            <a:r>
+              <a:rPr lang="zh-TW" altLang="en-US" dirty="0"/>
+              <a:t> </a:t>
+            </a:r>
+            <a:r>
+              <a:rPr lang="en-US" altLang="zh-TW" dirty="0"/>
+              <a:t>SWALK</a:t>
+            </a:r>
+          </a:p>
+          <a:p>
+            <a:r>
+              <a:rPr lang="zh-TW" altLang="en-US" dirty="0"/>
+              <a:t>流程 </a:t>
+            </a:r>
+            <a:r>
+              <a:rPr lang="en-US" altLang="zh-TW" dirty="0"/>
+              <a:t>:</a:t>
+            </a:r>
+            <a:r>
+              <a:rPr lang="zh-TW" altLang="en-US" dirty="0"/>
+              <a:t> </a:t>
+            </a:r>
+            <a:endParaRPr lang="en-US" altLang="zh-TW" dirty="0"/>
+          </a:p>
+          <a:p>
+            <a:pPr marL="720000" lvl="1">
+              <a:lnSpc>
+                <a:spcPct val="100000"/>
+              </a:lnSpc>
+              <a:spcBef>
+                <a:spcPts val="1200"/>
+              </a:spcBef>
+            </a:pPr>
+            <a:r>
+              <a:rPr lang="zh-TW" altLang="en-US" sz="1800" dirty="0">
+                <a:latin typeface="微軟正黑體" panose="020B0604030504040204" pitchFamily="34" charset="-120"/>
+                <a:ea typeface="微軟正黑體" panose="020B0604030504040204" pitchFamily="34" charset="-120"/>
+              </a:rPr>
+              <a:t>行走到牆就轉</a:t>
+            </a:r>
+            <a:r>
+              <a:rPr lang="en-US" altLang="zh-TW" sz="1800" dirty="0">
+                <a:latin typeface="微軟正黑體" panose="020B0604030504040204" pitchFamily="34" charset="-120"/>
+                <a:ea typeface="微軟正黑體" panose="020B0604030504040204" pitchFamily="34" charset="-120"/>
+              </a:rPr>
+              <a:t>90</a:t>
+            </a:r>
+            <a:r>
+              <a:rPr lang="zh-TW" altLang="en-US" sz="1800" dirty="0">
+                <a:latin typeface="微軟正黑體" panose="020B0604030504040204" pitchFamily="34" charset="-120"/>
+                <a:ea typeface="微軟正黑體" panose="020B0604030504040204" pitchFamily="34" charset="-120"/>
+              </a:rPr>
+              <a:t>度，再行走一小段，再轉</a:t>
+            </a:r>
+            <a:r>
+              <a:rPr lang="en-US" altLang="zh-TW" sz="1800" dirty="0">
+                <a:latin typeface="微軟正黑體" panose="020B0604030504040204" pitchFamily="34" charset="-120"/>
+                <a:ea typeface="微軟正黑體" panose="020B0604030504040204" pitchFamily="34" charset="-120"/>
+              </a:rPr>
+              <a:t>90</a:t>
+            </a:r>
+            <a:r>
+              <a:rPr lang="zh-TW" altLang="en-US" sz="1800" dirty="0">
+                <a:latin typeface="微軟正黑體" panose="020B0604030504040204" pitchFamily="34" charset="-120"/>
+                <a:ea typeface="微軟正黑體" panose="020B0604030504040204" pitchFamily="34" charset="-120"/>
+              </a:rPr>
+              <a:t>度</a:t>
+            </a:r>
+            <a:endParaRPr lang="en-US" altLang="zh-TW" sz="1800" dirty="0">
+              <a:latin typeface="微軟正黑體" panose="020B0604030504040204" pitchFamily="34" charset="-120"/>
+              <a:ea typeface="微軟正黑體" panose="020B0604030504040204" pitchFamily="34" charset="-120"/>
+            </a:endParaRPr>
+          </a:p>
+          <a:p>
+            <a:pPr marL="720000" lvl="1">
+              <a:lnSpc>
+                <a:spcPct val="100000"/>
+              </a:lnSpc>
+              <a:spcBef>
+                <a:spcPts val="1200"/>
+              </a:spcBef>
+            </a:pPr>
+            <a:r>
+              <a:rPr lang="zh-TW" altLang="en-US" sz="1800" dirty="0">
+                <a:latin typeface="微軟正黑體" panose="020B0604030504040204" pitchFamily="34" charset="-120"/>
+                <a:ea typeface="微軟正黑體" panose="020B0604030504040204" pitchFamily="34" charset="-120"/>
+              </a:rPr>
+              <a:t>記錄遇牆次數，並多轉</a:t>
+            </a:r>
+            <a:r>
+              <a:rPr lang="en-US" altLang="zh-TW" sz="1800" dirty="0">
+                <a:latin typeface="微軟正黑體" panose="020B0604030504040204" pitchFamily="34" charset="-120"/>
+                <a:ea typeface="微軟正黑體" panose="020B0604030504040204" pitchFamily="34" charset="-120"/>
+              </a:rPr>
+              <a:t>90</a:t>
+            </a:r>
+            <a:r>
+              <a:rPr lang="zh-TW" altLang="en-US" sz="1800" dirty="0">
+                <a:latin typeface="微軟正黑體" panose="020B0604030504040204" pitchFamily="34" charset="-120"/>
+                <a:ea typeface="微軟正黑體" panose="020B0604030504040204" pitchFamily="34" charset="-120"/>
+              </a:rPr>
+              <a:t>度，然後隨機修改</a:t>
+            </a:r>
+            <a:r>
+              <a:rPr lang="en-US" altLang="zh-TW" sz="1800" dirty="0" err="1">
+                <a:latin typeface="微軟正黑體" panose="020B0604030504040204" pitchFamily="34" charset="-120"/>
+                <a:ea typeface="微軟正黑體" panose="020B0604030504040204" pitchFamily="34" charset="-120"/>
+              </a:rPr>
+              <a:t>Swalk_direction</a:t>
+            </a:r>
+            <a:endParaRPr lang="en-US" altLang="zh-TW" sz="1800" dirty="0">
+              <a:latin typeface="微軟正黑體" panose="020B0604030504040204" pitchFamily="34" charset="-120"/>
+              <a:ea typeface="微軟正黑體" panose="020B0604030504040204" pitchFamily="34" charset="-120"/>
+            </a:endParaRPr>
+          </a:p>
+          <a:p>
+            <a:pPr marL="146050" indent="0">
+              <a:buNone/>
+            </a:pPr>
+            <a:endParaRPr lang="en-US" altLang="zh-TW" dirty="0"/>
+          </a:p>
+          <a:p>
+            <a:endParaRPr lang="en-US" altLang="zh-TW" dirty="0"/>
+          </a:p>
+          <a:p>
+            <a:endParaRPr lang="en-US" altLang="zh-TW" dirty="0"/>
+          </a:p>
+          <a:p>
+            <a:endParaRPr lang="zh-TW" altLang="en-US" dirty="0"/>
+          </a:p>
+        </p:txBody>
+      </p:sp>
+      <p:sp>
+        <p:nvSpPr>
           <p:cNvPr id="149" name="Google Shape;149;p16"/>
           <p:cNvSpPr txBox="1">
             <a:spLocks noGrp="1"/>
@@ -27252,7 +22030,7 @@
         </p:nvSpPr>
         <p:spPr>
           <a:xfrm>
-            <a:off x="4306517" y="1959988"/>
+            <a:off x="4868492" y="2007613"/>
             <a:ext cx="1853392" cy="307777"/>
           </a:xfrm>
           <a:prstGeom prst="rect">
@@ -27292,7 +22070,7 @@
         </p:nvSpPr>
         <p:spPr>
           <a:xfrm>
-            <a:off x="6501915" y="1966292"/>
+            <a:off x="7054365" y="2004392"/>
             <a:ext cx="1822935" cy="307777"/>
           </a:xfrm>
           <a:prstGeom prst="rect">
@@ -27332,7 +22110,7 @@
         </p:nvGrpSpPr>
         <p:grpSpPr>
           <a:xfrm>
-            <a:off x="4572000" y="2571750"/>
+            <a:off x="5124450" y="2609850"/>
             <a:ext cx="1199980" cy="1188000"/>
             <a:chOff x="4384987" y="2603709"/>
             <a:chExt cx="1199980" cy="1188000"/>
@@ -27507,7 +22285,7 @@
         </p:nvGrpSpPr>
         <p:grpSpPr>
           <a:xfrm>
-            <a:off x="6813392" y="2571750"/>
+            <a:off x="7365842" y="2609850"/>
             <a:ext cx="1199980" cy="1188000"/>
             <a:chOff x="4384987" y="2603709"/>
             <a:chExt cx="1199980" cy="1188000"/>
@@ -27674,290 +22452,109 @@
           </p:style>
         </p:cxnSp>
       </p:grpSp>
-      <p:sp>
-        <p:nvSpPr>
-          <p:cNvPr id="24" name="文字版面配置區 4">
+      <p:cxnSp>
+        <p:nvCxnSpPr>
+          <p:cNvPr id="54" name="直線接點 53">
             <a:extLst>
               <a:ext uri="{FF2B5EF4-FFF2-40B4-BE49-F238E27FC236}">
-                <a16:creationId xmlns:a16="http://schemas.microsoft.com/office/drawing/2014/main" id="{C4C97148-1278-44F2-AC54-99749FBCE7BC}"/>
+                <a16:creationId xmlns:a16="http://schemas.microsoft.com/office/drawing/2014/main" id="{CCEC9516-DD66-4950-B7E4-A14B8E642EB1}"/>
               </a:ext>
             </a:extLst>
           </p:cNvPr>
-          <p:cNvSpPr txBox="1">
-            <a:spLocks/>
-          </p:cNvSpPr>
+          <p:cNvCxnSpPr/>
+          <p:nvPr/>
+        </p:nvCxnSpPr>
+        <p:spPr>
+          <a:xfrm>
+            <a:off x="4177196" y="2776594"/>
+            <a:ext cx="4692580" cy="0"/>
+          </a:xfrm>
+          <a:prstGeom prst="line">
+            <a:avLst/>
+          </a:prstGeom>
+        </p:spPr>
+        <p:style>
+          <a:lnRef idx="1">
+            <a:schemeClr val="accent5"/>
+          </a:lnRef>
+          <a:fillRef idx="0">
+            <a:schemeClr val="accent5"/>
+          </a:fillRef>
+          <a:effectRef idx="0">
+            <a:schemeClr val="accent5"/>
+          </a:effectRef>
+          <a:fontRef idx="minor">
+            <a:schemeClr val="tx1"/>
+          </a:fontRef>
+        </p:style>
+      </p:cxnSp>
+      <p:cxnSp>
+        <p:nvCxnSpPr>
+          <p:cNvPr id="55" name="直線接點 54">
+            <a:extLst>
+              <a:ext uri="{FF2B5EF4-FFF2-40B4-BE49-F238E27FC236}">
+                <a16:creationId xmlns:a16="http://schemas.microsoft.com/office/drawing/2014/main" id="{F73DEDF2-DA4A-47EB-91ED-1BB4314217CC}"/>
+              </a:ext>
+            </a:extLst>
+          </p:cNvPr>
+          <p:cNvCxnSpPr/>
+          <p:nvPr/>
+        </p:nvCxnSpPr>
+        <p:spPr>
+          <a:xfrm>
+            <a:off x="4177198" y="3699227"/>
+            <a:ext cx="4692580" cy="0"/>
+          </a:xfrm>
+          <a:prstGeom prst="line">
+            <a:avLst/>
+          </a:prstGeom>
+        </p:spPr>
+        <p:style>
+          <a:lnRef idx="1">
+            <a:schemeClr val="accent5"/>
+          </a:lnRef>
+          <a:fillRef idx="0">
+            <a:schemeClr val="accent5"/>
+          </a:fillRef>
+          <a:effectRef idx="0">
+            <a:schemeClr val="accent5"/>
+          </a:effectRef>
+          <a:fontRef idx="minor">
+            <a:schemeClr val="tx1"/>
+          </a:fontRef>
+        </p:style>
+      </p:cxnSp>
+      <p:sp>
+        <p:nvSpPr>
+          <p:cNvPr id="56" name="文字方塊 55">
+            <a:extLst>
+              <a:ext uri="{FF2B5EF4-FFF2-40B4-BE49-F238E27FC236}">
+                <a16:creationId xmlns:a16="http://schemas.microsoft.com/office/drawing/2014/main" id="{F339F3F1-818B-4EF7-A089-9E0B3C4666E6}"/>
+              </a:ext>
+            </a:extLst>
+          </p:cNvPr>
+          <p:cNvSpPr txBox="1"/>
           <p:nvPr/>
         </p:nvSpPr>
         <p:spPr>
           <a:xfrm>
-            <a:off x="819150" y="1298962"/>
-            <a:ext cx="3376835" cy="3139764"/>
+            <a:off x="4106568" y="2473168"/>
+            <a:ext cx="801823" cy="307777"/>
           </a:xfrm>
           <a:prstGeom prst="rect">
             <a:avLst/>
           </a:prstGeom>
           <a:noFill/>
-          <a:ln>
-            <a:noFill/>
-          </a:ln>
         </p:spPr>
         <p:txBody>
-          <a:bodyPr spcFirstLastPara="1" wrap="square" lIns="91425" tIns="91425" rIns="91425" bIns="91425" anchor="t" anchorCtr="0"/>
-          <a:lstStyle>
-            <a:defPPr marR="0" lvl="0" algn="l" rtl="0">
-              <a:lnSpc>
-                <a:spcPct val="100000"/>
-              </a:lnSpc>
-              <a:spcBef>
-                <a:spcPts val="0"/>
-              </a:spcBef>
-              <a:spcAft>
-                <a:spcPts val="0"/>
-              </a:spcAft>
-            </a:defPPr>
-            <a:lvl1pPr marL="457200" marR="0" lvl="0" indent="-311150" algn="l" rtl="0">
-              <a:lnSpc>
-                <a:spcPct val="115000"/>
-              </a:lnSpc>
-              <a:spcBef>
-                <a:spcPts val="0"/>
-              </a:spcBef>
-              <a:spcAft>
-                <a:spcPts val="0"/>
-              </a:spcAft>
-              <a:buClr>
-                <a:schemeClr val="dk2"/>
-              </a:buClr>
-              <a:buSzPts val="1300"/>
-              <a:buFont typeface="Calibri"/>
-              <a:buChar char="●"/>
-              <a:defRPr sz="2000" b="0" i="0" u="none" strike="noStrike" cap="none">
-                <a:solidFill>
-                  <a:schemeClr val="dk2"/>
-                </a:solidFill>
-                <a:latin typeface="微軟正黑體" panose="020B0604030504040204" pitchFamily="34" charset="-120"/>
-                <a:ea typeface="微軟正黑體" panose="020B0604030504040204" pitchFamily="34" charset="-120"/>
-                <a:cs typeface="Calibri"/>
-                <a:sym typeface="Calibri"/>
-              </a:defRPr>
-            </a:lvl1pPr>
-            <a:lvl2pPr marL="914400" marR="0" lvl="1" indent="-298450" algn="l" rtl="0">
-              <a:lnSpc>
-                <a:spcPct val="115000"/>
-              </a:lnSpc>
-              <a:spcBef>
-                <a:spcPts val="1600"/>
-              </a:spcBef>
-              <a:spcAft>
-                <a:spcPts val="0"/>
-              </a:spcAft>
-              <a:buClr>
-                <a:schemeClr val="dk2"/>
-              </a:buClr>
-              <a:buSzPts val="1100"/>
-              <a:buFont typeface="Calibri"/>
-              <a:buChar char="○"/>
-              <a:defRPr sz="1100" b="0" i="0" u="none" strike="noStrike" cap="none">
-                <a:solidFill>
-                  <a:schemeClr val="dk2"/>
-                </a:solidFill>
-                <a:latin typeface="Calibri"/>
-                <a:ea typeface="Calibri"/>
-                <a:cs typeface="Calibri"/>
-                <a:sym typeface="Calibri"/>
-              </a:defRPr>
-            </a:lvl2pPr>
-            <a:lvl3pPr marL="1371600" marR="0" lvl="2" indent="-298450" algn="l" rtl="0">
-              <a:lnSpc>
-                <a:spcPct val="115000"/>
-              </a:lnSpc>
-              <a:spcBef>
-                <a:spcPts val="1600"/>
-              </a:spcBef>
-              <a:spcAft>
-                <a:spcPts val="0"/>
-              </a:spcAft>
-              <a:buClr>
-                <a:schemeClr val="dk2"/>
-              </a:buClr>
-              <a:buSzPts val="1100"/>
-              <a:buFont typeface="Calibri"/>
-              <a:buChar char="■"/>
-              <a:defRPr sz="1100" b="0" i="0" u="none" strike="noStrike" cap="none">
-                <a:solidFill>
-                  <a:schemeClr val="dk2"/>
-                </a:solidFill>
-                <a:latin typeface="Calibri"/>
-                <a:ea typeface="Calibri"/>
-                <a:cs typeface="Calibri"/>
-                <a:sym typeface="Calibri"/>
-              </a:defRPr>
-            </a:lvl3pPr>
-            <a:lvl4pPr marL="1828800" marR="0" lvl="3" indent="-298450" algn="l" rtl="0">
-              <a:lnSpc>
-                <a:spcPct val="115000"/>
-              </a:lnSpc>
-              <a:spcBef>
-                <a:spcPts val="1600"/>
-              </a:spcBef>
-              <a:spcAft>
-                <a:spcPts val="0"/>
-              </a:spcAft>
-              <a:buClr>
-                <a:schemeClr val="dk2"/>
-              </a:buClr>
-              <a:buSzPts val="1100"/>
-              <a:buFont typeface="Calibri"/>
-              <a:buChar char="●"/>
-              <a:defRPr sz="1100" b="0" i="0" u="none" strike="noStrike" cap="none">
-                <a:solidFill>
-                  <a:schemeClr val="dk2"/>
-                </a:solidFill>
-                <a:latin typeface="Calibri"/>
-                <a:ea typeface="Calibri"/>
-                <a:cs typeface="Calibri"/>
-                <a:sym typeface="Calibri"/>
-              </a:defRPr>
-            </a:lvl4pPr>
-            <a:lvl5pPr marL="2286000" marR="0" lvl="4" indent="-298450" algn="l" rtl="0">
-              <a:lnSpc>
-                <a:spcPct val="115000"/>
-              </a:lnSpc>
-              <a:spcBef>
-                <a:spcPts val="1600"/>
-              </a:spcBef>
-              <a:spcAft>
-                <a:spcPts val="0"/>
-              </a:spcAft>
-              <a:buClr>
-                <a:schemeClr val="dk2"/>
-              </a:buClr>
-              <a:buSzPts val="1100"/>
-              <a:buFont typeface="Calibri"/>
-              <a:buChar char="○"/>
-              <a:defRPr sz="1100" b="0" i="0" u="none" strike="noStrike" cap="none">
-                <a:solidFill>
-                  <a:schemeClr val="dk2"/>
-                </a:solidFill>
-                <a:latin typeface="Calibri"/>
-                <a:ea typeface="Calibri"/>
-                <a:cs typeface="Calibri"/>
-                <a:sym typeface="Calibri"/>
-              </a:defRPr>
-            </a:lvl5pPr>
-            <a:lvl6pPr marL="2743200" marR="0" lvl="5" indent="-298450" algn="l" rtl="0">
-              <a:lnSpc>
-                <a:spcPct val="115000"/>
-              </a:lnSpc>
-              <a:spcBef>
-                <a:spcPts val="1600"/>
-              </a:spcBef>
-              <a:spcAft>
-                <a:spcPts val="0"/>
-              </a:spcAft>
-              <a:buClr>
-                <a:schemeClr val="dk2"/>
-              </a:buClr>
-              <a:buSzPts val="1100"/>
-              <a:buFont typeface="Calibri"/>
-              <a:buChar char="■"/>
-              <a:defRPr sz="1100" b="0" i="0" u="none" strike="noStrike" cap="none">
-                <a:solidFill>
-                  <a:schemeClr val="dk2"/>
-                </a:solidFill>
-                <a:latin typeface="Calibri"/>
-                <a:ea typeface="Calibri"/>
-                <a:cs typeface="Calibri"/>
-                <a:sym typeface="Calibri"/>
-              </a:defRPr>
-            </a:lvl6pPr>
-            <a:lvl7pPr marL="3200400" marR="0" lvl="6" indent="-298450" algn="l" rtl="0">
-              <a:lnSpc>
-                <a:spcPct val="115000"/>
-              </a:lnSpc>
-              <a:spcBef>
-                <a:spcPts val="1600"/>
-              </a:spcBef>
-              <a:spcAft>
-                <a:spcPts val="0"/>
-              </a:spcAft>
-              <a:buClr>
-                <a:schemeClr val="dk2"/>
-              </a:buClr>
-              <a:buSzPts val="1100"/>
-              <a:buFont typeface="Calibri"/>
-              <a:buChar char="●"/>
-              <a:defRPr sz="1100" b="0" i="0" u="none" strike="noStrike" cap="none">
-                <a:solidFill>
-                  <a:schemeClr val="dk2"/>
-                </a:solidFill>
-                <a:latin typeface="Calibri"/>
-                <a:ea typeface="Calibri"/>
-                <a:cs typeface="Calibri"/>
-                <a:sym typeface="Calibri"/>
-              </a:defRPr>
-            </a:lvl7pPr>
-            <a:lvl8pPr marL="3657600" marR="0" lvl="7" indent="-298450" algn="l" rtl="0">
-              <a:lnSpc>
-                <a:spcPct val="115000"/>
-              </a:lnSpc>
-              <a:spcBef>
-                <a:spcPts val="1600"/>
-              </a:spcBef>
-              <a:spcAft>
-                <a:spcPts val="0"/>
-              </a:spcAft>
-              <a:buClr>
-                <a:schemeClr val="dk2"/>
-              </a:buClr>
-              <a:buSzPts val="1100"/>
-              <a:buFont typeface="Calibri"/>
-              <a:buChar char="○"/>
-              <a:defRPr sz="1100" b="0" i="0" u="none" strike="noStrike" cap="none">
-                <a:solidFill>
-                  <a:schemeClr val="dk2"/>
-                </a:solidFill>
-                <a:latin typeface="Calibri"/>
-                <a:ea typeface="Calibri"/>
-                <a:cs typeface="Calibri"/>
-                <a:sym typeface="Calibri"/>
-              </a:defRPr>
-            </a:lvl8pPr>
-            <a:lvl9pPr marL="4114800" marR="0" lvl="8" indent="-298450" algn="l" rtl="0">
-              <a:lnSpc>
-                <a:spcPct val="115000"/>
-              </a:lnSpc>
-              <a:spcBef>
-                <a:spcPts val="1600"/>
-              </a:spcBef>
-              <a:spcAft>
-                <a:spcPts val="1600"/>
-              </a:spcAft>
-              <a:buClr>
-                <a:schemeClr val="dk2"/>
-              </a:buClr>
-              <a:buSzPts val="1100"/>
-              <a:buFont typeface="Calibri"/>
-              <a:buChar char="■"/>
-              <a:defRPr sz="1100" b="0" i="0" u="none" strike="noStrike" cap="none">
-                <a:solidFill>
-                  <a:schemeClr val="dk2"/>
-                </a:solidFill>
-                <a:latin typeface="Calibri"/>
-                <a:ea typeface="Calibri"/>
-                <a:cs typeface="Calibri"/>
-                <a:sym typeface="Calibri"/>
-              </a:defRPr>
-            </a:lvl9pPr>
-          </a:lstStyle>
-          <a:p>
-            <a:r>
-              <a:rPr lang="zh-TW" altLang="en-US" dirty="0"/>
-              <a:t>清掃方式二 </a:t>
-            </a:r>
+          <a:bodyPr wrap="none" rtlCol="0">
+            <a:spAutoFit/>
+          </a:bodyPr>
+          <a:lstStyle/>
+          <a:p>
             <a:r>
               <a:rPr lang="en-US" altLang="zh-TW" dirty="0"/>
-              <a:t>:</a:t>
+              <a:t>Stage</a:t>
             </a:r>
             <a:r>
               <a:rPr lang="zh-TW" altLang="en-US" dirty="0"/>
@@ -27965,128 +22562,96 @@
             </a:r>
             <a:r>
               <a:rPr lang="en-US" altLang="zh-TW" dirty="0"/>
-              <a:t>SWALK</a:t>
-            </a:r>
-          </a:p>
-          <a:p>
-            <a:r>
-              <a:rPr lang="zh-TW" altLang="en-US" dirty="0"/>
-              <a:t>流程 </a:t>
-            </a:r>
+              <a:t>1</a:t>
+            </a:r>
+            <a:endParaRPr lang="zh-TW" altLang="en-US" dirty="0"/>
+          </a:p>
+        </p:txBody>
+      </p:sp>
+      <p:sp>
+        <p:nvSpPr>
+          <p:cNvPr id="57" name="文字方塊 56">
+            <a:extLst>
+              <a:ext uri="{FF2B5EF4-FFF2-40B4-BE49-F238E27FC236}">
+                <a16:creationId xmlns:a16="http://schemas.microsoft.com/office/drawing/2014/main" id="{679C16BC-DF4D-4D9C-B0E9-55B441B6DA79}"/>
+              </a:ext>
+            </a:extLst>
+          </p:cNvPr>
+          <p:cNvSpPr txBox="1"/>
+          <p:nvPr/>
+        </p:nvSpPr>
+        <p:spPr>
+          <a:xfrm>
+            <a:off x="4106568" y="3080578"/>
+            <a:ext cx="801823" cy="307777"/>
+          </a:xfrm>
+          <a:prstGeom prst="rect">
+            <a:avLst/>
+          </a:prstGeom>
+          <a:noFill/>
+        </p:spPr>
+        <p:txBody>
+          <a:bodyPr wrap="none" rtlCol="0">
+            <a:spAutoFit/>
+          </a:bodyPr>
+          <a:lstStyle/>
+          <a:p>
             <a:r>
               <a:rPr lang="en-US" altLang="zh-TW" dirty="0"/>
-              <a:t>:</a:t>
+              <a:t>Stage</a:t>
             </a:r>
             <a:r>
               <a:rPr lang="zh-TW" altLang="en-US" dirty="0"/>
               <a:t> </a:t>
             </a:r>
-            <a:endParaRPr lang="en-US" altLang="zh-TW" dirty="0"/>
-          </a:p>
-          <a:p>
-            <a:pPr marL="720000" lvl="1">
-              <a:lnSpc>
-                <a:spcPct val="100000"/>
-              </a:lnSpc>
-              <a:spcBef>
-                <a:spcPts val="1200"/>
-              </a:spcBef>
-            </a:pPr>
-            <a:r>
-              <a:rPr lang="zh-TW" altLang="en-US" sz="1800" dirty="0">
-                <a:latin typeface="微軟正黑體" panose="020B0604030504040204" pitchFamily="34" charset="-120"/>
-                <a:ea typeface="微軟正黑體" panose="020B0604030504040204" pitchFamily="34" charset="-120"/>
-              </a:rPr>
-              <a:t>行走到牆就轉</a:t>
-            </a:r>
-            <a:r>
-              <a:rPr lang="en-US" altLang="zh-TW" sz="1800" dirty="0">
-                <a:latin typeface="微軟正黑體" panose="020B0604030504040204" pitchFamily="34" charset="-120"/>
-                <a:ea typeface="微軟正黑體" panose="020B0604030504040204" pitchFamily="34" charset="-120"/>
-              </a:rPr>
-              <a:t>90</a:t>
-            </a:r>
-            <a:r>
-              <a:rPr lang="zh-TW" altLang="en-US" sz="1800" dirty="0">
-                <a:latin typeface="微軟正黑體" panose="020B0604030504040204" pitchFamily="34" charset="-120"/>
-                <a:ea typeface="微軟正黑體" panose="020B0604030504040204" pitchFamily="34" charset="-120"/>
-              </a:rPr>
-              <a:t>度，再行走一小段，再轉</a:t>
-            </a:r>
-            <a:r>
-              <a:rPr lang="en-US" altLang="zh-TW" sz="1800" dirty="0">
-                <a:latin typeface="微軟正黑體" panose="020B0604030504040204" pitchFamily="34" charset="-120"/>
-                <a:ea typeface="微軟正黑體" panose="020B0604030504040204" pitchFamily="34" charset="-120"/>
-              </a:rPr>
-              <a:t>90</a:t>
-            </a:r>
-            <a:r>
-              <a:rPr lang="zh-TW" altLang="en-US" sz="1800" dirty="0">
-                <a:latin typeface="微軟正黑體" panose="020B0604030504040204" pitchFamily="34" charset="-120"/>
-                <a:ea typeface="微軟正黑體" panose="020B0604030504040204" pitchFamily="34" charset="-120"/>
-              </a:rPr>
-              <a:t>度</a:t>
-            </a:r>
-            <a:endParaRPr lang="en-US" altLang="zh-TW" sz="1800" dirty="0">
-              <a:latin typeface="微軟正黑體" panose="020B0604030504040204" pitchFamily="34" charset="-120"/>
-              <a:ea typeface="微軟正黑體" panose="020B0604030504040204" pitchFamily="34" charset="-120"/>
-            </a:endParaRPr>
-          </a:p>
-          <a:p>
-            <a:pPr marL="720000" lvl="1">
-              <a:lnSpc>
-                <a:spcPct val="100000"/>
-              </a:lnSpc>
-              <a:spcBef>
-                <a:spcPts val="1200"/>
-              </a:spcBef>
-            </a:pPr>
-            <a:r>
-              <a:rPr lang="zh-TW" altLang="en-US" sz="1800" dirty="0">
-                <a:latin typeface="微軟正黑體" panose="020B0604030504040204" pitchFamily="34" charset="-120"/>
-                <a:ea typeface="微軟正黑體" panose="020B0604030504040204" pitchFamily="34" charset="-120"/>
-              </a:rPr>
-              <a:t>記錄遇牆次數，並多轉</a:t>
-            </a:r>
-            <a:r>
-              <a:rPr lang="en-US" altLang="zh-TW" sz="1800" dirty="0">
-                <a:latin typeface="微軟正黑體" panose="020B0604030504040204" pitchFamily="34" charset="-120"/>
-                <a:ea typeface="微軟正黑體" panose="020B0604030504040204" pitchFamily="34" charset="-120"/>
-              </a:rPr>
-              <a:t>90</a:t>
-            </a:r>
-            <a:r>
-              <a:rPr lang="zh-TW" altLang="en-US" sz="1800" dirty="0">
-                <a:latin typeface="微軟正黑體" panose="020B0604030504040204" pitchFamily="34" charset="-120"/>
-                <a:ea typeface="微軟正黑體" panose="020B0604030504040204" pitchFamily="34" charset="-120"/>
-              </a:rPr>
-              <a:t>度，然後隨機修改</a:t>
-            </a:r>
-            <a:r>
-              <a:rPr lang="en-US" altLang="zh-TW" sz="1800" dirty="0" err="1">
-                <a:latin typeface="微軟正黑體" panose="020B0604030504040204" pitchFamily="34" charset="-120"/>
-                <a:ea typeface="微軟正黑體" panose="020B0604030504040204" pitchFamily="34" charset="-120"/>
-              </a:rPr>
-              <a:t>Swalk_direction</a:t>
-            </a:r>
-            <a:endParaRPr lang="en-US" altLang="zh-TW" sz="1800" dirty="0">
-              <a:latin typeface="微軟正黑體" panose="020B0604030504040204" pitchFamily="34" charset="-120"/>
-              <a:ea typeface="微軟正黑體" panose="020B0604030504040204" pitchFamily="34" charset="-120"/>
-            </a:endParaRPr>
-          </a:p>
-          <a:p>
-            <a:pPr marL="146050" indent="0">
-              <a:buNone/>
-            </a:pPr>
-            <a:endParaRPr lang="en-US" altLang="zh-TW" dirty="0"/>
-          </a:p>
-          <a:p>
-            <a:endParaRPr lang="en-US" altLang="zh-TW" dirty="0"/>
-          </a:p>
-          <a:p>
-            <a:endParaRPr lang="en-US" altLang="zh-TW" dirty="0"/>
-          </a:p>
-          <a:p>
+            <a:r>
+              <a:rPr lang="en-US" altLang="zh-TW" dirty="0"/>
+              <a:t>2</a:t>
+            </a:r>
+            <a:endParaRPr lang="zh-TW" altLang="en-US" dirty="0"/>
+          </a:p>
+        </p:txBody>
+      </p:sp>
+      <p:sp>
+        <p:nvSpPr>
+          <p:cNvPr id="58" name="文字方塊 57">
+            <a:extLst>
+              <a:ext uri="{FF2B5EF4-FFF2-40B4-BE49-F238E27FC236}">
+                <a16:creationId xmlns:a16="http://schemas.microsoft.com/office/drawing/2014/main" id="{792CE03E-CE6F-409C-AF4C-A06D38A89762}"/>
+              </a:ext>
+            </a:extLst>
+          </p:cNvPr>
+          <p:cNvSpPr txBox="1"/>
+          <p:nvPr/>
+        </p:nvSpPr>
+        <p:spPr>
+          <a:xfrm>
+            <a:off x="4102342" y="3776957"/>
+            <a:ext cx="801823" cy="307777"/>
+          </a:xfrm>
+          <a:prstGeom prst="rect">
+            <a:avLst/>
+          </a:prstGeom>
+          <a:noFill/>
+        </p:spPr>
+        <p:txBody>
+          <a:bodyPr wrap="none" rtlCol="0">
+            <a:spAutoFit/>
+          </a:bodyPr>
+          <a:lstStyle/>
+          <a:p>
+            <a:r>
+              <a:rPr lang="en-US" altLang="zh-TW" dirty="0"/>
+              <a:t>Stage</a:t>
+            </a:r>
+            <a:r>
+              <a:rPr lang="zh-TW" altLang="en-US" dirty="0"/>
+              <a:t> </a:t>
+            </a:r>
+            <a:r>
+              <a:rPr lang="en-US" altLang="zh-TW" dirty="0"/>
+              <a:t>3</a:t>
+            </a:r>
             <a:endParaRPr lang="zh-TW" altLang="en-US" dirty="0"/>
           </a:p>
         </p:txBody>
@@ -28094,7 +22659,7 @@
     </p:spTree>
     <p:extLst>
       <p:ext uri="{BB962C8B-B14F-4D97-AF65-F5344CB8AC3E}">
-        <p14:creationId xmlns:p14="http://schemas.microsoft.com/office/powerpoint/2010/main" val="1597394938"/>
+        <p14:creationId xmlns:p14="http://schemas.microsoft.com/office/powerpoint/2010/main" val="943815112"/>
       </p:ext>
     </p:extLst>
   </p:cSld>
@@ -28193,34 +22758,6 @@
             <a:noAutofit/>
           </a:bodyPr>
           <a:lstStyle/>
-          <a:p>
-            <a:pPr marL="457200" lvl="0" indent="-311150" algn="l" rtl="0">
-              <a:spcBef>
-                <a:spcPts val="0"/>
-              </a:spcBef>
-              <a:spcAft>
-                <a:spcPts val="0"/>
-              </a:spcAft>
-              <a:buSzPts val="1300"/>
-              <a:buChar char="●"/>
-            </a:pPr>
-            <a:r>
-              <a:rPr lang="zh-TW" altLang="en-US" sz="2000" dirty="0">
-                <a:solidFill>
-                  <a:srgbClr val="233A44"/>
-                </a:solidFill>
-                <a:latin typeface="微軟正黑體" panose="020B0604030504040204" pitchFamily="34" charset="-120"/>
-                <a:ea typeface="微軟正黑體" panose="020B0604030504040204" pitchFamily="34" charset="-120"/>
-                <a:cs typeface="Arial"/>
-                <a:sym typeface="Arial"/>
-              </a:rPr>
-              <a:t>題目說明</a:t>
-            </a:r>
-            <a:endParaRPr sz="2000" dirty="0">
-              <a:latin typeface="微軟正黑體" panose="020B0604030504040204" pitchFamily="34" charset="-120"/>
-              <a:ea typeface="微軟正黑體" panose="020B0604030504040204" pitchFamily="34" charset="-120"/>
-            </a:endParaRPr>
-          </a:p>
           <a:p>
             <a:pPr marL="457200" lvl="0" indent="-311150" algn="l" rtl="0">
               <a:spcBef>
@@ -31443,198 +25980,8 @@
 </p:sld>
 </file>
 
-<file path=ppt/slides/slide27.xml><?xml version="1.0" encoding="utf-8"?>
+<file path=ppt/slides/slide3.xml><?xml version="1.0" encoding="utf-8"?>
 <p:sld xmlns:a="http://schemas.openxmlformats.org/drawingml/2006/main" xmlns:r="http://schemas.openxmlformats.org/officeDocument/2006/relationships" xmlns:p="http://schemas.openxmlformats.org/presentationml/2006/main" show="0">
-  <p:cSld>
-    <p:spTree>
-      <p:nvGrpSpPr>
-        <p:cNvPr id="1" name="Shape 173"/>
-        <p:cNvGrpSpPr/>
-        <p:nvPr/>
-      </p:nvGrpSpPr>
-      <p:grpSpPr>
-        <a:xfrm>
-          <a:off x="0" y="0"/>
-          <a:ext cx="0" cy="0"/>
-          <a:chOff x="0" y="0"/>
-          <a:chExt cx="0" cy="0"/>
-        </a:xfrm>
-      </p:grpSpPr>
-      <p:sp>
-        <p:nvSpPr>
-          <p:cNvPr id="174" name="Google Shape;174;p20"/>
-          <p:cNvSpPr txBox="1">
-            <a:spLocks noGrp="1"/>
-          </p:cNvSpPr>
-          <p:nvPr>
-            <p:ph type="title"/>
-          </p:nvPr>
-        </p:nvSpPr>
-        <p:spPr>
-          <a:xfrm>
-            <a:off x="819150" y="464600"/>
-            <a:ext cx="7505700" cy="954600"/>
-          </a:xfrm>
-          <a:prstGeom prst="rect">
-            <a:avLst/>
-          </a:prstGeom>
-        </p:spPr>
-        <p:txBody>
-          <a:bodyPr spcFirstLastPara="1" wrap="square" lIns="91425" tIns="91425" rIns="91425" bIns="91425" anchor="t" anchorCtr="0">
-            <a:noAutofit/>
-          </a:bodyPr>
-          <a:lstStyle/>
-          <a:p>
-            <a:pPr marL="0" lvl="0" indent="0" algn="l" rtl="0">
-              <a:spcBef>
-                <a:spcPts val="0"/>
-              </a:spcBef>
-              <a:spcAft>
-                <a:spcPts val="0"/>
-              </a:spcAft>
-              <a:buNone/>
-            </a:pPr>
-            <a:r>
-              <a:rPr lang="zh-TW" altLang="en-US" dirty="0">
-                <a:latin typeface="微軟正黑體" panose="020B0604030504040204" pitchFamily="34" charset="-120"/>
-                <a:ea typeface="微軟正黑體" panose="020B0604030504040204" pitchFamily="34" charset="-120"/>
-                <a:cs typeface="Arial" panose="020B0604020202020204" pitchFamily="34" charset="0"/>
-              </a:rPr>
-              <a:t>工作分配</a:t>
-            </a:r>
-            <a:endParaRPr dirty="0">
-              <a:latin typeface="微軟正黑體" panose="020B0604030504040204" pitchFamily="34" charset="-120"/>
-              <a:ea typeface="微軟正黑體" panose="020B0604030504040204" pitchFamily="34" charset="-120"/>
-              <a:cs typeface="Arial" panose="020B0604020202020204" pitchFamily="34" charset="0"/>
-            </a:endParaRPr>
-          </a:p>
-        </p:txBody>
-      </p:sp>
-      <p:sp>
-        <p:nvSpPr>
-          <p:cNvPr id="175" name="Google Shape;175;p20"/>
-          <p:cNvSpPr txBox="1">
-            <a:spLocks noGrp="1"/>
-          </p:cNvSpPr>
-          <p:nvPr>
-            <p:ph type="body" idx="1"/>
-          </p:nvPr>
-        </p:nvSpPr>
-        <p:spPr>
-          <a:xfrm>
-            <a:off x="819150" y="1419200"/>
-            <a:ext cx="7505700" cy="3019500"/>
-          </a:xfrm>
-          <a:prstGeom prst="rect">
-            <a:avLst/>
-          </a:prstGeom>
-        </p:spPr>
-        <p:txBody>
-          <a:bodyPr spcFirstLastPara="1" wrap="square" lIns="91425" tIns="91425" rIns="91425" bIns="91425" anchor="t" anchorCtr="0">
-            <a:noAutofit/>
-          </a:bodyPr>
-          <a:lstStyle/>
-          <a:p>
-            <a:pPr marL="457200" lvl="0" indent="-311150" algn="l" rtl="0">
-              <a:spcBef>
-                <a:spcPts val="0"/>
-              </a:spcBef>
-              <a:spcAft>
-                <a:spcPts val="0"/>
-              </a:spcAft>
-              <a:buSzPts val="1300"/>
-              <a:buChar char="●"/>
-            </a:pPr>
-            <a:endParaRPr dirty="0"/>
-          </a:p>
-        </p:txBody>
-      </p:sp>
-      <p:sp>
-        <p:nvSpPr>
-          <p:cNvPr id="18" name="投影片編號版面配置區 17"/>
-          <p:cNvSpPr>
-            <a:spLocks noGrp="1"/>
-          </p:cNvSpPr>
-          <p:nvPr>
-            <p:ph type="sldNum" idx="12"/>
-          </p:nvPr>
-        </p:nvSpPr>
-        <p:spPr/>
-        <p:txBody>
-          <a:bodyPr/>
-          <a:lstStyle/>
-          <a:p>
-            <a:pPr marL="0" lvl="0" indent="0" algn="r" rtl="0">
-              <a:spcBef>
-                <a:spcPts val="0"/>
-              </a:spcBef>
-              <a:spcAft>
-                <a:spcPts val="0"/>
-              </a:spcAft>
-              <a:buNone/>
-            </a:pPr>
-            <a:fld id="{00000000-1234-1234-1234-123412341234}" type="slidenum">
-              <a:rPr lang="en-US" altLang="zh-TW" smtClean="0"/>
-              <a:t>27</a:t>
-            </a:fld>
-            <a:endParaRPr lang="zh-TW" altLang="en-US"/>
-          </a:p>
-        </p:txBody>
-      </p:sp>
-      <p:graphicFrame>
-        <p:nvGraphicFramePr>
-          <p:cNvPr id="20" name="資料庫圖表 19"/>
-          <p:cNvGraphicFramePr/>
-          <p:nvPr>
-            <p:extLst>
-              <p:ext uri="{D42A27DB-BD31-4B8C-83A1-F6EECF244321}">
-                <p14:modId xmlns:p14="http://schemas.microsoft.com/office/powerpoint/2010/main" val="1941375692"/>
-              </p:ext>
-            </p:extLst>
-          </p:nvPr>
-        </p:nvGraphicFramePr>
-        <p:xfrm>
-          <a:off x="554990" y="1416000"/>
-          <a:ext cx="3820160" cy="3019500"/>
-        </p:xfrm>
-        <a:graphic>
-          <a:graphicData uri="http://schemas.openxmlformats.org/drawingml/2006/diagram">
-            <dgm:relIds xmlns:dgm="http://schemas.openxmlformats.org/drawingml/2006/diagram" xmlns:r="http://schemas.openxmlformats.org/officeDocument/2006/relationships" r:dm="rId3" r:lo="rId4" r:qs="rId5" r:cs="rId6"/>
-          </a:graphicData>
-        </a:graphic>
-      </p:graphicFrame>
-      <p:graphicFrame>
-        <p:nvGraphicFramePr>
-          <p:cNvPr id="23" name="資料庫圖表 22"/>
-          <p:cNvGraphicFramePr/>
-          <p:nvPr>
-            <p:extLst>
-              <p:ext uri="{D42A27DB-BD31-4B8C-83A1-F6EECF244321}">
-                <p14:modId xmlns:p14="http://schemas.microsoft.com/office/powerpoint/2010/main" val="3390371345"/>
-              </p:ext>
-            </p:extLst>
-          </p:nvPr>
-        </p:nvGraphicFramePr>
-        <p:xfrm>
-          <a:off x="4775624" y="1416000"/>
-          <a:ext cx="3820160" cy="3019500"/>
-        </p:xfrm>
-        <a:graphic>
-          <a:graphicData uri="http://schemas.openxmlformats.org/drawingml/2006/diagram">
-            <dgm:relIds xmlns:dgm="http://schemas.openxmlformats.org/drawingml/2006/diagram" xmlns:r="http://schemas.openxmlformats.org/officeDocument/2006/relationships" r:dm="rId8" r:lo="rId9" r:qs="rId10" r:cs="rId11"/>
-          </a:graphicData>
-        </a:graphic>
-      </p:graphicFrame>
-    </p:spTree>
-  </p:cSld>
-  <p:clrMapOvr>
-    <a:masterClrMapping/>
-  </p:clrMapOvr>
-</p:sld>
-</file>
-
-<file path=ppt/slides/slide3.xml><?xml version="1.0" encoding="utf-8"?>
-<p:sld xmlns:a="http://schemas.openxmlformats.org/drawingml/2006/main" xmlns:r="http://schemas.openxmlformats.org/officeDocument/2006/relationships" xmlns:p="http://schemas.openxmlformats.org/presentationml/2006/main">
   <p:cSld>
     <p:spTree>
       <p:nvGrpSpPr>
@@ -32801,6 +27148,83 @@
           </a:p>
         </p:txBody>
       </p:sp>
+      <p:pic>
+        <p:nvPicPr>
+          <p:cNvPr id="3" name="圖片 2">
+            <a:extLst>
+              <a:ext uri="{FF2B5EF4-FFF2-40B4-BE49-F238E27FC236}">
+                <a16:creationId xmlns:a16="http://schemas.microsoft.com/office/drawing/2014/main" id="{9C2DD2AA-D9B3-456D-9EC0-21A2C02B259C}"/>
+              </a:ext>
+            </a:extLst>
+          </p:cNvPr>
+          <p:cNvPicPr>
+            <a:picLocks noChangeAspect="1"/>
+          </p:cNvPicPr>
+          <p:nvPr/>
+        </p:nvPicPr>
+        <p:blipFill>
+          <a:blip r:embed="rId3"/>
+          <a:stretch>
+            <a:fillRect/>
+          </a:stretch>
+        </p:blipFill>
+        <p:spPr>
+          <a:xfrm>
+            <a:off x="3654879" y="1456918"/>
+            <a:ext cx="1638214" cy="1638214"/>
+          </a:xfrm>
+          <a:prstGeom prst="rect">
+            <a:avLst/>
+          </a:prstGeom>
+        </p:spPr>
+      </p:pic>
+      <p:pic>
+        <p:nvPicPr>
+          <p:cNvPr id="1026" name="Picture 2" descr="ãTiledãçåçæå°çµæ">
+            <a:extLst>
+              <a:ext uri="{FF2B5EF4-FFF2-40B4-BE49-F238E27FC236}">
+                <a16:creationId xmlns:a16="http://schemas.microsoft.com/office/drawing/2014/main" id="{6712637D-FDD6-46E1-B8C5-B81D1979FA47}"/>
+              </a:ext>
+            </a:extLst>
+          </p:cNvPr>
+          <p:cNvPicPr>
+            <a:picLocks noChangeAspect="1" noChangeArrowheads="1"/>
+          </p:cNvPicPr>
+          <p:nvPr/>
+        </p:nvPicPr>
+        <p:blipFill>
+          <a:blip r:embed="rId4">
+            <a:extLst>
+              <a:ext uri="{28A0092B-C50C-407E-A947-70E740481C1C}">
+                <a14:useLocalDpi xmlns:a14="http://schemas.microsoft.com/office/drawing/2010/main" val="0"/>
+              </a:ext>
+            </a:extLst>
+          </a:blip>
+          <a:srcRect/>
+          <a:stretch>
+            <a:fillRect/>
+          </a:stretch>
+        </p:blipFill>
+        <p:spPr bwMode="auto">
+          <a:xfrm>
+            <a:off x="5683195" y="2571750"/>
+            <a:ext cx="2171166" cy="1611136"/>
+          </a:xfrm>
+          <a:prstGeom prst="rect">
+            <a:avLst/>
+          </a:prstGeom>
+          <a:noFill/>
+          <a:extLst>
+            <a:ext uri="{909E8E84-426E-40DD-AFC4-6F175D3DCCD1}">
+              <a14:hiddenFill xmlns:a14="http://schemas.microsoft.com/office/drawing/2010/main">
+                <a:solidFill>
+                  <a:srgbClr val="FFFFFF"/>
+                </a:solidFill>
+              </a14:hiddenFill>
+            </a:ext>
+          </a:extLst>
+        </p:spPr>
+      </p:pic>
     </p:spTree>
     <p:extLst>
       <p:ext uri="{BB962C8B-B14F-4D97-AF65-F5344CB8AC3E}">
